--- a/db2db_구조.pptx
+++ b/db2db_구조.pptx
@@ -8,6 +8,7 @@
     <p:sldId id="256" r:id="rId2"/>
     <p:sldId id="257" r:id="rId3"/>
     <p:sldId id="258" r:id="rId4"/>
+    <p:sldId id="259" r:id="rId5"/>
   </p:sldIdLst>
   <p:sldSz cx="12192000" cy="6858000"/>
   <p:notesSz cx="6858000" cy="9144000"/>
@@ -245,7 +246,7 @@
           <a:p>
             <a:fld id="{810557F9-1F21-47B8-A6D4-D5A2F4A22EB4}" type="datetimeFigureOut">
               <a:rPr lang="ko-KR" altLang="en-US" smtClean="0"/>
-              <a:t>2020-02-26</a:t>
+              <a:t>2020-02-27</a:t>
             </a:fld>
             <a:endParaRPr lang="ko-KR" altLang="en-US"/>
           </a:p>
@@ -415,7 +416,7 @@
           <a:p>
             <a:fld id="{810557F9-1F21-47B8-A6D4-D5A2F4A22EB4}" type="datetimeFigureOut">
               <a:rPr lang="ko-KR" altLang="en-US" smtClean="0"/>
-              <a:t>2020-02-26</a:t>
+              <a:t>2020-02-27</a:t>
             </a:fld>
             <a:endParaRPr lang="ko-KR" altLang="en-US"/>
           </a:p>
@@ -595,7 +596,7 @@
           <a:p>
             <a:fld id="{810557F9-1F21-47B8-A6D4-D5A2F4A22EB4}" type="datetimeFigureOut">
               <a:rPr lang="ko-KR" altLang="en-US" smtClean="0"/>
-              <a:t>2020-02-26</a:t>
+              <a:t>2020-02-27</a:t>
             </a:fld>
             <a:endParaRPr lang="ko-KR" altLang="en-US"/>
           </a:p>
@@ -765,7 +766,7 @@
           <a:p>
             <a:fld id="{810557F9-1F21-47B8-A6D4-D5A2F4A22EB4}" type="datetimeFigureOut">
               <a:rPr lang="ko-KR" altLang="en-US" smtClean="0"/>
-              <a:t>2020-02-26</a:t>
+              <a:t>2020-02-27</a:t>
             </a:fld>
             <a:endParaRPr lang="ko-KR" altLang="en-US"/>
           </a:p>
@@ -1011,7 +1012,7 @@
           <a:p>
             <a:fld id="{810557F9-1F21-47B8-A6D4-D5A2F4A22EB4}" type="datetimeFigureOut">
               <a:rPr lang="ko-KR" altLang="en-US" smtClean="0"/>
-              <a:t>2020-02-26</a:t>
+              <a:t>2020-02-27</a:t>
             </a:fld>
             <a:endParaRPr lang="ko-KR" altLang="en-US"/>
           </a:p>
@@ -1243,7 +1244,7 @@
           <a:p>
             <a:fld id="{810557F9-1F21-47B8-A6D4-D5A2F4A22EB4}" type="datetimeFigureOut">
               <a:rPr lang="ko-KR" altLang="en-US" smtClean="0"/>
-              <a:t>2020-02-26</a:t>
+              <a:t>2020-02-27</a:t>
             </a:fld>
             <a:endParaRPr lang="ko-KR" altLang="en-US"/>
           </a:p>
@@ -1610,7 +1611,7 @@
           <a:p>
             <a:fld id="{810557F9-1F21-47B8-A6D4-D5A2F4A22EB4}" type="datetimeFigureOut">
               <a:rPr lang="ko-KR" altLang="en-US" smtClean="0"/>
-              <a:t>2020-02-26</a:t>
+              <a:t>2020-02-27</a:t>
             </a:fld>
             <a:endParaRPr lang="ko-KR" altLang="en-US"/>
           </a:p>
@@ -1728,7 +1729,7 @@
           <a:p>
             <a:fld id="{810557F9-1F21-47B8-A6D4-D5A2F4A22EB4}" type="datetimeFigureOut">
               <a:rPr lang="ko-KR" altLang="en-US" smtClean="0"/>
-              <a:t>2020-02-26</a:t>
+              <a:t>2020-02-27</a:t>
             </a:fld>
             <a:endParaRPr lang="ko-KR" altLang="en-US"/>
           </a:p>
@@ -1823,7 +1824,7 @@
           <a:p>
             <a:fld id="{810557F9-1F21-47B8-A6D4-D5A2F4A22EB4}" type="datetimeFigureOut">
               <a:rPr lang="ko-KR" altLang="en-US" smtClean="0"/>
-              <a:t>2020-02-26</a:t>
+              <a:t>2020-02-27</a:t>
             </a:fld>
             <a:endParaRPr lang="ko-KR" altLang="en-US"/>
           </a:p>
@@ -2100,7 +2101,7 @@
           <a:p>
             <a:fld id="{810557F9-1F21-47B8-A6D4-D5A2F4A22EB4}" type="datetimeFigureOut">
               <a:rPr lang="ko-KR" altLang="en-US" smtClean="0"/>
-              <a:t>2020-02-26</a:t>
+              <a:t>2020-02-27</a:t>
             </a:fld>
             <a:endParaRPr lang="ko-KR" altLang="en-US"/>
           </a:p>
@@ -2353,7 +2354,7 @@
           <a:p>
             <a:fld id="{810557F9-1F21-47B8-A6D4-D5A2F4A22EB4}" type="datetimeFigureOut">
               <a:rPr lang="ko-KR" altLang="en-US" smtClean="0"/>
-              <a:t>2020-02-26</a:t>
+              <a:t>2020-02-27</a:t>
             </a:fld>
             <a:endParaRPr lang="ko-KR" altLang="en-US"/>
           </a:p>
@@ -2566,7 +2567,7 @@
           <a:p>
             <a:fld id="{810557F9-1F21-47B8-A6D4-D5A2F4A22EB4}" type="datetimeFigureOut">
               <a:rPr lang="ko-KR" altLang="en-US" smtClean="0"/>
-              <a:t>2020-02-26</a:t>
+              <a:t>2020-02-27</a:t>
             </a:fld>
             <a:endParaRPr lang="ko-KR" altLang="en-US"/>
           </a:p>
@@ -2986,6 +2987,10 @@
           <a:bodyPr/>
           <a:lstStyle/>
           <a:p>
+            <a:r>
+              <a:rPr lang="en-US" altLang="ko-KR" smtClean="0"/>
+              <a:t>Integration Layer</a:t>
+            </a:r>
             <a:endParaRPr lang="ko-KR" altLang="en-US"/>
           </a:p>
         </p:txBody>
@@ -3019,6 +3024,13 @@
   <p:clrMapOvr>
     <a:masterClrMapping/>
   </p:clrMapOvr>
+  <p:timing>
+    <p:tnLst>
+      <p:par>
+        <p:cTn id="1" dur="indefinite" restart="never" nodeType="tmRoot"/>
+      </p:par>
+    </p:tnLst>
+  </p:timing>
 </p:sld>
 </file>
 
@@ -3041,13 +3053,44 @@
       </p:grpSpPr>
       <p:sp>
         <p:nvSpPr>
-          <p:cNvPr id="45" name="모서리가 둥근 직사각형 44"/>
+          <p:cNvPr id="2" name="제목 1"/>
+          <p:cNvSpPr>
+            <a:spLocks noGrp="1"/>
+          </p:cNvSpPr>
+          <p:nvPr>
+            <p:ph type="title"/>
+          </p:nvPr>
+        </p:nvSpPr>
+        <p:spPr/>
+        <p:txBody>
+          <a:bodyPr/>
+          <a:lstStyle/>
+          <a:p>
+            <a:r>
+              <a:rPr lang="en-US" altLang="ko-KR" smtClean="0"/>
+              <a:t>Nifi </a:t>
+            </a:r>
+            <a:r>
+              <a:rPr lang="ko-KR" altLang="en-US" smtClean="0"/>
+              <a:t>사용 </a:t>
+            </a:r>
+            <a:r>
+              <a:rPr lang="en-US" altLang="ko-KR" smtClean="0"/>
+              <a:t>Architecture</a:t>
+            </a:r>
+            <a:endParaRPr lang="ko-KR" altLang="en-US"/>
+          </a:p>
+        </p:txBody>
+      </p:sp>
+      <p:sp>
+        <p:nvSpPr>
+          <p:cNvPr id="73" name="모서리가 둥근 직사각형 72"/>
           <p:cNvSpPr/>
           <p:nvPr/>
         </p:nvSpPr>
         <p:spPr>
           <a:xfrm>
-            <a:off x="7114136" y="783771"/>
+            <a:off x="7173403" y="1715104"/>
             <a:ext cx="4353185" cy="4450701"/>
           </a:xfrm>
           <a:prstGeom prst="roundRect">
@@ -3086,13 +3129,13 @@
       </p:sp>
       <p:sp>
         <p:nvSpPr>
-          <p:cNvPr id="44" name="모서리가 둥근 직사각형 43"/>
+          <p:cNvPr id="74" name="모서리가 둥근 직사각형 73"/>
           <p:cNvSpPr/>
           <p:nvPr/>
         </p:nvSpPr>
         <p:spPr>
           <a:xfrm>
-            <a:off x="3017523" y="783771"/>
+            <a:off x="3076790" y="1715104"/>
             <a:ext cx="2632781" cy="4450701"/>
           </a:xfrm>
           <a:prstGeom prst="roundRect">
@@ -3131,13 +3174,13 @@
       </p:sp>
       <p:sp>
         <p:nvSpPr>
-          <p:cNvPr id="4" name="직사각형 3"/>
+          <p:cNvPr id="75" name="직사각형 74"/>
           <p:cNvSpPr/>
           <p:nvPr/>
         </p:nvSpPr>
         <p:spPr>
           <a:xfrm>
-            <a:off x="3452327" y="1007707"/>
+            <a:off x="3511594" y="1939040"/>
             <a:ext cx="7636852" cy="1294918"/>
           </a:xfrm>
           <a:prstGeom prst="rect">
@@ -3182,13 +3225,13 @@
       </p:sp>
       <p:sp>
         <p:nvSpPr>
-          <p:cNvPr id="5" name="직사각형 4"/>
+          <p:cNvPr id="76" name="직사각형 75"/>
           <p:cNvSpPr/>
           <p:nvPr/>
         </p:nvSpPr>
         <p:spPr>
           <a:xfrm>
-            <a:off x="5767079" y="3715787"/>
+            <a:off x="5826346" y="4647120"/>
             <a:ext cx="1230283" cy="1147158"/>
           </a:xfrm>
           <a:prstGeom prst="rect">
@@ -3226,13 +3269,13 @@
       </p:sp>
       <p:sp>
         <p:nvSpPr>
-          <p:cNvPr id="7" name="원통 6"/>
+          <p:cNvPr id="77" name="원통 76"/>
           <p:cNvSpPr/>
           <p:nvPr/>
         </p:nvSpPr>
         <p:spPr>
           <a:xfrm>
-            <a:off x="3811385" y="3707475"/>
+            <a:off x="3870652" y="4638808"/>
             <a:ext cx="1313411" cy="1155470"/>
           </a:xfrm>
           <a:prstGeom prst="can">
@@ -3278,13 +3321,13 @@
       </p:sp>
       <p:sp>
         <p:nvSpPr>
-          <p:cNvPr id="8" name="원통 7"/>
+          <p:cNvPr id="78" name="원통 77"/>
           <p:cNvSpPr/>
           <p:nvPr/>
         </p:nvSpPr>
         <p:spPr>
           <a:xfrm>
-            <a:off x="7805651" y="3715787"/>
+            <a:off x="7864918" y="4647120"/>
             <a:ext cx="1313411" cy="1155470"/>
           </a:xfrm>
           <a:prstGeom prst="can">
@@ -3330,13 +3373,13 @@
       </p:sp>
       <p:sp>
         <p:nvSpPr>
-          <p:cNvPr id="9" name="원통 8"/>
+          <p:cNvPr id="79" name="원통 78"/>
           <p:cNvSpPr/>
           <p:nvPr/>
         </p:nvSpPr>
         <p:spPr>
           <a:xfrm>
-            <a:off x="9775768" y="3715787"/>
+            <a:off x="9835035" y="4647120"/>
             <a:ext cx="1313411" cy="1155470"/>
           </a:xfrm>
           <a:prstGeom prst="can">
@@ -3382,13 +3425,13 @@
       </p:sp>
       <p:sp>
         <p:nvSpPr>
-          <p:cNvPr id="10" name="육각형 9"/>
+          <p:cNvPr id="80" name="육각형 79"/>
           <p:cNvSpPr/>
           <p:nvPr/>
         </p:nvSpPr>
         <p:spPr>
           <a:xfrm>
-            <a:off x="548640" y="1317567"/>
+            <a:off x="607907" y="2248900"/>
             <a:ext cx="2161309" cy="1105593"/>
           </a:xfrm>
           <a:prstGeom prst="hexagon">
@@ -3426,16 +3469,16 @@
       </p:sp>
       <p:cxnSp>
         <p:nvCxnSpPr>
-          <p:cNvPr id="12" name="꺾인 연결선 11"/>
+          <p:cNvPr id="81" name="꺾인 연결선 80"/>
           <p:cNvCxnSpPr>
-            <a:stCxn id="10" idx="0"/>
-            <a:endCxn id="7" idx="2"/>
+            <a:stCxn id="80" idx="0"/>
+            <a:endCxn id="77" idx="2"/>
           </p:cNvCxnSpPr>
           <p:nvPr/>
         </p:nvCxnSpPr>
         <p:spPr>
           <a:xfrm>
-            <a:off x="2709949" y="1870364"/>
+            <a:off x="2769216" y="2801697"/>
             <a:ext cx="1101436" cy="2414846"/>
           </a:xfrm>
           <a:prstGeom prst="bentConnector3">
@@ -3464,16 +3507,16 @@
       </p:cxnSp>
       <p:cxnSp>
         <p:nvCxnSpPr>
-          <p:cNvPr id="25" name="꺾인 연결선 24"/>
+          <p:cNvPr id="82" name="꺾인 연결선 81"/>
           <p:cNvCxnSpPr>
-            <a:stCxn id="7" idx="1"/>
-            <a:endCxn id="51" idx="2"/>
+            <a:stCxn id="77" idx="1"/>
+            <a:endCxn id="87" idx="2"/>
           </p:cNvCxnSpPr>
           <p:nvPr/>
         </p:nvCxnSpPr>
         <p:spPr>
           <a:xfrm rot="16200000" flipV="1">
-            <a:off x="3603901" y="2843284"/>
+            <a:off x="3663168" y="3774617"/>
             <a:ext cx="1400028" cy="328353"/>
           </a:xfrm>
           <a:prstGeom prst="bentConnector3">
@@ -3502,15 +3545,15 @@
       </p:cxnSp>
       <p:cxnSp>
         <p:nvCxnSpPr>
-          <p:cNvPr id="29" name="꺾인 연결선 28"/>
+          <p:cNvPr id="83" name="꺾인 연결선 82"/>
           <p:cNvCxnSpPr>
-            <a:stCxn id="52" idx="2"/>
+            <a:stCxn id="88" idx="2"/>
           </p:cNvCxnSpPr>
           <p:nvPr/>
         </p:nvCxnSpPr>
         <p:spPr>
           <a:xfrm rot="16200000" flipH="1">
-            <a:off x="4962723" y="2542448"/>
+            <a:off x="5021990" y="3473781"/>
             <a:ext cx="1413166" cy="933512"/>
           </a:xfrm>
           <a:prstGeom prst="bentConnector3">
@@ -3539,15 +3582,15 @@
       </p:cxnSp>
       <p:cxnSp>
         <p:nvCxnSpPr>
-          <p:cNvPr id="33" name="꺾인 연결선 32"/>
+          <p:cNvPr id="84" name="꺾인 연결선 83"/>
           <p:cNvCxnSpPr>
-            <a:endCxn id="53" idx="2"/>
+            <a:endCxn id="89" idx="2"/>
           </p:cNvCxnSpPr>
           <p:nvPr/>
         </p:nvCxnSpPr>
         <p:spPr>
           <a:xfrm rot="5400000" flipH="1" flipV="1">
-            <a:off x="6385991" y="2508805"/>
+            <a:off x="6445258" y="3440138"/>
             <a:ext cx="1413174" cy="1000790"/>
           </a:xfrm>
           <a:prstGeom prst="bentConnector3">
@@ -3576,16 +3619,16 @@
       </p:cxnSp>
       <p:cxnSp>
         <p:nvCxnSpPr>
-          <p:cNvPr id="36" name="꺾인 연결선 35"/>
+          <p:cNvPr id="85" name="꺾인 연결선 84"/>
           <p:cNvCxnSpPr>
-            <a:stCxn id="54" idx="2"/>
-            <a:endCxn id="8" idx="1"/>
+            <a:stCxn id="90" idx="2"/>
+            <a:endCxn id="78" idx="1"/>
           </p:cNvCxnSpPr>
           <p:nvPr/>
         </p:nvCxnSpPr>
         <p:spPr>
           <a:xfrm rot="5400000">
-            <a:off x="7995618" y="2769360"/>
+            <a:off x="8054885" y="3700693"/>
             <a:ext cx="1413166" cy="479688"/>
           </a:xfrm>
           <a:prstGeom prst="bentConnector3">
@@ -3614,16 +3657,16 @@
       </p:cxnSp>
       <p:cxnSp>
         <p:nvCxnSpPr>
-          <p:cNvPr id="40" name="꺾인 연결선 39"/>
+          <p:cNvPr id="86" name="꺾인 연결선 85"/>
           <p:cNvCxnSpPr>
-            <a:stCxn id="55" idx="2"/>
-            <a:endCxn id="9" idx="1"/>
+            <a:stCxn id="91" idx="2"/>
+            <a:endCxn id="79" idx="1"/>
           </p:cNvCxnSpPr>
           <p:nvPr/>
         </p:nvCxnSpPr>
         <p:spPr>
           <a:xfrm rot="16200000" flipH="1">
-            <a:off x="9535544" y="2818857"/>
+            <a:off x="9594811" y="3750190"/>
             <a:ext cx="1413166" cy="380693"/>
           </a:xfrm>
           <a:prstGeom prst="bentConnector3">
@@ -3652,13 +3695,13 @@
       </p:cxnSp>
       <p:sp>
         <p:nvSpPr>
-          <p:cNvPr id="51" name="모서리가 둥근 직사각형 50"/>
+          <p:cNvPr id="87" name="모서리가 둥근 직사각형 86"/>
           <p:cNvSpPr/>
           <p:nvPr/>
         </p:nvSpPr>
         <p:spPr>
           <a:xfrm>
-            <a:off x="3717674" y="2001573"/>
+            <a:off x="3776941" y="2932906"/>
             <a:ext cx="844127" cy="305874"/>
           </a:xfrm>
           <a:prstGeom prst="roundRect">
@@ -3699,13 +3742,13 @@
       </p:sp>
       <p:sp>
         <p:nvSpPr>
-          <p:cNvPr id="52" name="모서리가 둥근 직사각형 51"/>
+          <p:cNvPr id="88" name="모서리가 둥근 직사각형 87"/>
           <p:cNvSpPr/>
           <p:nvPr/>
         </p:nvSpPr>
         <p:spPr>
           <a:xfrm>
-            <a:off x="4780486" y="1996747"/>
+            <a:off x="4839753" y="2928080"/>
             <a:ext cx="844127" cy="305874"/>
           </a:xfrm>
           <a:prstGeom prst="roundRect">
@@ -3746,13 +3789,13 @@
       </p:sp>
       <p:sp>
         <p:nvSpPr>
-          <p:cNvPr id="53" name="모서리가 둥근 직사각형 52"/>
+          <p:cNvPr id="89" name="모서리가 둥근 직사각형 88"/>
           <p:cNvSpPr/>
           <p:nvPr/>
         </p:nvSpPr>
         <p:spPr>
           <a:xfrm>
-            <a:off x="7170909" y="1996739"/>
+            <a:off x="7230176" y="2928072"/>
             <a:ext cx="844127" cy="305874"/>
           </a:xfrm>
           <a:prstGeom prst="roundRect">
@@ -3793,13 +3836,13 @@
       </p:sp>
       <p:sp>
         <p:nvSpPr>
-          <p:cNvPr id="54" name="모서리가 둥근 직사각형 53"/>
+          <p:cNvPr id="90" name="모서리가 둥근 직사각형 89"/>
           <p:cNvSpPr/>
           <p:nvPr/>
         </p:nvSpPr>
         <p:spPr>
           <a:xfrm>
-            <a:off x="8519981" y="1996747"/>
+            <a:off x="8579248" y="2928080"/>
             <a:ext cx="844127" cy="305874"/>
           </a:xfrm>
           <a:prstGeom prst="roundRect">
@@ -3840,13 +3883,13 @@
       </p:sp>
       <p:sp>
         <p:nvSpPr>
-          <p:cNvPr id="55" name="모서리가 둥근 직사각형 54"/>
+          <p:cNvPr id="91" name="모서리가 둥근 직사각형 90"/>
           <p:cNvSpPr/>
           <p:nvPr/>
         </p:nvSpPr>
         <p:spPr>
           <a:xfrm>
-            <a:off x="9629717" y="1996747"/>
+            <a:off x="9688984" y="2928080"/>
             <a:ext cx="844127" cy="305874"/>
           </a:xfrm>
           <a:prstGeom prst="roundRect">
@@ -3895,6 +3938,13 @@
   <p:clrMapOvr>
     <a:masterClrMapping/>
   </p:clrMapOvr>
+  <p:timing>
+    <p:tnLst>
+      <p:par>
+        <p:cTn id="1" dur="indefinite" restart="never" nodeType="tmRoot"/>
+      </p:par>
+    </p:tnLst>
+  </p:timing>
 </p:sld>
 </file>
 
@@ -3930,33 +3980,266 @@
           <a:bodyPr/>
           <a:lstStyle/>
           <a:p>
-            <a:endParaRPr lang="ko-KR" altLang="en-US"/>
-          </a:p>
-        </p:txBody>
-      </p:sp>
-      <p:sp>
-        <p:nvSpPr>
-          <p:cNvPr id="3" name="내용 개체 틀 2"/>
-          <p:cNvSpPr>
-            <a:spLocks noGrp="1"/>
-          </p:cNvSpPr>
-          <p:nvPr>
-            <p:ph idx="1"/>
-          </p:nvPr>
-        </p:nvSpPr>
-        <p:spPr/>
-        <p:txBody>
-          <a:bodyPr/>
-          <a:lstStyle/>
-          <a:p>
-            <a:endParaRPr lang="ko-KR" altLang="en-US"/>
-          </a:p>
-        </p:txBody>
-      </p:sp>
+            <a:r>
+              <a:rPr lang="en-US" altLang="ko-KR" smtClean="0"/>
+              <a:t>Nifi-template</a:t>
+            </a:r>
+            <a:endParaRPr lang="ko-KR" altLang="en-US"/>
+          </a:p>
+        </p:txBody>
+      </p:sp>
+      <p:pic>
+        <p:nvPicPr>
+          <p:cNvPr id="8" name="내용 개체 틀 7"/>
+          <p:cNvPicPr>
+            <a:picLocks noGrp="1" noChangeAspect="1"/>
+          </p:cNvPicPr>
+          <p:nvPr>
+            <p:ph idx="4294967295"/>
+          </p:nvPr>
+        </p:nvPicPr>
+        <p:blipFill>
+          <a:blip r:embed="rId2"/>
+          <a:stretch>
+            <a:fillRect/>
+          </a:stretch>
+        </p:blipFill>
+        <p:spPr>
+          <a:xfrm>
+            <a:off x="838200" y="1800225"/>
+            <a:ext cx="10515600" cy="4672013"/>
+          </a:xfrm>
+          <a:prstGeom prst="rect">
+            <a:avLst/>
+          </a:prstGeom>
+        </p:spPr>
+      </p:pic>
     </p:spTree>
     <p:extLst>
       <p:ext uri="{BB962C8B-B14F-4D97-AF65-F5344CB8AC3E}">
         <p14:creationId xmlns:p14="http://schemas.microsoft.com/office/powerpoint/2010/main" val="4238028998"/>
+      </p:ext>
+    </p:extLst>
+  </p:cSld>
+  <p:clrMapOvr>
+    <a:masterClrMapping/>
+  </p:clrMapOvr>
+  <p:timing>
+    <p:tnLst>
+      <p:par>
+        <p:cTn id="1" dur="indefinite" restart="never" nodeType="tmRoot"/>
+      </p:par>
+    </p:tnLst>
+  </p:timing>
+</p:sld>
+</file>
+
+<file path=ppt/slides/slide4.xml><?xml version="1.0" encoding="utf-8"?>
+<p:sld xmlns:a="http://schemas.openxmlformats.org/drawingml/2006/main" xmlns:r="http://schemas.openxmlformats.org/officeDocument/2006/relationships" xmlns:p="http://schemas.openxmlformats.org/presentationml/2006/main">
+  <p:cSld>
+    <p:spTree>
+      <p:nvGrpSpPr>
+        <p:cNvPr id="1" name=""/>
+        <p:cNvGrpSpPr/>
+        <p:nvPr/>
+      </p:nvGrpSpPr>
+      <p:grpSpPr>
+        <a:xfrm>
+          <a:off x="0" y="0"/>
+          <a:ext cx="0" cy="0"/>
+          <a:chOff x="0" y="0"/>
+          <a:chExt cx="0" cy="0"/>
+        </a:xfrm>
+      </p:grpSpPr>
+      <p:sp>
+        <p:nvSpPr>
+          <p:cNvPr id="2" name="제목 1"/>
+          <p:cNvSpPr>
+            <a:spLocks noGrp="1"/>
+          </p:cNvSpPr>
+          <p:nvPr>
+            <p:ph type="title"/>
+          </p:nvPr>
+        </p:nvSpPr>
+        <p:spPr/>
+        <p:txBody>
+          <a:bodyPr/>
+          <a:lstStyle/>
+          <a:p>
+            <a:r>
+              <a:rPr lang="ko-KR" altLang="en-US" smtClean="0"/>
+              <a:t>테스트 환경</a:t>
+            </a:r>
+            <a:endParaRPr lang="ko-KR" altLang="en-US"/>
+          </a:p>
+        </p:txBody>
+      </p:sp>
+      <p:sp>
+        <p:nvSpPr>
+          <p:cNvPr id="3" name="내용 개체 틀 2"/>
+          <p:cNvSpPr>
+            <a:spLocks noGrp="1"/>
+          </p:cNvSpPr>
+          <p:nvPr>
+            <p:ph idx="1"/>
+          </p:nvPr>
+        </p:nvSpPr>
+        <p:spPr/>
+        <p:txBody>
+          <a:bodyPr>
+            <a:normAutofit fontScale="77500" lnSpcReduction="20000"/>
+          </a:bodyPr>
+          <a:lstStyle/>
+          <a:p>
+            <a:r>
+              <a:rPr lang="en-US" altLang="ko-KR" smtClean="0"/>
+              <a:t>Source</a:t>
+            </a:r>
+          </a:p>
+          <a:p>
+            <a:pPr lvl="1"/>
+            <a:r>
+              <a:rPr lang="en-US" altLang="ko-KR" smtClean="0"/>
+              <a:t>DB : Mysql</a:t>
+            </a:r>
+          </a:p>
+          <a:p>
+            <a:pPr lvl="1"/>
+            <a:r>
+              <a:rPr lang="en-US" altLang="ko-KR" smtClean="0"/>
+              <a:t>Flow</a:t>
+            </a:r>
+          </a:p>
+          <a:p>
+            <a:pPr lvl="2"/>
+            <a:r>
+              <a:rPr lang="en-US" altLang="ko-KR" smtClean="0"/>
+              <a:t>Jdbc(select) polling -&gt; kafka</a:t>
+            </a:r>
+          </a:p>
+          <a:p>
+            <a:r>
+              <a:rPr lang="en-US" altLang="ko-KR" smtClean="0"/>
+              <a:t>Target</a:t>
+            </a:r>
+          </a:p>
+          <a:p>
+            <a:pPr lvl="1"/>
+            <a:r>
+              <a:rPr lang="en-US" altLang="ko-KR" smtClean="0"/>
+              <a:t>A type</a:t>
+            </a:r>
+          </a:p>
+          <a:p>
+            <a:pPr lvl="2"/>
+            <a:r>
+              <a:rPr lang="ko-KR" altLang="en-US" smtClean="0"/>
+              <a:t>설명 </a:t>
+            </a:r>
+            <a:r>
+              <a:rPr lang="en-US" altLang="ko-KR" smtClean="0"/>
+              <a:t>: Table Layout </a:t>
+            </a:r>
+            <a:r>
+              <a:rPr lang="ko-KR" altLang="en-US" smtClean="0"/>
+              <a:t>동일한 경우</a:t>
+            </a:r>
+            <a:endParaRPr lang="en-US" altLang="ko-KR" smtClean="0"/>
+          </a:p>
+          <a:p>
+            <a:pPr lvl="2"/>
+            <a:r>
+              <a:rPr lang="en-US" altLang="ko-KR" smtClean="0"/>
+              <a:t>DB : Mysql</a:t>
+            </a:r>
+          </a:p>
+          <a:p>
+            <a:pPr lvl="2"/>
+            <a:r>
+              <a:rPr lang="en-US" altLang="ko-KR" smtClean="0"/>
+              <a:t>Flow</a:t>
+            </a:r>
+          </a:p>
+          <a:p>
+            <a:pPr lvl="3"/>
+            <a:r>
+              <a:rPr lang="en-US" altLang="ko-KR" smtClean="0"/>
+              <a:t>Kafka -&gt; AvroToJson -&gt; JsonToSql -&gt; Jdbc Insert</a:t>
+            </a:r>
+          </a:p>
+          <a:p>
+            <a:pPr lvl="1"/>
+            <a:r>
+              <a:rPr lang="en-US" altLang="ko-KR" smtClean="0"/>
+              <a:t>B type</a:t>
+            </a:r>
+          </a:p>
+          <a:p>
+            <a:pPr lvl="2"/>
+            <a:r>
+              <a:rPr lang="ko-KR" altLang="en-US"/>
+              <a:t>설명 </a:t>
+            </a:r>
+            <a:r>
+              <a:rPr lang="en-US" altLang="ko-KR"/>
+              <a:t>: Table </a:t>
+            </a:r>
+            <a:r>
+              <a:rPr lang="en-US" altLang="ko-KR"/>
+              <a:t>Layout </a:t>
+            </a:r>
+            <a:r>
+              <a:rPr lang="en-US" altLang="ko-KR" smtClean="0"/>
+              <a:t>subset</a:t>
+            </a:r>
+            <a:r>
+              <a:rPr lang="ko-KR" altLang="en-US" smtClean="0"/>
+              <a:t> 경우</a:t>
+            </a:r>
+            <a:endParaRPr lang="en-US" altLang="ko-KR" smtClean="0"/>
+          </a:p>
+          <a:p>
+            <a:pPr lvl="2"/>
+            <a:r>
+              <a:rPr lang="en-US" altLang="ko-KR"/>
+              <a:t>DB : Mysql</a:t>
+            </a:r>
+          </a:p>
+          <a:p>
+            <a:pPr lvl="2"/>
+            <a:r>
+              <a:rPr lang="en-US" altLang="ko-KR"/>
+              <a:t>Flow</a:t>
+            </a:r>
+          </a:p>
+          <a:p>
+            <a:pPr lvl="3"/>
+            <a:r>
+              <a:rPr lang="en-US" altLang="ko-KR"/>
+              <a:t>Kafka -&gt; AvroToJson -&gt; JsonToSql -&gt; Jdbc Insert</a:t>
+            </a:r>
+          </a:p>
+          <a:p>
+            <a:pPr lvl="1"/>
+            <a:r>
+              <a:rPr lang="en-US" altLang="ko-KR" smtClean="0"/>
+              <a:t>C type</a:t>
+            </a:r>
+          </a:p>
+          <a:p>
+            <a:pPr lvl="2"/>
+            <a:r>
+              <a:rPr lang="ko-KR" altLang="en-US" smtClean="0"/>
+              <a:t>ㄹㅇㅁㄴ</a:t>
+            </a:r>
+            <a:endParaRPr lang="en-US" altLang="ko-KR" smtClean="0"/>
+          </a:p>
+        </p:txBody>
+      </p:sp>
+    </p:spTree>
+    <p:extLst>
+      <p:ext uri="{BB962C8B-B14F-4D97-AF65-F5344CB8AC3E}">
+        <p14:creationId xmlns:p14="http://schemas.microsoft.com/office/powerpoint/2010/main" val="3947474349"/>
       </p:ext>
     </p:extLst>
   </p:cSld>

--- a/db2db_구조.pptx
+++ b/db2db_구조.pptx
@@ -6,9 +6,12 @@
   </p:sldMasterIdLst>
   <p:sldIdLst>
     <p:sldId id="256" r:id="rId2"/>
-    <p:sldId id="257" r:id="rId3"/>
-    <p:sldId id="258" r:id="rId4"/>
-    <p:sldId id="259" r:id="rId5"/>
+    <p:sldId id="260" r:id="rId3"/>
+    <p:sldId id="261" r:id="rId4"/>
+    <p:sldId id="257" r:id="rId5"/>
+    <p:sldId id="262" r:id="rId6"/>
+    <p:sldId id="258" r:id="rId7"/>
+    <p:sldId id="259" r:id="rId8"/>
   </p:sldIdLst>
   <p:sldSz cx="12192000" cy="6858000"/>
   <p:notesSz cx="6858000" cy="9144000"/>
@@ -246,7 +249,7 @@
           <a:p>
             <a:fld id="{810557F9-1F21-47B8-A6D4-D5A2F4A22EB4}" type="datetimeFigureOut">
               <a:rPr lang="ko-KR" altLang="en-US" smtClean="0"/>
-              <a:t>2020-02-27</a:t>
+              <a:t>2020-02-28</a:t>
             </a:fld>
             <a:endParaRPr lang="ko-KR" altLang="en-US"/>
           </a:p>
@@ -416,7 +419,7 @@
           <a:p>
             <a:fld id="{810557F9-1F21-47B8-A6D4-D5A2F4A22EB4}" type="datetimeFigureOut">
               <a:rPr lang="ko-KR" altLang="en-US" smtClean="0"/>
-              <a:t>2020-02-27</a:t>
+              <a:t>2020-02-28</a:t>
             </a:fld>
             <a:endParaRPr lang="ko-KR" altLang="en-US"/>
           </a:p>
@@ -596,7 +599,7 @@
           <a:p>
             <a:fld id="{810557F9-1F21-47B8-A6D4-D5A2F4A22EB4}" type="datetimeFigureOut">
               <a:rPr lang="ko-KR" altLang="en-US" smtClean="0"/>
-              <a:t>2020-02-27</a:t>
+              <a:t>2020-02-28</a:t>
             </a:fld>
             <a:endParaRPr lang="ko-KR" altLang="en-US"/>
           </a:p>
@@ -766,7 +769,7 @@
           <a:p>
             <a:fld id="{810557F9-1F21-47B8-A6D4-D5A2F4A22EB4}" type="datetimeFigureOut">
               <a:rPr lang="ko-KR" altLang="en-US" smtClean="0"/>
-              <a:t>2020-02-27</a:t>
+              <a:t>2020-02-28</a:t>
             </a:fld>
             <a:endParaRPr lang="ko-KR" altLang="en-US"/>
           </a:p>
@@ -1012,7 +1015,7 @@
           <a:p>
             <a:fld id="{810557F9-1F21-47B8-A6D4-D5A2F4A22EB4}" type="datetimeFigureOut">
               <a:rPr lang="ko-KR" altLang="en-US" smtClean="0"/>
-              <a:t>2020-02-27</a:t>
+              <a:t>2020-02-28</a:t>
             </a:fld>
             <a:endParaRPr lang="ko-KR" altLang="en-US"/>
           </a:p>
@@ -1244,7 +1247,7 @@
           <a:p>
             <a:fld id="{810557F9-1F21-47B8-A6D4-D5A2F4A22EB4}" type="datetimeFigureOut">
               <a:rPr lang="ko-KR" altLang="en-US" smtClean="0"/>
-              <a:t>2020-02-27</a:t>
+              <a:t>2020-02-28</a:t>
             </a:fld>
             <a:endParaRPr lang="ko-KR" altLang="en-US"/>
           </a:p>
@@ -1611,7 +1614,7 @@
           <a:p>
             <a:fld id="{810557F9-1F21-47B8-A6D4-D5A2F4A22EB4}" type="datetimeFigureOut">
               <a:rPr lang="ko-KR" altLang="en-US" smtClean="0"/>
-              <a:t>2020-02-27</a:t>
+              <a:t>2020-02-28</a:t>
             </a:fld>
             <a:endParaRPr lang="ko-KR" altLang="en-US"/>
           </a:p>
@@ -1729,7 +1732,7 @@
           <a:p>
             <a:fld id="{810557F9-1F21-47B8-A6D4-D5A2F4A22EB4}" type="datetimeFigureOut">
               <a:rPr lang="ko-KR" altLang="en-US" smtClean="0"/>
-              <a:t>2020-02-27</a:t>
+              <a:t>2020-02-28</a:t>
             </a:fld>
             <a:endParaRPr lang="ko-KR" altLang="en-US"/>
           </a:p>
@@ -1824,7 +1827,7 @@
           <a:p>
             <a:fld id="{810557F9-1F21-47B8-A6D4-D5A2F4A22EB4}" type="datetimeFigureOut">
               <a:rPr lang="ko-KR" altLang="en-US" smtClean="0"/>
-              <a:t>2020-02-27</a:t>
+              <a:t>2020-02-28</a:t>
             </a:fld>
             <a:endParaRPr lang="ko-KR" altLang="en-US"/>
           </a:p>
@@ -2101,7 +2104,7 @@
           <a:p>
             <a:fld id="{810557F9-1F21-47B8-A6D4-D5A2F4A22EB4}" type="datetimeFigureOut">
               <a:rPr lang="ko-KR" altLang="en-US" smtClean="0"/>
-              <a:t>2020-02-27</a:t>
+              <a:t>2020-02-28</a:t>
             </a:fld>
             <a:endParaRPr lang="ko-KR" altLang="en-US"/>
           </a:p>
@@ -2354,7 +2357,7 @@
           <a:p>
             <a:fld id="{810557F9-1F21-47B8-A6D4-D5A2F4A22EB4}" type="datetimeFigureOut">
               <a:rPr lang="ko-KR" altLang="en-US" smtClean="0"/>
-              <a:t>2020-02-27</a:t>
+              <a:t>2020-02-28</a:t>
             </a:fld>
             <a:endParaRPr lang="ko-KR" altLang="en-US"/>
           </a:p>
@@ -2567,7 +2570,7 @@
           <a:p>
             <a:fld id="{810557F9-1F21-47B8-A6D4-D5A2F4A22EB4}" type="datetimeFigureOut">
               <a:rPr lang="ko-KR" altLang="en-US" smtClean="0"/>
-              <a:t>2020-02-27</a:t>
+              <a:t>2020-02-28</a:t>
             </a:fld>
             <a:endParaRPr lang="ko-KR" altLang="en-US"/>
           </a:p>
@@ -3061,6 +3064,1797 @@
             <p:ph type="title"/>
           </p:nvPr>
         </p:nvSpPr>
+        <p:spPr>
+          <a:xfrm>
+            <a:off x="838200" y="365126"/>
+            <a:ext cx="10515600" cy="740468"/>
+          </a:xfrm>
+        </p:spPr>
+        <p:txBody>
+          <a:bodyPr>
+            <a:normAutofit/>
+          </a:bodyPr>
+          <a:lstStyle/>
+          <a:p>
+            <a:r>
+              <a:rPr lang="en-US" altLang="ko-KR" sz="3200" smtClean="0"/>
+              <a:t>Source </a:t>
+            </a:r>
+            <a:r>
+              <a:rPr lang="ko-KR" altLang="en-US" sz="3200" smtClean="0"/>
+              <a:t>방식</a:t>
+            </a:r>
+            <a:endParaRPr lang="ko-KR" altLang="en-US" sz="3200"/>
+          </a:p>
+        </p:txBody>
+      </p:sp>
+      <p:graphicFrame>
+        <p:nvGraphicFramePr>
+          <p:cNvPr id="4" name="내용 개체 틀 3"/>
+          <p:cNvGraphicFramePr>
+            <a:graphicFrameLocks noGrp="1"/>
+          </p:cNvGraphicFramePr>
+          <p:nvPr>
+            <p:ph idx="1"/>
+            <p:extLst>
+              <p:ext uri="{D42A27DB-BD31-4B8C-83A1-F6EECF244321}">
+                <p14:modId xmlns:p14="http://schemas.microsoft.com/office/powerpoint/2010/main" val="980686499"/>
+              </p:ext>
+            </p:extLst>
+          </p:nvPr>
+        </p:nvGraphicFramePr>
+        <p:xfrm>
+          <a:off x="838200" y="1105594"/>
+          <a:ext cx="10515600" cy="1854200"/>
+        </p:xfrm>
+        <a:graphic>
+          <a:graphicData uri="http://schemas.openxmlformats.org/drawingml/2006/table">
+            <a:tbl>
+              <a:tblPr firstRow="1" bandRow="1">
+                <a:tableStyleId>{5C22544A-7EE6-4342-B048-85BDC9FD1C3A}</a:tableStyleId>
+              </a:tblPr>
+              <a:tblGrid>
+                <a:gridCol w="2628900">
+                  <a:extLst>
+                    <a:ext uri="{9D8B030D-6E8A-4147-A177-3AD203B41FA5}">
+                      <a16:colId xmlns:a16="http://schemas.microsoft.com/office/drawing/2014/main" val="1069818955"/>
+                    </a:ext>
+                  </a:extLst>
+                </a:gridCol>
+                <a:gridCol w="2628900">
+                  <a:extLst>
+                    <a:ext uri="{9D8B030D-6E8A-4147-A177-3AD203B41FA5}">
+                      <a16:colId xmlns:a16="http://schemas.microsoft.com/office/drawing/2014/main" val="1273292154"/>
+                    </a:ext>
+                  </a:extLst>
+                </a:gridCol>
+                <a:gridCol w="2628900">
+                  <a:extLst>
+                    <a:ext uri="{9D8B030D-6E8A-4147-A177-3AD203B41FA5}">
+                      <a16:colId xmlns:a16="http://schemas.microsoft.com/office/drawing/2014/main" val="1458604096"/>
+                    </a:ext>
+                  </a:extLst>
+                </a:gridCol>
+                <a:gridCol w="2628900">
+                  <a:extLst>
+                    <a:ext uri="{9D8B030D-6E8A-4147-A177-3AD203B41FA5}">
+                      <a16:colId xmlns:a16="http://schemas.microsoft.com/office/drawing/2014/main" val="1544027677"/>
+                    </a:ext>
+                  </a:extLst>
+                </a:gridCol>
+              </a:tblGrid>
+              <a:tr h="370840">
+                <a:tc>
+                  <a:txBody>
+                    <a:bodyPr/>
+                    <a:lstStyle/>
+                    <a:p>
+                      <a:pPr latinLnBrk="1"/>
+                      <a:endParaRPr lang="ko-KR" altLang="en-US"/>
+                    </a:p>
+                  </a:txBody>
+                  <a:tcPr/>
+                </a:tc>
+                <a:tc>
+                  <a:txBody>
+                    <a:bodyPr/>
+                    <a:lstStyle/>
+                    <a:p>
+                      <a:pPr latinLnBrk="1"/>
+                      <a:r>
+                        <a:rPr lang="en-US" altLang="ko-KR" smtClean="0"/>
+                        <a:t>NiFi JDBC</a:t>
+                      </a:r>
+                      <a:endParaRPr lang="ko-KR" altLang="en-US"/>
+                    </a:p>
+                  </a:txBody>
+                  <a:tcPr/>
+                </a:tc>
+                <a:tc>
+                  <a:txBody>
+                    <a:bodyPr/>
+                    <a:lstStyle/>
+                    <a:p>
+                      <a:pPr latinLnBrk="1"/>
+                      <a:r>
+                        <a:rPr lang="en-US" altLang="ko-KR" smtClean="0"/>
+                        <a:t>Kafka Connect JDBC</a:t>
+                      </a:r>
+                      <a:endParaRPr lang="ko-KR" altLang="en-US"/>
+                    </a:p>
+                  </a:txBody>
+                  <a:tcPr/>
+                </a:tc>
+                <a:tc>
+                  <a:txBody>
+                    <a:bodyPr/>
+                    <a:lstStyle/>
+                    <a:p>
+                      <a:pPr latinLnBrk="1"/>
+                      <a:r>
+                        <a:rPr lang="en-US" altLang="ko-KR" smtClean="0"/>
+                        <a:t>Kafka Connect OGG</a:t>
+                      </a:r>
+                      <a:endParaRPr lang="ko-KR" altLang="en-US"/>
+                    </a:p>
+                  </a:txBody>
+                  <a:tcPr/>
+                </a:tc>
+                <a:extLst>
+                  <a:ext uri="{0D108BD9-81ED-4DB2-BD59-A6C34878D82A}">
+                    <a16:rowId xmlns:a16="http://schemas.microsoft.com/office/drawing/2014/main" val="3399521912"/>
+                  </a:ext>
+                </a:extLst>
+              </a:tr>
+              <a:tr h="370840">
+                <a:tc>
+                  <a:txBody>
+                    <a:bodyPr/>
+                    <a:lstStyle/>
+                    <a:p>
+                      <a:pPr latinLnBrk="1"/>
+                      <a:r>
+                        <a:rPr lang="ko-KR" altLang="en-US" smtClean="0"/>
+                        <a:t>수집방식</a:t>
+                      </a:r>
+                      <a:endParaRPr lang="ko-KR" altLang="en-US"/>
+                    </a:p>
+                  </a:txBody>
+                  <a:tcPr/>
+                </a:tc>
+                <a:tc>
+                  <a:txBody>
+                    <a:bodyPr/>
+                    <a:lstStyle/>
+                    <a:p>
+                      <a:pPr latinLnBrk="1"/>
+                      <a:r>
+                        <a:rPr lang="ko-KR" altLang="en-US" smtClean="0"/>
+                        <a:t>증분 </a:t>
+                      </a:r>
+                      <a:r>
+                        <a:rPr lang="en-US" altLang="ko-KR" smtClean="0"/>
+                        <a:t>Select</a:t>
+                      </a:r>
+                      <a:endParaRPr lang="ko-KR" altLang="en-US"/>
+                    </a:p>
+                  </a:txBody>
+                  <a:tcPr/>
+                </a:tc>
+                <a:tc>
+                  <a:txBody>
+                    <a:bodyPr/>
+                    <a:lstStyle/>
+                    <a:p>
+                      <a:pPr latinLnBrk="1"/>
+                      <a:r>
+                        <a:rPr lang="ko-KR" altLang="en-US" smtClean="0"/>
+                        <a:t>증분 </a:t>
+                      </a:r>
+                      <a:r>
+                        <a:rPr lang="en-US" altLang="ko-KR" smtClean="0"/>
+                        <a:t>Select</a:t>
+                      </a:r>
+                      <a:endParaRPr lang="ko-KR" altLang="en-US"/>
+                    </a:p>
+                  </a:txBody>
+                  <a:tcPr/>
+                </a:tc>
+                <a:tc>
+                  <a:txBody>
+                    <a:bodyPr/>
+                    <a:lstStyle/>
+                    <a:p>
+                      <a:pPr latinLnBrk="1"/>
+                      <a:r>
+                        <a:rPr lang="en-US" altLang="ko-KR" smtClean="0"/>
+                        <a:t>CDC</a:t>
+                      </a:r>
+                      <a:endParaRPr lang="ko-KR" altLang="en-US"/>
+                    </a:p>
+                  </a:txBody>
+                  <a:tcPr/>
+                </a:tc>
+                <a:extLst>
+                  <a:ext uri="{0D108BD9-81ED-4DB2-BD59-A6C34878D82A}">
+                    <a16:rowId xmlns:a16="http://schemas.microsoft.com/office/drawing/2014/main" val="3380113062"/>
+                  </a:ext>
+                </a:extLst>
+              </a:tr>
+              <a:tr h="370840">
+                <a:tc>
+                  <a:txBody>
+                    <a:bodyPr/>
+                    <a:lstStyle/>
+                    <a:p>
+                      <a:pPr latinLnBrk="1"/>
+                      <a:endParaRPr lang="ko-KR" altLang="en-US"/>
+                    </a:p>
+                  </a:txBody>
+                  <a:tcPr/>
+                </a:tc>
+                <a:tc>
+                  <a:txBody>
+                    <a:bodyPr/>
+                    <a:lstStyle/>
+                    <a:p>
+                      <a:pPr latinLnBrk="1"/>
+                      <a:endParaRPr lang="ko-KR" altLang="en-US"/>
+                    </a:p>
+                  </a:txBody>
+                  <a:tcPr/>
+                </a:tc>
+                <a:tc>
+                  <a:txBody>
+                    <a:bodyPr/>
+                    <a:lstStyle/>
+                    <a:p>
+                      <a:pPr latinLnBrk="1"/>
+                      <a:endParaRPr lang="ko-KR" altLang="en-US"/>
+                    </a:p>
+                  </a:txBody>
+                  <a:tcPr/>
+                </a:tc>
+                <a:tc>
+                  <a:txBody>
+                    <a:bodyPr/>
+                    <a:lstStyle/>
+                    <a:p>
+                      <a:pPr latinLnBrk="1"/>
+                      <a:endParaRPr lang="ko-KR" altLang="en-US"/>
+                    </a:p>
+                  </a:txBody>
+                  <a:tcPr/>
+                </a:tc>
+                <a:extLst>
+                  <a:ext uri="{0D108BD9-81ED-4DB2-BD59-A6C34878D82A}">
+                    <a16:rowId xmlns:a16="http://schemas.microsoft.com/office/drawing/2014/main" val="1933756291"/>
+                  </a:ext>
+                </a:extLst>
+              </a:tr>
+              <a:tr h="370840">
+                <a:tc>
+                  <a:txBody>
+                    <a:bodyPr/>
+                    <a:lstStyle/>
+                    <a:p>
+                      <a:pPr latinLnBrk="1"/>
+                      <a:endParaRPr lang="ko-KR" altLang="en-US"/>
+                    </a:p>
+                  </a:txBody>
+                  <a:tcPr/>
+                </a:tc>
+                <a:tc>
+                  <a:txBody>
+                    <a:bodyPr/>
+                    <a:lstStyle/>
+                    <a:p>
+                      <a:pPr latinLnBrk="1"/>
+                      <a:endParaRPr lang="ko-KR" altLang="en-US"/>
+                    </a:p>
+                  </a:txBody>
+                  <a:tcPr/>
+                </a:tc>
+                <a:tc>
+                  <a:txBody>
+                    <a:bodyPr/>
+                    <a:lstStyle/>
+                    <a:p>
+                      <a:pPr latinLnBrk="1"/>
+                      <a:endParaRPr lang="ko-KR" altLang="en-US"/>
+                    </a:p>
+                  </a:txBody>
+                  <a:tcPr/>
+                </a:tc>
+                <a:tc>
+                  <a:txBody>
+                    <a:bodyPr/>
+                    <a:lstStyle/>
+                    <a:p>
+                      <a:pPr latinLnBrk="1"/>
+                      <a:endParaRPr lang="ko-KR" altLang="en-US"/>
+                    </a:p>
+                  </a:txBody>
+                  <a:tcPr/>
+                </a:tc>
+                <a:extLst>
+                  <a:ext uri="{0D108BD9-81ED-4DB2-BD59-A6C34878D82A}">
+                    <a16:rowId xmlns:a16="http://schemas.microsoft.com/office/drawing/2014/main" val="2900750693"/>
+                  </a:ext>
+                </a:extLst>
+              </a:tr>
+              <a:tr h="370840">
+                <a:tc>
+                  <a:txBody>
+                    <a:bodyPr/>
+                    <a:lstStyle/>
+                    <a:p>
+                      <a:pPr latinLnBrk="1"/>
+                      <a:endParaRPr lang="ko-KR" altLang="en-US"/>
+                    </a:p>
+                  </a:txBody>
+                  <a:tcPr/>
+                </a:tc>
+                <a:tc>
+                  <a:txBody>
+                    <a:bodyPr/>
+                    <a:lstStyle/>
+                    <a:p>
+                      <a:pPr latinLnBrk="1"/>
+                      <a:endParaRPr lang="ko-KR" altLang="en-US"/>
+                    </a:p>
+                  </a:txBody>
+                  <a:tcPr/>
+                </a:tc>
+                <a:tc>
+                  <a:txBody>
+                    <a:bodyPr/>
+                    <a:lstStyle/>
+                    <a:p>
+                      <a:pPr latinLnBrk="1"/>
+                      <a:endParaRPr lang="ko-KR" altLang="en-US"/>
+                    </a:p>
+                  </a:txBody>
+                  <a:tcPr/>
+                </a:tc>
+                <a:tc>
+                  <a:txBody>
+                    <a:bodyPr/>
+                    <a:lstStyle/>
+                    <a:p>
+                      <a:pPr latinLnBrk="1"/>
+                      <a:endParaRPr lang="en-US" altLang="ko-KR" smtClean="0"/>
+                    </a:p>
+                  </a:txBody>
+                  <a:tcPr/>
+                </a:tc>
+                <a:extLst>
+                  <a:ext uri="{0D108BD9-81ED-4DB2-BD59-A6C34878D82A}">
+                    <a16:rowId xmlns:a16="http://schemas.microsoft.com/office/drawing/2014/main" val="1979977662"/>
+                  </a:ext>
+                </a:extLst>
+              </a:tr>
+            </a:tbl>
+          </a:graphicData>
+        </a:graphic>
+      </p:graphicFrame>
+      <p:graphicFrame>
+        <p:nvGraphicFramePr>
+          <p:cNvPr id="5" name="내용 개체 틀 3"/>
+          <p:cNvGraphicFramePr>
+            <a:graphicFrameLocks/>
+          </p:cNvGraphicFramePr>
+          <p:nvPr>
+            <p:extLst>
+              <p:ext uri="{D42A27DB-BD31-4B8C-83A1-F6EECF244321}">
+                <p14:modId xmlns:p14="http://schemas.microsoft.com/office/powerpoint/2010/main" val="2220457622"/>
+              </p:ext>
+            </p:extLst>
+          </p:nvPr>
+        </p:nvGraphicFramePr>
+        <p:xfrm>
+          <a:off x="838200" y="4078374"/>
+          <a:ext cx="10515600" cy="1854200"/>
+        </p:xfrm>
+        <a:graphic>
+          <a:graphicData uri="http://schemas.openxmlformats.org/drawingml/2006/table">
+            <a:tbl>
+              <a:tblPr firstRow="1" bandRow="1">
+                <a:tableStyleId>{5C22544A-7EE6-4342-B048-85BDC9FD1C3A}</a:tableStyleId>
+              </a:tblPr>
+              <a:tblGrid>
+                <a:gridCol w="2628900">
+                  <a:extLst>
+                    <a:ext uri="{9D8B030D-6E8A-4147-A177-3AD203B41FA5}">
+                      <a16:colId xmlns:a16="http://schemas.microsoft.com/office/drawing/2014/main" val="1069818955"/>
+                    </a:ext>
+                  </a:extLst>
+                </a:gridCol>
+                <a:gridCol w="2628900">
+                  <a:extLst>
+                    <a:ext uri="{9D8B030D-6E8A-4147-A177-3AD203B41FA5}">
+                      <a16:colId xmlns:a16="http://schemas.microsoft.com/office/drawing/2014/main" val="1273292154"/>
+                    </a:ext>
+                  </a:extLst>
+                </a:gridCol>
+                <a:gridCol w="2628900">
+                  <a:extLst>
+                    <a:ext uri="{9D8B030D-6E8A-4147-A177-3AD203B41FA5}">
+                      <a16:colId xmlns:a16="http://schemas.microsoft.com/office/drawing/2014/main" val="1458604096"/>
+                    </a:ext>
+                  </a:extLst>
+                </a:gridCol>
+                <a:gridCol w="2628900">
+                  <a:extLst>
+                    <a:ext uri="{9D8B030D-6E8A-4147-A177-3AD203B41FA5}">
+                      <a16:colId xmlns:a16="http://schemas.microsoft.com/office/drawing/2014/main" val="1544027677"/>
+                    </a:ext>
+                  </a:extLst>
+                </a:gridCol>
+              </a:tblGrid>
+              <a:tr h="370840">
+                <a:tc>
+                  <a:txBody>
+                    <a:bodyPr/>
+                    <a:lstStyle/>
+                    <a:p>
+                      <a:pPr latinLnBrk="1"/>
+                      <a:endParaRPr lang="ko-KR" altLang="en-US"/>
+                    </a:p>
+                  </a:txBody>
+                  <a:tcPr/>
+                </a:tc>
+                <a:tc>
+                  <a:txBody>
+                    <a:bodyPr/>
+                    <a:lstStyle/>
+                    <a:p>
+                      <a:pPr latinLnBrk="1"/>
+                      <a:r>
+                        <a:rPr lang="en-US" altLang="ko-KR" smtClean="0"/>
+                        <a:t>NiFi JDBC</a:t>
+                      </a:r>
+                      <a:endParaRPr lang="ko-KR" altLang="en-US"/>
+                    </a:p>
+                  </a:txBody>
+                  <a:tcPr/>
+                </a:tc>
+                <a:tc>
+                  <a:txBody>
+                    <a:bodyPr/>
+                    <a:lstStyle/>
+                    <a:p>
+                      <a:pPr latinLnBrk="1"/>
+                      <a:r>
+                        <a:rPr lang="en-US" altLang="ko-KR" smtClean="0"/>
+                        <a:t>Kafka Connect JDBC</a:t>
+                      </a:r>
+                      <a:endParaRPr lang="ko-KR" altLang="en-US"/>
+                    </a:p>
+                  </a:txBody>
+                  <a:tcPr/>
+                </a:tc>
+                <a:tc>
+                  <a:txBody>
+                    <a:bodyPr/>
+                    <a:lstStyle/>
+                    <a:p>
+                      <a:pPr latinLnBrk="1"/>
+                      <a:r>
+                        <a:rPr lang="en-US" altLang="ko-KR" smtClean="0"/>
+                        <a:t>Kafka Connect OGG</a:t>
+                      </a:r>
+                      <a:endParaRPr lang="ko-KR" altLang="en-US"/>
+                    </a:p>
+                  </a:txBody>
+                  <a:tcPr/>
+                </a:tc>
+                <a:extLst>
+                  <a:ext uri="{0D108BD9-81ED-4DB2-BD59-A6C34878D82A}">
+                    <a16:rowId xmlns:a16="http://schemas.microsoft.com/office/drawing/2014/main" val="3399521912"/>
+                  </a:ext>
+                </a:extLst>
+              </a:tr>
+              <a:tr h="370840">
+                <a:tc>
+                  <a:txBody>
+                    <a:bodyPr/>
+                    <a:lstStyle/>
+                    <a:p>
+                      <a:pPr latinLnBrk="1"/>
+                      <a:r>
+                        <a:rPr lang="ko-KR" altLang="en-US" smtClean="0"/>
+                        <a:t>방식</a:t>
+                      </a:r>
+                      <a:endParaRPr lang="ko-KR" altLang="en-US"/>
+                    </a:p>
+                  </a:txBody>
+                  <a:tcPr/>
+                </a:tc>
+                <a:tc>
+                  <a:txBody>
+                    <a:bodyPr/>
+                    <a:lstStyle/>
+                    <a:p>
+                      <a:pPr latinLnBrk="1"/>
+                      <a:endParaRPr lang="ko-KR" altLang="en-US"/>
+                    </a:p>
+                  </a:txBody>
+                  <a:tcPr/>
+                </a:tc>
+                <a:tc>
+                  <a:txBody>
+                    <a:bodyPr/>
+                    <a:lstStyle/>
+                    <a:p>
+                      <a:pPr latinLnBrk="1"/>
+                      <a:endParaRPr lang="ko-KR" altLang="en-US"/>
+                    </a:p>
+                  </a:txBody>
+                  <a:tcPr/>
+                </a:tc>
+                <a:tc>
+                  <a:txBody>
+                    <a:bodyPr/>
+                    <a:lstStyle/>
+                    <a:p>
+                      <a:pPr latinLnBrk="1"/>
+                      <a:endParaRPr lang="ko-KR" altLang="en-US"/>
+                    </a:p>
+                  </a:txBody>
+                  <a:tcPr/>
+                </a:tc>
+                <a:extLst>
+                  <a:ext uri="{0D108BD9-81ED-4DB2-BD59-A6C34878D82A}">
+                    <a16:rowId xmlns:a16="http://schemas.microsoft.com/office/drawing/2014/main" val="3380113062"/>
+                  </a:ext>
+                </a:extLst>
+              </a:tr>
+              <a:tr h="370840">
+                <a:tc>
+                  <a:txBody>
+                    <a:bodyPr/>
+                    <a:lstStyle/>
+                    <a:p>
+                      <a:pPr latinLnBrk="1"/>
+                      <a:endParaRPr lang="ko-KR" altLang="en-US"/>
+                    </a:p>
+                  </a:txBody>
+                  <a:tcPr/>
+                </a:tc>
+                <a:tc>
+                  <a:txBody>
+                    <a:bodyPr/>
+                    <a:lstStyle/>
+                    <a:p>
+                      <a:pPr latinLnBrk="1"/>
+                      <a:endParaRPr lang="ko-KR" altLang="en-US"/>
+                    </a:p>
+                  </a:txBody>
+                  <a:tcPr/>
+                </a:tc>
+                <a:tc>
+                  <a:txBody>
+                    <a:bodyPr/>
+                    <a:lstStyle/>
+                    <a:p>
+                      <a:pPr latinLnBrk="1"/>
+                      <a:endParaRPr lang="ko-KR" altLang="en-US"/>
+                    </a:p>
+                  </a:txBody>
+                  <a:tcPr/>
+                </a:tc>
+                <a:tc>
+                  <a:txBody>
+                    <a:bodyPr/>
+                    <a:lstStyle/>
+                    <a:p>
+                      <a:pPr latinLnBrk="1"/>
+                      <a:endParaRPr lang="ko-KR" altLang="en-US"/>
+                    </a:p>
+                  </a:txBody>
+                  <a:tcPr/>
+                </a:tc>
+                <a:extLst>
+                  <a:ext uri="{0D108BD9-81ED-4DB2-BD59-A6C34878D82A}">
+                    <a16:rowId xmlns:a16="http://schemas.microsoft.com/office/drawing/2014/main" val="1933756291"/>
+                  </a:ext>
+                </a:extLst>
+              </a:tr>
+              <a:tr h="370840">
+                <a:tc>
+                  <a:txBody>
+                    <a:bodyPr/>
+                    <a:lstStyle/>
+                    <a:p>
+                      <a:pPr latinLnBrk="1"/>
+                      <a:endParaRPr lang="ko-KR" altLang="en-US"/>
+                    </a:p>
+                  </a:txBody>
+                  <a:tcPr/>
+                </a:tc>
+                <a:tc>
+                  <a:txBody>
+                    <a:bodyPr/>
+                    <a:lstStyle/>
+                    <a:p>
+                      <a:pPr latinLnBrk="1"/>
+                      <a:endParaRPr lang="ko-KR" altLang="en-US"/>
+                    </a:p>
+                  </a:txBody>
+                  <a:tcPr/>
+                </a:tc>
+                <a:tc>
+                  <a:txBody>
+                    <a:bodyPr/>
+                    <a:lstStyle/>
+                    <a:p>
+                      <a:pPr latinLnBrk="1"/>
+                      <a:endParaRPr lang="ko-KR" altLang="en-US"/>
+                    </a:p>
+                  </a:txBody>
+                  <a:tcPr/>
+                </a:tc>
+                <a:tc>
+                  <a:txBody>
+                    <a:bodyPr/>
+                    <a:lstStyle/>
+                    <a:p>
+                      <a:pPr latinLnBrk="1"/>
+                      <a:endParaRPr lang="ko-KR" altLang="en-US"/>
+                    </a:p>
+                  </a:txBody>
+                  <a:tcPr/>
+                </a:tc>
+                <a:extLst>
+                  <a:ext uri="{0D108BD9-81ED-4DB2-BD59-A6C34878D82A}">
+                    <a16:rowId xmlns:a16="http://schemas.microsoft.com/office/drawing/2014/main" val="2900750693"/>
+                  </a:ext>
+                </a:extLst>
+              </a:tr>
+              <a:tr h="370840">
+                <a:tc>
+                  <a:txBody>
+                    <a:bodyPr/>
+                    <a:lstStyle/>
+                    <a:p>
+                      <a:pPr latinLnBrk="1"/>
+                      <a:endParaRPr lang="ko-KR" altLang="en-US"/>
+                    </a:p>
+                  </a:txBody>
+                  <a:tcPr/>
+                </a:tc>
+                <a:tc>
+                  <a:txBody>
+                    <a:bodyPr/>
+                    <a:lstStyle/>
+                    <a:p>
+                      <a:pPr latinLnBrk="1"/>
+                      <a:endParaRPr lang="ko-KR" altLang="en-US"/>
+                    </a:p>
+                  </a:txBody>
+                  <a:tcPr/>
+                </a:tc>
+                <a:tc>
+                  <a:txBody>
+                    <a:bodyPr/>
+                    <a:lstStyle/>
+                    <a:p>
+                      <a:pPr latinLnBrk="1"/>
+                      <a:endParaRPr lang="ko-KR" altLang="en-US"/>
+                    </a:p>
+                  </a:txBody>
+                  <a:tcPr/>
+                </a:tc>
+                <a:tc>
+                  <a:txBody>
+                    <a:bodyPr/>
+                    <a:lstStyle/>
+                    <a:p>
+                      <a:pPr latinLnBrk="1"/>
+                      <a:endParaRPr lang="en-US" altLang="ko-KR" smtClean="0"/>
+                    </a:p>
+                  </a:txBody>
+                  <a:tcPr/>
+                </a:tc>
+                <a:extLst>
+                  <a:ext uri="{0D108BD9-81ED-4DB2-BD59-A6C34878D82A}">
+                    <a16:rowId xmlns:a16="http://schemas.microsoft.com/office/drawing/2014/main" val="1979977662"/>
+                  </a:ext>
+                </a:extLst>
+              </a:tr>
+            </a:tbl>
+          </a:graphicData>
+        </a:graphic>
+      </p:graphicFrame>
+      <p:sp>
+        <p:nvSpPr>
+          <p:cNvPr id="6" name="제목 1"/>
+          <p:cNvSpPr txBox="1">
+            <a:spLocks/>
+          </p:cNvSpPr>
+          <p:nvPr/>
+        </p:nvSpPr>
+        <p:spPr>
+          <a:xfrm>
+            <a:off x="838200" y="3330028"/>
+            <a:ext cx="10515600" cy="740468"/>
+          </a:xfrm>
+          <a:prstGeom prst="rect">
+            <a:avLst/>
+          </a:prstGeom>
+        </p:spPr>
+        <p:txBody>
+          <a:bodyPr vert="horz" lIns="91440" tIns="45720" rIns="91440" bIns="45720" rtlCol="0" anchor="ctr">
+            <a:normAutofit/>
+          </a:bodyPr>
+          <a:lstStyle>
+            <a:lvl1pPr algn="l" defTabSz="914400" rtl="0" eaLnBrk="1" latinLnBrk="1" hangingPunct="1">
+              <a:lnSpc>
+                <a:spcPct val="90000"/>
+              </a:lnSpc>
+              <a:spcBef>
+                <a:spcPct val="0"/>
+              </a:spcBef>
+              <a:buNone/>
+              <a:defRPr sz="4400" kern="1200">
+                <a:solidFill>
+                  <a:schemeClr val="tx1"/>
+                </a:solidFill>
+                <a:latin typeface="+mj-lt"/>
+                <a:ea typeface="+mj-ea"/>
+                <a:cs typeface="+mj-cs"/>
+              </a:defRPr>
+            </a:lvl1pPr>
+          </a:lstStyle>
+          <a:p>
+            <a:r>
+              <a:rPr lang="en-US" altLang="ko-KR" sz="3200" smtClean="0"/>
+              <a:t>Sink </a:t>
+            </a:r>
+            <a:r>
+              <a:rPr lang="ko-KR" altLang="en-US" sz="3200" smtClean="0"/>
+              <a:t>방식</a:t>
+            </a:r>
+            <a:endParaRPr lang="ko-KR" altLang="en-US" sz="3200"/>
+          </a:p>
+        </p:txBody>
+      </p:sp>
+    </p:spTree>
+    <p:extLst>
+      <p:ext uri="{BB962C8B-B14F-4D97-AF65-F5344CB8AC3E}">
+        <p14:creationId xmlns:p14="http://schemas.microsoft.com/office/powerpoint/2010/main" val="3679707484"/>
+      </p:ext>
+    </p:extLst>
+  </p:cSld>
+  <p:clrMapOvr>
+    <a:masterClrMapping/>
+  </p:clrMapOvr>
+</p:sld>
+</file>
+
+<file path=ppt/slides/slide3.xml><?xml version="1.0" encoding="utf-8"?>
+<p:sld xmlns:a="http://schemas.openxmlformats.org/drawingml/2006/main" xmlns:r="http://schemas.openxmlformats.org/officeDocument/2006/relationships" xmlns:p="http://schemas.openxmlformats.org/presentationml/2006/main">
+  <p:cSld>
+    <p:spTree>
+      <p:nvGrpSpPr>
+        <p:cNvPr id="1" name=""/>
+        <p:cNvGrpSpPr/>
+        <p:nvPr/>
+      </p:nvGrpSpPr>
+      <p:grpSpPr>
+        <a:xfrm>
+          <a:off x="0" y="0"/>
+          <a:ext cx="0" cy="0"/>
+          <a:chOff x="0" y="0"/>
+          <a:chExt cx="0" cy="0"/>
+        </a:xfrm>
+      </p:grpSpPr>
+      <p:sp>
+        <p:nvSpPr>
+          <p:cNvPr id="2" name="제목 1"/>
+          <p:cNvSpPr>
+            <a:spLocks noGrp="1"/>
+          </p:cNvSpPr>
+          <p:nvPr>
+            <p:ph type="title"/>
+          </p:nvPr>
+        </p:nvSpPr>
+        <p:spPr/>
+        <p:txBody>
+          <a:bodyPr/>
+          <a:lstStyle/>
+          <a:p>
+            <a:r>
+              <a:rPr lang="en-US" altLang="ko-KR" smtClean="0"/>
+              <a:t>Source – Sink </a:t>
+            </a:r>
+            <a:r>
+              <a:rPr lang="ko-KR" altLang="en-US" smtClean="0"/>
+              <a:t>조합</a:t>
+            </a:r>
+            <a:endParaRPr lang="ko-KR" altLang="en-US"/>
+          </a:p>
+        </p:txBody>
+      </p:sp>
+      <p:graphicFrame>
+        <p:nvGraphicFramePr>
+          <p:cNvPr id="4" name="내용 개체 틀 3"/>
+          <p:cNvGraphicFramePr>
+            <a:graphicFrameLocks noGrp="1"/>
+          </p:cNvGraphicFramePr>
+          <p:nvPr>
+            <p:ph idx="1"/>
+            <p:extLst>
+              <p:ext uri="{D42A27DB-BD31-4B8C-83A1-F6EECF244321}">
+                <p14:modId xmlns:p14="http://schemas.microsoft.com/office/powerpoint/2010/main" val="1569417809"/>
+              </p:ext>
+            </p:extLst>
+          </p:nvPr>
+        </p:nvGraphicFramePr>
+        <p:xfrm>
+          <a:off x="838200" y="1825625"/>
+          <a:ext cx="10515600" cy="3708400"/>
+        </p:xfrm>
+        <a:graphic>
+          <a:graphicData uri="http://schemas.openxmlformats.org/drawingml/2006/table">
+            <a:tbl>
+              <a:tblPr firstRow="1" bandRow="1">
+                <a:tableStyleId>{5C22544A-7EE6-4342-B048-85BDC9FD1C3A}</a:tableStyleId>
+              </a:tblPr>
+              <a:tblGrid>
+                <a:gridCol w="466898">
+                  <a:extLst>
+                    <a:ext uri="{9D8B030D-6E8A-4147-A177-3AD203B41FA5}">
+                      <a16:colId xmlns:a16="http://schemas.microsoft.com/office/drawing/2014/main" val="2271405166"/>
+                    </a:ext>
+                  </a:extLst>
+                </a:gridCol>
+                <a:gridCol w="2128058">
+                  <a:extLst>
+                    <a:ext uri="{9D8B030D-6E8A-4147-A177-3AD203B41FA5}">
+                      <a16:colId xmlns:a16="http://schemas.microsoft.com/office/drawing/2014/main" val="322916108"/>
+                    </a:ext>
+                  </a:extLst>
+                </a:gridCol>
+                <a:gridCol w="2078182">
+                  <a:extLst>
+                    <a:ext uri="{9D8B030D-6E8A-4147-A177-3AD203B41FA5}">
+                      <a16:colId xmlns:a16="http://schemas.microsoft.com/office/drawing/2014/main" val="137231634"/>
+                    </a:ext>
+                  </a:extLst>
+                </a:gridCol>
+                <a:gridCol w="1022466">
+                  <a:extLst>
+                    <a:ext uri="{9D8B030D-6E8A-4147-A177-3AD203B41FA5}">
+                      <a16:colId xmlns:a16="http://schemas.microsoft.com/office/drawing/2014/main" val="3355149843"/>
+                    </a:ext>
+                  </a:extLst>
+                </a:gridCol>
+                <a:gridCol w="4819996">
+                  <a:extLst>
+                    <a:ext uri="{9D8B030D-6E8A-4147-A177-3AD203B41FA5}">
+                      <a16:colId xmlns:a16="http://schemas.microsoft.com/office/drawing/2014/main" val="1805140875"/>
+                    </a:ext>
+                  </a:extLst>
+                </a:gridCol>
+              </a:tblGrid>
+              <a:tr h="370840">
+                <a:tc>
+                  <a:txBody>
+                    <a:bodyPr/>
+                    <a:lstStyle/>
+                    <a:p>
+                      <a:pPr latinLnBrk="1"/>
+                      <a:endParaRPr lang="ko-KR" altLang="en-US" sz="1600"/>
+                    </a:p>
+                  </a:txBody>
+                  <a:tcPr/>
+                </a:tc>
+                <a:tc>
+                  <a:txBody>
+                    <a:bodyPr/>
+                    <a:lstStyle/>
+                    <a:p>
+                      <a:pPr latinLnBrk="1"/>
+                      <a:r>
+                        <a:rPr lang="en-US" altLang="ko-KR" sz="1600" smtClean="0"/>
+                        <a:t>Source </a:t>
+                      </a:r>
+                      <a:r>
+                        <a:rPr lang="ko-KR" altLang="en-US" sz="1600" smtClean="0"/>
+                        <a:t>방식</a:t>
+                      </a:r>
+                      <a:endParaRPr lang="ko-KR" altLang="en-US" sz="1600"/>
+                    </a:p>
+                  </a:txBody>
+                  <a:tcPr/>
+                </a:tc>
+                <a:tc>
+                  <a:txBody>
+                    <a:bodyPr/>
+                    <a:lstStyle/>
+                    <a:p>
+                      <a:pPr latinLnBrk="1"/>
+                      <a:r>
+                        <a:rPr lang="en-US" altLang="ko-KR" sz="1600" smtClean="0"/>
+                        <a:t>Sink </a:t>
+                      </a:r>
+                      <a:r>
+                        <a:rPr lang="ko-KR" altLang="en-US" sz="1600" smtClean="0"/>
+                        <a:t>방식</a:t>
+                      </a:r>
+                      <a:endParaRPr lang="ko-KR" altLang="en-US" sz="1600"/>
+                    </a:p>
+                  </a:txBody>
+                  <a:tcPr/>
+                </a:tc>
+                <a:tc>
+                  <a:txBody>
+                    <a:bodyPr/>
+                    <a:lstStyle/>
+                    <a:p>
+                      <a:pPr latinLnBrk="1"/>
+                      <a:r>
+                        <a:rPr lang="ko-KR" altLang="en-US" sz="1600" smtClean="0"/>
+                        <a:t>확인대상</a:t>
+                      </a:r>
+                      <a:endParaRPr lang="ko-KR" altLang="en-US" sz="1600"/>
+                    </a:p>
+                  </a:txBody>
+                  <a:tcPr/>
+                </a:tc>
+                <a:tc>
+                  <a:txBody>
+                    <a:bodyPr/>
+                    <a:lstStyle/>
+                    <a:p>
+                      <a:pPr latinLnBrk="1"/>
+                      <a:endParaRPr lang="ko-KR" altLang="en-US" sz="1600"/>
+                    </a:p>
+                  </a:txBody>
+                  <a:tcPr/>
+                </a:tc>
+                <a:extLst>
+                  <a:ext uri="{0D108BD9-81ED-4DB2-BD59-A6C34878D82A}">
+                    <a16:rowId xmlns:a16="http://schemas.microsoft.com/office/drawing/2014/main" val="444051763"/>
+                  </a:ext>
+                </a:extLst>
+              </a:tr>
+              <a:tr h="370840">
+                <a:tc>
+                  <a:txBody>
+                    <a:bodyPr/>
+                    <a:lstStyle/>
+                    <a:p>
+                      <a:pPr latinLnBrk="1"/>
+                      <a:r>
+                        <a:rPr lang="en-US" altLang="ko-KR" sz="1600" smtClean="0"/>
+                        <a:t>1</a:t>
+                      </a:r>
+                      <a:endParaRPr lang="ko-KR" altLang="en-US" sz="1600"/>
+                    </a:p>
+                  </a:txBody>
+                  <a:tcPr/>
+                </a:tc>
+                <a:tc rowSpan="3">
+                  <a:txBody>
+                    <a:bodyPr/>
+                    <a:lstStyle/>
+                    <a:p>
+                      <a:pPr latinLnBrk="1"/>
+                      <a:r>
+                        <a:rPr lang="en-US" altLang="ko-KR" sz="1600" smtClean="0"/>
+                        <a:t>NiFi JDBC</a:t>
+                      </a:r>
+                      <a:endParaRPr lang="ko-KR" altLang="en-US" sz="1600"/>
+                    </a:p>
+                  </a:txBody>
+                  <a:tcPr anchor="ctr"/>
+                </a:tc>
+                <a:tc>
+                  <a:txBody>
+                    <a:bodyPr/>
+                    <a:lstStyle/>
+                    <a:p>
+                      <a:pPr latinLnBrk="1"/>
+                      <a:r>
+                        <a:rPr lang="en-US" altLang="ko-KR" sz="1600" smtClean="0"/>
+                        <a:t>NiFi JDBC</a:t>
+                      </a:r>
+                      <a:endParaRPr lang="ko-KR" altLang="en-US" sz="1600"/>
+                    </a:p>
+                  </a:txBody>
+                  <a:tcPr/>
+                </a:tc>
+                <a:tc>
+                  <a:txBody>
+                    <a:bodyPr/>
+                    <a:lstStyle/>
+                    <a:p>
+                      <a:pPr algn="ctr" latinLnBrk="1"/>
+                      <a:r>
+                        <a:rPr lang="en-US" altLang="ko-KR" sz="1600" smtClean="0"/>
+                        <a:t>O</a:t>
+                      </a:r>
+                      <a:endParaRPr lang="ko-KR" altLang="en-US" sz="1600"/>
+                    </a:p>
+                  </a:txBody>
+                  <a:tcPr/>
+                </a:tc>
+                <a:tc>
+                  <a:txBody>
+                    <a:bodyPr/>
+                    <a:lstStyle/>
+                    <a:p>
+                      <a:pPr latinLnBrk="1"/>
+                      <a:endParaRPr lang="ko-KR" altLang="en-US" sz="1600"/>
+                    </a:p>
+                  </a:txBody>
+                  <a:tcPr/>
+                </a:tc>
+                <a:extLst>
+                  <a:ext uri="{0D108BD9-81ED-4DB2-BD59-A6C34878D82A}">
+                    <a16:rowId xmlns:a16="http://schemas.microsoft.com/office/drawing/2014/main" val="4125337314"/>
+                  </a:ext>
+                </a:extLst>
+              </a:tr>
+              <a:tr h="370840">
+                <a:tc>
+                  <a:txBody>
+                    <a:bodyPr/>
+                    <a:lstStyle/>
+                    <a:p>
+                      <a:pPr latinLnBrk="1"/>
+                      <a:r>
+                        <a:rPr lang="en-US" altLang="ko-KR" sz="1600" smtClean="0"/>
+                        <a:t>2</a:t>
+                      </a:r>
+                      <a:endParaRPr lang="ko-KR" altLang="en-US" sz="1600"/>
+                    </a:p>
+                  </a:txBody>
+                  <a:tcPr/>
+                </a:tc>
+                <a:tc vMerge="1">
+                  <a:txBody>
+                    <a:bodyPr/>
+                    <a:lstStyle/>
+                    <a:p>
+                      <a:pPr latinLnBrk="1"/>
+                      <a:endParaRPr lang="ko-KR" altLang="en-US"/>
+                    </a:p>
+                  </a:txBody>
+                  <a:tcPr/>
+                </a:tc>
+                <a:tc>
+                  <a:txBody>
+                    <a:bodyPr/>
+                    <a:lstStyle/>
+                    <a:p>
+                      <a:pPr latinLnBrk="1"/>
+                      <a:r>
+                        <a:rPr lang="en-US" altLang="ko-KR" sz="1600" smtClean="0"/>
+                        <a:t>Kafka Connect JDBC</a:t>
+                      </a:r>
+                      <a:endParaRPr lang="ko-KR" altLang="en-US" sz="1600"/>
+                    </a:p>
+                  </a:txBody>
+                  <a:tcPr/>
+                </a:tc>
+                <a:tc>
+                  <a:txBody>
+                    <a:bodyPr/>
+                    <a:lstStyle/>
+                    <a:p>
+                      <a:pPr algn="ctr" latinLnBrk="1"/>
+                      <a:r>
+                        <a:rPr lang="en-US" altLang="ko-KR" sz="1600" smtClean="0"/>
+                        <a:t>X</a:t>
+                      </a:r>
+                      <a:endParaRPr lang="ko-KR" altLang="en-US" sz="1600"/>
+                    </a:p>
+                  </a:txBody>
+                  <a:tcPr/>
+                </a:tc>
+                <a:tc>
+                  <a:txBody>
+                    <a:bodyPr/>
+                    <a:lstStyle/>
+                    <a:p>
+                      <a:pPr latinLnBrk="1"/>
+                      <a:endParaRPr lang="ko-KR" altLang="en-US" sz="1600"/>
+                    </a:p>
+                  </a:txBody>
+                  <a:tcPr/>
+                </a:tc>
+                <a:extLst>
+                  <a:ext uri="{0D108BD9-81ED-4DB2-BD59-A6C34878D82A}">
+                    <a16:rowId xmlns:a16="http://schemas.microsoft.com/office/drawing/2014/main" val="2899770959"/>
+                  </a:ext>
+                </a:extLst>
+              </a:tr>
+              <a:tr h="370840">
+                <a:tc>
+                  <a:txBody>
+                    <a:bodyPr/>
+                    <a:lstStyle/>
+                    <a:p>
+                      <a:pPr latinLnBrk="1"/>
+                      <a:r>
+                        <a:rPr lang="en-US" altLang="ko-KR" sz="1600" smtClean="0"/>
+                        <a:t>3</a:t>
+                      </a:r>
+                      <a:endParaRPr lang="ko-KR" altLang="en-US" sz="1600"/>
+                    </a:p>
+                  </a:txBody>
+                  <a:tcPr/>
+                </a:tc>
+                <a:tc vMerge="1">
+                  <a:txBody>
+                    <a:bodyPr/>
+                    <a:lstStyle/>
+                    <a:p>
+                      <a:pPr latinLnBrk="1"/>
+                      <a:endParaRPr lang="ko-KR" altLang="en-US"/>
+                    </a:p>
+                  </a:txBody>
+                  <a:tcPr/>
+                </a:tc>
+                <a:tc>
+                  <a:txBody>
+                    <a:bodyPr/>
+                    <a:lstStyle/>
+                    <a:p>
+                      <a:pPr latinLnBrk="1"/>
+                      <a:r>
+                        <a:rPr lang="en-US" altLang="ko-KR" sz="1600" smtClean="0"/>
+                        <a:t>Kafka Connect OGG</a:t>
+                      </a:r>
+                      <a:endParaRPr lang="ko-KR" altLang="en-US" sz="1600"/>
+                    </a:p>
+                  </a:txBody>
+                  <a:tcPr/>
+                </a:tc>
+                <a:tc>
+                  <a:txBody>
+                    <a:bodyPr/>
+                    <a:lstStyle/>
+                    <a:p>
+                      <a:pPr algn="ctr" latinLnBrk="1"/>
+                      <a:r>
+                        <a:rPr lang="en-US" altLang="ko-KR" sz="1600" smtClean="0"/>
+                        <a:t>X</a:t>
+                      </a:r>
+                      <a:endParaRPr lang="ko-KR" altLang="en-US" sz="1600"/>
+                    </a:p>
+                  </a:txBody>
+                  <a:tcPr/>
+                </a:tc>
+                <a:tc>
+                  <a:txBody>
+                    <a:bodyPr/>
+                    <a:lstStyle/>
+                    <a:p>
+                      <a:pPr latinLnBrk="1"/>
+                      <a:r>
+                        <a:rPr lang="en-US" altLang="ko-KR" sz="1600" smtClean="0"/>
+                        <a:t>Json</a:t>
+                      </a:r>
+                      <a:r>
+                        <a:rPr lang="ko-KR" altLang="en-US" sz="1600" baseline="0" smtClean="0"/>
+                        <a:t> </a:t>
+                      </a:r>
+                      <a:r>
+                        <a:rPr lang="en-US" altLang="ko-KR" sz="1600" baseline="0" smtClean="0"/>
+                        <a:t>data </a:t>
+                      </a:r>
+                      <a:r>
+                        <a:rPr lang="ko-KR" altLang="en-US" sz="1600" baseline="0" smtClean="0"/>
+                        <a:t>형식을 </a:t>
+                      </a:r>
+                      <a:r>
+                        <a:rPr lang="en-US" altLang="ko-KR" sz="1600" baseline="0" smtClean="0"/>
+                        <a:t>OGG </a:t>
+                      </a:r>
+                      <a:r>
+                        <a:rPr lang="ko-KR" altLang="en-US" sz="1600" baseline="0" smtClean="0"/>
+                        <a:t>에서 사용할 수 있을까</a:t>
+                      </a:r>
+                      <a:r>
+                        <a:rPr lang="en-US" altLang="ko-KR" sz="1600" baseline="0" smtClean="0"/>
+                        <a:t>?</a:t>
+                      </a:r>
+                      <a:endParaRPr lang="ko-KR" altLang="en-US" sz="1600"/>
+                    </a:p>
+                  </a:txBody>
+                  <a:tcPr/>
+                </a:tc>
+                <a:extLst>
+                  <a:ext uri="{0D108BD9-81ED-4DB2-BD59-A6C34878D82A}">
+                    <a16:rowId xmlns:a16="http://schemas.microsoft.com/office/drawing/2014/main" val="2502572958"/>
+                  </a:ext>
+                </a:extLst>
+              </a:tr>
+              <a:tr h="370840">
+                <a:tc>
+                  <a:txBody>
+                    <a:bodyPr/>
+                    <a:lstStyle/>
+                    <a:p>
+                      <a:pPr latinLnBrk="1"/>
+                      <a:r>
+                        <a:rPr lang="en-US" altLang="ko-KR" sz="1600" smtClean="0"/>
+                        <a:t>4</a:t>
+                      </a:r>
+                      <a:endParaRPr lang="ko-KR" altLang="en-US" sz="1600"/>
+                    </a:p>
+                  </a:txBody>
+                  <a:tcPr/>
+                </a:tc>
+                <a:tc rowSpan="3">
+                  <a:txBody>
+                    <a:bodyPr/>
+                    <a:lstStyle/>
+                    <a:p>
+                      <a:pPr latinLnBrk="1"/>
+                      <a:r>
+                        <a:rPr lang="en-US" altLang="ko-KR" sz="1600" smtClean="0"/>
+                        <a:t>Kafka Connect JDBC</a:t>
+                      </a:r>
+                      <a:endParaRPr lang="ko-KR" altLang="en-US" sz="1600"/>
+                    </a:p>
+                  </a:txBody>
+                  <a:tcPr anchor="ctr"/>
+                </a:tc>
+                <a:tc>
+                  <a:txBody>
+                    <a:bodyPr/>
+                    <a:lstStyle/>
+                    <a:p>
+                      <a:pPr latinLnBrk="1"/>
+                      <a:r>
+                        <a:rPr lang="en-US" altLang="ko-KR" sz="1600" smtClean="0"/>
+                        <a:t>NiFi JDBC</a:t>
+                      </a:r>
+                      <a:endParaRPr lang="ko-KR" altLang="en-US" sz="1600"/>
+                    </a:p>
+                  </a:txBody>
+                  <a:tcPr/>
+                </a:tc>
+                <a:tc>
+                  <a:txBody>
+                    <a:bodyPr/>
+                    <a:lstStyle/>
+                    <a:p>
+                      <a:pPr algn="ctr" latinLnBrk="1"/>
+                      <a:r>
+                        <a:rPr lang="en-US" altLang="ko-KR" sz="1600" smtClean="0"/>
+                        <a:t>O</a:t>
+                      </a:r>
+                      <a:endParaRPr lang="ko-KR" altLang="en-US" sz="1600"/>
+                    </a:p>
+                  </a:txBody>
+                  <a:tcPr/>
+                </a:tc>
+                <a:tc>
+                  <a:txBody>
+                    <a:bodyPr/>
+                    <a:lstStyle/>
+                    <a:p>
+                      <a:pPr latinLnBrk="1"/>
+                      <a:r>
+                        <a:rPr lang="en-US" altLang="ko-KR" sz="1600" smtClean="0"/>
+                        <a:t>Data transform</a:t>
+                      </a:r>
+                      <a:r>
+                        <a:rPr lang="en-US" altLang="ko-KR" sz="1600" baseline="0" smtClean="0"/>
+                        <a:t> </a:t>
+                      </a:r>
+                      <a:r>
+                        <a:rPr lang="ko-KR" altLang="en-US" sz="1600" baseline="0" smtClean="0"/>
+                        <a:t>요건에 따라 필요</a:t>
+                      </a:r>
+                      <a:endParaRPr lang="ko-KR" altLang="en-US" sz="1600"/>
+                    </a:p>
+                  </a:txBody>
+                  <a:tcPr/>
+                </a:tc>
+                <a:extLst>
+                  <a:ext uri="{0D108BD9-81ED-4DB2-BD59-A6C34878D82A}">
+                    <a16:rowId xmlns:a16="http://schemas.microsoft.com/office/drawing/2014/main" val="3616220543"/>
+                  </a:ext>
+                </a:extLst>
+              </a:tr>
+              <a:tr h="370840">
+                <a:tc>
+                  <a:txBody>
+                    <a:bodyPr/>
+                    <a:lstStyle/>
+                    <a:p>
+                      <a:pPr latinLnBrk="1"/>
+                      <a:r>
+                        <a:rPr lang="en-US" altLang="ko-KR" sz="1600" smtClean="0"/>
+                        <a:t>5</a:t>
+                      </a:r>
+                      <a:endParaRPr lang="ko-KR" altLang="en-US" sz="1600"/>
+                    </a:p>
+                  </a:txBody>
+                  <a:tcPr/>
+                </a:tc>
+                <a:tc vMerge="1">
+                  <a:txBody>
+                    <a:bodyPr/>
+                    <a:lstStyle/>
+                    <a:p>
+                      <a:pPr latinLnBrk="1"/>
+                      <a:endParaRPr lang="ko-KR" altLang="en-US"/>
+                    </a:p>
+                  </a:txBody>
+                  <a:tcPr/>
+                </a:tc>
+                <a:tc>
+                  <a:txBody>
+                    <a:bodyPr/>
+                    <a:lstStyle/>
+                    <a:p>
+                      <a:pPr latinLnBrk="1"/>
+                      <a:r>
+                        <a:rPr lang="en-US" altLang="ko-KR" sz="1600" smtClean="0"/>
+                        <a:t>Kafka Connect JDBC</a:t>
+                      </a:r>
+                      <a:endParaRPr lang="ko-KR" altLang="en-US" sz="1600"/>
+                    </a:p>
+                  </a:txBody>
+                  <a:tcPr/>
+                </a:tc>
+                <a:tc>
+                  <a:txBody>
+                    <a:bodyPr/>
+                    <a:lstStyle/>
+                    <a:p>
+                      <a:pPr algn="ctr" latinLnBrk="1"/>
+                      <a:r>
+                        <a:rPr lang="en-US" altLang="ko-KR" sz="1600" smtClean="0"/>
+                        <a:t>O</a:t>
+                      </a:r>
+                      <a:endParaRPr lang="ko-KR" altLang="en-US" sz="1600"/>
+                    </a:p>
+                  </a:txBody>
+                  <a:tcPr/>
+                </a:tc>
+                <a:tc>
+                  <a:txBody>
+                    <a:bodyPr/>
+                    <a:lstStyle/>
+                    <a:p>
+                      <a:pPr latinLnBrk="1"/>
+                      <a:endParaRPr lang="ko-KR" altLang="en-US" sz="1600"/>
+                    </a:p>
+                  </a:txBody>
+                  <a:tcPr/>
+                </a:tc>
+                <a:extLst>
+                  <a:ext uri="{0D108BD9-81ED-4DB2-BD59-A6C34878D82A}">
+                    <a16:rowId xmlns:a16="http://schemas.microsoft.com/office/drawing/2014/main" val="2223729978"/>
+                  </a:ext>
+                </a:extLst>
+              </a:tr>
+              <a:tr h="370840">
+                <a:tc>
+                  <a:txBody>
+                    <a:bodyPr/>
+                    <a:lstStyle/>
+                    <a:p>
+                      <a:pPr latinLnBrk="1"/>
+                      <a:r>
+                        <a:rPr lang="en-US" altLang="ko-KR" sz="1600" smtClean="0"/>
+                        <a:t>6</a:t>
+                      </a:r>
+                      <a:endParaRPr lang="ko-KR" altLang="en-US" sz="1600"/>
+                    </a:p>
+                  </a:txBody>
+                  <a:tcPr/>
+                </a:tc>
+                <a:tc vMerge="1">
+                  <a:txBody>
+                    <a:bodyPr/>
+                    <a:lstStyle/>
+                    <a:p>
+                      <a:pPr latinLnBrk="1"/>
+                      <a:endParaRPr lang="ko-KR" altLang="en-US"/>
+                    </a:p>
+                  </a:txBody>
+                  <a:tcPr/>
+                </a:tc>
+                <a:tc>
+                  <a:txBody>
+                    <a:bodyPr/>
+                    <a:lstStyle/>
+                    <a:p>
+                      <a:pPr latinLnBrk="1"/>
+                      <a:r>
+                        <a:rPr lang="en-US" altLang="ko-KR" sz="1600" smtClean="0"/>
+                        <a:t>Kafka Connect OGG</a:t>
+                      </a:r>
+                      <a:endParaRPr lang="ko-KR" altLang="en-US" sz="1600"/>
+                    </a:p>
+                  </a:txBody>
+                  <a:tcPr/>
+                </a:tc>
+                <a:tc>
+                  <a:txBody>
+                    <a:bodyPr/>
+                    <a:lstStyle/>
+                    <a:p>
+                      <a:pPr algn="ctr" latinLnBrk="1"/>
+                      <a:r>
+                        <a:rPr lang="en-US" altLang="ko-KR" sz="1600" smtClean="0"/>
+                        <a:t>X</a:t>
+                      </a:r>
+                      <a:endParaRPr lang="ko-KR" altLang="en-US" sz="1600"/>
+                    </a:p>
+                  </a:txBody>
+                  <a:tcPr/>
+                </a:tc>
+                <a:tc>
+                  <a:txBody>
+                    <a:bodyPr/>
+                    <a:lstStyle/>
+                    <a:p>
+                      <a:pPr latinLnBrk="1"/>
+                      <a:r>
+                        <a:rPr lang="en-US" altLang="ko-KR" sz="1600" smtClean="0"/>
+                        <a:t>Json</a:t>
+                      </a:r>
+                      <a:r>
+                        <a:rPr lang="ko-KR" altLang="en-US" sz="1600" baseline="0" smtClean="0"/>
+                        <a:t> </a:t>
+                      </a:r>
+                      <a:r>
+                        <a:rPr lang="en-US" altLang="ko-KR" sz="1600" baseline="0" smtClean="0"/>
+                        <a:t>data </a:t>
+                      </a:r>
+                      <a:r>
+                        <a:rPr lang="ko-KR" altLang="en-US" sz="1600" baseline="0" smtClean="0"/>
+                        <a:t>형식을 </a:t>
+                      </a:r>
+                      <a:r>
+                        <a:rPr lang="en-US" altLang="ko-KR" sz="1600" baseline="0" smtClean="0"/>
+                        <a:t>OGG </a:t>
+                      </a:r>
+                      <a:r>
+                        <a:rPr lang="ko-KR" altLang="en-US" sz="1600" baseline="0" smtClean="0"/>
+                        <a:t>에서 사용할 수 있을까</a:t>
+                      </a:r>
+                      <a:r>
+                        <a:rPr lang="en-US" altLang="ko-KR" sz="1600" baseline="0" smtClean="0"/>
+                        <a:t>?</a:t>
+                      </a:r>
+                      <a:endParaRPr lang="ko-KR" altLang="en-US" sz="1600"/>
+                    </a:p>
+                  </a:txBody>
+                  <a:tcPr/>
+                </a:tc>
+                <a:extLst>
+                  <a:ext uri="{0D108BD9-81ED-4DB2-BD59-A6C34878D82A}">
+                    <a16:rowId xmlns:a16="http://schemas.microsoft.com/office/drawing/2014/main" val="1194807113"/>
+                  </a:ext>
+                </a:extLst>
+              </a:tr>
+              <a:tr h="370840">
+                <a:tc>
+                  <a:txBody>
+                    <a:bodyPr/>
+                    <a:lstStyle/>
+                    <a:p>
+                      <a:pPr latinLnBrk="1"/>
+                      <a:r>
+                        <a:rPr lang="en-US" altLang="ko-KR" sz="1600" smtClean="0"/>
+                        <a:t>7</a:t>
+                      </a:r>
+                      <a:endParaRPr lang="ko-KR" altLang="en-US" sz="1600"/>
+                    </a:p>
+                  </a:txBody>
+                  <a:tcPr/>
+                </a:tc>
+                <a:tc rowSpan="3">
+                  <a:txBody>
+                    <a:bodyPr/>
+                    <a:lstStyle/>
+                    <a:p>
+                      <a:pPr latinLnBrk="1"/>
+                      <a:r>
+                        <a:rPr lang="en-US" altLang="ko-KR" sz="1600" smtClean="0"/>
+                        <a:t>Kafka Connect OGG</a:t>
+                      </a:r>
+                      <a:endParaRPr lang="ko-KR" altLang="en-US" sz="1600"/>
+                    </a:p>
+                  </a:txBody>
+                  <a:tcPr anchor="ctr"/>
+                </a:tc>
+                <a:tc>
+                  <a:txBody>
+                    <a:bodyPr/>
+                    <a:lstStyle/>
+                    <a:p>
+                      <a:pPr latinLnBrk="1"/>
+                      <a:r>
+                        <a:rPr lang="en-US" altLang="ko-KR" sz="1600" smtClean="0"/>
+                        <a:t>NiFi JDBC</a:t>
+                      </a:r>
+                      <a:endParaRPr lang="ko-KR" altLang="en-US" sz="1600"/>
+                    </a:p>
+                  </a:txBody>
+                  <a:tcPr/>
+                </a:tc>
+                <a:tc>
+                  <a:txBody>
+                    <a:bodyPr/>
+                    <a:lstStyle/>
+                    <a:p>
+                      <a:pPr algn="ctr" latinLnBrk="1"/>
+                      <a:r>
+                        <a:rPr lang="en-US" altLang="ko-KR" sz="1600" smtClean="0"/>
+                        <a:t>??</a:t>
+                      </a:r>
+                      <a:endParaRPr lang="ko-KR" altLang="en-US" sz="1600"/>
+                    </a:p>
+                  </a:txBody>
+                  <a:tcPr/>
+                </a:tc>
+                <a:tc>
+                  <a:txBody>
+                    <a:bodyPr/>
+                    <a:lstStyle/>
+                    <a:p>
+                      <a:pPr latinLnBrk="1"/>
+                      <a:r>
+                        <a:rPr lang="en-US" altLang="ko-KR" sz="1600" smtClean="0"/>
+                        <a:t>OGG</a:t>
+                      </a:r>
+                      <a:r>
+                        <a:rPr lang="en-US" altLang="ko-KR" sz="1600" baseline="0" smtClean="0"/>
+                        <a:t> data </a:t>
+                      </a:r>
+                      <a:r>
+                        <a:rPr lang="ko-KR" altLang="en-US" sz="1600" baseline="0" smtClean="0"/>
+                        <a:t>형식을 </a:t>
+                      </a:r>
+                      <a:r>
+                        <a:rPr lang="en-US" altLang="ko-KR" sz="1600" baseline="0" smtClean="0"/>
+                        <a:t>jdbc </a:t>
+                      </a:r>
+                      <a:r>
+                        <a:rPr lang="ko-KR" altLang="en-US" sz="1600" baseline="0" smtClean="0"/>
+                        <a:t>에서 사용할 수 있을까</a:t>
+                      </a:r>
+                      <a:r>
+                        <a:rPr lang="en-US" altLang="ko-KR" sz="1600" baseline="0" smtClean="0"/>
+                        <a:t>?</a:t>
+                      </a:r>
+                      <a:endParaRPr lang="ko-KR" altLang="en-US" sz="1600"/>
+                    </a:p>
+                  </a:txBody>
+                  <a:tcPr/>
+                </a:tc>
+                <a:extLst>
+                  <a:ext uri="{0D108BD9-81ED-4DB2-BD59-A6C34878D82A}">
+                    <a16:rowId xmlns:a16="http://schemas.microsoft.com/office/drawing/2014/main" val="3244959890"/>
+                  </a:ext>
+                </a:extLst>
+              </a:tr>
+              <a:tr h="370840">
+                <a:tc>
+                  <a:txBody>
+                    <a:bodyPr/>
+                    <a:lstStyle/>
+                    <a:p>
+                      <a:pPr latinLnBrk="1"/>
+                      <a:r>
+                        <a:rPr lang="en-US" altLang="ko-KR" sz="1600" smtClean="0"/>
+                        <a:t>8</a:t>
+                      </a:r>
+                      <a:endParaRPr lang="ko-KR" altLang="en-US" sz="1600"/>
+                    </a:p>
+                  </a:txBody>
+                  <a:tcPr/>
+                </a:tc>
+                <a:tc vMerge="1">
+                  <a:txBody>
+                    <a:bodyPr/>
+                    <a:lstStyle/>
+                    <a:p>
+                      <a:pPr latinLnBrk="1"/>
+                      <a:endParaRPr lang="ko-KR" altLang="en-US"/>
+                    </a:p>
+                  </a:txBody>
+                  <a:tcPr/>
+                </a:tc>
+                <a:tc>
+                  <a:txBody>
+                    <a:bodyPr/>
+                    <a:lstStyle/>
+                    <a:p>
+                      <a:pPr latinLnBrk="1"/>
+                      <a:r>
+                        <a:rPr lang="en-US" altLang="ko-KR" sz="1600" smtClean="0"/>
+                        <a:t>Kafka Connect JDBC</a:t>
+                      </a:r>
+                      <a:endParaRPr lang="ko-KR" altLang="en-US" sz="1600"/>
+                    </a:p>
+                  </a:txBody>
+                  <a:tcPr/>
+                </a:tc>
+                <a:tc>
+                  <a:txBody>
+                    <a:bodyPr/>
+                    <a:lstStyle/>
+                    <a:p>
+                      <a:pPr algn="ctr" latinLnBrk="1"/>
+                      <a:r>
+                        <a:rPr lang="en-US" altLang="ko-KR" sz="1600" smtClean="0"/>
+                        <a:t>??</a:t>
+                      </a:r>
+                      <a:endParaRPr lang="ko-KR" altLang="en-US" sz="1600"/>
+                    </a:p>
+                  </a:txBody>
+                  <a:tcPr/>
+                </a:tc>
+                <a:tc>
+                  <a:txBody>
+                    <a:bodyPr/>
+                    <a:lstStyle/>
+                    <a:p>
+                      <a:pPr latinLnBrk="1"/>
+                      <a:r>
+                        <a:rPr lang="en-US" altLang="ko-KR" sz="1600" smtClean="0"/>
+                        <a:t>OGG</a:t>
+                      </a:r>
+                      <a:r>
+                        <a:rPr lang="en-US" altLang="ko-KR" sz="1600" baseline="0" smtClean="0"/>
+                        <a:t> data </a:t>
+                      </a:r>
+                      <a:r>
+                        <a:rPr lang="ko-KR" altLang="en-US" sz="1600" baseline="0" smtClean="0"/>
+                        <a:t>형식을 </a:t>
+                      </a:r>
+                      <a:r>
+                        <a:rPr lang="en-US" altLang="ko-KR" sz="1600" baseline="0" smtClean="0"/>
+                        <a:t>jdbc </a:t>
+                      </a:r>
+                      <a:r>
+                        <a:rPr lang="ko-KR" altLang="en-US" sz="1600" baseline="0" smtClean="0"/>
+                        <a:t>에서 사용할 수 있을까</a:t>
+                      </a:r>
+                      <a:endParaRPr lang="ko-KR" altLang="en-US" sz="1600"/>
+                    </a:p>
+                  </a:txBody>
+                  <a:tcPr/>
+                </a:tc>
+                <a:extLst>
+                  <a:ext uri="{0D108BD9-81ED-4DB2-BD59-A6C34878D82A}">
+                    <a16:rowId xmlns:a16="http://schemas.microsoft.com/office/drawing/2014/main" val="2952549331"/>
+                  </a:ext>
+                </a:extLst>
+              </a:tr>
+              <a:tr h="370840">
+                <a:tc>
+                  <a:txBody>
+                    <a:bodyPr/>
+                    <a:lstStyle/>
+                    <a:p>
+                      <a:pPr latinLnBrk="1"/>
+                      <a:r>
+                        <a:rPr lang="en-US" altLang="ko-KR" sz="1600" smtClean="0"/>
+                        <a:t>9</a:t>
+                      </a:r>
+                      <a:endParaRPr lang="ko-KR" altLang="en-US" sz="1600"/>
+                    </a:p>
+                  </a:txBody>
+                  <a:tcPr/>
+                </a:tc>
+                <a:tc vMerge="1">
+                  <a:txBody>
+                    <a:bodyPr/>
+                    <a:lstStyle/>
+                    <a:p>
+                      <a:pPr latinLnBrk="1"/>
+                      <a:endParaRPr lang="ko-KR" altLang="en-US"/>
+                    </a:p>
+                  </a:txBody>
+                  <a:tcPr/>
+                </a:tc>
+                <a:tc>
+                  <a:txBody>
+                    <a:bodyPr/>
+                    <a:lstStyle/>
+                    <a:p>
+                      <a:pPr latinLnBrk="1"/>
+                      <a:r>
+                        <a:rPr lang="en-US" altLang="ko-KR" sz="1600" smtClean="0"/>
+                        <a:t>Kafka Connect OGG</a:t>
+                      </a:r>
+                      <a:endParaRPr lang="ko-KR" altLang="en-US" sz="1600"/>
+                    </a:p>
+                  </a:txBody>
+                  <a:tcPr/>
+                </a:tc>
+                <a:tc>
+                  <a:txBody>
+                    <a:bodyPr/>
+                    <a:lstStyle/>
+                    <a:p>
+                      <a:pPr algn="ctr" latinLnBrk="1"/>
+                      <a:r>
+                        <a:rPr lang="en-US" altLang="ko-KR" sz="1600" smtClean="0"/>
+                        <a:t>O</a:t>
+                      </a:r>
+                      <a:endParaRPr lang="ko-KR" altLang="en-US" sz="1600"/>
+                    </a:p>
+                  </a:txBody>
+                  <a:tcPr/>
+                </a:tc>
+                <a:tc>
+                  <a:txBody>
+                    <a:bodyPr/>
+                    <a:lstStyle/>
+                    <a:p>
+                      <a:pPr latinLnBrk="1"/>
+                      <a:endParaRPr lang="ko-KR" altLang="en-US" sz="1600"/>
+                    </a:p>
+                  </a:txBody>
+                  <a:tcPr/>
+                </a:tc>
+                <a:extLst>
+                  <a:ext uri="{0D108BD9-81ED-4DB2-BD59-A6C34878D82A}">
+                    <a16:rowId xmlns:a16="http://schemas.microsoft.com/office/drawing/2014/main" val="1696937111"/>
+                  </a:ext>
+                </a:extLst>
+              </a:tr>
+            </a:tbl>
+          </a:graphicData>
+        </a:graphic>
+      </p:graphicFrame>
+    </p:spTree>
+    <p:extLst>
+      <p:ext uri="{BB962C8B-B14F-4D97-AF65-F5344CB8AC3E}">
+        <p14:creationId xmlns:p14="http://schemas.microsoft.com/office/powerpoint/2010/main" val="2036201384"/>
+      </p:ext>
+    </p:extLst>
+  </p:cSld>
+  <p:clrMapOvr>
+    <a:masterClrMapping/>
+  </p:clrMapOvr>
+</p:sld>
+</file>
+
+<file path=ppt/slides/slide4.xml><?xml version="1.0" encoding="utf-8"?>
+<p:sld xmlns:a="http://schemas.openxmlformats.org/drawingml/2006/main" xmlns:r="http://schemas.openxmlformats.org/officeDocument/2006/relationships" xmlns:p="http://schemas.openxmlformats.org/presentationml/2006/main">
+  <p:cSld>
+    <p:spTree>
+      <p:nvGrpSpPr>
+        <p:cNvPr id="1" name=""/>
+        <p:cNvGrpSpPr/>
+        <p:nvPr/>
+      </p:nvGrpSpPr>
+      <p:grpSpPr>
+        <a:xfrm>
+          <a:off x="0" y="0"/>
+          <a:ext cx="0" cy="0"/>
+          <a:chOff x="0" y="0"/>
+          <a:chExt cx="0" cy="0"/>
+        </a:xfrm>
+      </p:grpSpPr>
+      <p:sp>
+        <p:nvSpPr>
+          <p:cNvPr id="2" name="제목 1"/>
+          <p:cNvSpPr>
+            <a:spLocks noGrp="1"/>
+          </p:cNvSpPr>
+          <p:nvPr>
+            <p:ph type="title"/>
+          </p:nvPr>
+        </p:nvSpPr>
         <p:spPr/>
         <p:txBody>
           <a:bodyPr/>
@@ -3948,7 +5742,105 @@
 </p:sld>
 </file>
 
-<file path=ppt/slides/slide3.xml><?xml version="1.0" encoding="utf-8"?>
+<file path=ppt/slides/slide5.xml><?xml version="1.0" encoding="utf-8"?>
+<p:sld xmlns:a="http://schemas.openxmlformats.org/drawingml/2006/main" xmlns:r="http://schemas.openxmlformats.org/officeDocument/2006/relationships" xmlns:p="http://schemas.openxmlformats.org/presentationml/2006/main">
+  <p:cSld>
+    <p:spTree>
+      <p:nvGrpSpPr>
+        <p:cNvPr id="1" name=""/>
+        <p:cNvGrpSpPr/>
+        <p:nvPr/>
+      </p:nvGrpSpPr>
+      <p:grpSpPr>
+        <a:xfrm>
+          <a:off x="0" y="0"/>
+          <a:ext cx="0" cy="0"/>
+          <a:chOff x="0" y="0"/>
+          <a:chExt cx="0" cy="0"/>
+        </a:xfrm>
+      </p:grpSpPr>
+      <p:sp>
+        <p:nvSpPr>
+          <p:cNvPr id="2" name="제목 1"/>
+          <p:cNvSpPr>
+            <a:spLocks noGrp="1"/>
+          </p:cNvSpPr>
+          <p:nvPr>
+            <p:ph type="title"/>
+          </p:nvPr>
+        </p:nvSpPr>
+        <p:spPr/>
+        <p:txBody>
+          <a:bodyPr/>
+          <a:lstStyle/>
+          <a:p>
+            <a:r>
+              <a:rPr lang="en-US" altLang="ko-KR"/>
+              <a:t>NiFi </a:t>
+            </a:r>
+            <a:r>
+              <a:rPr lang="en-US" altLang="ko-KR" smtClean="0"/>
+              <a:t>Architecture</a:t>
+            </a:r>
+            <a:endParaRPr lang="ko-KR" altLang="en-US"/>
+          </a:p>
+        </p:txBody>
+      </p:sp>
+      <p:pic>
+        <p:nvPicPr>
+          <p:cNvPr id="1026" name="Picture 2" descr="NiFi Architecture Diagram"/>
+          <p:cNvPicPr>
+            <a:picLocks noChangeAspect="1" noChangeArrowheads="1"/>
+          </p:cNvPicPr>
+          <p:nvPr/>
+        </p:nvPicPr>
+        <p:blipFill>
+          <a:blip r:embed="rId2">
+            <a:extLst>
+              <a:ext uri="{28A0092B-C50C-407E-A947-70E740481C1C}">
+                <a14:useLocalDpi xmlns:a14="http://schemas.microsoft.com/office/drawing/2010/main" val="0"/>
+              </a:ext>
+            </a:extLst>
+          </a:blip>
+          <a:srcRect/>
+          <a:stretch>
+            <a:fillRect/>
+          </a:stretch>
+        </p:blipFill>
+        <p:spPr bwMode="auto">
+          <a:xfrm>
+            <a:off x="1476375" y="1508789"/>
+            <a:ext cx="9239250" cy="4857751"/>
+          </a:xfrm>
+          <a:prstGeom prst="rect">
+            <a:avLst/>
+          </a:prstGeom>
+          <a:noFill/>
+          <a:extLst>
+            <a:ext uri="{909E8E84-426E-40DD-AFC4-6F175D3DCCD1}">
+              <a14:hiddenFill xmlns:a14="http://schemas.microsoft.com/office/drawing/2010/main">
+                <a:solidFill>
+                  <a:srgbClr val="FFFFFF"/>
+                </a:solidFill>
+              </a14:hiddenFill>
+            </a:ext>
+          </a:extLst>
+        </p:spPr>
+      </p:pic>
+    </p:spTree>
+    <p:extLst>
+      <p:ext uri="{BB962C8B-B14F-4D97-AF65-F5344CB8AC3E}">
+        <p14:creationId xmlns:p14="http://schemas.microsoft.com/office/powerpoint/2010/main" val="3892638181"/>
+      </p:ext>
+    </p:extLst>
+  </p:cSld>
+  <p:clrMapOvr>
+    <a:masterClrMapping/>
+  </p:clrMapOvr>
+</p:sld>
+</file>
+
+<file path=ppt/slides/slide6.xml><?xml version="1.0" encoding="utf-8"?>
 <p:sld xmlns:a="http://schemas.openxmlformats.org/drawingml/2006/main" xmlns:r="http://schemas.openxmlformats.org/officeDocument/2006/relationships" xmlns:p="http://schemas.openxmlformats.org/presentationml/2006/main">
   <p:cSld>
     <p:spTree>
@@ -4034,7 +5926,7 @@
 </p:sld>
 </file>
 
-<file path=ppt/slides/slide4.xml><?xml version="1.0" encoding="utf-8"?>
+<file path=ppt/slides/slide7.xml><?xml version="1.0" encoding="utf-8"?>
 <p:sld xmlns:a="http://schemas.openxmlformats.org/drawingml/2006/main" xmlns:r="http://schemas.openxmlformats.org/officeDocument/2006/relationships" xmlns:p="http://schemas.openxmlformats.org/presentationml/2006/main">
   <p:cSld>
     <p:spTree>
@@ -4182,11 +6074,7 @@
             </a:r>
             <a:r>
               <a:rPr lang="en-US" altLang="ko-KR"/>
-              <a:t>: Table </a:t>
-            </a:r>
-            <a:r>
-              <a:rPr lang="en-US" altLang="ko-KR"/>
-              <a:t>Layout </a:t>
+              <a:t>: Table Layout </a:t>
             </a:r>
             <a:r>
               <a:rPr lang="en-US" altLang="ko-KR" smtClean="0"/>

--- a/db2db_구조.pptx
+++ b/db2db_구조.pptx
@@ -6,12 +6,13 @@
   </p:sldMasterIdLst>
   <p:sldIdLst>
     <p:sldId id="256" r:id="rId2"/>
-    <p:sldId id="260" r:id="rId3"/>
-    <p:sldId id="261" r:id="rId4"/>
-    <p:sldId id="257" r:id="rId5"/>
-    <p:sldId id="262" r:id="rId6"/>
-    <p:sldId id="258" r:id="rId7"/>
-    <p:sldId id="259" r:id="rId8"/>
+    <p:sldId id="263" r:id="rId3"/>
+    <p:sldId id="260" r:id="rId4"/>
+    <p:sldId id="261" r:id="rId5"/>
+    <p:sldId id="257" r:id="rId6"/>
+    <p:sldId id="262" r:id="rId7"/>
+    <p:sldId id="258" r:id="rId8"/>
+    <p:sldId id="259" r:id="rId9"/>
   </p:sldIdLst>
   <p:sldSz cx="12192000" cy="6858000"/>
   <p:notesSz cx="6858000" cy="9144000"/>
@@ -249,7 +250,7 @@
           <a:p>
             <a:fld id="{810557F9-1F21-47B8-A6D4-D5A2F4A22EB4}" type="datetimeFigureOut">
               <a:rPr lang="ko-KR" altLang="en-US" smtClean="0"/>
-              <a:t>2020-02-28</a:t>
+              <a:t>2020-03-04</a:t>
             </a:fld>
             <a:endParaRPr lang="ko-KR" altLang="en-US"/>
           </a:p>
@@ -419,7 +420,7 @@
           <a:p>
             <a:fld id="{810557F9-1F21-47B8-A6D4-D5A2F4A22EB4}" type="datetimeFigureOut">
               <a:rPr lang="ko-KR" altLang="en-US" smtClean="0"/>
-              <a:t>2020-02-28</a:t>
+              <a:t>2020-03-04</a:t>
             </a:fld>
             <a:endParaRPr lang="ko-KR" altLang="en-US"/>
           </a:p>
@@ -599,7 +600,7 @@
           <a:p>
             <a:fld id="{810557F9-1F21-47B8-A6D4-D5A2F4A22EB4}" type="datetimeFigureOut">
               <a:rPr lang="ko-KR" altLang="en-US" smtClean="0"/>
-              <a:t>2020-02-28</a:t>
+              <a:t>2020-03-04</a:t>
             </a:fld>
             <a:endParaRPr lang="ko-KR" altLang="en-US"/>
           </a:p>
@@ -769,7 +770,7 @@
           <a:p>
             <a:fld id="{810557F9-1F21-47B8-A6D4-D5A2F4A22EB4}" type="datetimeFigureOut">
               <a:rPr lang="ko-KR" altLang="en-US" smtClean="0"/>
-              <a:t>2020-02-28</a:t>
+              <a:t>2020-03-04</a:t>
             </a:fld>
             <a:endParaRPr lang="ko-KR" altLang="en-US"/>
           </a:p>
@@ -1015,7 +1016,7 @@
           <a:p>
             <a:fld id="{810557F9-1F21-47B8-A6D4-D5A2F4A22EB4}" type="datetimeFigureOut">
               <a:rPr lang="ko-KR" altLang="en-US" smtClean="0"/>
-              <a:t>2020-02-28</a:t>
+              <a:t>2020-03-04</a:t>
             </a:fld>
             <a:endParaRPr lang="ko-KR" altLang="en-US"/>
           </a:p>
@@ -1247,7 +1248,7 @@
           <a:p>
             <a:fld id="{810557F9-1F21-47B8-A6D4-D5A2F4A22EB4}" type="datetimeFigureOut">
               <a:rPr lang="ko-KR" altLang="en-US" smtClean="0"/>
-              <a:t>2020-02-28</a:t>
+              <a:t>2020-03-04</a:t>
             </a:fld>
             <a:endParaRPr lang="ko-KR" altLang="en-US"/>
           </a:p>
@@ -1614,7 +1615,7 @@
           <a:p>
             <a:fld id="{810557F9-1F21-47B8-A6D4-D5A2F4A22EB4}" type="datetimeFigureOut">
               <a:rPr lang="ko-KR" altLang="en-US" smtClean="0"/>
-              <a:t>2020-02-28</a:t>
+              <a:t>2020-03-04</a:t>
             </a:fld>
             <a:endParaRPr lang="ko-KR" altLang="en-US"/>
           </a:p>
@@ -1732,7 +1733,7 @@
           <a:p>
             <a:fld id="{810557F9-1F21-47B8-A6D4-D5A2F4A22EB4}" type="datetimeFigureOut">
               <a:rPr lang="ko-KR" altLang="en-US" smtClean="0"/>
-              <a:t>2020-02-28</a:t>
+              <a:t>2020-03-04</a:t>
             </a:fld>
             <a:endParaRPr lang="ko-KR" altLang="en-US"/>
           </a:p>
@@ -1827,7 +1828,7 @@
           <a:p>
             <a:fld id="{810557F9-1F21-47B8-A6D4-D5A2F4A22EB4}" type="datetimeFigureOut">
               <a:rPr lang="ko-KR" altLang="en-US" smtClean="0"/>
-              <a:t>2020-02-28</a:t>
+              <a:t>2020-03-04</a:t>
             </a:fld>
             <a:endParaRPr lang="ko-KR" altLang="en-US"/>
           </a:p>
@@ -2104,7 +2105,7 @@
           <a:p>
             <a:fld id="{810557F9-1F21-47B8-A6D4-D5A2F4A22EB4}" type="datetimeFigureOut">
               <a:rPr lang="ko-KR" altLang="en-US" smtClean="0"/>
-              <a:t>2020-02-28</a:t>
+              <a:t>2020-03-04</a:t>
             </a:fld>
             <a:endParaRPr lang="ko-KR" altLang="en-US"/>
           </a:p>
@@ -2357,7 +2358,7 @@
           <a:p>
             <a:fld id="{810557F9-1F21-47B8-A6D4-D5A2F4A22EB4}" type="datetimeFigureOut">
               <a:rPr lang="ko-KR" altLang="en-US" smtClean="0"/>
-              <a:t>2020-02-28</a:t>
+              <a:t>2020-03-04</a:t>
             </a:fld>
             <a:endParaRPr lang="ko-KR" altLang="en-US"/>
           </a:p>
@@ -2570,7 +2571,7 @@
           <a:p>
             <a:fld id="{810557F9-1F21-47B8-A6D4-D5A2F4A22EB4}" type="datetimeFigureOut">
               <a:rPr lang="ko-KR" altLang="en-US" smtClean="0"/>
-              <a:t>2020-02-28</a:t>
+              <a:t>2020-03-04</a:t>
             </a:fld>
             <a:endParaRPr lang="ko-KR" altLang="en-US"/>
           </a:p>
@@ -3064,6 +3065,94 @@
             <p:ph type="title"/>
           </p:nvPr>
         </p:nvSpPr>
+        <p:spPr/>
+        <p:txBody>
+          <a:bodyPr/>
+          <a:lstStyle/>
+          <a:p>
+            <a:r>
+              <a:rPr lang="en-US" altLang="ko-KR" smtClean="0"/>
+              <a:t>Container </a:t>
+            </a:r>
+            <a:r>
+              <a:rPr lang="ko-KR" altLang="en-US" smtClean="0"/>
+              <a:t>기반 </a:t>
+            </a:r>
+            <a:r>
+              <a:rPr lang="en-US" altLang="ko-KR" smtClean="0"/>
+              <a:t>Kafka-connect </a:t>
+            </a:r>
+            <a:r>
+              <a:rPr lang="ko-KR" altLang="en-US" smtClean="0"/>
+              <a:t>작업 서버 구성</a:t>
+            </a:r>
+            <a:endParaRPr lang="ko-KR" altLang="en-US"/>
+          </a:p>
+        </p:txBody>
+      </p:sp>
+      <p:sp>
+        <p:nvSpPr>
+          <p:cNvPr id="3" name="내용 개체 틀 2"/>
+          <p:cNvSpPr>
+            <a:spLocks noGrp="1"/>
+          </p:cNvSpPr>
+          <p:nvPr>
+            <p:ph idx="1"/>
+          </p:nvPr>
+        </p:nvSpPr>
+        <p:spPr/>
+        <p:txBody>
+          <a:bodyPr/>
+          <a:lstStyle/>
+          <a:p>
+            <a:r>
+              <a:rPr lang="en-US" altLang="ko-KR" smtClean="0"/>
+              <a:t>Docker file</a:t>
+            </a:r>
+            <a:endParaRPr lang="ko-KR" altLang="en-US"/>
+          </a:p>
+        </p:txBody>
+      </p:sp>
+    </p:spTree>
+    <p:extLst>
+      <p:ext uri="{BB962C8B-B14F-4D97-AF65-F5344CB8AC3E}">
+        <p14:creationId xmlns:p14="http://schemas.microsoft.com/office/powerpoint/2010/main" val="1795898820"/>
+      </p:ext>
+    </p:extLst>
+  </p:cSld>
+  <p:clrMapOvr>
+    <a:masterClrMapping/>
+  </p:clrMapOvr>
+</p:sld>
+</file>
+
+<file path=ppt/slides/slide3.xml><?xml version="1.0" encoding="utf-8"?>
+<p:sld xmlns:a="http://schemas.openxmlformats.org/drawingml/2006/main" xmlns:r="http://schemas.openxmlformats.org/officeDocument/2006/relationships" xmlns:p="http://schemas.openxmlformats.org/presentationml/2006/main">
+  <p:cSld>
+    <p:spTree>
+      <p:nvGrpSpPr>
+        <p:cNvPr id="1" name=""/>
+        <p:cNvGrpSpPr/>
+        <p:nvPr/>
+      </p:nvGrpSpPr>
+      <p:grpSpPr>
+        <a:xfrm>
+          <a:off x="0" y="0"/>
+          <a:ext cx="0" cy="0"/>
+          <a:chOff x="0" y="0"/>
+          <a:chExt cx="0" cy="0"/>
+        </a:xfrm>
+      </p:grpSpPr>
+      <p:sp>
+        <p:nvSpPr>
+          <p:cNvPr id="2" name="제목 1"/>
+          <p:cNvSpPr>
+            <a:spLocks noGrp="1"/>
+          </p:cNvSpPr>
+          <p:nvPr>
+            <p:ph type="title"/>
+          </p:nvPr>
+        </p:nvSpPr>
         <p:spPr>
           <a:xfrm>
             <a:off x="838200" y="365126"/>
@@ -3833,7 +3922,7 @@
 </p:sld>
 </file>
 
-<file path=ppt/slides/slide3.xml><?xml version="1.0" encoding="utf-8"?>
+<file path=ppt/slides/slide4.xml><?xml version="1.0" encoding="utf-8"?>
 <p:sld xmlns:a="http://schemas.openxmlformats.org/drawingml/2006/main" xmlns:r="http://schemas.openxmlformats.org/officeDocument/2006/relationships" xmlns:p="http://schemas.openxmlformats.org/presentationml/2006/main">
   <p:cSld>
     <p:spTree>
@@ -4828,7 +4917,7 @@
 </p:sld>
 </file>
 
-<file path=ppt/slides/slide4.xml><?xml version="1.0" encoding="utf-8"?>
+<file path=ppt/slides/slide5.xml><?xml version="1.0" encoding="utf-8"?>
 <p:sld xmlns:a="http://schemas.openxmlformats.org/drawingml/2006/main" xmlns:r="http://schemas.openxmlformats.org/officeDocument/2006/relationships" xmlns:p="http://schemas.openxmlformats.org/presentationml/2006/main">
   <p:cSld>
     <p:spTree>
@@ -5742,7 +5831,7 @@
 </p:sld>
 </file>
 
-<file path=ppt/slides/slide5.xml><?xml version="1.0" encoding="utf-8"?>
+<file path=ppt/slides/slide6.xml><?xml version="1.0" encoding="utf-8"?>
 <p:sld xmlns:a="http://schemas.openxmlformats.org/drawingml/2006/main" xmlns:r="http://schemas.openxmlformats.org/officeDocument/2006/relationships" xmlns:p="http://schemas.openxmlformats.org/presentationml/2006/main">
   <p:cSld>
     <p:spTree>
@@ -5840,7 +5929,7 @@
 </p:sld>
 </file>
 
-<file path=ppt/slides/slide6.xml><?xml version="1.0" encoding="utf-8"?>
+<file path=ppt/slides/slide7.xml><?xml version="1.0" encoding="utf-8"?>
 <p:sld xmlns:a="http://schemas.openxmlformats.org/drawingml/2006/main" xmlns:r="http://schemas.openxmlformats.org/officeDocument/2006/relationships" xmlns:p="http://schemas.openxmlformats.org/presentationml/2006/main">
   <p:cSld>
     <p:spTree>
@@ -5926,7 +6015,7 @@
 </p:sld>
 </file>
 
-<file path=ppt/slides/slide7.xml><?xml version="1.0" encoding="utf-8"?>
+<file path=ppt/slides/slide8.xml><?xml version="1.0" encoding="utf-8"?>
 <p:sld xmlns:a="http://schemas.openxmlformats.org/drawingml/2006/main" xmlns:r="http://schemas.openxmlformats.org/officeDocument/2006/relationships" xmlns:p="http://schemas.openxmlformats.org/presentationml/2006/main">
   <p:cSld>
     <p:spTree>

--- a/db2db_구조.pptx
+++ b/db2db_구조.pptx
@@ -6,13 +6,13 @@
   </p:sldMasterIdLst>
   <p:sldIdLst>
     <p:sldId id="256" r:id="rId2"/>
-    <p:sldId id="263" r:id="rId3"/>
-    <p:sldId id="260" r:id="rId4"/>
-    <p:sldId id="261" r:id="rId5"/>
-    <p:sldId id="257" r:id="rId6"/>
-    <p:sldId id="262" r:id="rId7"/>
-    <p:sldId id="258" r:id="rId8"/>
-    <p:sldId id="259" r:id="rId9"/>
+    <p:sldId id="264" r:id="rId3"/>
+    <p:sldId id="263" r:id="rId4"/>
+    <p:sldId id="265" r:id="rId5"/>
+    <p:sldId id="258" r:id="rId6"/>
+    <p:sldId id="266" r:id="rId7"/>
+    <p:sldId id="267" r:id="rId8"/>
+    <p:sldId id="268" r:id="rId9"/>
   </p:sldIdLst>
   <p:sldSz cx="12192000" cy="6858000"/>
   <p:notesSz cx="6858000" cy="9144000"/>
@@ -250,7 +250,7 @@
           <a:p>
             <a:fld id="{810557F9-1F21-47B8-A6D4-D5A2F4A22EB4}" type="datetimeFigureOut">
               <a:rPr lang="ko-KR" altLang="en-US" smtClean="0"/>
-              <a:t>2020-03-04</a:t>
+              <a:t>2020-03-05</a:t>
             </a:fld>
             <a:endParaRPr lang="ko-KR" altLang="en-US"/>
           </a:p>
@@ -420,7 +420,7 @@
           <a:p>
             <a:fld id="{810557F9-1F21-47B8-A6D4-D5A2F4A22EB4}" type="datetimeFigureOut">
               <a:rPr lang="ko-KR" altLang="en-US" smtClean="0"/>
-              <a:t>2020-03-04</a:t>
+              <a:t>2020-03-05</a:t>
             </a:fld>
             <a:endParaRPr lang="ko-KR" altLang="en-US"/>
           </a:p>
@@ -600,7 +600,7 @@
           <a:p>
             <a:fld id="{810557F9-1F21-47B8-A6D4-D5A2F4A22EB4}" type="datetimeFigureOut">
               <a:rPr lang="ko-KR" altLang="en-US" smtClean="0"/>
-              <a:t>2020-03-04</a:t>
+              <a:t>2020-03-05</a:t>
             </a:fld>
             <a:endParaRPr lang="ko-KR" altLang="en-US"/>
           </a:p>
@@ -770,7 +770,7 @@
           <a:p>
             <a:fld id="{810557F9-1F21-47B8-A6D4-D5A2F4A22EB4}" type="datetimeFigureOut">
               <a:rPr lang="ko-KR" altLang="en-US" smtClean="0"/>
-              <a:t>2020-03-04</a:t>
+              <a:t>2020-03-05</a:t>
             </a:fld>
             <a:endParaRPr lang="ko-KR" altLang="en-US"/>
           </a:p>
@@ -1016,7 +1016,7 @@
           <a:p>
             <a:fld id="{810557F9-1F21-47B8-A6D4-D5A2F4A22EB4}" type="datetimeFigureOut">
               <a:rPr lang="ko-KR" altLang="en-US" smtClean="0"/>
-              <a:t>2020-03-04</a:t>
+              <a:t>2020-03-05</a:t>
             </a:fld>
             <a:endParaRPr lang="ko-KR" altLang="en-US"/>
           </a:p>
@@ -1248,7 +1248,7 @@
           <a:p>
             <a:fld id="{810557F9-1F21-47B8-A6D4-D5A2F4A22EB4}" type="datetimeFigureOut">
               <a:rPr lang="ko-KR" altLang="en-US" smtClean="0"/>
-              <a:t>2020-03-04</a:t>
+              <a:t>2020-03-05</a:t>
             </a:fld>
             <a:endParaRPr lang="ko-KR" altLang="en-US"/>
           </a:p>
@@ -1615,7 +1615,7 @@
           <a:p>
             <a:fld id="{810557F9-1F21-47B8-A6D4-D5A2F4A22EB4}" type="datetimeFigureOut">
               <a:rPr lang="ko-KR" altLang="en-US" smtClean="0"/>
-              <a:t>2020-03-04</a:t>
+              <a:t>2020-03-05</a:t>
             </a:fld>
             <a:endParaRPr lang="ko-KR" altLang="en-US"/>
           </a:p>
@@ -1733,7 +1733,7 @@
           <a:p>
             <a:fld id="{810557F9-1F21-47B8-A6D4-D5A2F4A22EB4}" type="datetimeFigureOut">
               <a:rPr lang="ko-KR" altLang="en-US" smtClean="0"/>
-              <a:t>2020-03-04</a:t>
+              <a:t>2020-03-05</a:t>
             </a:fld>
             <a:endParaRPr lang="ko-KR" altLang="en-US"/>
           </a:p>
@@ -1828,7 +1828,7 @@
           <a:p>
             <a:fld id="{810557F9-1F21-47B8-A6D4-D5A2F4A22EB4}" type="datetimeFigureOut">
               <a:rPr lang="ko-KR" altLang="en-US" smtClean="0"/>
-              <a:t>2020-03-04</a:t>
+              <a:t>2020-03-05</a:t>
             </a:fld>
             <a:endParaRPr lang="ko-KR" altLang="en-US"/>
           </a:p>
@@ -2105,7 +2105,7 @@
           <a:p>
             <a:fld id="{810557F9-1F21-47B8-A6D4-D5A2F4A22EB4}" type="datetimeFigureOut">
               <a:rPr lang="ko-KR" altLang="en-US" smtClean="0"/>
-              <a:t>2020-03-04</a:t>
+              <a:t>2020-03-05</a:t>
             </a:fld>
             <a:endParaRPr lang="ko-KR" altLang="en-US"/>
           </a:p>
@@ -2358,7 +2358,7 @@
           <a:p>
             <a:fld id="{810557F9-1F21-47B8-A6D4-D5A2F4A22EB4}" type="datetimeFigureOut">
               <a:rPr lang="ko-KR" altLang="en-US" smtClean="0"/>
-              <a:t>2020-03-04</a:t>
+              <a:t>2020-03-05</a:t>
             </a:fld>
             <a:endParaRPr lang="ko-KR" altLang="en-US"/>
           </a:p>
@@ -2571,7 +2571,7 @@
           <a:p>
             <a:fld id="{810557F9-1F21-47B8-A6D4-D5A2F4A22EB4}" type="datetimeFigureOut">
               <a:rPr lang="ko-KR" altLang="en-US" smtClean="0"/>
-              <a:t>2020-03-04</a:t>
+              <a:t>2020-03-05</a:t>
             </a:fld>
             <a:endParaRPr lang="ko-KR" altLang="en-US"/>
           </a:p>
@@ -2993,7 +2993,15 @@
           <a:p>
             <a:r>
               <a:rPr lang="en-US" altLang="ko-KR" smtClean="0"/>
-              <a:t>Integration Layer</a:t>
+              <a:t>Integration </a:t>
+            </a:r>
+            <a:r>
+              <a:rPr lang="en-US" altLang="ko-KR" smtClean="0"/>
+              <a:t>Layer </a:t>
+            </a:r>
+            <a:r>
+              <a:rPr lang="ko-KR" altLang="en-US" smtClean="0"/>
+              <a:t>검토</a:t>
             </a:r>
             <a:endParaRPr lang="ko-KR" altLang="en-US"/>
           </a:p>
@@ -3014,6 +3022,42 @@
           <a:bodyPr/>
           <a:lstStyle/>
           <a:p>
+            <a:r>
+              <a:rPr lang="en-US" altLang="ko-KR" smtClean="0"/>
+              <a:t>- NiFi </a:t>
+            </a:r>
+            <a:r>
+              <a:rPr lang="ko-KR" altLang="en-US" smtClean="0"/>
+              <a:t>와 </a:t>
+            </a:r>
+            <a:r>
+              <a:rPr lang="en-US" altLang="ko-KR" smtClean="0"/>
+              <a:t>Kafka Connect </a:t>
+            </a:r>
+            <a:r>
+              <a:rPr lang="ko-KR" altLang="en-US" smtClean="0"/>
+              <a:t>비교</a:t>
+            </a:r>
+            <a:r>
+              <a:rPr lang="ko-KR" altLang="en-US" smtClean="0"/>
+              <a:t> </a:t>
+            </a:r>
+            <a:r>
+              <a:rPr lang="en-US" altLang="ko-KR" smtClean="0"/>
+              <a:t>-</a:t>
+            </a:r>
+          </a:p>
+          <a:p>
+            <a:r>
+              <a:rPr lang="en-US" altLang="ko-KR" smtClean="0"/>
+              <a:t>2020-03-05</a:t>
+            </a:r>
+          </a:p>
+          <a:p>
+            <a:r>
+              <a:rPr lang="ko-KR" altLang="en-US" smtClean="0"/>
+              <a:t>장광수</a:t>
+            </a:r>
             <a:endParaRPr lang="ko-KR" altLang="en-US"/>
           </a:p>
         </p:txBody>
@@ -3071,20 +3115,8 @@
           <a:lstStyle/>
           <a:p>
             <a:r>
-              <a:rPr lang="en-US" altLang="ko-KR" smtClean="0"/>
-              <a:t>Container </a:t>
-            </a:r>
-            <a:r>
-              <a:rPr lang="ko-KR" altLang="en-US" smtClean="0"/>
-              <a:t>기반 </a:t>
-            </a:r>
-            <a:r>
-              <a:rPr lang="en-US" altLang="ko-KR" smtClean="0"/>
-              <a:t>Kafka-connect </a:t>
-            </a:r>
-            <a:r>
-              <a:rPr lang="ko-KR" altLang="en-US" smtClean="0"/>
-              <a:t>작업 서버 구성</a:t>
+              <a:rPr lang="ko-KR" altLang="en-US" smtClean="0"/>
+              <a:t>개요</a:t>
             </a:r>
             <a:endParaRPr lang="ko-KR" altLang="en-US"/>
           </a:p>
@@ -3102,13 +3134,112 @@
         </p:nvSpPr>
         <p:spPr/>
         <p:txBody>
-          <a:bodyPr/>
+          <a:bodyPr>
+            <a:normAutofit fontScale="92500" lnSpcReduction="10000"/>
+          </a:bodyPr>
           <a:lstStyle/>
           <a:p>
             <a:r>
               <a:rPr lang="en-US" altLang="ko-KR" smtClean="0"/>
-              <a:t>Docker file</a:t>
-            </a:r>
+              <a:t>Kafka</a:t>
+            </a:r>
+            <a:r>
+              <a:rPr lang="ko-KR" altLang="en-US" smtClean="0"/>
+              <a:t>를 사용하는 </a:t>
+            </a:r>
+            <a:r>
+              <a:rPr lang="en-US" altLang="ko-KR" smtClean="0"/>
+              <a:t>Integration Layer </a:t>
+            </a:r>
+            <a:r>
+              <a:rPr lang="ko-KR" altLang="en-US" smtClean="0"/>
+              <a:t>의 구성 방안을 검토한다</a:t>
+            </a:r>
+            <a:r>
+              <a:rPr lang="en-US" altLang="ko-KR" smtClean="0"/>
+              <a:t>.</a:t>
+            </a:r>
+          </a:p>
+          <a:p>
+            <a:endParaRPr lang="en-US" altLang="ko-KR" smtClean="0"/>
+          </a:p>
+          <a:p>
+            <a:r>
+              <a:rPr lang="ko-KR" altLang="en-US" smtClean="0"/>
+              <a:t>다음의 기술방안에</a:t>
+            </a:r>
+            <a:r>
+              <a:rPr lang="en-US" altLang="ko-KR" smtClean="0"/>
+              <a:t> </a:t>
+            </a:r>
+            <a:r>
+              <a:rPr lang="ko-KR" altLang="en-US" smtClean="0"/>
+              <a:t>대하여 검토한다</a:t>
+            </a:r>
+            <a:r>
+              <a:rPr lang="en-US" altLang="ko-KR" smtClean="0"/>
+              <a:t>.</a:t>
+            </a:r>
+          </a:p>
+          <a:p>
+            <a:pPr lvl="1"/>
+            <a:r>
+              <a:rPr lang="en-US" altLang="ko-KR" smtClean="0"/>
+              <a:t>Nifi</a:t>
+            </a:r>
+          </a:p>
+          <a:p>
+            <a:pPr lvl="1"/>
+            <a:r>
+              <a:rPr lang="en-US" altLang="ko-KR" smtClean="0"/>
+              <a:t>Kafka connect</a:t>
+            </a:r>
+          </a:p>
+          <a:p>
+            <a:pPr lvl="1"/>
+            <a:endParaRPr lang="en-US" altLang="ko-KR" smtClean="0"/>
+          </a:p>
+          <a:p>
+            <a:r>
+              <a:rPr lang="ko-KR" altLang="en-US" smtClean="0"/>
+              <a:t>검토 항목</a:t>
+            </a:r>
+            <a:endParaRPr lang="en-US" altLang="ko-KR" smtClean="0"/>
+          </a:p>
+          <a:p>
+            <a:pPr lvl="1"/>
+            <a:r>
+              <a:rPr lang="ko-KR" altLang="en-US" smtClean="0"/>
+              <a:t>성능</a:t>
+            </a:r>
+            <a:endParaRPr lang="en-US" altLang="ko-KR" smtClean="0"/>
+          </a:p>
+          <a:p>
+            <a:pPr lvl="1"/>
+            <a:r>
+              <a:rPr lang="ko-KR" altLang="en-US" smtClean="0"/>
+              <a:t>변환</a:t>
+            </a:r>
+            <a:endParaRPr lang="en-US" altLang="ko-KR"/>
+          </a:p>
+          <a:p>
+            <a:pPr lvl="1"/>
+            <a:r>
+              <a:rPr lang="ko-KR" altLang="en-US" smtClean="0"/>
+              <a:t>순서보장여부</a:t>
+            </a:r>
+            <a:endParaRPr lang="en-US" altLang="ko-KR" smtClean="0"/>
+          </a:p>
+          <a:p>
+            <a:pPr lvl="1"/>
+            <a:r>
+              <a:rPr lang="en-US" altLang="ko-KR" smtClean="0"/>
+              <a:t>License</a:t>
+            </a:r>
+            <a:endParaRPr lang="en-US" altLang="ko-KR"/>
+          </a:p>
+          <a:p>
+            <a:pPr lvl="1"/>
             <a:endParaRPr lang="ko-KR" altLang="en-US"/>
           </a:p>
         </p:txBody>
@@ -3116,7 +3247,7 @@
     </p:spTree>
     <p:extLst>
       <p:ext uri="{BB962C8B-B14F-4D97-AF65-F5344CB8AC3E}">
-        <p14:creationId xmlns:p14="http://schemas.microsoft.com/office/powerpoint/2010/main" val="1795898820"/>
+        <p14:creationId xmlns:p14="http://schemas.microsoft.com/office/powerpoint/2010/main" val="3464214308"/>
       </p:ext>
     </p:extLst>
   </p:cSld>
@@ -3153,766 +3284,343 @@
             <p:ph type="title"/>
           </p:nvPr>
         </p:nvSpPr>
-        <p:spPr>
-          <a:xfrm>
-            <a:off x="838200" y="365126"/>
-            <a:ext cx="10515600" cy="740468"/>
-          </a:xfrm>
-        </p:spPr>
+        <p:spPr/>
+        <p:txBody>
+          <a:bodyPr/>
+          <a:lstStyle/>
+          <a:p>
+            <a:r>
+              <a:rPr lang="ko-KR" altLang="en-US" smtClean="0"/>
+              <a:t>검증 환경 구성</a:t>
+            </a:r>
+            <a:endParaRPr lang="ko-KR" altLang="en-US"/>
+          </a:p>
+        </p:txBody>
+      </p:sp>
+      <p:sp>
+        <p:nvSpPr>
+          <p:cNvPr id="3" name="내용 개체 틀 2"/>
+          <p:cNvSpPr>
+            <a:spLocks noGrp="1"/>
+          </p:cNvSpPr>
+          <p:nvPr>
+            <p:ph idx="1"/>
+          </p:nvPr>
+        </p:nvSpPr>
+        <p:spPr/>
         <p:txBody>
           <a:bodyPr>
-            <a:normAutofit/>
+            <a:normAutofit fontScale="62500" lnSpcReduction="20000"/>
           </a:bodyPr>
           <a:lstStyle/>
           <a:p>
             <a:r>
-              <a:rPr lang="en-US" altLang="ko-KR" sz="3200" smtClean="0"/>
-              <a:t>Source </a:t>
-            </a:r>
-            <a:r>
-              <a:rPr lang="ko-KR" altLang="en-US" sz="3200" smtClean="0"/>
-              <a:t>방식</a:t>
-            </a:r>
-            <a:endParaRPr lang="ko-KR" altLang="en-US" sz="3200"/>
+              <a:rPr lang="en-US" altLang="ko-KR" smtClean="0"/>
+              <a:t>Kafka Clusger</a:t>
+            </a:r>
+          </a:p>
+          <a:p>
+            <a:pPr lvl="1"/>
+            <a:r>
+              <a:rPr lang="en-US" altLang="ko-KR" smtClean="0"/>
+              <a:t>3</a:t>
+            </a:r>
+            <a:r>
+              <a:rPr lang="ko-KR" altLang="en-US" smtClean="0"/>
+              <a:t>개의 </a:t>
+            </a:r>
+            <a:r>
+              <a:rPr lang="en-US" altLang="ko-KR" smtClean="0"/>
+              <a:t>Broker </a:t>
+            </a:r>
+            <a:r>
+              <a:rPr lang="ko-KR" altLang="en-US" smtClean="0"/>
+              <a:t>를 </a:t>
+            </a:r>
+            <a:r>
+              <a:rPr lang="en-US" altLang="ko-KR" smtClean="0"/>
+              <a:t>Cluster </a:t>
+            </a:r>
+            <a:r>
+              <a:rPr lang="ko-KR" altLang="en-US" smtClean="0"/>
+              <a:t>로 구성</a:t>
+            </a:r>
+            <a:endParaRPr lang="en-US" altLang="ko-KR" smtClean="0"/>
+          </a:p>
+          <a:p>
+            <a:pPr lvl="1"/>
+            <a:r>
+              <a:rPr lang="en-US" altLang="ko-KR" smtClean="0"/>
+              <a:t>Topic </a:t>
+            </a:r>
+            <a:r>
+              <a:rPr lang="ko-KR" altLang="en-US" smtClean="0"/>
+              <a:t>설정 </a:t>
+            </a:r>
+            <a:r>
+              <a:rPr lang="en-US" altLang="ko-KR" smtClean="0"/>
+              <a:t>:</a:t>
+            </a:r>
+            <a:r>
+              <a:rPr lang="ko-KR" altLang="en-US" smtClean="0"/>
+              <a:t> </a:t>
+            </a:r>
+            <a:r>
+              <a:rPr lang="en-US" altLang="ko-KR" smtClean="0"/>
+              <a:t>partition=1, replicationfactor=1</a:t>
+            </a:r>
+            <a:br>
+              <a:rPr lang="en-US" altLang="ko-KR" smtClean="0"/>
+            </a:br>
+            <a:endParaRPr lang="en-US" altLang="ko-KR" smtClean="0"/>
+          </a:p>
+          <a:p>
+            <a:r>
+              <a:rPr lang="en-US" altLang="ko-KR" smtClean="0"/>
+              <a:t>Database</a:t>
+            </a:r>
+          </a:p>
+          <a:p>
+            <a:pPr lvl="1"/>
+            <a:r>
+              <a:rPr lang="en-US" altLang="ko-KR" smtClean="0"/>
+              <a:t>Source DB : mysql 5.xx</a:t>
+            </a:r>
+          </a:p>
+          <a:p>
+            <a:pPr lvl="1"/>
+            <a:r>
+              <a:rPr lang="en-US" altLang="ko-KR" smtClean="0"/>
+              <a:t>Target </a:t>
+            </a:r>
+            <a:r>
+              <a:rPr lang="en-US" altLang="ko-KR"/>
+              <a:t>DB 1 </a:t>
+            </a:r>
+            <a:r>
+              <a:rPr lang="en-US" altLang="ko-KR"/>
+              <a:t>: </a:t>
+            </a:r>
+            <a:r>
+              <a:rPr lang="en-US" altLang="ko-KR"/>
+              <a:t>m</a:t>
+            </a:r>
+            <a:r>
+              <a:rPr lang="en-US" altLang="ko-KR" smtClean="0"/>
+              <a:t>ysql 5.xx</a:t>
+            </a:r>
+          </a:p>
+          <a:p>
+            <a:pPr lvl="1"/>
+            <a:r>
+              <a:rPr lang="en-US" altLang="ko-KR" smtClean="0"/>
+              <a:t>Target </a:t>
+            </a:r>
+            <a:r>
+              <a:rPr lang="en-US" altLang="ko-KR"/>
+              <a:t>DB </a:t>
+            </a:r>
+            <a:r>
+              <a:rPr lang="en-US" altLang="ko-KR" smtClean="0"/>
+              <a:t>2 </a:t>
+            </a:r>
+            <a:r>
+              <a:rPr lang="en-US" altLang="ko-KR"/>
+              <a:t>: m</a:t>
+            </a:r>
+            <a:r>
+              <a:rPr lang="en-US" altLang="ko-KR" smtClean="0"/>
+              <a:t>ysql 5.xx</a:t>
+            </a:r>
+            <a:br>
+              <a:rPr lang="en-US" altLang="ko-KR" smtClean="0"/>
+            </a:br>
+            <a:endParaRPr lang="en-US" altLang="ko-KR"/>
+          </a:p>
+          <a:p>
+            <a:pPr marL="228600" lvl="1">
+              <a:spcBef>
+                <a:spcPts val="1000"/>
+              </a:spcBef>
+            </a:pPr>
+            <a:r>
+              <a:rPr lang="en-US" altLang="ko-KR" sz="2800"/>
+              <a:t>NiFi </a:t>
+            </a:r>
+            <a:r>
+              <a:rPr lang="ko-KR" altLang="en-US" sz="2800" smtClean="0"/>
+              <a:t>서버</a:t>
+            </a:r>
+            <a:r>
+              <a:rPr lang="en-US" altLang="ko-KR" sz="2800" smtClean="0"/>
+              <a:t/>
+            </a:r>
+            <a:br>
+              <a:rPr lang="en-US" altLang="ko-KR" sz="2800" smtClean="0"/>
+            </a:br>
+            <a:endParaRPr lang="en-US" altLang="ko-KR" sz="2800"/>
+          </a:p>
+          <a:p>
+            <a:pPr marL="228600" lvl="1">
+              <a:spcBef>
+                <a:spcPts val="1000"/>
+              </a:spcBef>
+            </a:pPr>
+            <a:r>
+              <a:rPr lang="en-US" altLang="ko-KR" sz="2800"/>
+              <a:t>Kafka connect </a:t>
+            </a:r>
+            <a:r>
+              <a:rPr lang="ko-KR" altLang="en-US" sz="2800"/>
+              <a:t>작업 </a:t>
+            </a:r>
+            <a:r>
+              <a:rPr lang="ko-KR" altLang="en-US" sz="2800" smtClean="0"/>
+              <a:t>서버</a:t>
+            </a:r>
+            <a:endParaRPr lang="en-US" altLang="ko-KR" sz="2800" smtClean="0"/>
+          </a:p>
+          <a:p>
+            <a:pPr marL="0" lvl="1" indent="0">
+              <a:spcBef>
+                <a:spcPts val="1000"/>
+              </a:spcBef>
+              <a:buNone/>
+            </a:pPr>
+            <a:endParaRPr lang="en-US" altLang="ko-KR" sz="2800"/>
+          </a:p>
+          <a:p>
+            <a:pPr marL="0" lvl="1" indent="0">
+              <a:spcBef>
+                <a:spcPts val="1000"/>
+              </a:spcBef>
+              <a:buNone/>
+            </a:pPr>
+            <a:r>
+              <a:rPr lang="en-US" altLang="ko-KR" sz="2800" smtClean="0"/>
+              <a:t># </a:t>
+            </a:r>
+            <a:r>
+              <a:rPr lang="ko-KR" altLang="en-US" sz="2800" smtClean="0"/>
+              <a:t>상기 내용은 모두 </a:t>
+            </a:r>
+            <a:r>
+              <a:rPr lang="en-US" altLang="ko-KR" sz="2800" smtClean="0"/>
+              <a:t>container </a:t>
+            </a:r>
+            <a:r>
+              <a:rPr lang="ko-KR" altLang="en-US" sz="2800" smtClean="0"/>
+              <a:t>기반에서 구성됨</a:t>
+            </a:r>
+            <a:endParaRPr lang="en-US" altLang="ko-KR" sz="2800" smtClean="0"/>
+          </a:p>
+          <a:p>
+            <a:pPr marL="0" lvl="1" indent="0">
+              <a:spcBef>
+                <a:spcPts val="1000"/>
+              </a:spcBef>
+              <a:buNone/>
+            </a:pPr>
+            <a:r>
+              <a:rPr lang="en-US" altLang="ko-KR" sz="2800" smtClean="0"/>
+              <a:t># </a:t>
+            </a:r>
+            <a:r>
+              <a:rPr lang="ko-KR" altLang="en-US" sz="2800" smtClean="0"/>
+              <a:t>자세한 환경 구성은 첨부한 </a:t>
+            </a:r>
+            <a:r>
+              <a:rPr lang="en-US" altLang="ko-KR" sz="2800" smtClean="0"/>
+              <a:t>docker-compose.yml </a:t>
+            </a:r>
+            <a:r>
+              <a:rPr lang="ko-KR" altLang="en-US" sz="2800" smtClean="0"/>
+              <a:t>참고</a:t>
+            </a:r>
+            <a:endParaRPr lang="en-US" altLang="ko-KR" sz="2800" smtClean="0"/>
+          </a:p>
+          <a:p>
+            <a:pPr marL="0" lvl="1" indent="0">
+              <a:spcBef>
+                <a:spcPts val="1000"/>
+              </a:spcBef>
+              <a:buNone/>
+            </a:pPr>
+            <a:r>
+              <a:rPr lang="en-US" altLang="ko-KR" sz="2800" smtClean="0"/>
+              <a:t># </a:t>
+            </a:r>
+            <a:r>
+              <a:rPr lang="en-US" altLang="ko-KR" sz="2800">
+                <a:hlinkClick r:id="rId3"/>
+              </a:rPr>
+              <a:t>https://github.com/gwangsoo/Nifi-Or-Kafka-Connect</a:t>
+            </a:r>
+            <a:endParaRPr lang="en-US" altLang="ko-KR" sz="2800"/>
           </a:p>
         </p:txBody>
       </p:sp>
       <p:graphicFrame>
         <p:nvGraphicFramePr>
-          <p:cNvPr id="4" name="내용 개체 틀 3"/>
+          <p:cNvPr id="4" name="개체 3"/>
           <p:cNvGraphicFramePr>
-            <a:graphicFrameLocks noGrp="1"/>
+            <a:graphicFrameLocks noChangeAspect="1"/>
           </p:cNvGraphicFramePr>
           <p:nvPr>
-            <p:ph idx="1"/>
             <p:extLst>
               <p:ext uri="{D42A27DB-BD31-4B8C-83A1-F6EECF244321}">
-                <p14:modId xmlns:p14="http://schemas.microsoft.com/office/powerpoint/2010/main" val="980686499"/>
+                <p14:modId xmlns:p14="http://schemas.microsoft.com/office/powerpoint/2010/main" val="1074407095"/>
               </p:ext>
             </p:extLst>
           </p:nvPr>
         </p:nvGraphicFramePr>
         <p:xfrm>
-          <a:off x="838200" y="1105594"/>
-          <a:ext cx="10515600" cy="1854200"/>
+          <a:off x="6785250" y="5449089"/>
+          <a:ext cx="1345276" cy="512930"/>
         </p:xfrm>
         <a:graphic>
-          <a:graphicData uri="http://schemas.openxmlformats.org/drawingml/2006/table">
-            <a:tbl>
-              <a:tblPr firstRow="1" bandRow="1">
-                <a:tableStyleId>{5C22544A-7EE6-4342-B048-85BDC9FD1C3A}</a:tableStyleId>
-              </a:tblPr>
-              <a:tblGrid>
-                <a:gridCol w="2628900">
-                  <a:extLst>
-                    <a:ext uri="{9D8B030D-6E8A-4147-A177-3AD203B41FA5}">
-                      <a16:colId xmlns:a16="http://schemas.microsoft.com/office/drawing/2014/main" val="1069818955"/>
-                    </a:ext>
-                  </a:extLst>
-                </a:gridCol>
-                <a:gridCol w="2628900">
-                  <a:extLst>
-                    <a:ext uri="{9D8B030D-6E8A-4147-A177-3AD203B41FA5}">
-                      <a16:colId xmlns:a16="http://schemas.microsoft.com/office/drawing/2014/main" val="1273292154"/>
-                    </a:ext>
-                  </a:extLst>
-                </a:gridCol>
-                <a:gridCol w="2628900">
-                  <a:extLst>
-                    <a:ext uri="{9D8B030D-6E8A-4147-A177-3AD203B41FA5}">
-                      <a16:colId xmlns:a16="http://schemas.microsoft.com/office/drawing/2014/main" val="1458604096"/>
-                    </a:ext>
-                  </a:extLst>
-                </a:gridCol>
-                <a:gridCol w="2628900">
-                  <a:extLst>
-                    <a:ext uri="{9D8B030D-6E8A-4147-A177-3AD203B41FA5}">
-                      <a16:colId xmlns:a16="http://schemas.microsoft.com/office/drawing/2014/main" val="1544027677"/>
-                    </a:ext>
-                  </a:extLst>
-                </a:gridCol>
-              </a:tblGrid>
-              <a:tr h="370840">
-                <a:tc>
-                  <a:txBody>
-                    <a:bodyPr/>
-                    <a:lstStyle/>
-                    <a:p>
-                      <a:pPr latinLnBrk="1"/>
-                      <a:endParaRPr lang="ko-KR" altLang="en-US"/>
-                    </a:p>
-                  </a:txBody>
-                  <a:tcPr/>
-                </a:tc>
-                <a:tc>
-                  <a:txBody>
-                    <a:bodyPr/>
-                    <a:lstStyle/>
-                    <a:p>
-                      <a:pPr latinLnBrk="1"/>
-                      <a:r>
-                        <a:rPr lang="en-US" altLang="ko-KR" smtClean="0"/>
-                        <a:t>NiFi JDBC</a:t>
-                      </a:r>
-                      <a:endParaRPr lang="ko-KR" altLang="en-US"/>
-                    </a:p>
-                  </a:txBody>
-                  <a:tcPr/>
-                </a:tc>
-                <a:tc>
-                  <a:txBody>
-                    <a:bodyPr/>
-                    <a:lstStyle/>
-                    <a:p>
-                      <a:pPr latinLnBrk="1"/>
-                      <a:r>
-                        <a:rPr lang="en-US" altLang="ko-KR" smtClean="0"/>
-                        <a:t>Kafka Connect JDBC</a:t>
-                      </a:r>
-                      <a:endParaRPr lang="ko-KR" altLang="en-US"/>
-                    </a:p>
-                  </a:txBody>
-                  <a:tcPr/>
-                </a:tc>
-                <a:tc>
-                  <a:txBody>
-                    <a:bodyPr/>
-                    <a:lstStyle/>
-                    <a:p>
-                      <a:pPr latinLnBrk="1"/>
-                      <a:r>
-                        <a:rPr lang="en-US" altLang="ko-KR" smtClean="0"/>
-                        <a:t>Kafka Connect OGG</a:t>
-                      </a:r>
-                      <a:endParaRPr lang="ko-KR" altLang="en-US"/>
-                    </a:p>
-                  </a:txBody>
-                  <a:tcPr/>
-                </a:tc>
-                <a:extLst>
-                  <a:ext uri="{0D108BD9-81ED-4DB2-BD59-A6C34878D82A}">
-                    <a16:rowId xmlns:a16="http://schemas.microsoft.com/office/drawing/2014/main" val="3399521912"/>
-                  </a:ext>
-                </a:extLst>
-              </a:tr>
-              <a:tr h="370840">
-                <a:tc>
-                  <a:txBody>
-                    <a:bodyPr/>
-                    <a:lstStyle/>
-                    <a:p>
-                      <a:pPr latinLnBrk="1"/>
-                      <a:r>
-                        <a:rPr lang="ko-KR" altLang="en-US" smtClean="0"/>
-                        <a:t>수집방식</a:t>
-                      </a:r>
-                      <a:endParaRPr lang="ko-KR" altLang="en-US"/>
-                    </a:p>
-                  </a:txBody>
-                  <a:tcPr/>
-                </a:tc>
-                <a:tc>
-                  <a:txBody>
-                    <a:bodyPr/>
-                    <a:lstStyle/>
-                    <a:p>
-                      <a:pPr latinLnBrk="1"/>
-                      <a:r>
-                        <a:rPr lang="ko-KR" altLang="en-US" smtClean="0"/>
-                        <a:t>증분 </a:t>
-                      </a:r>
-                      <a:r>
-                        <a:rPr lang="en-US" altLang="ko-KR" smtClean="0"/>
-                        <a:t>Select</a:t>
-                      </a:r>
-                      <a:endParaRPr lang="ko-KR" altLang="en-US"/>
-                    </a:p>
-                  </a:txBody>
-                  <a:tcPr/>
-                </a:tc>
-                <a:tc>
-                  <a:txBody>
-                    <a:bodyPr/>
-                    <a:lstStyle/>
-                    <a:p>
-                      <a:pPr latinLnBrk="1"/>
-                      <a:r>
-                        <a:rPr lang="ko-KR" altLang="en-US" smtClean="0"/>
-                        <a:t>증분 </a:t>
-                      </a:r>
-                      <a:r>
-                        <a:rPr lang="en-US" altLang="ko-KR" smtClean="0"/>
-                        <a:t>Select</a:t>
-                      </a:r>
-                      <a:endParaRPr lang="ko-KR" altLang="en-US"/>
-                    </a:p>
-                  </a:txBody>
-                  <a:tcPr/>
-                </a:tc>
-                <a:tc>
-                  <a:txBody>
-                    <a:bodyPr/>
-                    <a:lstStyle/>
-                    <a:p>
-                      <a:pPr latinLnBrk="1"/>
-                      <a:r>
-                        <a:rPr lang="en-US" altLang="ko-KR" smtClean="0"/>
-                        <a:t>CDC</a:t>
-                      </a:r>
-                      <a:endParaRPr lang="ko-KR" altLang="en-US"/>
-                    </a:p>
-                  </a:txBody>
-                  <a:tcPr/>
-                </a:tc>
-                <a:extLst>
-                  <a:ext uri="{0D108BD9-81ED-4DB2-BD59-A6C34878D82A}">
-                    <a16:rowId xmlns:a16="http://schemas.microsoft.com/office/drawing/2014/main" val="3380113062"/>
-                  </a:ext>
-                </a:extLst>
-              </a:tr>
-              <a:tr h="370840">
-                <a:tc>
-                  <a:txBody>
-                    <a:bodyPr/>
-                    <a:lstStyle/>
-                    <a:p>
-                      <a:pPr latinLnBrk="1"/>
-                      <a:endParaRPr lang="ko-KR" altLang="en-US"/>
-                    </a:p>
-                  </a:txBody>
-                  <a:tcPr/>
-                </a:tc>
-                <a:tc>
-                  <a:txBody>
-                    <a:bodyPr/>
-                    <a:lstStyle/>
-                    <a:p>
-                      <a:pPr latinLnBrk="1"/>
-                      <a:endParaRPr lang="ko-KR" altLang="en-US"/>
-                    </a:p>
-                  </a:txBody>
-                  <a:tcPr/>
-                </a:tc>
-                <a:tc>
-                  <a:txBody>
-                    <a:bodyPr/>
-                    <a:lstStyle/>
-                    <a:p>
-                      <a:pPr latinLnBrk="1"/>
-                      <a:endParaRPr lang="ko-KR" altLang="en-US"/>
-                    </a:p>
-                  </a:txBody>
-                  <a:tcPr/>
-                </a:tc>
-                <a:tc>
-                  <a:txBody>
-                    <a:bodyPr/>
-                    <a:lstStyle/>
-                    <a:p>
-                      <a:pPr latinLnBrk="1"/>
-                      <a:endParaRPr lang="ko-KR" altLang="en-US"/>
-                    </a:p>
-                  </a:txBody>
-                  <a:tcPr/>
-                </a:tc>
-                <a:extLst>
-                  <a:ext uri="{0D108BD9-81ED-4DB2-BD59-A6C34878D82A}">
-                    <a16:rowId xmlns:a16="http://schemas.microsoft.com/office/drawing/2014/main" val="1933756291"/>
-                  </a:ext>
-                </a:extLst>
-              </a:tr>
-              <a:tr h="370840">
-                <a:tc>
-                  <a:txBody>
-                    <a:bodyPr/>
-                    <a:lstStyle/>
-                    <a:p>
-                      <a:pPr latinLnBrk="1"/>
-                      <a:endParaRPr lang="ko-KR" altLang="en-US"/>
-                    </a:p>
-                  </a:txBody>
-                  <a:tcPr/>
-                </a:tc>
-                <a:tc>
-                  <a:txBody>
-                    <a:bodyPr/>
-                    <a:lstStyle/>
-                    <a:p>
-                      <a:pPr latinLnBrk="1"/>
-                      <a:endParaRPr lang="ko-KR" altLang="en-US"/>
-                    </a:p>
-                  </a:txBody>
-                  <a:tcPr/>
-                </a:tc>
-                <a:tc>
-                  <a:txBody>
-                    <a:bodyPr/>
-                    <a:lstStyle/>
-                    <a:p>
-                      <a:pPr latinLnBrk="1"/>
-                      <a:endParaRPr lang="ko-KR" altLang="en-US"/>
-                    </a:p>
-                  </a:txBody>
-                  <a:tcPr/>
-                </a:tc>
-                <a:tc>
-                  <a:txBody>
-                    <a:bodyPr/>
-                    <a:lstStyle/>
-                    <a:p>
-                      <a:pPr latinLnBrk="1"/>
-                      <a:endParaRPr lang="ko-KR" altLang="en-US"/>
-                    </a:p>
-                  </a:txBody>
-                  <a:tcPr/>
-                </a:tc>
-                <a:extLst>
-                  <a:ext uri="{0D108BD9-81ED-4DB2-BD59-A6C34878D82A}">
-                    <a16:rowId xmlns:a16="http://schemas.microsoft.com/office/drawing/2014/main" val="2900750693"/>
-                  </a:ext>
-                </a:extLst>
-              </a:tr>
-              <a:tr h="370840">
-                <a:tc>
-                  <a:txBody>
-                    <a:bodyPr/>
-                    <a:lstStyle/>
-                    <a:p>
-                      <a:pPr latinLnBrk="1"/>
-                      <a:endParaRPr lang="ko-KR" altLang="en-US"/>
-                    </a:p>
-                  </a:txBody>
-                  <a:tcPr/>
-                </a:tc>
-                <a:tc>
-                  <a:txBody>
-                    <a:bodyPr/>
-                    <a:lstStyle/>
-                    <a:p>
-                      <a:pPr latinLnBrk="1"/>
-                      <a:endParaRPr lang="ko-KR" altLang="en-US"/>
-                    </a:p>
-                  </a:txBody>
-                  <a:tcPr/>
-                </a:tc>
-                <a:tc>
-                  <a:txBody>
-                    <a:bodyPr/>
-                    <a:lstStyle/>
-                    <a:p>
-                      <a:pPr latinLnBrk="1"/>
-                      <a:endParaRPr lang="ko-KR" altLang="en-US"/>
-                    </a:p>
-                  </a:txBody>
-                  <a:tcPr/>
-                </a:tc>
-                <a:tc>
-                  <a:txBody>
-                    <a:bodyPr/>
-                    <a:lstStyle/>
-                    <a:p>
-                      <a:pPr latinLnBrk="1"/>
-                      <a:endParaRPr lang="en-US" altLang="ko-KR" smtClean="0"/>
-                    </a:p>
-                  </a:txBody>
-                  <a:tcPr/>
-                </a:tc>
-                <a:extLst>
-                  <a:ext uri="{0D108BD9-81ED-4DB2-BD59-A6C34878D82A}">
-                    <a16:rowId xmlns:a16="http://schemas.microsoft.com/office/drawing/2014/main" val="1979977662"/>
-                  </a:ext>
-                </a:extLst>
-              </a:tr>
-            </a:tbl>
+          <a:graphicData uri="http://schemas.openxmlformats.org/presentationml/2006/ole">
+            <mc:AlternateContent xmlns:mc="http://schemas.openxmlformats.org/markup-compatibility/2006">
+              <mc:Choice xmlns:v="urn:schemas-microsoft-com:vml" Requires="v">
+                <p:oleObj spid="_x0000_s1173" name="포장기 셸 개체" showAsIcon="1" r:id="rId4" imgW="915840" imgH="349200" progId="Package">
+                  <p:embed/>
+                </p:oleObj>
+              </mc:Choice>
+              <mc:Fallback>
+                <p:oleObj name="포장기 셸 개체" showAsIcon="1" r:id="rId4" imgW="915840" imgH="349200" progId="Package">
+                  <p:embed/>
+                  <p:pic>
+                    <p:nvPicPr>
+                      <p:cNvPr id="0" name=""/>
+                      <p:cNvPicPr/>
+                      <p:nvPr/>
+                    </p:nvPicPr>
+                    <p:blipFill>
+                      <a:blip r:embed="rId5"/>
+                      <a:stretch>
+                        <a:fillRect/>
+                      </a:stretch>
+                    </p:blipFill>
+                    <p:spPr>
+                      <a:xfrm>
+                        <a:off x="6785250" y="5449089"/>
+                        <a:ext cx="1345276" cy="512930"/>
+                      </a:xfrm>
+                      <a:prstGeom prst="rect">
+                        <a:avLst/>
+                      </a:prstGeom>
+                    </p:spPr>
+                  </p:pic>
+                </p:oleObj>
+              </mc:Fallback>
+            </mc:AlternateContent>
           </a:graphicData>
         </a:graphic>
       </p:graphicFrame>
-      <p:graphicFrame>
-        <p:nvGraphicFramePr>
-          <p:cNvPr id="5" name="내용 개체 틀 3"/>
-          <p:cNvGraphicFramePr>
-            <a:graphicFrameLocks/>
-          </p:cNvGraphicFramePr>
-          <p:nvPr>
-            <p:extLst>
-              <p:ext uri="{D42A27DB-BD31-4B8C-83A1-F6EECF244321}">
-                <p14:modId xmlns:p14="http://schemas.microsoft.com/office/powerpoint/2010/main" val="2220457622"/>
-              </p:ext>
-            </p:extLst>
-          </p:nvPr>
-        </p:nvGraphicFramePr>
-        <p:xfrm>
-          <a:off x="838200" y="4078374"/>
-          <a:ext cx="10515600" cy="1854200"/>
-        </p:xfrm>
-        <a:graphic>
-          <a:graphicData uri="http://schemas.openxmlformats.org/drawingml/2006/table">
-            <a:tbl>
-              <a:tblPr firstRow="1" bandRow="1">
-                <a:tableStyleId>{5C22544A-7EE6-4342-B048-85BDC9FD1C3A}</a:tableStyleId>
-              </a:tblPr>
-              <a:tblGrid>
-                <a:gridCol w="2628900">
-                  <a:extLst>
-                    <a:ext uri="{9D8B030D-6E8A-4147-A177-3AD203B41FA5}">
-                      <a16:colId xmlns:a16="http://schemas.microsoft.com/office/drawing/2014/main" val="1069818955"/>
-                    </a:ext>
-                  </a:extLst>
-                </a:gridCol>
-                <a:gridCol w="2628900">
-                  <a:extLst>
-                    <a:ext uri="{9D8B030D-6E8A-4147-A177-3AD203B41FA5}">
-                      <a16:colId xmlns:a16="http://schemas.microsoft.com/office/drawing/2014/main" val="1273292154"/>
-                    </a:ext>
-                  </a:extLst>
-                </a:gridCol>
-                <a:gridCol w="2628900">
-                  <a:extLst>
-                    <a:ext uri="{9D8B030D-6E8A-4147-A177-3AD203B41FA5}">
-                      <a16:colId xmlns:a16="http://schemas.microsoft.com/office/drawing/2014/main" val="1458604096"/>
-                    </a:ext>
-                  </a:extLst>
-                </a:gridCol>
-                <a:gridCol w="2628900">
-                  <a:extLst>
-                    <a:ext uri="{9D8B030D-6E8A-4147-A177-3AD203B41FA5}">
-                      <a16:colId xmlns:a16="http://schemas.microsoft.com/office/drawing/2014/main" val="1544027677"/>
-                    </a:ext>
-                  </a:extLst>
-                </a:gridCol>
-              </a:tblGrid>
-              <a:tr h="370840">
-                <a:tc>
-                  <a:txBody>
-                    <a:bodyPr/>
-                    <a:lstStyle/>
-                    <a:p>
-                      <a:pPr latinLnBrk="1"/>
-                      <a:endParaRPr lang="ko-KR" altLang="en-US"/>
-                    </a:p>
-                  </a:txBody>
-                  <a:tcPr/>
-                </a:tc>
-                <a:tc>
-                  <a:txBody>
-                    <a:bodyPr/>
-                    <a:lstStyle/>
-                    <a:p>
-                      <a:pPr latinLnBrk="1"/>
-                      <a:r>
-                        <a:rPr lang="en-US" altLang="ko-KR" smtClean="0"/>
-                        <a:t>NiFi JDBC</a:t>
-                      </a:r>
-                      <a:endParaRPr lang="ko-KR" altLang="en-US"/>
-                    </a:p>
-                  </a:txBody>
-                  <a:tcPr/>
-                </a:tc>
-                <a:tc>
-                  <a:txBody>
-                    <a:bodyPr/>
-                    <a:lstStyle/>
-                    <a:p>
-                      <a:pPr latinLnBrk="1"/>
-                      <a:r>
-                        <a:rPr lang="en-US" altLang="ko-KR" smtClean="0"/>
-                        <a:t>Kafka Connect JDBC</a:t>
-                      </a:r>
-                      <a:endParaRPr lang="ko-KR" altLang="en-US"/>
-                    </a:p>
-                  </a:txBody>
-                  <a:tcPr/>
-                </a:tc>
-                <a:tc>
-                  <a:txBody>
-                    <a:bodyPr/>
-                    <a:lstStyle/>
-                    <a:p>
-                      <a:pPr latinLnBrk="1"/>
-                      <a:r>
-                        <a:rPr lang="en-US" altLang="ko-KR" smtClean="0"/>
-                        <a:t>Kafka Connect OGG</a:t>
-                      </a:r>
-                      <a:endParaRPr lang="ko-KR" altLang="en-US"/>
-                    </a:p>
-                  </a:txBody>
-                  <a:tcPr/>
-                </a:tc>
-                <a:extLst>
-                  <a:ext uri="{0D108BD9-81ED-4DB2-BD59-A6C34878D82A}">
-                    <a16:rowId xmlns:a16="http://schemas.microsoft.com/office/drawing/2014/main" val="3399521912"/>
-                  </a:ext>
-                </a:extLst>
-              </a:tr>
-              <a:tr h="370840">
-                <a:tc>
-                  <a:txBody>
-                    <a:bodyPr/>
-                    <a:lstStyle/>
-                    <a:p>
-                      <a:pPr latinLnBrk="1"/>
-                      <a:r>
-                        <a:rPr lang="ko-KR" altLang="en-US" smtClean="0"/>
-                        <a:t>방식</a:t>
-                      </a:r>
-                      <a:endParaRPr lang="ko-KR" altLang="en-US"/>
-                    </a:p>
-                  </a:txBody>
-                  <a:tcPr/>
-                </a:tc>
-                <a:tc>
-                  <a:txBody>
-                    <a:bodyPr/>
-                    <a:lstStyle/>
-                    <a:p>
-                      <a:pPr latinLnBrk="1"/>
-                      <a:endParaRPr lang="ko-KR" altLang="en-US"/>
-                    </a:p>
-                  </a:txBody>
-                  <a:tcPr/>
-                </a:tc>
-                <a:tc>
-                  <a:txBody>
-                    <a:bodyPr/>
-                    <a:lstStyle/>
-                    <a:p>
-                      <a:pPr latinLnBrk="1"/>
-                      <a:endParaRPr lang="ko-KR" altLang="en-US"/>
-                    </a:p>
-                  </a:txBody>
-                  <a:tcPr/>
-                </a:tc>
-                <a:tc>
-                  <a:txBody>
-                    <a:bodyPr/>
-                    <a:lstStyle/>
-                    <a:p>
-                      <a:pPr latinLnBrk="1"/>
-                      <a:endParaRPr lang="ko-KR" altLang="en-US"/>
-                    </a:p>
-                  </a:txBody>
-                  <a:tcPr/>
-                </a:tc>
-                <a:extLst>
-                  <a:ext uri="{0D108BD9-81ED-4DB2-BD59-A6C34878D82A}">
-                    <a16:rowId xmlns:a16="http://schemas.microsoft.com/office/drawing/2014/main" val="3380113062"/>
-                  </a:ext>
-                </a:extLst>
-              </a:tr>
-              <a:tr h="370840">
-                <a:tc>
-                  <a:txBody>
-                    <a:bodyPr/>
-                    <a:lstStyle/>
-                    <a:p>
-                      <a:pPr latinLnBrk="1"/>
-                      <a:endParaRPr lang="ko-KR" altLang="en-US"/>
-                    </a:p>
-                  </a:txBody>
-                  <a:tcPr/>
-                </a:tc>
-                <a:tc>
-                  <a:txBody>
-                    <a:bodyPr/>
-                    <a:lstStyle/>
-                    <a:p>
-                      <a:pPr latinLnBrk="1"/>
-                      <a:endParaRPr lang="ko-KR" altLang="en-US"/>
-                    </a:p>
-                  </a:txBody>
-                  <a:tcPr/>
-                </a:tc>
-                <a:tc>
-                  <a:txBody>
-                    <a:bodyPr/>
-                    <a:lstStyle/>
-                    <a:p>
-                      <a:pPr latinLnBrk="1"/>
-                      <a:endParaRPr lang="ko-KR" altLang="en-US"/>
-                    </a:p>
-                  </a:txBody>
-                  <a:tcPr/>
-                </a:tc>
-                <a:tc>
-                  <a:txBody>
-                    <a:bodyPr/>
-                    <a:lstStyle/>
-                    <a:p>
-                      <a:pPr latinLnBrk="1"/>
-                      <a:endParaRPr lang="ko-KR" altLang="en-US"/>
-                    </a:p>
-                  </a:txBody>
-                  <a:tcPr/>
-                </a:tc>
-                <a:extLst>
-                  <a:ext uri="{0D108BD9-81ED-4DB2-BD59-A6C34878D82A}">
-                    <a16:rowId xmlns:a16="http://schemas.microsoft.com/office/drawing/2014/main" val="1933756291"/>
-                  </a:ext>
-                </a:extLst>
-              </a:tr>
-              <a:tr h="370840">
-                <a:tc>
-                  <a:txBody>
-                    <a:bodyPr/>
-                    <a:lstStyle/>
-                    <a:p>
-                      <a:pPr latinLnBrk="1"/>
-                      <a:endParaRPr lang="ko-KR" altLang="en-US"/>
-                    </a:p>
-                  </a:txBody>
-                  <a:tcPr/>
-                </a:tc>
-                <a:tc>
-                  <a:txBody>
-                    <a:bodyPr/>
-                    <a:lstStyle/>
-                    <a:p>
-                      <a:pPr latinLnBrk="1"/>
-                      <a:endParaRPr lang="ko-KR" altLang="en-US"/>
-                    </a:p>
-                  </a:txBody>
-                  <a:tcPr/>
-                </a:tc>
-                <a:tc>
-                  <a:txBody>
-                    <a:bodyPr/>
-                    <a:lstStyle/>
-                    <a:p>
-                      <a:pPr latinLnBrk="1"/>
-                      <a:endParaRPr lang="ko-KR" altLang="en-US"/>
-                    </a:p>
-                  </a:txBody>
-                  <a:tcPr/>
-                </a:tc>
-                <a:tc>
-                  <a:txBody>
-                    <a:bodyPr/>
-                    <a:lstStyle/>
-                    <a:p>
-                      <a:pPr latinLnBrk="1"/>
-                      <a:endParaRPr lang="ko-KR" altLang="en-US"/>
-                    </a:p>
-                  </a:txBody>
-                  <a:tcPr/>
-                </a:tc>
-                <a:extLst>
-                  <a:ext uri="{0D108BD9-81ED-4DB2-BD59-A6C34878D82A}">
-                    <a16:rowId xmlns:a16="http://schemas.microsoft.com/office/drawing/2014/main" val="2900750693"/>
-                  </a:ext>
-                </a:extLst>
-              </a:tr>
-              <a:tr h="370840">
-                <a:tc>
-                  <a:txBody>
-                    <a:bodyPr/>
-                    <a:lstStyle/>
-                    <a:p>
-                      <a:pPr latinLnBrk="1"/>
-                      <a:endParaRPr lang="ko-KR" altLang="en-US"/>
-                    </a:p>
-                  </a:txBody>
-                  <a:tcPr/>
-                </a:tc>
-                <a:tc>
-                  <a:txBody>
-                    <a:bodyPr/>
-                    <a:lstStyle/>
-                    <a:p>
-                      <a:pPr latinLnBrk="1"/>
-                      <a:endParaRPr lang="ko-KR" altLang="en-US"/>
-                    </a:p>
-                  </a:txBody>
-                  <a:tcPr/>
-                </a:tc>
-                <a:tc>
-                  <a:txBody>
-                    <a:bodyPr/>
-                    <a:lstStyle/>
-                    <a:p>
-                      <a:pPr latinLnBrk="1"/>
-                      <a:endParaRPr lang="ko-KR" altLang="en-US"/>
-                    </a:p>
-                  </a:txBody>
-                  <a:tcPr/>
-                </a:tc>
-                <a:tc>
-                  <a:txBody>
-                    <a:bodyPr/>
-                    <a:lstStyle/>
-                    <a:p>
-                      <a:pPr latinLnBrk="1"/>
-                      <a:endParaRPr lang="en-US" altLang="ko-KR" smtClean="0"/>
-                    </a:p>
-                  </a:txBody>
-                  <a:tcPr/>
-                </a:tc>
-                <a:extLst>
-                  <a:ext uri="{0D108BD9-81ED-4DB2-BD59-A6C34878D82A}">
-                    <a16:rowId xmlns:a16="http://schemas.microsoft.com/office/drawing/2014/main" val="1979977662"/>
-                  </a:ext>
-                </a:extLst>
-              </a:tr>
-            </a:tbl>
-          </a:graphicData>
-        </a:graphic>
-      </p:graphicFrame>
-      <p:sp>
-        <p:nvSpPr>
-          <p:cNvPr id="6" name="제목 1"/>
-          <p:cNvSpPr txBox="1">
-            <a:spLocks/>
-          </p:cNvSpPr>
-          <p:nvPr/>
-        </p:nvSpPr>
-        <p:spPr>
-          <a:xfrm>
-            <a:off x="838200" y="3330028"/>
-            <a:ext cx="10515600" cy="740468"/>
-          </a:xfrm>
-          <a:prstGeom prst="rect">
-            <a:avLst/>
-          </a:prstGeom>
-        </p:spPr>
-        <p:txBody>
-          <a:bodyPr vert="horz" lIns="91440" tIns="45720" rIns="91440" bIns="45720" rtlCol="0" anchor="ctr">
-            <a:normAutofit/>
-          </a:bodyPr>
-          <a:lstStyle>
-            <a:lvl1pPr algn="l" defTabSz="914400" rtl="0" eaLnBrk="1" latinLnBrk="1" hangingPunct="1">
-              <a:lnSpc>
-                <a:spcPct val="90000"/>
-              </a:lnSpc>
-              <a:spcBef>
-                <a:spcPct val="0"/>
-              </a:spcBef>
-              <a:buNone/>
-              <a:defRPr sz="4400" kern="1200">
-                <a:solidFill>
-                  <a:schemeClr val="tx1"/>
-                </a:solidFill>
-                <a:latin typeface="+mj-lt"/>
-                <a:ea typeface="+mj-ea"/>
-                <a:cs typeface="+mj-cs"/>
-              </a:defRPr>
-            </a:lvl1pPr>
-          </a:lstStyle>
-          <a:p>
-            <a:r>
-              <a:rPr lang="en-US" altLang="ko-KR" sz="3200" smtClean="0"/>
-              <a:t>Sink </a:t>
-            </a:r>
-            <a:r>
-              <a:rPr lang="ko-KR" altLang="en-US" sz="3200" smtClean="0"/>
-              <a:t>방식</a:t>
-            </a:r>
-            <a:endParaRPr lang="ko-KR" altLang="en-US" sz="3200"/>
-          </a:p>
-        </p:txBody>
-      </p:sp>
     </p:spTree>
     <p:extLst>
       <p:ext uri="{BB962C8B-B14F-4D97-AF65-F5344CB8AC3E}">
-        <p14:creationId xmlns:p14="http://schemas.microsoft.com/office/powerpoint/2010/main" val="3679707484"/>
+        <p14:creationId xmlns:p14="http://schemas.microsoft.com/office/powerpoint/2010/main" val="1795898820"/>
       </p:ext>
     </p:extLst>
   </p:cSld>
@@ -3955,948 +3663,3753 @@
           <a:lstStyle/>
           <a:p>
             <a:r>
-              <a:rPr lang="en-US" altLang="ko-KR" smtClean="0"/>
-              <a:t>Source – Sink </a:t>
-            </a:r>
-            <a:r>
-              <a:rPr lang="ko-KR" altLang="en-US" smtClean="0"/>
-              <a:t>조합</a:t>
+              <a:rPr lang="ko-KR" altLang="en-US" smtClean="0"/>
+              <a:t>아키텍쳐 구성</a:t>
             </a:r>
             <a:endParaRPr lang="ko-KR" altLang="en-US"/>
           </a:p>
         </p:txBody>
       </p:sp>
+      <p:sp>
+        <p:nvSpPr>
+          <p:cNvPr id="4" name="모서리가 둥근 직사각형 3"/>
+          <p:cNvSpPr/>
+          <p:nvPr/>
+        </p:nvSpPr>
+        <p:spPr>
+          <a:xfrm>
+            <a:off x="4148508" y="3024408"/>
+            <a:ext cx="1954416" cy="2427316"/>
+          </a:xfrm>
+          <a:prstGeom prst="roundRect">
+            <a:avLst>
+              <a:gd name="adj" fmla="val 6707"/>
+            </a:avLst>
+          </a:prstGeom>
+          <a:solidFill>
+            <a:schemeClr val="bg1">
+              <a:lumMod val="85000"/>
+            </a:schemeClr>
+          </a:solidFill>
+          <a:ln>
+            <a:solidFill>
+              <a:schemeClr val="tx1"/>
+            </a:solidFill>
+          </a:ln>
+        </p:spPr>
+        <p:style>
+          <a:lnRef idx="2">
+            <a:schemeClr val="accent1">
+              <a:shade val="50000"/>
+            </a:schemeClr>
+          </a:lnRef>
+          <a:fillRef idx="1">
+            <a:schemeClr val="accent1"/>
+          </a:fillRef>
+          <a:effectRef idx="0">
+            <a:schemeClr val="accent1"/>
+          </a:effectRef>
+          <a:fontRef idx="minor">
+            <a:schemeClr val="lt1"/>
+          </a:fontRef>
+        </p:style>
+        <p:txBody>
+          <a:bodyPr rtlCol="0" anchor="ctr"/>
+          <a:lstStyle/>
+          <a:p>
+            <a:pPr algn="ctr"/>
+            <a:endParaRPr lang="ko-KR" altLang="en-US"/>
+          </a:p>
+        </p:txBody>
+      </p:sp>
+      <p:sp>
+        <p:nvSpPr>
+          <p:cNvPr id="5" name="모서리가 둥근 직사각형 4"/>
+          <p:cNvSpPr/>
+          <p:nvPr/>
+        </p:nvSpPr>
+        <p:spPr>
+          <a:xfrm>
+            <a:off x="4228062" y="3468158"/>
+            <a:ext cx="1745673" cy="487275"/>
+          </a:xfrm>
+          <a:prstGeom prst="roundRect">
+            <a:avLst/>
+          </a:prstGeom>
+          <a:solidFill>
+            <a:schemeClr val="bg1">
+              <a:lumMod val="65000"/>
+            </a:schemeClr>
+          </a:solidFill>
+          <a:ln>
+            <a:solidFill>
+              <a:schemeClr val="tx1"/>
+            </a:solidFill>
+          </a:ln>
+        </p:spPr>
+        <p:style>
+          <a:lnRef idx="2">
+            <a:schemeClr val="accent1">
+              <a:shade val="50000"/>
+            </a:schemeClr>
+          </a:lnRef>
+          <a:fillRef idx="1">
+            <a:schemeClr val="accent1"/>
+          </a:fillRef>
+          <a:effectRef idx="0">
+            <a:schemeClr val="accent1"/>
+          </a:effectRef>
+          <a:fontRef idx="minor">
+            <a:schemeClr val="lt1"/>
+          </a:fontRef>
+        </p:style>
+        <p:txBody>
+          <a:bodyPr rtlCol="0" anchor="ctr"/>
+          <a:lstStyle/>
+          <a:p>
+            <a:pPr algn="ctr"/>
+            <a:r>
+              <a:rPr lang="en-US" altLang="ko-KR" smtClean="0"/>
+              <a:t>Broker 1</a:t>
+            </a:r>
+            <a:endParaRPr lang="ko-KR" altLang="en-US"/>
+          </a:p>
+        </p:txBody>
+      </p:sp>
+      <p:sp>
+        <p:nvSpPr>
+          <p:cNvPr id="6" name="모서리가 둥근 직사각형 5"/>
+          <p:cNvSpPr/>
+          <p:nvPr/>
+        </p:nvSpPr>
+        <p:spPr>
+          <a:xfrm>
+            <a:off x="4228062" y="4090370"/>
+            <a:ext cx="1745673" cy="487275"/>
+          </a:xfrm>
+          <a:prstGeom prst="roundRect">
+            <a:avLst/>
+          </a:prstGeom>
+          <a:solidFill>
+            <a:schemeClr val="bg1">
+              <a:lumMod val="65000"/>
+            </a:schemeClr>
+          </a:solidFill>
+          <a:ln>
+            <a:solidFill>
+              <a:schemeClr val="tx1"/>
+            </a:solidFill>
+          </a:ln>
+        </p:spPr>
+        <p:style>
+          <a:lnRef idx="2">
+            <a:schemeClr val="accent1">
+              <a:shade val="50000"/>
+            </a:schemeClr>
+          </a:lnRef>
+          <a:fillRef idx="1">
+            <a:schemeClr val="accent1"/>
+          </a:fillRef>
+          <a:effectRef idx="0">
+            <a:schemeClr val="accent1"/>
+          </a:effectRef>
+          <a:fontRef idx="minor">
+            <a:schemeClr val="lt1"/>
+          </a:fontRef>
+        </p:style>
+        <p:txBody>
+          <a:bodyPr rtlCol="0" anchor="ctr"/>
+          <a:lstStyle/>
+          <a:p>
+            <a:pPr algn="ctr"/>
+            <a:r>
+              <a:rPr lang="en-US" altLang="ko-KR" smtClean="0"/>
+              <a:t>Broker 2</a:t>
+            </a:r>
+            <a:endParaRPr lang="ko-KR" altLang="en-US"/>
+          </a:p>
+        </p:txBody>
+      </p:sp>
+      <p:sp>
+        <p:nvSpPr>
+          <p:cNvPr id="7" name="모서리가 둥근 직사각형 6"/>
+          <p:cNvSpPr/>
+          <p:nvPr/>
+        </p:nvSpPr>
+        <p:spPr>
+          <a:xfrm>
+            <a:off x="4228062" y="4700458"/>
+            <a:ext cx="1745673" cy="487275"/>
+          </a:xfrm>
+          <a:prstGeom prst="roundRect">
+            <a:avLst/>
+          </a:prstGeom>
+          <a:solidFill>
+            <a:schemeClr val="bg1">
+              <a:lumMod val="65000"/>
+            </a:schemeClr>
+          </a:solidFill>
+          <a:ln>
+            <a:solidFill>
+              <a:schemeClr val="tx1"/>
+            </a:solidFill>
+          </a:ln>
+        </p:spPr>
+        <p:style>
+          <a:lnRef idx="2">
+            <a:schemeClr val="accent1">
+              <a:shade val="50000"/>
+            </a:schemeClr>
+          </a:lnRef>
+          <a:fillRef idx="1">
+            <a:schemeClr val="accent1"/>
+          </a:fillRef>
+          <a:effectRef idx="0">
+            <a:schemeClr val="accent1"/>
+          </a:effectRef>
+          <a:fontRef idx="minor">
+            <a:schemeClr val="lt1"/>
+          </a:fontRef>
+        </p:style>
+        <p:txBody>
+          <a:bodyPr rtlCol="0" anchor="ctr"/>
+          <a:lstStyle/>
+          <a:p>
+            <a:pPr algn="ctr"/>
+            <a:r>
+              <a:rPr lang="en-US" altLang="ko-KR" smtClean="0"/>
+              <a:t>Broker 3</a:t>
+            </a:r>
+            <a:endParaRPr lang="ko-KR" altLang="en-US"/>
+          </a:p>
+        </p:txBody>
+      </p:sp>
+      <p:sp>
+        <p:nvSpPr>
+          <p:cNvPr id="8" name="TextBox 7"/>
+          <p:cNvSpPr txBox="1"/>
+          <p:nvPr/>
+        </p:nvSpPr>
+        <p:spPr>
+          <a:xfrm>
+            <a:off x="4348941" y="3045599"/>
+            <a:ext cx="1495602" cy="369332"/>
+          </a:xfrm>
+          <a:prstGeom prst="rect">
+            <a:avLst/>
+          </a:prstGeom>
+          <a:noFill/>
+          <a:ln>
+            <a:noFill/>
+          </a:ln>
+        </p:spPr>
+        <p:txBody>
+          <a:bodyPr wrap="none" rtlCol="0">
+            <a:spAutoFit/>
+          </a:bodyPr>
+          <a:lstStyle/>
+          <a:p>
+            <a:r>
+              <a:rPr lang="en-US" altLang="ko-KR" smtClean="0"/>
+              <a:t>kafka cluster</a:t>
+            </a:r>
+            <a:endParaRPr lang="ko-KR" altLang="en-US"/>
+          </a:p>
+        </p:txBody>
+      </p:sp>
+      <p:sp>
+        <p:nvSpPr>
+          <p:cNvPr id="11" name="순서도: 자기 디스크 10"/>
+          <p:cNvSpPr/>
+          <p:nvPr/>
+        </p:nvSpPr>
+        <p:spPr>
+          <a:xfrm>
+            <a:off x="713506" y="3269073"/>
+            <a:ext cx="964275" cy="931200"/>
+          </a:xfrm>
+          <a:prstGeom prst="flowChartMagneticDisk">
+            <a:avLst/>
+          </a:prstGeom>
+          <a:solidFill>
+            <a:schemeClr val="bg1">
+              <a:lumMod val="95000"/>
+            </a:schemeClr>
+          </a:solidFill>
+          <a:ln>
+            <a:solidFill>
+              <a:schemeClr val="tx1"/>
+            </a:solidFill>
+          </a:ln>
+        </p:spPr>
+        <p:style>
+          <a:lnRef idx="2">
+            <a:schemeClr val="accent1">
+              <a:shade val="50000"/>
+            </a:schemeClr>
+          </a:lnRef>
+          <a:fillRef idx="1">
+            <a:schemeClr val="accent1"/>
+          </a:fillRef>
+          <a:effectRef idx="0">
+            <a:schemeClr val="accent1"/>
+          </a:effectRef>
+          <a:fontRef idx="minor">
+            <a:schemeClr val="lt1"/>
+          </a:fontRef>
+        </p:style>
+        <p:txBody>
+          <a:bodyPr rtlCol="0" anchor="ctr"/>
+          <a:lstStyle/>
+          <a:p>
+            <a:pPr algn="ctr"/>
+            <a:r>
+              <a:rPr lang="en-US" altLang="ko-KR" smtClean="0">
+                <a:solidFill>
+                  <a:schemeClr val="tx1"/>
+                </a:solidFill>
+              </a:rPr>
+              <a:t>Source DB</a:t>
+            </a:r>
+            <a:endParaRPr lang="ko-KR" altLang="en-US">
+              <a:solidFill>
+                <a:schemeClr val="tx1"/>
+              </a:solidFill>
+            </a:endParaRPr>
+          </a:p>
+        </p:txBody>
+      </p:sp>
+      <p:sp>
+        <p:nvSpPr>
+          <p:cNvPr id="13" name="순서도: 자기 디스크 12"/>
+          <p:cNvSpPr/>
+          <p:nvPr/>
+        </p:nvSpPr>
+        <p:spPr>
+          <a:xfrm>
+            <a:off x="8110448" y="3269073"/>
+            <a:ext cx="964275" cy="931200"/>
+          </a:xfrm>
+          <a:prstGeom prst="flowChartMagneticDisk">
+            <a:avLst/>
+          </a:prstGeom>
+          <a:solidFill>
+            <a:schemeClr val="bg1">
+              <a:lumMod val="95000"/>
+            </a:schemeClr>
+          </a:solidFill>
+          <a:ln>
+            <a:solidFill>
+              <a:schemeClr val="tx1"/>
+            </a:solidFill>
+          </a:ln>
+        </p:spPr>
+        <p:style>
+          <a:lnRef idx="2">
+            <a:schemeClr val="accent1">
+              <a:shade val="50000"/>
+            </a:schemeClr>
+          </a:lnRef>
+          <a:fillRef idx="1">
+            <a:schemeClr val="accent1"/>
+          </a:fillRef>
+          <a:effectRef idx="0">
+            <a:schemeClr val="accent1"/>
+          </a:effectRef>
+          <a:fontRef idx="minor">
+            <a:schemeClr val="lt1"/>
+          </a:fontRef>
+        </p:style>
+        <p:txBody>
+          <a:bodyPr rtlCol="0" anchor="ctr"/>
+          <a:lstStyle/>
+          <a:p>
+            <a:pPr algn="ctr"/>
+            <a:r>
+              <a:rPr lang="en-US" altLang="ko-KR" smtClean="0">
+                <a:solidFill>
+                  <a:schemeClr val="tx1"/>
+                </a:solidFill>
+              </a:rPr>
+              <a:t>Target1 DB</a:t>
+            </a:r>
+            <a:endParaRPr lang="ko-KR" altLang="en-US">
+              <a:solidFill>
+                <a:schemeClr val="tx1"/>
+              </a:solidFill>
+            </a:endParaRPr>
+          </a:p>
+        </p:txBody>
+      </p:sp>
+      <p:sp>
+        <p:nvSpPr>
+          <p:cNvPr id="14" name="순서도: 자기 디스크 13"/>
+          <p:cNvSpPr/>
+          <p:nvPr/>
+        </p:nvSpPr>
+        <p:spPr>
+          <a:xfrm>
+            <a:off x="9929551" y="3269073"/>
+            <a:ext cx="964275" cy="931200"/>
+          </a:xfrm>
+          <a:prstGeom prst="flowChartMagneticDisk">
+            <a:avLst/>
+          </a:prstGeom>
+          <a:solidFill>
+            <a:schemeClr val="bg1">
+              <a:lumMod val="95000"/>
+            </a:schemeClr>
+          </a:solidFill>
+          <a:ln>
+            <a:solidFill>
+              <a:schemeClr val="tx1"/>
+            </a:solidFill>
+          </a:ln>
+        </p:spPr>
+        <p:style>
+          <a:lnRef idx="2">
+            <a:schemeClr val="accent1">
+              <a:shade val="50000"/>
+            </a:schemeClr>
+          </a:lnRef>
+          <a:fillRef idx="1">
+            <a:schemeClr val="accent1"/>
+          </a:fillRef>
+          <a:effectRef idx="0">
+            <a:schemeClr val="accent1"/>
+          </a:effectRef>
+          <a:fontRef idx="minor">
+            <a:schemeClr val="lt1"/>
+          </a:fontRef>
+        </p:style>
+        <p:txBody>
+          <a:bodyPr rtlCol="0" anchor="ctr"/>
+          <a:lstStyle/>
+          <a:p>
+            <a:pPr algn="ctr"/>
+            <a:r>
+              <a:rPr lang="en-US" altLang="ko-KR" smtClean="0">
+                <a:solidFill>
+                  <a:schemeClr val="tx1"/>
+                </a:solidFill>
+              </a:rPr>
+              <a:t>Target2 DB</a:t>
+            </a:r>
+            <a:endParaRPr lang="ko-KR" altLang="en-US">
+              <a:solidFill>
+                <a:schemeClr val="tx1"/>
+              </a:solidFill>
+            </a:endParaRPr>
+          </a:p>
+        </p:txBody>
+      </p:sp>
+      <p:sp>
+        <p:nvSpPr>
+          <p:cNvPr id="15" name="모서리가 둥근 직사각형 14"/>
+          <p:cNvSpPr/>
+          <p:nvPr/>
+        </p:nvSpPr>
+        <p:spPr>
+          <a:xfrm>
+            <a:off x="3066006" y="1852787"/>
+            <a:ext cx="4039986" cy="793056"/>
+          </a:xfrm>
+          <a:prstGeom prst="roundRect">
+            <a:avLst/>
+          </a:prstGeom>
+          <a:solidFill>
+            <a:schemeClr val="accent1">
+              <a:lumMod val="75000"/>
+            </a:schemeClr>
+          </a:solidFill>
+          <a:ln>
+            <a:solidFill>
+              <a:schemeClr val="tx1"/>
+            </a:solidFill>
+          </a:ln>
+        </p:spPr>
+        <p:style>
+          <a:lnRef idx="2">
+            <a:schemeClr val="accent1">
+              <a:shade val="50000"/>
+            </a:schemeClr>
+          </a:lnRef>
+          <a:fillRef idx="1">
+            <a:schemeClr val="accent1"/>
+          </a:fillRef>
+          <a:effectRef idx="0">
+            <a:schemeClr val="accent1"/>
+          </a:effectRef>
+          <a:fontRef idx="minor">
+            <a:schemeClr val="lt1"/>
+          </a:fontRef>
+        </p:style>
+        <p:txBody>
+          <a:bodyPr rtlCol="0" anchor="ctr"/>
+          <a:lstStyle/>
+          <a:p>
+            <a:pPr algn="ctr"/>
+            <a:r>
+              <a:rPr lang="en-US" altLang="ko-KR" smtClean="0"/>
+              <a:t>NiFi server</a:t>
+            </a:r>
+          </a:p>
+          <a:p>
+            <a:pPr algn="ctr"/>
+            <a:endParaRPr lang="ko-KR" altLang="en-US"/>
+          </a:p>
+        </p:txBody>
+      </p:sp>
+      <p:sp>
+        <p:nvSpPr>
+          <p:cNvPr id="16" name="모서리가 둥근 직사각형 15"/>
+          <p:cNvSpPr/>
+          <p:nvPr/>
+        </p:nvSpPr>
+        <p:spPr>
+          <a:xfrm>
+            <a:off x="1677781" y="5388556"/>
+            <a:ext cx="1820488" cy="690573"/>
+          </a:xfrm>
+          <a:prstGeom prst="roundRect">
+            <a:avLst/>
+          </a:prstGeom>
+          <a:solidFill>
+            <a:schemeClr val="accent2">
+              <a:lumMod val="75000"/>
+            </a:schemeClr>
+          </a:solidFill>
+          <a:ln>
+            <a:solidFill>
+              <a:schemeClr val="tx1"/>
+            </a:solidFill>
+          </a:ln>
+        </p:spPr>
+        <p:style>
+          <a:lnRef idx="2">
+            <a:schemeClr val="accent1">
+              <a:shade val="50000"/>
+            </a:schemeClr>
+          </a:lnRef>
+          <a:fillRef idx="1">
+            <a:schemeClr val="accent1"/>
+          </a:fillRef>
+          <a:effectRef idx="0">
+            <a:schemeClr val="accent1"/>
+          </a:effectRef>
+          <a:fontRef idx="minor">
+            <a:schemeClr val="lt1"/>
+          </a:fontRef>
+        </p:style>
+        <p:txBody>
+          <a:bodyPr rtlCol="0" anchor="ctr"/>
+          <a:lstStyle/>
+          <a:p>
+            <a:pPr algn="ctr"/>
+            <a:r>
+              <a:rPr lang="en-US" altLang="ko-KR" smtClean="0"/>
+              <a:t>Kafka source connector</a:t>
+            </a:r>
+          </a:p>
+        </p:txBody>
+      </p:sp>
+      <p:sp>
+        <p:nvSpPr>
+          <p:cNvPr id="17" name="모서리가 둥근 직사각형 16"/>
+          <p:cNvSpPr/>
+          <p:nvPr/>
+        </p:nvSpPr>
+        <p:spPr>
+          <a:xfrm>
+            <a:off x="6585061" y="4577645"/>
+            <a:ext cx="1820488" cy="690573"/>
+          </a:xfrm>
+          <a:prstGeom prst="roundRect">
+            <a:avLst/>
+          </a:prstGeom>
+          <a:solidFill>
+            <a:schemeClr val="accent2">
+              <a:lumMod val="75000"/>
+            </a:schemeClr>
+          </a:solidFill>
+          <a:ln>
+            <a:solidFill>
+              <a:schemeClr val="tx1"/>
+            </a:solidFill>
+          </a:ln>
+        </p:spPr>
+        <p:style>
+          <a:lnRef idx="2">
+            <a:schemeClr val="accent1">
+              <a:shade val="50000"/>
+            </a:schemeClr>
+          </a:lnRef>
+          <a:fillRef idx="1">
+            <a:schemeClr val="accent1"/>
+          </a:fillRef>
+          <a:effectRef idx="0">
+            <a:schemeClr val="accent1"/>
+          </a:effectRef>
+          <a:fontRef idx="minor">
+            <a:schemeClr val="lt1"/>
+          </a:fontRef>
+        </p:style>
+        <p:txBody>
+          <a:bodyPr rtlCol="0" anchor="ctr"/>
+          <a:lstStyle/>
+          <a:p>
+            <a:pPr algn="ctr"/>
+            <a:r>
+              <a:rPr lang="en-US" altLang="ko-KR" smtClean="0"/>
+              <a:t>Kafka sink connector</a:t>
+            </a:r>
+          </a:p>
+        </p:txBody>
+      </p:sp>
+      <p:sp>
+        <p:nvSpPr>
+          <p:cNvPr id="37" name="모서리가 둥근 직사각형 36"/>
+          <p:cNvSpPr/>
+          <p:nvPr/>
+        </p:nvSpPr>
+        <p:spPr>
+          <a:xfrm>
+            <a:off x="3205593" y="2300555"/>
+            <a:ext cx="1248638" cy="324196"/>
+          </a:xfrm>
+          <a:prstGeom prst="roundRect">
+            <a:avLst/>
+          </a:prstGeom>
+        </p:spPr>
+        <p:style>
+          <a:lnRef idx="2">
+            <a:schemeClr val="accent1">
+              <a:shade val="50000"/>
+            </a:schemeClr>
+          </a:lnRef>
+          <a:fillRef idx="1">
+            <a:schemeClr val="accent1"/>
+          </a:fillRef>
+          <a:effectRef idx="0">
+            <a:schemeClr val="accent1"/>
+          </a:effectRef>
+          <a:fontRef idx="minor">
+            <a:schemeClr val="lt1"/>
+          </a:fontRef>
+        </p:style>
+        <p:txBody>
+          <a:bodyPr rtlCol="0" anchor="ctr"/>
+          <a:lstStyle/>
+          <a:p>
+            <a:pPr algn="ctr"/>
+            <a:r>
+              <a:rPr lang="en-US" altLang="ko-KR" smtClean="0"/>
+              <a:t>controller</a:t>
+            </a:r>
+            <a:endParaRPr lang="ko-KR" altLang="en-US"/>
+          </a:p>
+        </p:txBody>
+      </p:sp>
+      <p:sp>
+        <p:nvSpPr>
+          <p:cNvPr id="38" name="모서리가 둥근 직사각형 37"/>
+          <p:cNvSpPr/>
+          <p:nvPr/>
+        </p:nvSpPr>
+        <p:spPr>
+          <a:xfrm>
+            <a:off x="5736474" y="2300555"/>
+            <a:ext cx="1248638" cy="324196"/>
+          </a:xfrm>
+          <a:prstGeom prst="roundRect">
+            <a:avLst/>
+          </a:prstGeom>
+        </p:spPr>
+        <p:style>
+          <a:lnRef idx="2">
+            <a:schemeClr val="accent1">
+              <a:shade val="50000"/>
+            </a:schemeClr>
+          </a:lnRef>
+          <a:fillRef idx="1">
+            <a:schemeClr val="accent1"/>
+          </a:fillRef>
+          <a:effectRef idx="0">
+            <a:schemeClr val="accent1"/>
+          </a:effectRef>
+          <a:fontRef idx="minor">
+            <a:schemeClr val="lt1"/>
+          </a:fontRef>
+        </p:style>
+        <p:txBody>
+          <a:bodyPr rtlCol="0" anchor="ctr"/>
+          <a:lstStyle/>
+          <a:p>
+            <a:pPr algn="ctr"/>
+            <a:r>
+              <a:rPr lang="en-US" altLang="ko-KR" smtClean="0"/>
+              <a:t>controller</a:t>
+            </a:r>
+            <a:endParaRPr lang="ko-KR" altLang="en-US"/>
+          </a:p>
+        </p:txBody>
+      </p:sp>
+      <p:cxnSp>
+        <p:nvCxnSpPr>
+          <p:cNvPr id="43" name="꺾인 연결선 42"/>
+          <p:cNvCxnSpPr>
+            <a:stCxn id="37" idx="2"/>
+            <a:endCxn id="4" idx="1"/>
+          </p:cNvCxnSpPr>
+          <p:nvPr/>
+        </p:nvCxnSpPr>
+        <p:spPr>
+          <a:xfrm rot="16200000" flipH="1">
+            <a:off x="3182553" y="3272110"/>
+            <a:ext cx="1613315" cy="318596"/>
+          </a:xfrm>
+          <a:prstGeom prst="bentConnector2">
+            <a:avLst/>
+          </a:prstGeom>
+          <a:ln w="28575">
+            <a:solidFill>
+              <a:srgbClr val="FF0000"/>
+            </a:solidFill>
+            <a:tailEnd type="triangle"/>
+          </a:ln>
+        </p:spPr>
+        <p:style>
+          <a:lnRef idx="1">
+            <a:schemeClr val="accent1"/>
+          </a:lnRef>
+          <a:fillRef idx="0">
+            <a:schemeClr val="accent1"/>
+          </a:fillRef>
+          <a:effectRef idx="0">
+            <a:schemeClr val="accent1"/>
+          </a:effectRef>
+          <a:fontRef idx="minor">
+            <a:schemeClr val="tx1"/>
+          </a:fontRef>
+        </p:style>
+      </p:cxnSp>
+      <p:cxnSp>
+        <p:nvCxnSpPr>
+          <p:cNvPr id="45" name="꺾인 연결선 44"/>
+          <p:cNvCxnSpPr>
+            <a:stCxn id="11" idx="1"/>
+            <a:endCxn id="37" idx="1"/>
+          </p:cNvCxnSpPr>
+          <p:nvPr/>
+        </p:nvCxnSpPr>
+        <p:spPr>
+          <a:xfrm rot="5400000" flipH="1" flipV="1">
+            <a:off x="1797408" y="1860889"/>
+            <a:ext cx="806420" cy="2009949"/>
+          </a:xfrm>
+          <a:prstGeom prst="bentConnector2">
+            <a:avLst/>
+          </a:prstGeom>
+          <a:ln w="28575">
+            <a:solidFill>
+              <a:srgbClr val="FF0000"/>
+            </a:solidFill>
+            <a:tailEnd type="triangle"/>
+          </a:ln>
+        </p:spPr>
+        <p:style>
+          <a:lnRef idx="1">
+            <a:schemeClr val="accent1"/>
+          </a:lnRef>
+          <a:fillRef idx="0">
+            <a:schemeClr val="accent1"/>
+          </a:fillRef>
+          <a:effectRef idx="0">
+            <a:schemeClr val="accent1"/>
+          </a:effectRef>
+          <a:fontRef idx="minor">
+            <a:schemeClr val="tx1"/>
+          </a:fontRef>
+        </p:style>
+      </p:cxnSp>
+      <p:grpSp>
+        <p:nvGrpSpPr>
+          <p:cNvPr id="117" name="그룹 116"/>
+          <p:cNvGrpSpPr/>
+          <p:nvPr/>
+        </p:nvGrpSpPr>
+        <p:grpSpPr>
+          <a:xfrm>
+            <a:off x="9420397" y="1566308"/>
+            <a:ext cx="2068485" cy="543531"/>
+            <a:chOff x="669863" y="1573836"/>
+            <a:chExt cx="2068485" cy="543531"/>
+          </a:xfrm>
+        </p:grpSpPr>
+        <p:sp>
+          <p:nvSpPr>
+            <p:cNvPr id="65" name="직사각형 64"/>
+            <p:cNvSpPr/>
+            <p:nvPr/>
+          </p:nvSpPr>
+          <p:spPr>
+            <a:xfrm>
+              <a:off x="669863" y="1573836"/>
+              <a:ext cx="2068485" cy="543531"/>
+            </a:xfrm>
+            <a:prstGeom prst="rect">
+              <a:avLst/>
+            </a:prstGeom>
+            <a:solidFill>
+              <a:schemeClr val="bg1"/>
+            </a:solidFill>
+            <a:ln w="9525">
+              <a:solidFill>
+                <a:schemeClr val="tx1"/>
+              </a:solidFill>
+            </a:ln>
+          </p:spPr>
+          <p:style>
+            <a:lnRef idx="2">
+              <a:schemeClr val="accent1">
+                <a:shade val="50000"/>
+              </a:schemeClr>
+            </a:lnRef>
+            <a:fillRef idx="1">
+              <a:schemeClr val="accent1"/>
+            </a:fillRef>
+            <a:effectRef idx="0">
+              <a:schemeClr val="accent1"/>
+            </a:effectRef>
+            <a:fontRef idx="minor">
+              <a:schemeClr val="lt1"/>
+            </a:fontRef>
+          </p:style>
+          <p:txBody>
+            <a:bodyPr rtlCol="0" anchor="ctr"/>
+            <a:lstStyle/>
+            <a:p>
+              <a:pPr algn="ctr"/>
+              <a:endParaRPr lang="ko-KR" altLang="en-US"/>
+            </a:p>
+          </p:txBody>
+        </p:sp>
+        <p:cxnSp>
+          <p:nvCxnSpPr>
+            <p:cNvPr id="62" name="직선 화살표 연결선 61"/>
+            <p:cNvCxnSpPr/>
+            <p:nvPr/>
+          </p:nvCxnSpPr>
+          <p:spPr>
+            <a:xfrm flipH="1">
+              <a:off x="877817" y="1842009"/>
+              <a:ext cx="473825" cy="0"/>
+            </a:xfrm>
+            <a:prstGeom prst="straightConnector1">
+              <a:avLst/>
+            </a:prstGeom>
+            <a:ln w="28575">
+              <a:solidFill>
+                <a:srgbClr val="FF0000"/>
+              </a:solidFill>
+              <a:tailEnd type="triangle"/>
+            </a:ln>
+          </p:spPr>
+          <p:style>
+            <a:lnRef idx="1">
+              <a:schemeClr val="accent1"/>
+            </a:lnRef>
+            <a:fillRef idx="0">
+              <a:schemeClr val="accent1"/>
+            </a:fillRef>
+            <a:effectRef idx="0">
+              <a:schemeClr val="accent1"/>
+            </a:effectRef>
+            <a:fontRef idx="minor">
+              <a:schemeClr val="tx1"/>
+            </a:fontRef>
+          </p:style>
+        </p:cxnSp>
+        <p:sp>
+          <p:nvSpPr>
+            <p:cNvPr id="64" name="TextBox 63"/>
+            <p:cNvSpPr txBox="1"/>
+            <p:nvPr/>
+          </p:nvSpPr>
+          <p:spPr>
+            <a:xfrm>
+              <a:off x="1483125" y="1657343"/>
+              <a:ext cx="1213794" cy="369332"/>
+            </a:xfrm>
+            <a:prstGeom prst="rect">
+              <a:avLst/>
+            </a:prstGeom>
+            <a:noFill/>
+          </p:spPr>
+          <p:txBody>
+            <a:bodyPr wrap="none" rtlCol="0">
+              <a:spAutoFit/>
+            </a:bodyPr>
+            <a:lstStyle/>
+            <a:p>
+              <a:r>
+                <a:rPr lang="en-US" altLang="ko-KR" smtClean="0"/>
+                <a:t>Data </a:t>
+              </a:r>
+              <a:r>
+                <a:rPr lang="ko-KR" altLang="en-US" smtClean="0"/>
+                <a:t>흐름</a:t>
+              </a:r>
+              <a:endParaRPr lang="ko-KR" altLang="en-US"/>
+            </a:p>
+          </p:txBody>
+        </p:sp>
+      </p:grpSp>
+      <p:cxnSp>
+        <p:nvCxnSpPr>
+          <p:cNvPr id="66" name="꺾인 연결선 65"/>
+          <p:cNvCxnSpPr>
+            <a:stCxn id="4" idx="3"/>
+            <a:endCxn id="38" idx="2"/>
+          </p:cNvCxnSpPr>
+          <p:nvPr/>
+        </p:nvCxnSpPr>
+        <p:spPr>
+          <a:xfrm flipV="1">
+            <a:off x="6102924" y="2624751"/>
+            <a:ext cx="257869" cy="1613315"/>
+          </a:xfrm>
+          <a:prstGeom prst="bentConnector2">
+            <a:avLst/>
+          </a:prstGeom>
+          <a:ln w="28575">
+            <a:solidFill>
+              <a:srgbClr val="FF0000"/>
+            </a:solidFill>
+            <a:tailEnd type="triangle"/>
+          </a:ln>
+        </p:spPr>
+        <p:style>
+          <a:lnRef idx="1">
+            <a:schemeClr val="accent1"/>
+          </a:lnRef>
+          <a:fillRef idx="0">
+            <a:schemeClr val="accent1"/>
+          </a:fillRef>
+          <a:effectRef idx="0">
+            <a:schemeClr val="accent1"/>
+          </a:effectRef>
+          <a:fontRef idx="minor">
+            <a:schemeClr val="tx1"/>
+          </a:fontRef>
+        </p:style>
+      </p:cxnSp>
+      <p:cxnSp>
+        <p:nvCxnSpPr>
+          <p:cNvPr id="69" name="꺾인 연결선 68"/>
+          <p:cNvCxnSpPr>
+            <a:stCxn id="38" idx="3"/>
+            <a:endCxn id="13" idx="1"/>
+          </p:cNvCxnSpPr>
+          <p:nvPr/>
+        </p:nvCxnSpPr>
+        <p:spPr>
+          <a:xfrm>
+            <a:off x="6985112" y="2462653"/>
+            <a:ext cx="1607474" cy="806420"/>
+          </a:xfrm>
+          <a:prstGeom prst="bentConnector2">
+            <a:avLst/>
+          </a:prstGeom>
+          <a:ln w="28575">
+            <a:solidFill>
+              <a:srgbClr val="FF0000"/>
+            </a:solidFill>
+            <a:tailEnd type="triangle"/>
+          </a:ln>
+        </p:spPr>
+        <p:style>
+          <a:lnRef idx="1">
+            <a:schemeClr val="accent1"/>
+          </a:lnRef>
+          <a:fillRef idx="0">
+            <a:schemeClr val="accent1"/>
+          </a:fillRef>
+          <a:effectRef idx="0">
+            <a:schemeClr val="accent1"/>
+          </a:effectRef>
+          <a:fontRef idx="minor">
+            <a:schemeClr val="tx1"/>
+          </a:fontRef>
+        </p:style>
+      </p:cxnSp>
+      <p:cxnSp>
+        <p:nvCxnSpPr>
+          <p:cNvPr id="72" name="꺾인 연결선 71"/>
+          <p:cNvCxnSpPr>
+            <a:stCxn id="38" idx="3"/>
+            <a:endCxn id="14" idx="1"/>
+          </p:cNvCxnSpPr>
+          <p:nvPr/>
+        </p:nvCxnSpPr>
+        <p:spPr>
+          <a:xfrm>
+            <a:off x="6985112" y="2462653"/>
+            <a:ext cx="3426577" cy="806420"/>
+          </a:xfrm>
+          <a:prstGeom prst="bentConnector2">
+            <a:avLst/>
+          </a:prstGeom>
+          <a:ln w="28575">
+            <a:solidFill>
+              <a:srgbClr val="FF0000"/>
+            </a:solidFill>
+            <a:tailEnd type="triangle"/>
+          </a:ln>
+        </p:spPr>
+        <p:style>
+          <a:lnRef idx="1">
+            <a:schemeClr val="accent1"/>
+          </a:lnRef>
+          <a:fillRef idx="0">
+            <a:schemeClr val="accent1"/>
+          </a:fillRef>
+          <a:effectRef idx="0">
+            <a:schemeClr val="accent1"/>
+          </a:effectRef>
+          <a:fontRef idx="minor">
+            <a:schemeClr val="tx1"/>
+          </a:fontRef>
+        </p:style>
+      </p:cxnSp>
+      <p:cxnSp>
+        <p:nvCxnSpPr>
+          <p:cNvPr id="75" name="꺾인 연결선 74"/>
+          <p:cNvCxnSpPr>
+            <a:stCxn id="11" idx="3"/>
+            <a:endCxn id="16" idx="1"/>
+          </p:cNvCxnSpPr>
+          <p:nvPr/>
+        </p:nvCxnSpPr>
+        <p:spPr>
+          <a:xfrm rot="16200000" flipH="1">
+            <a:off x="669927" y="4725989"/>
+            <a:ext cx="1533570" cy="482137"/>
+          </a:xfrm>
+          <a:prstGeom prst="bentConnector2">
+            <a:avLst/>
+          </a:prstGeom>
+          <a:ln w="28575">
+            <a:solidFill>
+              <a:srgbClr val="FF0000"/>
+            </a:solidFill>
+            <a:tailEnd type="triangle"/>
+          </a:ln>
+        </p:spPr>
+        <p:style>
+          <a:lnRef idx="1">
+            <a:schemeClr val="accent1"/>
+          </a:lnRef>
+          <a:fillRef idx="0">
+            <a:schemeClr val="accent1"/>
+          </a:fillRef>
+          <a:effectRef idx="0">
+            <a:schemeClr val="accent1"/>
+          </a:effectRef>
+          <a:fontRef idx="minor">
+            <a:schemeClr val="tx1"/>
+          </a:fontRef>
+        </p:style>
+      </p:cxnSp>
+      <p:cxnSp>
+        <p:nvCxnSpPr>
+          <p:cNvPr id="78" name="꺾인 연결선 77"/>
+          <p:cNvCxnSpPr>
+            <a:stCxn id="16" idx="3"/>
+            <a:endCxn id="4" idx="1"/>
+          </p:cNvCxnSpPr>
+          <p:nvPr/>
+        </p:nvCxnSpPr>
+        <p:spPr>
+          <a:xfrm flipV="1">
+            <a:off x="3498269" y="4238066"/>
+            <a:ext cx="650239" cy="1495777"/>
+          </a:xfrm>
+          <a:prstGeom prst="bentConnector3">
+            <a:avLst>
+              <a:gd name="adj1" fmla="val 50000"/>
+            </a:avLst>
+          </a:prstGeom>
+          <a:ln w="28575">
+            <a:solidFill>
+              <a:srgbClr val="FF0000"/>
+            </a:solidFill>
+            <a:tailEnd type="triangle"/>
+          </a:ln>
+        </p:spPr>
+        <p:style>
+          <a:lnRef idx="1">
+            <a:schemeClr val="accent1"/>
+          </a:lnRef>
+          <a:fillRef idx="0">
+            <a:schemeClr val="accent1"/>
+          </a:fillRef>
+          <a:effectRef idx="0">
+            <a:schemeClr val="accent1"/>
+          </a:effectRef>
+          <a:fontRef idx="minor">
+            <a:schemeClr val="tx1"/>
+          </a:fontRef>
+        </p:style>
+      </p:cxnSp>
+      <p:cxnSp>
+        <p:nvCxnSpPr>
+          <p:cNvPr id="82" name="꺾인 연결선 81"/>
+          <p:cNvCxnSpPr>
+            <a:stCxn id="4" idx="3"/>
+            <a:endCxn id="17" idx="1"/>
+          </p:cNvCxnSpPr>
+          <p:nvPr/>
+        </p:nvCxnSpPr>
+        <p:spPr>
+          <a:xfrm>
+            <a:off x="6102924" y="4238066"/>
+            <a:ext cx="482137" cy="684866"/>
+          </a:xfrm>
+          <a:prstGeom prst="bentConnector3">
+            <a:avLst>
+              <a:gd name="adj1" fmla="val 50000"/>
+            </a:avLst>
+          </a:prstGeom>
+          <a:ln w="28575">
+            <a:solidFill>
+              <a:srgbClr val="FF0000"/>
+            </a:solidFill>
+            <a:tailEnd type="triangle"/>
+          </a:ln>
+        </p:spPr>
+        <p:style>
+          <a:lnRef idx="1">
+            <a:schemeClr val="accent1"/>
+          </a:lnRef>
+          <a:fillRef idx="0">
+            <a:schemeClr val="accent1"/>
+          </a:fillRef>
+          <a:effectRef idx="0">
+            <a:schemeClr val="accent1"/>
+          </a:effectRef>
+          <a:fontRef idx="minor">
+            <a:schemeClr val="tx1"/>
+          </a:fontRef>
+        </p:style>
+      </p:cxnSp>
+      <p:cxnSp>
+        <p:nvCxnSpPr>
+          <p:cNvPr id="86" name="꺾인 연결선 85"/>
+          <p:cNvCxnSpPr>
+            <a:stCxn id="17" idx="3"/>
+            <a:endCxn id="13" idx="3"/>
+          </p:cNvCxnSpPr>
+          <p:nvPr/>
+        </p:nvCxnSpPr>
+        <p:spPr>
+          <a:xfrm flipV="1">
+            <a:off x="8405549" y="4200273"/>
+            <a:ext cx="187037" cy="722659"/>
+          </a:xfrm>
+          <a:prstGeom prst="bentConnector2">
+            <a:avLst/>
+          </a:prstGeom>
+          <a:ln w="28575">
+            <a:solidFill>
+              <a:srgbClr val="FF0000"/>
+            </a:solidFill>
+            <a:tailEnd type="triangle"/>
+          </a:ln>
+        </p:spPr>
+        <p:style>
+          <a:lnRef idx="1">
+            <a:schemeClr val="accent1"/>
+          </a:lnRef>
+          <a:fillRef idx="0">
+            <a:schemeClr val="accent1"/>
+          </a:fillRef>
+          <a:effectRef idx="0">
+            <a:schemeClr val="accent1"/>
+          </a:effectRef>
+          <a:fontRef idx="minor">
+            <a:schemeClr val="tx1"/>
+          </a:fontRef>
+        </p:style>
+      </p:cxnSp>
+      <p:sp>
+        <p:nvSpPr>
+          <p:cNvPr id="99" name="모서리가 둥근 직사각형 98"/>
+          <p:cNvSpPr/>
+          <p:nvPr/>
+        </p:nvSpPr>
+        <p:spPr>
+          <a:xfrm>
+            <a:off x="7105992" y="5388556"/>
+            <a:ext cx="1820488" cy="690573"/>
+          </a:xfrm>
+          <a:prstGeom prst="roundRect">
+            <a:avLst/>
+          </a:prstGeom>
+          <a:solidFill>
+            <a:schemeClr val="accent2">
+              <a:lumMod val="75000"/>
+            </a:schemeClr>
+          </a:solidFill>
+          <a:ln>
+            <a:solidFill>
+              <a:schemeClr val="tx1"/>
+            </a:solidFill>
+          </a:ln>
+        </p:spPr>
+        <p:style>
+          <a:lnRef idx="2">
+            <a:schemeClr val="accent1">
+              <a:shade val="50000"/>
+            </a:schemeClr>
+          </a:lnRef>
+          <a:fillRef idx="1">
+            <a:schemeClr val="accent1"/>
+          </a:fillRef>
+          <a:effectRef idx="0">
+            <a:schemeClr val="accent1"/>
+          </a:effectRef>
+          <a:fontRef idx="minor">
+            <a:schemeClr val="lt1"/>
+          </a:fontRef>
+        </p:style>
+        <p:txBody>
+          <a:bodyPr rtlCol="0" anchor="ctr"/>
+          <a:lstStyle/>
+          <a:p>
+            <a:pPr algn="ctr"/>
+            <a:r>
+              <a:rPr lang="en-US" altLang="ko-KR" smtClean="0"/>
+              <a:t>Kafka sink connector</a:t>
+            </a:r>
+          </a:p>
+        </p:txBody>
+      </p:sp>
+      <p:cxnSp>
+        <p:nvCxnSpPr>
+          <p:cNvPr id="100" name="꺾인 연결선 99"/>
+          <p:cNvCxnSpPr>
+            <a:stCxn id="4" idx="3"/>
+            <a:endCxn id="99" idx="1"/>
+          </p:cNvCxnSpPr>
+          <p:nvPr/>
+        </p:nvCxnSpPr>
+        <p:spPr>
+          <a:xfrm>
+            <a:off x="6102924" y="4238066"/>
+            <a:ext cx="1003068" cy="1495777"/>
+          </a:xfrm>
+          <a:prstGeom prst="bentConnector3">
+            <a:avLst>
+              <a:gd name="adj1" fmla="val 24309"/>
+            </a:avLst>
+          </a:prstGeom>
+          <a:ln w="28575">
+            <a:solidFill>
+              <a:srgbClr val="FF0000"/>
+            </a:solidFill>
+            <a:tailEnd type="triangle"/>
+          </a:ln>
+        </p:spPr>
+        <p:style>
+          <a:lnRef idx="1">
+            <a:schemeClr val="accent1"/>
+          </a:lnRef>
+          <a:fillRef idx="0">
+            <a:schemeClr val="accent1"/>
+          </a:fillRef>
+          <a:effectRef idx="0">
+            <a:schemeClr val="accent1"/>
+          </a:effectRef>
+          <a:fontRef idx="minor">
+            <a:schemeClr val="tx1"/>
+          </a:fontRef>
+        </p:style>
+      </p:cxnSp>
+      <p:cxnSp>
+        <p:nvCxnSpPr>
+          <p:cNvPr id="104" name="꺾인 연결선 103"/>
+          <p:cNvCxnSpPr>
+            <a:stCxn id="99" idx="3"/>
+            <a:endCxn id="14" idx="3"/>
+          </p:cNvCxnSpPr>
+          <p:nvPr/>
+        </p:nvCxnSpPr>
+        <p:spPr>
+          <a:xfrm flipV="1">
+            <a:off x="8926480" y="4200273"/>
+            <a:ext cx="1485209" cy="1533570"/>
+          </a:xfrm>
+          <a:prstGeom prst="bentConnector2">
+            <a:avLst/>
+          </a:prstGeom>
+          <a:ln w="28575">
+            <a:solidFill>
+              <a:srgbClr val="FF0000"/>
+            </a:solidFill>
+            <a:tailEnd type="triangle"/>
+          </a:ln>
+        </p:spPr>
+        <p:style>
+          <a:lnRef idx="1">
+            <a:schemeClr val="accent1"/>
+          </a:lnRef>
+          <a:fillRef idx="0">
+            <a:schemeClr val="accent1"/>
+          </a:fillRef>
+          <a:effectRef idx="0">
+            <a:schemeClr val="accent1"/>
+          </a:effectRef>
+          <a:fontRef idx="minor">
+            <a:schemeClr val="tx1"/>
+          </a:fontRef>
+        </p:style>
+      </p:cxnSp>
       <p:graphicFrame>
         <p:nvGraphicFramePr>
-          <p:cNvPr id="4" name="내용 개체 틀 3"/>
+          <p:cNvPr id="141" name="표 140"/>
           <p:cNvGraphicFramePr>
             <a:graphicFrameLocks noGrp="1"/>
           </p:cNvGraphicFramePr>
           <p:nvPr>
-            <p:ph idx="1"/>
             <p:extLst>
               <p:ext uri="{D42A27DB-BD31-4B8C-83A1-F6EECF244321}">
-                <p14:modId xmlns:p14="http://schemas.microsoft.com/office/powerpoint/2010/main" val="1569417809"/>
+                <p14:modId xmlns:p14="http://schemas.microsoft.com/office/powerpoint/2010/main" val="837873240"/>
               </p:ext>
             </p:extLst>
           </p:nvPr>
         </p:nvGraphicFramePr>
         <p:xfrm>
-          <a:off x="838200" y="1825625"/>
-          <a:ext cx="10515600" cy="3708400"/>
+          <a:off x="1270435" y="4067708"/>
+          <a:ext cx="2082800" cy="731520"/>
         </p:xfrm>
         <a:graphic>
           <a:graphicData uri="http://schemas.openxmlformats.org/drawingml/2006/table">
             <a:tbl>
               <a:tblPr firstRow="1" bandRow="1">
-                <a:tableStyleId>{5C22544A-7EE6-4342-B048-85BDC9FD1C3A}</a:tableStyleId>
+                <a:effectLst>
+                  <a:outerShdw blurRad="50800" dist="38100" dir="2700000" algn="tl" rotWithShape="0">
+                    <a:prstClr val="black">
+                      <a:alpha val="40000"/>
+                    </a:prstClr>
+                  </a:outerShdw>
+                </a:effectLst>
+                <a:tableStyleId>{073A0DAA-6AF3-43AB-8588-CEC1D06C72B9}</a:tableStyleId>
               </a:tblPr>
               <a:tblGrid>
-                <a:gridCol w="466898">
+                <a:gridCol w="208280">
                   <a:extLst>
                     <a:ext uri="{9D8B030D-6E8A-4147-A177-3AD203B41FA5}">
-                      <a16:colId xmlns:a16="http://schemas.microsoft.com/office/drawing/2014/main" val="2271405166"/>
+                      <a16:colId xmlns:a16="http://schemas.microsoft.com/office/drawing/2014/main" val="3628683353"/>
                     </a:ext>
                   </a:extLst>
                 </a:gridCol>
-                <a:gridCol w="2128058">
+                <a:gridCol w="208280">
                   <a:extLst>
                     <a:ext uri="{9D8B030D-6E8A-4147-A177-3AD203B41FA5}">
-                      <a16:colId xmlns:a16="http://schemas.microsoft.com/office/drawing/2014/main" val="322916108"/>
+                      <a16:colId xmlns:a16="http://schemas.microsoft.com/office/drawing/2014/main" val="4136026367"/>
                     </a:ext>
                   </a:extLst>
                 </a:gridCol>
-                <a:gridCol w="2078182">
+                <a:gridCol w="208280">
                   <a:extLst>
                     <a:ext uri="{9D8B030D-6E8A-4147-A177-3AD203B41FA5}">
-                      <a16:colId xmlns:a16="http://schemas.microsoft.com/office/drawing/2014/main" val="137231634"/>
+                      <a16:colId xmlns:a16="http://schemas.microsoft.com/office/drawing/2014/main" val="3891434260"/>
                     </a:ext>
                   </a:extLst>
                 </a:gridCol>
-                <a:gridCol w="1022466">
+                <a:gridCol w="208280">
                   <a:extLst>
                     <a:ext uri="{9D8B030D-6E8A-4147-A177-3AD203B41FA5}">
-                      <a16:colId xmlns:a16="http://schemas.microsoft.com/office/drawing/2014/main" val="3355149843"/>
+                      <a16:colId xmlns:a16="http://schemas.microsoft.com/office/drawing/2014/main" val="824987594"/>
                     </a:ext>
                   </a:extLst>
                 </a:gridCol>
-                <a:gridCol w="4819996">
+                <a:gridCol w="208280">
                   <a:extLst>
                     <a:ext uri="{9D8B030D-6E8A-4147-A177-3AD203B41FA5}">
-                      <a16:colId xmlns:a16="http://schemas.microsoft.com/office/drawing/2014/main" val="1805140875"/>
+                      <a16:colId xmlns:a16="http://schemas.microsoft.com/office/drawing/2014/main" val="3748775663"/>
+                    </a:ext>
+                  </a:extLst>
+                </a:gridCol>
+                <a:gridCol w="208280">
+                  <a:extLst>
+                    <a:ext uri="{9D8B030D-6E8A-4147-A177-3AD203B41FA5}">
+                      <a16:colId xmlns:a16="http://schemas.microsoft.com/office/drawing/2014/main" val="1048975651"/>
+                    </a:ext>
+                  </a:extLst>
+                </a:gridCol>
+                <a:gridCol w="208280">
+                  <a:extLst>
+                    <a:ext uri="{9D8B030D-6E8A-4147-A177-3AD203B41FA5}">
+                      <a16:colId xmlns:a16="http://schemas.microsoft.com/office/drawing/2014/main" val="2701534729"/>
+                    </a:ext>
+                  </a:extLst>
+                </a:gridCol>
+                <a:gridCol w="208280">
+                  <a:extLst>
+                    <a:ext uri="{9D8B030D-6E8A-4147-A177-3AD203B41FA5}">
+                      <a16:colId xmlns:a16="http://schemas.microsoft.com/office/drawing/2014/main" val="1726509296"/>
+                    </a:ext>
+                  </a:extLst>
+                </a:gridCol>
+                <a:gridCol w="208280">
+                  <a:extLst>
+                    <a:ext uri="{9D8B030D-6E8A-4147-A177-3AD203B41FA5}">
+                      <a16:colId xmlns:a16="http://schemas.microsoft.com/office/drawing/2014/main" val="985858210"/>
+                    </a:ext>
+                  </a:extLst>
+                </a:gridCol>
+                <a:gridCol w="208280">
+                  <a:extLst>
+                    <a:ext uri="{9D8B030D-6E8A-4147-A177-3AD203B41FA5}">
+                      <a16:colId xmlns:a16="http://schemas.microsoft.com/office/drawing/2014/main" val="3348388809"/>
                     </a:ext>
                   </a:extLst>
                 </a:gridCol>
               </a:tblGrid>
-              <a:tr h="370840">
-                <a:tc>
-                  <a:txBody>
-                    <a:bodyPr/>
-                    <a:lstStyle/>
-                    <a:p>
-                      <a:pPr latinLnBrk="1"/>
-                      <a:endParaRPr lang="ko-KR" altLang="en-US" sz="1600"/>
-                    </a:p>
-                  </a:txBody>
-                  <a:tcPr/>
-                </a:tc>
-                <a:tc>
-                  <a:txBody>
-                    <a:bodyPr/>
-                    <a:lstStyle/>
-                    <a:p>
-                      <a:pPr latinLnBrk="1"/>
-                      <a:r>
-                        <a:rPr lang="en-US" altLang="ko-KR" sz="1600" smtClean="0"/>
-                        <a:t>Source </a:t>
-                      </a:r>
-                      <a:r>
-                        <a:rPr lang="ko-KR" altLang="en-US" sz="1600" smtClean="0"/>
-                        <a:t>방식</a:t>
-                      </a:r>
-                      <a:endParaRPr lang="ko-KR" altLang="en-US" sz="1600"/>
-                    </a:p>
-                  </a:txBody>
-                  <a:tcPr/>
-                </a:tc>
-                <a:tc>
-                  <a:txBody>
-                    <a:bodyPr/>
-                    <a:lstStyle/>
-                    <a:p>
-                      <a:pPr latinLnBrk="1"/>
-                      <a:r>
-                        <a:rPr lang="en-US" altLang="ko-KR" sz="1600" smtClean="0"/>
-                        <a:t>Sink </a:t>
-                      </a:r>
-                      <a:r>
-                        <a:rPr lang="ko-KR" altLang="en-US" sz="1600" smtClean="0"/>
-                        <a:t>방식</a:t>
-                      </a:r>
-                      <a:endParaRPr lang="ko-KR" altLang="en-US" sz="1600"/>
-                    </a:p>
-                  </a:txBody>
-                  <a:tcPr/>
-                </a:tc>
-                <a:tc>
-                  <a:txBody>
-                    <a:bodyPr/>
-                    <a:lstStyle/>
-                    <a:p>
-                      <a:pPr latinLnBrk="1"/>
-                      <a:r>
-                        <a:rPr lang="ko-KR" altLang="en-US" sz="1600" smtClean="0"/>
-                        <a:t>확인대상</a:t>
-                      </a:r>
-                      <a:endParaRPr lang="ko-KR" altLang="en-US" sz="1600"/>
-                    </a:p>
-                  </a:txBody>
-                  <a:tcPr/>
-                </a:tc>
-                <a:tc>
-                  <a:txBody>
-                    <a:bodyPr/>
-                    <a:lstStyle/>
-                    <a:p>
-                      <a:pPr latinLnBrk="1"/>
-                      <a:endParaRPr lang="ko-KR" altLang="en-US" sz="1600"/>
-                    </a:p>
-                  </a:txBody>
-                  <a:tcPr/>
+              <a:tr h="0">
+                <a:tc>
+                  <a:txBody>
+                    <a:bodyPr/>
+                    <a:lstStyle/>
+                    <a:p>
+                      <a:pPr latinLnBrk="1"/>
+                      <a:r>
+                        <a:rPr lang="en-US" altLang="ko-KR" sz="600" smtClean="0">
+                          <a:solidFill>
+                            <a:schemeClr val="tx1"/>
+                          </a:solidFill>
+                        </a:rPr>
+                        <a:t>1</a:t>
+                      </a:r>
+                      <a:endParaRPr lang="ko-KR" altLang="en-US" sz="600">
+                        <a:solidFill>
+                          <a:schemeClr val="tx1"/>
+                        </a:solidFill>
+                      </a:endParaRPr>
+                    </a:p>
+                  </a:txBody>
+                  <a:tcPr>
+                    <a:noFill/>
+                  </a:tcPr>
+                </a:tc>
+                <a:tc>
+                  <a:txBody>
+                    <a:bodyPr/>
+                    <a:lstStyle/>
+                    <a:p>
+                      <a:pPr latinLnBrk="1"/>
+                      <a:r>
+                        <a:rPr lang="en-US" altLang="ko-KR" sz="600" smtClean="0">
+                          <a:solidFill>
+                            <a:schemeClr val="tx1"/>
+                          </a:solidFill>
+                        </a:rPr>
+                        <a:t>A</a:t>
+                      </a:r>
+                      <a:endParaRPr lang="ko-KR" altLang="en-US" sz="600">
+                        <a:solidFill>
+                          <a:schemeClr val="tx1"/>
+                        </a:solidFill>
+                      </a:endParaRPr>
+                    </a:p>
+                  </a:txBody>
+                  <a:tcPr>
+                    <a:noFill/>
+                  </a:tcPr>
+                </a:tc>
+                <a:tc>
+                  <a:txBody>
+                    <a:bodyPr/>
+                    <a:lstStyle/>
+                    <a:p>
+                      <a:pPr latinLnBrk="1"/>
+                      <a:r>
+                        <a:rPr lang="en-US" altLang="ko-KR" sz="600" smtClean="0">
+                          <a:solidFill>
+                            <a:schemeClr val="tx1"/>
+                          </a:solidFill>
+                        </a:rPr>
+                        <a:t>B</a:t>
+                      </a:r>
+                      <a:endParaRPr lang="ko-KR" altLang="en-US" sz="600">
+                        <a:solidFill>
+                          <a:schemeClr val="tx1"/>
+                        </a:solidFill>
+                      </a:endParaRPr>
+                    </a:p>
+                  </a:txBody>
+                  <a:tcPr>
+                    <a:noFill/>
+                  </a:tcPr>
+                </a:tc>
+                <a:tc>
+                  <a:txBody>
+                    <a:bodyPr/>
+                    <a:lstStyle/>
+                    <a:p>
+                      <a:pPr latinLnBrk="1"/>
+                      <a:r>
+                        <a:rPr lang="en-US" altLang="ko-KR" sz="600" smtClean="0">
+                          <a:solidFill>
+                            <a:schemeClr val="tx1"/>
+                          </a:solidFill>
+                        </a:rPr>
+                        <a:t>C</a:t>
+                      </a:r>
+                      <a:endParaRPr lang="ko-KR" altLang="en-US" sz="600">
+                        <a:solidFill>
+                          <a:schemeClr val="tx1"/>
+                        </a:solidFill>
+                      </a:endParaRPr>
+                    </a:p>
+                  </a:txBody>
+                  <a:tcPr>
+                    <a:noFill/>
+                  </a:tcPr>
+                </a:tc>
+                <a:tc>
+                  <a:txBody>
+                    <a:bodyPr/>
+                    <a:lstStyle/>
+                    <a:p>
+                      <a:pPr latinLnBrk="1"/>
+                      <a:r>
+                        <a:rPr lang="en-US" altLang="ko-KR" sz="600" smtClean="0">
+                          <a:solidFill>
+                            <a:schemeClr val="tx1"/>
+                          </a:solidFill>
+                        </a:rPr>
+                        <a:t>D</a:t>
+                      </a:r>
+                      <a:endParaRPr lang="ko-KR" altLang="en-US" sz="600">
+                        <a:solidFill>
+                          <a:schemeClr val="tx1"/>
+                        </a:solidFill>
+                      </a:endParaRPr>
+                    </a:p>
+                  </a:txBody>
+                  <a:tcPr>
+                    <a:noFill/>
+                  </a:tcPr>
+                </a:tc>
+                <a:tc>
+                  <a:txBody>
+                    <a:bodyPr/>
+                    <a:lstStyle/>
+                    <a:p>
+                      <a:pPr latinLnBrk="1"/>
+                      <a:r>
+                        <a:rPr lang="en-US" altLang="ko-KR" sz="600" smtClean="0">
+                          <a:solidFill>
+                            <a:schemeClr val="tx1"/>
+                          </a:solidFill>
+                        </a:rPr>
+                        <a:t>E</a:t>
+                      </a:r>
+                      <a:endParaRPr lang="ko-KR" altLang="en-US" sz="600">
+                        <a:solidFill>
+                          <a:schemeClr val="tx1"/>
+                        </a:solidFill>
+                      </a:endParaRPr>
+                    </a:p>
+                  </a:txBody>
+                  <a:tcPr>
+                    <a:noFill/>
+                  </a:tcPr>
+                </a:tc>
+                <a:tc>
+                  <a:txBody>
+                    <a:bodyPr/>
+                    <a:lstStyle/>
+                    <a:p>
+                      <a:pPr latinLnBrk="1"/>
+                      <a:r>
+                        <a:rPr lang="en-US" altLang="ko-KR" sz="600" smtClean="0">
+                          <a:solidFill>
+                            <a:schemeClr val="tx1"/>
+                          </a:solidFill>
+                        </a:rPr>
+                        <a:t>F</a:t>
+                      </a:r>
+                      <a:endParaRPr lang="ko-KR" altLang="en-US" sz="600">
+                        <a:solidFill>
+                          <a:schemeClr val="tx1"/>
+                        </a:solidFill>
+                      </a:endParaRPr>
+                    </a:p>
+                  </a:txBody>
+                  <a:tcPr>
+                    <a:noFill/>
+                  </a:tcPr>
+                </a:tc>
+                <a:tc>
+                  <a:txBody>
+                    <a:bodyPr/>
+                    <a:lstStyle/>
+                    <a:p>
+                      <a:pPr latinLnBrk="1"/>
+                      <a:r>
+                        <a:rPr lang="en-US" altLang="ko-KR" sz="600" smtClean="0">
+                          <a:solidFill>
+                            <a:schemeClr val="tx1"/>
+                          </a:solidFill>
+                        </a:rPr>
+                        <a:t>G</a:t>
+                      </a:r>
+                      <a:endParaRPr lang="ko-KR" altLang="en-US" sz="600">
+                        <a:solidFill>
+                          <a:schemeClr val="tx1"/>
+                        </a:solidFill>
+                      </a:endParaRPr>
+                    </a:p>
+                  </a:txBody>
+                  <a:tcPr>
+                    <a:noFill/>
+                  </a:tcPr>
+                </a:tc>
+                <a:tc>
+                  <a:txBody>
+                    <a:bodyPr/>
+                    <a:lstStyle/>
+                    <a:p>
+                      <a:pPr latinLnBrk="1"/>
+                      <a:r>
+                        <a:rPr lang="en-US" altLang="ko-KR" sz="600" smtClean="0">
+                          <a:solidFill>
+                            <a:schemeClr val="tx1"/>
+                          </a:solidFill>
+                        </a:rPr>
+                        <a:t>H</a:t>
+                      </a:r>
+                      <a:endParaRPr lang="ko-KR" altLang="en-US" sz="600">
+                        <a:solidFill>
+                          <a:schemeClr val="tx1"/>
+                        </a:solidFill>
+                      </a:endParaRPr>
+                    </a:p>
+                  </a:txBody>
+                  <a:tcPr>
+                    <a:noFill/>
+                  </a:tcPr>
+                </a:tc>
+                <a:tc>
+                  <a:txBody>
+                    <a:bodyPr/>
+                    <a:lstStyle/>
+                    <a:p>
+                      <a:pPr latinLnBrk="1"/>
+                      <a:r>
+                        <a:rPr lang="en-US" altLang="ko-KR" sz="600" smtClean="0">
+                          <a:solidFill>
+                            <a:schemeClr val="tx1"/>
+                          </a:solidFill>
+                        </a:rPr>
+                        <a:t>I</a:t>
+                      </a:r>
+                      <a:endParaRPr lang="ko-KR" altLang="en-US" sz="600">
+                        <a:solidFill>
+                          <a:schemeClr val="tx1"/>
+                        </a:solidFill>
+                      </a:endParaRPr>
+                    </a:p>
+                  </a:txBody>
+                  <a:tcPr>
+                    <a:noFill/>
+                  </a:tcPr>
                 </a:tc>
                 <a:extLst>
                   <a:ext uri="{0D108BD9-81ED-4DB2-BD59-A6C34878D82A}">
-                    <a16:rowId xmlns:a16="http://schemas.microsoft.com/office/drawing/2014/main" val="444051763"/>
+                    <a16:rowId xmlns:a16="http://schemas.microsoft.com/office/drawing/2014/main" val="41161225"/>
                   </a:ext>
                 </a:extLst>
               </a:tr>
-              <a:tr h="370840">
-                <a:tc>
-                  <a:txBody>
-                    <a:bodyPr/>
-                    <a:lstStyle/>
-                    <a:p>
-                      <a:pPr latinLnBrk="1"/>
-                      <a:r>
-                        <a:rPr lang="en-US" altLang="ko-KR" sz="1600" smtClean="0"/>
-                        <a:t>1</a:t>
-                      </a:r>
-                      <a:endParaRPr lang="ko-KR" altLang="en-US" sz="1600"/>
-                    </a:p>
-                  </a:txBody>
-                  <a:tcPr/>
-                </a:tc>
-                <a:tc rowSpan="3">
-                  <a:txBody>
-                    <a:bodyPr/>
-                    <a:lstStyle/>
-                    <a:p>
-                      <a:pPr latinLnBrk="1"/>
-                      <a:r>
-                        <a:rPr lang="en-US" altLang="ko-KR" sz="1600" smtClean="0"/>
-                        <a:t>NiFi JDBC</a:t>
-                      </a:r>
-                      <a:endParaRPr lang="ko-KR" altLang="en-US" sz="1600"/>
-                    </a:p>
-                  </a:txBody>
-                  <a:tcPr anchor="ctr"/>
-                </a:tc>
-                <a:tc>
-                  <a:txBody>
-                    <a:bodyPr/>
-                    <a:lstStyle/>
-                    <a:p>
-                      <a:pPr latinLnBrk="1"/>
-                      <a:r>
-                        <a:rPr lang="en-US" altLang="ko-KR" sz="1600" smtClean="0"/>
-                        <a:t>NiFi JDBC</a:t>
-                      </a:r>
-                      <a:endParaRPr lang="ko-KR" altLang="en-US" sz="1600"/>
-                    </a:p>
-                  </a:txBody>
-                  <a:tcPr/>
-                </a:tc>
-                <a:tc>
-                  <a:txBody>
-                    <a:bodyPr/>
-                    <a:lstStyle/>
-                    <a:p>
-                      <a:pPr algn="ctr" latinLnBrk="1"/>
-                      <a:r>
-                        <a:rPr lang="en-US" altLang="ko-KR" sz="1600" smtClean="0"/>
-                        <a:t>O</a:t>
-                      </a:r>
-                      <a:endParaRPr lang="ko-KR" altLang="en-US" sz="1600"/>
-                    </a:p>
-                  </a:txBody>
-                  <a:tcPr/>
-                </a:tc>
-                <a:tc>
-                  <a:txBody>
-                    <a:bodyPr/>
-                    <a:lstStyle/>
-                    <a:p>
-                      <a:pPr latinLnBrk="1"/>
-                      <a:endParaRPr lang="ko-KR" altLang="en-US" sz="1600"/>
-                    </a:p>
-                  </a:txBody>
-                  <a:tcPr/>
+              <a:tr h="0">
+                <a:tc>
+                  <a:txBody>
+                    <a:bodyPr/>
+                    <a:lstStyle/>
+                    <a:p>
+                      <a:pPr latinLnBrk="1"/>
+                      <a:r>
+                        <a:rPr lang="en-US" altLang="ko-KR" sz="600" smtClean="0">
+                          <a:solidFill>
+                            <a:schemeClr val="tx1"/>
+                          </a:solidFill>
+                        </a:rPr>
+                        <a:t>2</a:t>
+                      </a:r>
+                      <a:endParaRPr lang="ko-KR" altLang="en-US" sz="600">
+                        <a:solidFill>
+                          <a:schemeClr val="tx1"/>
+                        </a:solidFill>
+                      </a:endParaRPr>
+                    </a:p>
+                  </a:txBody>
+                  <a:tcPr>
+                    <a:noFill/>
+                  </a:tcPr>
+                </a:tc>
+                <a:tc>
+                  <a:txBody>
+                    <a:bodyPr/>
+                    <a:lstStyle/>
+                    <a:p>
+                      <a:pPr latinLnBrk="1"/>
+                      <a:r>
+                        <a:rPr lang="en-US" altLang="ko-KR" sz="600" smtClean="0">
+                          <a:solidFill>
+                            <a:schemeClr val="tx1"/>
+                          </a:solidFill>
+                        </a:rPr>
+                        <a:t>A</a:t>
+                      </a:r>
+                      <a:endParaRPr lang="ko-KR" altLang="en-US" sz="600">
+                        <a:solidFill>
+                          <a:schemeClr val="tx1"/>
+                        </a:solidFill>
+                      </a:endParaRPr>
+                    </a:p>
+                  </a:txBody>
+                  <a:tcPr>
+                    <a:noFill/>
+                  </a:tcPr>
+                </a:tc>
+                <a:tc>
+                  <a:txBody>
+                    <a:bodyPr/>
+                    <a:lstStyle/>
+                    <a:p>
+                      <a:pPr latinLnBrk="1"/>
+                      <a:r>
+                        <a:rPr lang="en-US" altLang="ko-KR" sz="600" smtClean="0">
+                          <a:solidFill>
+                            <a:schemeClr val="tx1"/>
+                          </a:solidFill>
+                        </a:rPr>
+                        <a:t>B</a:t>
+                      </a:r>
+                      <a:endParaRPr lang="ko-KR" altLang="en-US" sz="600">
+                        <a:solidFill>
+                          <a:schemeClr val="tx1"/>
+                        </a:solidFill>
+                      </a:endParaRPr>
+                    </a:p>
+                  </a:txBody>
+                  <a:tcPr>
+                    <a:noFill/>
+                  </a:tcPr>
+                </a:tc>
+                <a:tc>
+                  <a:txBody>
+                    <a:bodyPr/>
+                    <a:lstStyle/>
+                    <a:p>
+                      <a:pPr latinLnBrk="1"/>
+                      <a:r>
+                        <a:rPr lang="en-US" altLang="ko-KR" sz="600" smtClean="0">
+                          <a:solidFill>
+                            <a:schemeClr val="tx1"/>
+                          </a:solidFill>
+                        </a:rPr>
+                        <a:t>C</a:t>
+                      </a:r>
+                      <a:endParaRPr lang="ko-KR" altLang="en-US" sz="600">
+                        <a:solidFill>
+                          <a:schemeClr val="tx1"/>
+                        </a:solidFill>
+                      </a:endParaRPr>
+                    </a:p>
+                  </a:txBody>
+                  <a:tcPr>
+                    <a:noFill/>
+                  </a:tcPr>
+                </a:tc>
+                <a:tc>
+                  <a:txBody>
+                    <a:bodyPr/>
+                    <a:lstStyle/>
+                    <a:p>
+                      <a:pPr latinLnBrk="1"/>
+                      <a:r>
+                        <a:rPr lang="en-US" altLang="ko-KR" sz="600" smtClean="0">
+                          <a:solidFill>
+                            <a:schemeClr val="tx1"/>
+                          </a:solidFill>
+                        </a:rPr>
+                        <a:t>D</a:t>
+                      </a:r>
+                      <a:endParaRPr lang="ko-KR" altLang="en-US" sz="600">
+                        <a:solidFill>
+                          <a:schemeClr val="tx1"/>
+                        </a:solidFill>
+                      </a:endParaRPr>
+                    </a:p>
+                  </a:txBody>
+                  <a:tcPr>
+                    <a:noFill/>
+                  </a:tcPr>
+                </a:tc>
+                <a:tc>
+                  <a:txBody>
+                    <a:bodyPr/>
+                    <a:lstStyle/>
+                    <a:p>
+                      <a:pPr latinLnBrk="1"/>
+                      <a:r>
+                        <a:rPr lang="en-US" altLang="ko-KR" sz="600" smtClean="0">
+                          <a:solidFill>
+                            <a:schemeClr val="tx1"/>
+                          </a:solidFill>
+                        </a:rPr>
+                        <a:t>E</a:t>
+                      </a:r>
+                      <a:endParaRPr lang="ko-KR" altLang="en-US" sz="600">
+                        <a:solidFill>
+                          <a:schemeClr val="tx1"/>
+                        </a:solidFill>
+                      </a:endParaRPr>
+                    </a:p>
+                  </a:txBody>
+                  <a:tcPr>
+                    <a:noFill/>
+                  </a:tcPr>
+                </a:tc>
+                <a:tc>
+                  <a:txBody>
+                    <a:bodyPr/>
+                    <a:lstStyle/>
+                    <a:p>
+                      <a:pPr latinLnBrk="1"/>
+                      <a:r>
+                        <a:rPr lang="en-US" altLang="ko-KR" sz="600" smtClean="0">
+                          <a:solidFill>
+                            <a:schemeClr val="tx1"/>
+                          </a:solidFill>
+                        </a:rPr>
+                        <a:t>F</a:t>
+                      </a:r>
+                      <a:endParaRPr lang="ko-KR" altLang="en-US" sz="600">
+                        <a:solidFill>
+                          <a:schemeClr val="tx1"/>
+                        </a:solidFill>
+                      </a:endParaRPr>
+                    </a:p>
+                  </a:txBody>
+                  <a:tcPr>
+                    <a:noFill/>
+                  </a:tcPr>
+                </a:tc>
+                <a:tc>
+                  <a:txBody>
+                    <a:bodyPr/>
+                    <a:lstStyle/>
+                    <a:p>
+                      <a:pPr latinLnBrk="1"/>
+                      <a:r>
+                        <a:rPr lang="en-US" altLang="ko-KR" sz="600" smtClean="0">
+                          <a:solidFill>
+                            <a:schemeClr val="tx1"/>
+                          </a:solidFill>
+                        </a:rPr>
+                        <a:t>G</a:t>
+                      </a:r>
+                      <a:endParaRPr lang="ko-KR" altLang="en-US" sz="600">
+                        <a:solidFill>
+                          <a:schemeClr val="tx1"/>
+                        </a:solidFill>
+                      </a:endParaRPr>
+                    </a:p>
+                  </a:txBody>
+                  <a:tcPr>
+                    <a:noFill/>
+                  </a:tcPr>
+                </a:tc>
+                <a:tc>
+                  <a:txBody>
+                    <a:bodyPr/>
+                    <a:lstStyle/>
+                    <a:p>
+                      <a:pPr latinLnBrk="1"/>
+                      <a:r>
+                        <a:rPr lang="en-US" altLang="ko-KR" sz="600" smtClean="0">
+                          <a:solidFill>
+                            <a:schemeClr val="tx1"/>
+                          </a:solidFill>
+                        </a:rPr>
+                        <a:t>H</a:t>
+                      </a:r>
+                      <a:endParaRPr lang="ko-KR" altLang="en-US" sz="600">
+                        <a:solidFill>
+                          <a:schemeClr val="tx1"/>
+                        </a:solidFill>
+                      </a:endParaRPr>
+                    </a:p>
+                  </a:txBody>
+                  <a:tcPr>
+                    <a:noFill/>
+                  </a:tcPr>
+                </a:tc>
+                <a:tc>
+                  <a:txBody>
+                    <a:bodyPr/>
+                    <a:lstStyle/>
+                    <a:p>
+                      <a:pPr latinLnBrk="1"/>
+                      <a:r>
+                        <a:rPr lang="en-US" altLang="ko-KR" sz="600" smtClean="0">
+                          <a:solidFill>
+                            <a:schemeClr val="tx1"/>
+                          </a:solidFill>
+                        </a:rPr>
+                        <a:t>I</a:t>
+                      </a:r>
+                      <a:endParaRPr lang="ko-KR" altLang="en-US" sz="600">
+                        <a:solidFill>
+                          <a:schemeClr val="tx1"/>
+                        </a:solidFill>
+                      </a:endParaRPr>
+                    </a:p>
+                  </a:txBody>
+                  <a:tcPr>
+                    <a:noFill/>
+                  </a:tcPr>
                 </a:tc>
                 <a:extLst>
                   <a:ext uri="{0D108BD9-81ED-4DB2-BD59-A6C34878D82A}">
-                    <a16:rowId xmlns:a16="http://schemas.microsoft.com/office/drawing/2014/main" val="4125337314"/>
+                    <a16:rowId xmlns:a16="http://schemas.microsoft.com/office/drawing/2014/main" val="631812962"/>
                   </a:ext>
                 </a:extLst>
               </a:tr>
-              <a:tr h="370840">
-                <a:tc>
-                  <a:txBody>
-                    <a:bodyPr/>
-                    <a:lstStyle/>
-                    <a:p>
-                      <a:pPr latinLnBrk="1"/>
-                      <a:r>
-                        <a:rPr lang="en-US" altLang="ko-KR" sz="1600" smtClean="0"/>
-                        <a:t>2</a:t>
-                      </a:r>
-                      <a:endParaRPr lang="ko-KR" altLang="en-US" sz="1600"/>
-                    </a:p>
-                  </a:txBody>
-                  <a:tcPr/>
-                </a:tc>
-                <a:tc vMerge="1">
-                  <a:txBody>
-                    <a:bodyPr/>
-                    <a:lstStyle/>
-                    <a:p>
-                      <a:pPr latinLnBrk="1"/>
-                      <a:endParaRPr lang="ko-KR" altLang="en-US"/>
-                    </a:p>
-                  </a:txBody>
-                  <a:tcPr/>
-                </a:tc>
-                <a:tc>
-                  <a:txBody>
-                    <a:bodyPr/>
-                    <a:lstStyle/>
-                    <a:p>
-                      <a:pPr latinLnBrk="1"/>
-                      <a:r>
-                        <a:rPr lang="en-US" altLang="ko-KR" sz="1600" smtClean="0"/>
-                        <a:t>Kafka Connect JDBC</a:t>
-                      </a:r>
-                      <a:endParaRPr lang="ko-KR" altLang="en-US" sz="1600"/>
-                    </a:p>
-                  </a:txBody>
-                  <a:tcPr/>
-                </a:tc>
-                <a:tc>
-                  <a:txBody>
-                    <a:bodyPr/>
-                    <a:lstStyle/>
-                    <a:p>
-                      <a:pPr algn="ctr" latinLnBrk="1"/>
-                      <a:r>
-                        <a:rPr lang="en-US" altLang="ko-KR" sz="1600" smtClean="0"/>
-                        <a:t>X</a:t>
-                      </a:r>
-                      <a:endParaRPr lang="ko-KR" altLang="en-US" sz="1600"/>
-                    </a:p>
-                  </a:txBody>
-                  <a:tcPr/>
-                </a:tc>
-                <a:tc>
-                  <a:txBody>
-                    <a:bodyPr/>
-                    <a:lstStyle/>
-                    <a:p>
-                      <a:pPr latinLnBrk="1"/>
-                      <a:endParaRPr lang="ko-KR" altLang="en-US" sz="1600"/>
-                    </a:p>
-                  </a:txBody>
-                  <a:tcPr/>
+              <a:tr h="0">
+                <a:tc>
+                  <a:txBody>
+                    <a:bodyPr/>
+                    <a:lstStyle/>
+                    <a:p>
+                      <a:pPr latinLnBrk="1"/>
+                      <a:r>
+                        <a:rPr lang="en-US" altLang="ko-KR" sz="600" smtClean="0">
+                          <a:solidFill>
+                            <a:schemeClr val="tx1"/>
+                          </a:solidFill>
+                        </a:rPr>
+                        <a:t>3</a:t>
+                      </a:r>
+                      <a:endParaRPr lang="ko-KR" altLang="en-US" sz="600">
+                        <a:solidFill>
+                          <a:schemeClr val="tx1"/>
+                        </a:solidFill>
+                      </a:endParaRPr>
+                    </a:p>
+                  </a:txBody>
+                  <a:tcPr>
+                    <a:noFill/>
+                  </a:tcPr>
+                </a:tc>
+                <a:tc>
+                  <a:txBody>
+                    <a:bodyPr/>
+                    <a:lstStyle/>
+                    <a:p>
+                      <a:pPr latinLnBrk="1"/>
+                      <a:r>
+                        <a:rPr lang="en-US" altLang="ko-KR" sz="600" smtClean="0">
+                          <a:solidFill>
+                            <a:schemeClr val="tx1"/>
+                          </a:solidFill>
+                        </a:rPr>
+                        <a:t>A</a:t>
+                      </a:r>
+                      <a:endParaRPr lang="ko-KR" altLang="en-US" sz="600">
+                        <a:solidFill>
+                          <a:schemeClr val="tx1"/>
+                        </a:solidFill>
+                      </a:endParaRPr>
+                    </a:p>
+                  </a:txBody>
+                  <a:tcPr>
+                    <a:noFill/>
+                  </a:tcPr>
+                </a:tc>
+                <a:tc>
+                  <a:txBody>
+                    <a:bodyPr/>
+                    <a:lstStyle/>
+                    <a:p>
+                      <a:pPr latinLnBrk="1"/>
+                      <a:r>
+                        <a:rPr lang="en-US" altLang="ko-KR" sz="600" smtClean="0">
+                          <a:solidFill>
+                            <a:schemeClr val="tx1"/>
+                          </a:solidFill>
+                        </a:rPr>
+                        <a:t>B</a:t>
+                      </a:r>
+                      <a:endParaRPr lang="ko-KR" altLang="en-US" sz="600">
+                        <a:solidFill>
+                          <a:schemeClr val="tx1"/>
+                        </a:solidFill>
+                      </a:endParaRPr>
+                    </a:p>
+                  </a:txBody>
+                  <a:tcPr>
+                    <a:noFill/>
+                  </a:tcPr>
+                </a:tc>
+                <a:tc>
+                  <a:txBody>
+                    <a:bodyPr/>
+                    <a:lstStyle/>
+                    <a:p>
+                      <a:pPr latinLnBrk="1"/>
+                      <a:r>
+                        <a:rPr lang="en-US" altLang="ko-KR" sz="600" smtClean="0">
+                          <a:solidFill>
+                            <a:schemeClr val="tx1"/>
+                          </a:solidFill>
+                        </a:rPr>
+                        <a:t>C</a:t>
+                      </a:r>
+                      <a:endParaRPr lang="ko-KR" altLang="en-US" sz="600">
+                        <a:solidFill>
+                          <a:schemeClr val="tx1"/>
+                        </a:solidFill>
+                      </a:endParaRPr>
+                    </a:p>
+                  </a:txBody>
+                  <a:tcPr>
+                    <a:noFill/>
+                  </a:tcPr>
+                </a:tc>
+                <a:tc>
+                  <a:txBody>
+                    <a:bodyPr/>
+                    <a:lstStyle/>
+                    <a:p>
+                      <a:pPr latinLnBrk="1"/>
+                      <a:r>
+                        <a:rPr lang="en-US" altLang="ko-KR" sz="600" smtClean="0">
+                          <a:solidFill>
+                            <a:schemeClr val="tx1"/>
+                          </a:solidFill>
+                        </a:rPr>
+                        <a:t>D</a:t>
+                      </a:r>
+                      <a:endParaRPr lang="ko-KR" altLang="en-US" sz="600">
+                        <a:solidFill>
+                          <a:schemeClr val="tx1"/>
+                        </a:solidFill>
+                      </a:endParaRPr>
+                    </a:p>
+                  </a:txBody>
+                  <a:tcPr>
+                    <a:noFill/>
+                  </a:tcPr>
+                </a:tc>
+                <a:tc>
+                  <a:txBody>
+                    <a:bodyPr/>
+                    <a:lstStyle/>
+                    <a:p>
+                      <a:pPr latinLnBrk="1"/>
+                      <a:r>
+                        <a:rPr lang="en-US" altLang="ko-KR" sz="600" smtClean="0">
+                          <a:solidFill>
+                            <a:schemeClr val="tx1"/>
+                          </a:solidFill>
+                        </a:rPr>
+                        <a:t>E</a:t>
+                      </a:r>
+                      <a:endParaRPr lang="ko-KR" altLang="en-US" sz="600">
+                        <a:solidFill>
+                          <a:schemeClr val="tx1"/>
+                        </a:solidFill>
+                      </a:endParaRPr>
+                    </a:p>
+                  </a:txBody>
+                  <a:tcPr>
+                    <a:noFill/>
+                  </a:tcPr>
+                </a:tc>
+                <a:tc>
+                  <a:txBody>
+                    <a:bodyPr/>
+                    <a:lstStyle/>
+                    <a:p>
+                      <a:pPr latinLnBrk="1"/>
+                      <a:r>
+                        <a:rPr lang="en-US" altLang="ko-KR" sz="600" smtClean="0">
+                          <a:solidFill>
+                            <a:schemeClr val="tx1"/>
+                          </a:solidFill>
+                        </a:rPr>
+                        <a:t>F</a:t>
+                      </a:r>
+                      <a:endParaRPr lang="ko-KR" altLang="en-US" sz="600">
+                        <a:solidFill>
+                          <a:schemeClr val="tx1"/>
+                        </a:solidFill>
+                      </a:endParaRPr>
+                    </a:p>
+                  </a:txBody>
+                  <a:tcPr>
+                    <a:noFill/>
+                  </a:tcPr>
+                </a:tc>
+                <a:tc>
+                  <a:txBody>
+                    <a:bodyPr/>
+                    <a:lstStyle/>
+                    <a:p>
+                      <a:pPr latinLnBrk="1"/>
+                      <a:r>
+                        <a:rPr lang="en-US" altLang="ko-KR" sz="600" smtClean="0">
+                          <a:solidFill>
+                            <a:schemeClr val="tx1"/>
+                          </a:solidFill>
+                        </a:rPr>
+                        <a:t>G</a:t>
+                      </a:r>
+                      <a:endParaRPr lang="ko-KR" altLang="en-US" sz="600">
+                        <a:solidFill>
+                          <a:schemeClr val="tx1"/>
+                        </a:solidFill>
+                      </a:endParaRPr>
+                    </a:p>
+                  </a:txBody>
+                  <a:tcPr>
+                    <a:noFill/>
+                  </a:tcPr>
+                </a:tc>
+                <a:tc>
+                  <a:txBody>
+                    <a:bodyPr/>
+                    <a:lstStyle/>
+                    <a:p>
+                      <a:pPr latinLnBrk="1"/>
+                      <a:r>
+                        <a:rPr lang="en-US" altLang="ko-KR" sz="600" smtClean="0">
+                          <a:solidFill>
+                            <a:schemeClr val="tx1"/>
+                          </a:solidFill>
+                        </a:rPr>
+                        <a:t>H</a:t>
+                      </a:r>
+                      <a:endParaRPr lang="ko-KR" altLang="en-US" sz="600">
+                        <a:solidFill>
+                          <a:schemeClr val="tx1"/>
+                        </a:solidFill>
+                      </a:endParaRPr>
+                    </a:p>
+                  </a:txBody>
+                  <a:tcPr>
+                    <a:noFill/>
+                  </a:tcPr>
+                </a:tc>
+                <a:tc>
+                  <a:txBody>
+                    <a:bodyPr/>
+                    <a:lstStyle/>
+                    <a:p>
+                      <a:pPr latinLnBrk="1"/>
+                      <a:r>
+                        <a:rPr lang="en-US" altLang="ko-KR" sz="600" smtClean="0">
+                          <a:solidFill>
+                            <a:schemeClr val="tx1"/>
+                          </a:solidFill>
+                        </a:rPr>
+                        <a:t>I</a:t>
+                      </a:r>
+                      <a:endParaRPr lang="ko-KR" altLang="en-US" sz="600">
+                        <a:solidFill>
+                          <a:schemeClr val="tx1"/>
+                        </a:solidFill>
+                      </a:endParaRPr>
+                    </a:p>
+                  </a:txBody>
+                  <a:tcPr>
+                    <a:noFill/>
+                  </a:tcPr>
                 </a:tc>
                 <a:extLst>
                   <a:ext uri="{0D108BD9-81ED-4DB2-BD59-A6C34878D82A}">
-                    <a16:rowId xmlns:a16="http://schemas.microsoft.com/office/drawing/2014/main" val="2899770959"/>
+                    <a16:rowId xmlns:a16="http://schemas.microsoft.com/office/drawing/2014/main" val="2857282674"/>
                   </a:ext>
                 </a:extLst>
               </a:tr>
-              <a:tr h="370840">
-                <a:tc>
-                  <a:txBody>
-                    <a:bodyPr/>
-                    <a:lstStyle/>
-                    <a:p>
-                      <a:pPr latinLnBrk="1"/>
-                      <a:r>
-                        <a:rPr lang="en-US" altLang="ko-KR" sz="1600" smtClean="0"/>
-                        <a:t>3</a:t>
-                      </a:r>
-                      <a:endParaRPr lang="ko-KR" altLang="en-US" sz="1600"/>
-                    </a:p>
-                  </a:txBody>
-                  <a:tcPr/>
-                </a:tc>
-                <a:tc vMerge="1">
-                  <a:txBody>
-                    <a:bodyPr/>
-                    <a:lstStyle/>
-                    <a:p>
-                      <a:pPr latinLnBrk="1"/>
-                      <a:endParaRPr lang="ko-KR" altLang="en-US"/>
-                    </a:p>
-                  </a:txBody>
-                  <a:tcPr/>
-                </a:tc>
-                <a:tc>
-                  <a:txBody>
-                    <a:bodyPr/>
-                    <a:lstStyle/>
-                    <a:p>
-                      <a:pPr latinLnBrk="1"/>
-                      <a:r>
-                        <a:rPr lang="en-US" altLang="ko-KR" sz="1600" smtClean="0"/>
-                        <a:t>Kafka Connect OGG</a:t>
-                      </a:r>
-                      <a:endParaRPr lang="ko-KR" altLang="en-US" sz="1600"/>
-                    </a:p>
-                  </a:txBody>
-                  <a:tcPr/>
-                </a:tc>
-                <a:tc>
-                  <a:txBody>
-                    <a:bodyPr/>
-                    <a:lstStyle/>
-                    <a:p>
-                      <a:pPr algn="ctr" latinLnBrk="1"/>
-                      <a:r>
-                        <a:rPr lang="en-US" altLang="ko-KR" sz="1600" smtClean="0"/>
-                        <a:t>X</a:t>
-                      </a:r>
-                      <a:endParaRPr lang="ko-KR" altLang="en-US" sz="1600"/>
-                    </a:p>
-                  </a:txBody>
-                  <a:tcPr/>
-                </a:tc>
-                <a:tc>
-                  <a:txBody>
-                    <a:bodyPr/>
-                    <a:lstStyle/>
-                    <a:p>
-                      <a:pPr latinLnBrk="1"/>
-                      <a:r>
-                        <a:rPr lang="en-US" altLang="ko-KR" sz="1600" smtClean="0"/>
-                        <a:t>Json</a:t>
-                      </a:r>
-                      <a:r>
-                        <a:rPr lang="ko-KR" altLang="en-US" sz="1600" baseline="0" smtClean="0"/>
-                        <a:t> </a:t>
-                      </a:r>
-                      <a:r>
-                        <a:rPr lang="en-US" altLang="ko-KR" sz="1600" baseline="0" smtClean="0"/>
-                        <a:t>data </a:t>
-                      </a:r>
-                      <a:r>
-                        <a:rPr lang="ko-KR" altLang="en-US" sz="1600" baseline="0" smtClean="0"/>
-                        <a:t>형식을 </a:t>
-                      </a:r>
-                      <a:r>
-                        <a:rPr lang="en-US" altLang="ko-KR" sz="1600" baseline="0" smtClean="0"/>
-                        <a:t>OGG </a:t>
-                      </a:r>
-                      <a:r>
-                        <a:rPr lang="ko-KR" altLang="en-US" sz="1600" baseline="0" smtClean="0"/>
-                        <a:t>에서 사용할 수 있을까</a:t>
-                      </a:r>
-                      <a:r>
-                        <a:rPr lang="en-US" altLang="ko-KR" sz="1600" baseline="0" smtClean="0"/>
-                        <a:t>?</a:t>
-                      </a:r>
-                      <a:endParaRPr lang="ko-KR" altLang="en-US" sz="1600"/>
-                    </a:p>
-                  </a:txBody>
-                  <a:tcPr/>
+              <a:tr h="0">
+                <a:tc>
+                  <a:txBody>
+                    <a:bodyPr/>
+                    <a:lstStyle/>
+                    <a:p>
+                      <a:pPr latinLnBrk="1"/>
+                      <a:r>
+                        <a:rPr lang="en-US" altLang="ko-KR" sz="600" smtClean="0">
+                          <a:solidFill>
+                            <a:schemeClr val="tx1"/>
+                          </a:solidFill>
+                        </a:rPr>
+                        <a:t>4</a:t>
+                      </a:r>
+                      <a:endParaRPr lang="ko-KR" altLang="en-US" sz="600">
+                        <a:solidFill>
+                          <a:schemeClr val="tx1"/>
+                        </a:solidFill>
+                      </a:endParaRPr>
+                    </a:p>
+                  </a:txBody>
+                  <a:tcPr>
+                    <a:noFill/>
+                  </a:tcPr>
+                </a:tc>
+                <a:tc>
+                  <a:txBody>
+                    <a:bodyPr/>
+                    <a:lstStyle/>
+                    <a:p>
+                      <a:pPr latinLnBrk="1"/>
+                      <a:r>
+                        <a:rPr lang="en-US" altLang="ko-KR" sz="600" smtClean="0">
+                          <a:solidFill>
+                            <a:schemeClr val="tx1"/>
+                          </a:solidFill>
+                        </a:rPr>
+                        <a:t>A</a:t>
+                      </a:r>
+                      <a:endParaRPr lang="ko-KR" altLang="en-US" sz="600">
+                        <a:solidFill>
+                          <a:schemeClr val="tx1"/>
+                        </a:solidFill>
+                      </a:endParaRPr>
+                    </a:p>
+                  </a:txBody>
+                  <a:tcPr>
+                    <a:noFill/>
+                  </a:tcPr>
+                </a:tc>
+                <a:tc>
+                  <a:txBody>
+                    <a:bodyPr/>
+                    <a:lstStyle/>
+                    <a:p>
+                      <a:pPr latinLnBrk="1"/>
+                      <a:r>
+                        <a:rPr lang="en-US" altLang="ko-KR" sz="600" smtClean="0">
+                          <a:solidFill>
+                            <a:schemeClr val="tx1"/>
+                          </a:solidFill>
+                        </a:rPr>
+                        <a:t>B</a:t>
+                      </a:r>
+                      <a:endParaRPr lang="ko-KR" altLang="en-US" sz="600">
+                        <a:solidFill>
+                          <a:schemeClr val="tx1"/>
+                        </a:solidFill>
+                      </a:endParaRPr>
+                    </a:p>
+                  </a:txBody>
+                  <a:tcPr>
+                    <a:noFill/>
+                  </a:tcPr>
+                </a:tc>
+                <a:tc>
+                  <a:txBody>
+                    <a:bodyPr/>
+                    <a:lstStyle/>
+                    <a:p>
+                      <a:pPr latinLnBrk="1"/>
+                      <a:r>
+                        <a:rPr lang="en-US" altLang="ko-KR" sz="600" smtClean="0">
+                          <a:solidFill>
+                            <a:schemeClr val="tx1"/>
+                          </a:solidFill>
+                        </a:rPr>
+                        <a:t>C</a:t>
+                      </a:r>
+                      <a:endParaRPr lang="ko-KR" altLang="en-US" sz="600">
+                        <a:solidFill>
+                          <a:schemeClr val="tx1"/>
+                        </a:solidFill>
+                      </a:endParaRPr>
+                    </a:p>
+                  </a:txBody>
+                  <a:tcPr>
+                    <a:noFill/>
+                  </a:tcPr>
+                </a:tc>
+                <a:tc>
+                  <a:txBody>
+                    <a:bodyPr/>
+                    <a:lstStyle/>
+                    <a:p>
+                      <a:pPr latinLnBrk="1"/>
+                      <a:r>
+                        <a:rPr lang="en-US" altLang="ko-KR" sz="600" smtClean="0">
+                          <a:solidFill>
+                            <a:schemeClr val="tx1"/>
+                          </a:solidFill>
+                        </a:rPr>
+                        <a:t>D</a:t>
+                      </a:r>
+                      <a:endParaRPr lang="ko-KR" altLang="en-US" sz="600">
+                        <a:solidFill>
+                          <a:schemeClr val="tx1"/>
+                        </a:solidFill>
+                      </a:endParaRPr>
+                    </a:p>
+                  </a:txBody>
+                  <a:tcPr>
+                    <a:noFill/>
+                  </a:tcPr>
+                </a:tc>
+                <a:tc>
+                  <a:txBody>
+                    <a:bodyPr/>
+                    <a:lstStyle/>
+                    <a:p>
+                      <a:pPr latinLnBrk="1"/>
+                      <a:r>
+                        <a:rPr lang="en-US" altLang="ko-KR" sz="600" smtClean="0">
+                          <a:solidFill>
+                            <a:schemeClr val="tx1"/>
+                          </a:solidFill>
+                        </a:rPr>
+                        <a:t>E</a:t>
+                      </a:r>
+                      <a:endParaRPr lang="ko-KR" altLang="en-US" sz="600">
+                        <a:solidFill>
+                          <a:schemeClr val="tx1"/>
+                        </a:solidFill>
+                      </a:endParaRPr>
+                    </a:p>
+                  </a:txBody>
+                  <a:tcPr>
+                    <a:noFill/>
+                  </a:tcPr>
+                </a:tc>
+                <a:tc>
+                  <a:txBody>
+                    <a:bodyPr/>
+                    <a:lstStyle/>
+                    <a:p>
+                      <a:pPr latinLnBrk="1"/>
+                      <a:r>
+                        <a:rPr lang="en-US" altLang="ko-KR" sz="600" smtClean="0">
+                          <a:solidFill>
+                            <a:schemeClr val="tx1"/>
+                          </a:solidFill>
+                        </a:rPr>
+                        <a:t>F</a:t>
+                      </a:r>
+                      <a:endParaRPr lang="ko-KR" altLang="en-US" sz="600">
+                        <a:solidFill>
+                          <a:schemeClr val="tx1"/>
+                        </a:solidFill>
+                      </a:endParaRPr>
+                    </a:p>
+                  </a:txBody>
+                  <a:tcPr>
+                    <a:noFill/>
+                  </a:tcPr>
+                </a:tc>
+                <a:tc>
+                  <a:txBody>
+                    <a:bodyPr/>
+                    <a:lstStyle/>
+                    <a:p>
+                      <a:pPr latinLnBrk="1"/>
+                      <a:r>
+                        <a:rPr lang="en-US" altLang="ko-KR" sz="600" smtClean="0">
+                          <a:solidFill>
+                            <a:schemeClr val="tx1"/>
+                          </a:solidFill>
+                        </a:rPr>
+                        <a:t>G</a:t>
+                      </a:r>
+                      <a:endParaRPr lang="ko-KR" altLang="en-US" sz="600">
+                        <a:solidFill>
+                          <a:schemeClr val="tx1"/>
+                        </a:solidFill>
+                      </a:endParaRPr>
+                    </a:p>
+                  </a:txBody>
+                  <a:tcPr>
+                    <a:noFill/>
+                  </a:tcPr>
+                </a:tc>
+                <a:tc>
+                  <a:txBody>
+                    <a:bodyPr/>
+                    <a:lstStyle/>
+                    <a:p>
+                      <a:pPr latinLnBrk="1"/>
+                      <a:r>
+                        <a:rPr lang="en-US" altLang="ko-KR" sz="600" smtClean="0">
+                          <a:solidFill>
+                            <a:schemeClr val="tx1"/>
+                          </a:solidFill>
+                        </a:rPr>
+                        <a:t>H</a:t>
+                      </a:r>
+                      <a:endParaRPr lang="ko-KR" altLang="en-US" sz="600">
+                        <a:solidFill>
+                          <a:schemeClr val="tx1"/>
+                        </a:solidFill>
+                      </a:endParaRPr>
+                    </a:p>
+                  </a:txBody>
+                  <a:tcPr>
+                    <a:noFill/>
+                  </a:tcPr>
+                </a:tc>
+                <a:tc>
+                  <a:txBody>
+                    <a:bodyPr/>
+                    <a:lstStyle/>
+                    <a:p>
+                      <a:pPr latinLnBrk="1"/>
+                      <a:r>
+                        <a:rPr lang="en-US" altLang="ko-KR" sz="600" smtClean="0">
+                          <a:solidFill>
+                            <a:schemeClr val="tx1"/>
+                          </a:solidFill>
+                        </a:rPr>
+                        <a:t>I</a:t>
+                      </a:r>
+                      <a:endParaRPr lang="ko-KR" altLang="en-US" sz="600">
+                        <a:solidFill>
+                          <a:schemeClr val="tx1"/>
+                        </a:solidFill>
+                      </a:endParaRPr>
+                    </a:p>
+                  </a:txBody>
+                  <a:tcPr>
+                    <a:noFill/>
+                  </a:tcPr>
                 </a:tc>
                 <a:extLst>
                   <a:ext uri="{0D108BD9-81ED-4DB2-BD59-A6C34878D82A}">
-                    <a16:rowId xmlns:a16="http://schemas.microsoft.com/office/drawing/2014/main" val="2502572958"/>
+                    <a16:rowId xmlns:a16="http://schemas.microsoft.com/office/drawing/2014/main" val="4132135972"/>
                   </a:ext>
                 </a:extLst>
               </a:tr>
-              <a:tr h="370840">
-                <a:tc>
-                  <a:txBody>
-                    <a:bodyPr/>
-                    <a:lstStyle/>
-                    <a:p>
-                      <a:pPr latinLnBrk="1"/>
-                      <a:r>
-                        <a:rPr lang="en-US" altLang="ko-KR" sz="1600" smtClean="0"/>
-                        <a:t>4</a:t>
-                      </a:r>
-                      <a:endParaRPr lang="ko-KR" altLang="en-US" sz="1600"/>
-                    </a:p>
-                  </a:txBody>
-                  <a:tcPr/>
-                </a:tc>
-                <a:tc rowSpan="3">
-                  <a:txBody>
-                    <a:bodyPr/>
-                    <a:lstStyle/>
-                    <a:p>
-                      <a:pPr latinLnBrk="1"/>
-                      <a:r>
-                        <a:rPr lang="en-US" altLang="ko-KR" sz="1600" smtClean="0"/>
-                        <a:t>Kafka Connect JDBC</a:t>
-                      </a:r>
-                      <a:endParaRPr lang="ko-KR" altLang="en-US" sz="1600"/>
-                    </a:p>
-                  </a:txBody>
-                  <a:tcPr anchor="ctr"/>
-                </a:tc>
-                <a:tc>
-                  <a:txBody>
-                    <a:bodyPr/>
-                    <a:lstStyle/>
-                    <a:p>
-                      <a:pPr latinLnBrk="1"/>
-                      <a:r>
-                        <a:rPr lang="en-US" altLang="ko-KR" sz="1600" smtClean="0"/>
-                        <a:t>NiFi JDBC</a:t>
-                      </a:r>
-                      <a:endParaRPr lang="ko-KR" altLang="en-US" sz="1600"/>
-                    </a:p>
-                  </a:txBody>
-                  <a:tcPr/>
-                </a:tc>
-                <a:tc>
-                  <a:txBody>
-                    <a:bodyPr/>
-                    <a:lstStyle/>
-                    <a:p>
-                      <a:pPr algn="ctr" latinLnBrk="1"/>
-                      <a:r>
-                        <a:rPr lang="en-US" altLang="ko-KR" sz="1600" smtClean="0"/>
-                        <a:t>O</a:t>
-                      </a:r>
-                      <a:endParaRPr lang="ko-KR" altLang="en-US" sz="1600"/>
-                    </a:p>
-                  </a:txBody>
-                  <a:tcPr/>
-                </a:tc>
-                <a:tc>
-                  <a:txBody>
-                    <a:bodyPr/>
-                    <a:lstStyle/>
-                    <a:p>
-                      <a:pPr latinLnBrk="1"/>
-                      <a:r>
-                        <a:rPr lang="en-US" altLang="ko-KR" sz="1600" smtClean="0"/>
-                        <a:t>Data transform</a:t>
-                      </a:r>
-                      <a:r>
-                        <a:rPr lang="en-US" altLang="ko-KR" sz="1600" baseline="0" smtClean="0"/>
-                        <a:t> </a:t>
-                      </a:r>
-                      <a:r>
-                        <a:rPr lang="ko-KR" altLang="en-US" sz="1600" baseline="0" smtClean="0"/>
-                        <a:t>요건에 따라 필요</a:t>
-                      </a:r>
-                      <a:endParaRPr lang="ko-KR" altLang="en-US" sz="1600"/>
-                    </a:p>
-                  </a:txBody>
-                  <a:tcPr/>
+            </a:tbl>
+          </a:graphicData>
+        </a:graphic>
+      </p:graphicFrame>
+      <p:graphicFrame>
+        <p:nvGraphicFramePr>
+          <p:cNvPr id="142" name="표 141"/>
+          <p:cNvGraphicFramePr>
+            <a:graphicFrameLocks noGrp="1"/>
+          </p:cNvGraphicFramePr>
+          <p:nvPr>
+            <p:extLst>
+              <p:ext uri="{D42A27DB-BD31-4B8C-83A1-F6EECF244321}">
+                <p14:modId xmlns:p14="http://schemas.microsoft.com/office/powerpoint/2010/main" val="1160432997"/>
+              </p:ext>
+            </p:extLst>
+          </p:nvPr>
+        </p:nvGraphicFramePr>
+        <p:xfrm>
+          <a:off x="8660934" y="4075493"/>
+          <a:ext cx="1041400" cy="731520"/>
+        </p:xfrm>
+        <a:graphic>
+          <a:graphicData uri="http://schemas.openxmlformats.org/drawingml/2006/table">
+            <a:tbl>
+              <a:tblPr firstRow="1" bandRow="1">
+                <a:effectLst>
+                  <a:outerShdw blurRad="50800" dist="38100" dir="2700000" algn="tl" rotWithShape="0">
+                    <a:prstClr val="black">
+                      <a:alpha val="40000"/>
+                    </a:prstClr>
+                  </a:outerShdw>
+                </a:effectLst>
+                <a:tableStyleId>{073A0DAA-6AF3-43AB-8588-CEC1D06C72B9}</a:tableStyleId>
+              </a:tblPr>
+              <a:tblGrid>
+                <a:gridCol w="208280">
+                  <a:extLst>
+                    <a:ext uri="{9D8B030D-6E8A-4147-A177-3AD203B41FA5}">
+                      <a16:colId xmlns:a16="http://schemas.microsoft.com/office/drawing/2014/main" val="3628683353"/>
+                    </a:ext>
+                  </a:extLst>
+                </a:gridCol>
+                <a:gridCol w="208280">
+                  <a:extLst>
+                    <a:ext uri="{9D8B030D-6E8A-4147-A177-3AD203B41FA5}">
+                      <a16:colId xmlns:a16="http://schemas.microsoft.com/office/drawing/2014/main" val="4136026367"/>
+                    </a:ext>
+                  </a:extLst>
+                </a:gridCol>
+                <a:gridCol w="208280">
+                  <a:extLst>
+                    <a:ext uri="{9D8B030D-6E8A-4147-A177-3AD203B41FA5}">
+                      <a16:colId xmlns:a16="http://schemas.microsoft.com/office/drawing/2014/main" val="3891434260"/>
+                    </a:ext>
+                  </a:extLst>
+                </a:gridCol>
+                <a:gridCol w="208280">
+                  <a:extLst>
+                    <a:ext uri="{9D8B030D-6E8A-4147-A177-3AD203B41FA5}">
+                      <a16:colId xmlns:a16="http://schemas.microsoft.com/office/drawing/2014/main" val="824987594"/>
+                    </a:ext>
+                  </a:extLst>
+                </a:gridCol>
+                <a:gridCol w="208280">
+                  <a:extLst>
+                    <a:ext uri="{9D8B030D-6E8A-4147-A177-3AD203B41FA5}">
+                      <a16:colId xmlns:a16="http://schemas.microsoft.com/office/drawing/2014/main" val="3748775663"/>
+                    </a:ext>
+                  </a:extLst>
+                </a:gridCol>
+              </a:tblGrid>
+              <a:tr h="0">
+                <a:tc>
+                  <a:txBody>
+                    <a:bodyPr/>
+                    <a:lstStyle/>
+                    <a:p>
+                      <a:pPr latinLnBrk="1"/>
+                      <a:r>
+                        <a:rPr lang="en-US" altLang="ko-KR" sz="600" smtClean="0">
+                          <a:solidFill>
+                            <a:schemeClr val="tx1"/>
+                          </a:solidFill>
+                        </a:rPr>
+                        <a:t>1</a:t>
+                      </a:r>
+                      <a:endParaRPr lang="ko-KR" altLang="en-US" sz="600">
+                        <a:solidFill>
+                          <a:schemeClr val="tx1"/>
+                        </a:solidFill>
+                      </a:endParaRPr>
+                    </a:p>
+                  </a:txBody>
+                  <a:tcPr>
+                    <a:noFill/>
+                  </a:tcPr>
+                </a:tc>
+                <a:tc>
+                  <a:txBody>
+                    <a:bodyPr/>
+                    <a:lstStyle/>
+                    <a:p>
+                      <a:pPr latinLnBrk="1"/>
+                      <a:r>
+                        <a:rPr lang="en-US" altLang="ko-KR" sz="600" smtClean="0">
+                          <a:solidFill>
+                            <a:schemeClr val="tx1"/>
+                          </a:solidFill>
+                        </a:rPr>
+                        <a:t>A</a:t>
+                      </a:r>
+                      <a:endParaRPr lang="ko-KR" altLang="en-US" sz="600">
+                        <a:solidFill>
+                          <a:schemeClr val="tx1"/>
+                        </a:solidFill>
+                      </a:endParaRPr>
+                    </a:p>
+                  </a:txBody>
+                  <a:tcPr>
+                    <a:noFill/>
+                  </a:tcPr>
+                </a:tc>
+                <a:tc>
+                  <a:txBody>
+                    <a:bodyPr/>
+                    <a:lstStyle/>
+                    <a:p>
+                      <a:pPr latinLnBrk="1"/>
+                      <a:r>
+                        <a:rPr lang="en-US" altLang="ko-KR" sz="600" smtClean="0">
+                          <a:solidFill>
+                            <a:schemeClr val="tx1"/>
+                          </a:solidFill>
+                        </a:rPr>
+                        <a:t>B</a:t>
+                      </a:r>
+                      <a:endParaRPr lang="ko-KR" altLang="en-US" sz="600">
+                        <a:solidFill>
+                          <a:schemeClr val="tx1"/>
+                        </a:solidFill>
+                      </a:endParaRPr>
+                    </a:p>
+                  </a:txBody>
+                  <a:tcPr>
+                    <a:noFill/>
+                  </a:tcPr>
+                </a:tc>
+                <a:tc>
+                  <a:txBody>
+                    <a:bodyPr/>
+                    <a:lstStyle/>
+                    <a:p>
+                      <a:pPr latinLnBrk="1"/>
+                      <a:r>
+                        <a:rPr lang="en-US" altLang="ko-KR" sz="600" smtClean="0">
+                          <a:solidFill>
+                            <a:schemeClr val="tx1"/>
+                          </a:solidFill>
+                        </a:rPr>
+                        <a:t>C</a:t>
+                      </a:r>
+                      <a:endParaRPr lang="ko-KR" altLang="en-US" sz="600">
+                        <a:solidFill>
+                          <a:schemeClr val="tx1"/>
+                        </a:solidFill>
+                      </a:endParaRPr>
+                    </a:p>
+                  </a:txBody>
+                  <a:tcPr>
+                    <a:noFill/>
+                  </a:tcPr>
+                </a:tc>
+                <a:tc>
+                  <a:txBody>
+                    <a:bodyPr/>
+                    <a:lstStyle/>
+                    <a:p>
+                      <a:pPr latinLnBrk="1"/>
+                      <a:r>
+                        <a:rPr lang="en-US" altLang="ko-KR" sz="600" smtClean="0">
+                          <a:solidFill>
+                            <a:schemeClr val="tx1"/>
+                          </a:solidFill>
+                        </a:rPr>
+                        <a:t>D</a:t>
+                      </a:r>
+                      <a:endParaRPr lang="ko-KR" altLang="en-US" sz="600">
+                        <a:solidFill>
+                          <a:schemeClr val="tx1"/>
+                        </a:solidFill>
+                      </a:endParaRPr>
+                    </a:p>
+                  </a:txBody>
+                  <a:tcPr>
+                    <a:noFill/>
+                  </a:tcPr>
                 </a:tc>
                 <a:extLst>
                   <a:ext uri="{0D108BD9-81ED-4DB2-BD59-A6C34878D82A}">
-                    <a16:rowId xmlns:a16="http://schemas.microsoft.com/office/drawing/2014/main" val="3616220543"/>
+                    <a16:rowId xmlns:a16="http://schemas.microsoft.com/office/drawing/2014/main" val="41161225"/>
                   </a:ext>
                 </a:extLst>
               </a:tr>
-              <a:tr h="370840">
-                <a:tc>
-                  <a:txBody>
-                    <a:bodyPr/>
-                    <a:lstStyle/>
-                    <a:p>
-                      <a:pPr latinLnBrk="1"/>
-                      <a:r>
-                        <a:rPr lang="en-US" altLang="ko-KR" sz="1600" smtClean="0"/>
-                        <a:t>5</a:t>
-                      </a:r>
-                      <a:endParaRPr lang="ko-KR" altLang="en-US" sz="1600"/>
-                    </a:p>
-                  </a:txBody>
-                  <a:tcPr/>
-                </a:tc>
-                <a:tc vMerge="1">
-                  <a:txBody>
-                    <a:bodyPr/>
-                    <a:lstStyle/>
-                    <a:p>
-                      <a:pPr latinLnBrk="1"/>
-                      <a:endParaRPr lang="ko-KR" altLang="en-US"/>
-                    </a:p>
-                  </a:txBody>
-                  <a:tcPr/>
-                </a:tc>
-                <a:tc>
-                  <a:txBody>
-                    <a:bodyPr/>
-                    <a:lstStyle/>
-                    <a:p>
-                      <a:pPr latinLnBrk="1"/>
-                      <a:r>
-                        <a:rPr lang="en-US" altLang="ko-KR" sz="1600" smtClean="0"/>
-                        <a:t>Kafka Connect JDBC</a:t>
-                      </a:r>
-                      <a:endParaRPr lang="ko-KR" altLang="en-US" sz="1600"/>
-                    </a:p>
-                  </a:txBody>
-                  <a:tcPr/>
-                </a:tc>
-                <a:tc>
-                  <a:txBody>
-                    <a:bodyPr/>
-                    <a:lstStyle/>
-                    <a:p>
-                      <a:pPr algn="ctr" latinLnBrk="1"/>
-                      <a:r>
-                        <a:rPr lang="en-US" altLang="ko-KR" sz="1600" smtClean="0"/>
-                        <a:t>O</a:t>
-                      </a:r>
-                      <a:endParaRPr lang="ko-KR" altLang="en-US" sz="1600"/>
-                    </a:p>
-                  </a:txBody>
-                  <a:tcPr/>
-                </a:tc>
-                <a:tc>
-                  <a:txBody>
-                    <a:bodyPr/>
-                    <a:lstStyle/>
-                    <a:p>
-                      <a:pPr latinLnBrk="1"/>
-                      <a:endParaRPr lang="ko-KR" altLang="en-US" sz="1600"/>
-                    </a:p>
-                  </a:txBody>
-                  <a:tcPr/>
+              <a:tr h="0">
+                <a:tc>
+                  <a:txBody>
+                    <a:bodyPr/>
+                    <a:lstStyle/>
+                    <a:p>
+                      <a:pPr latinLnBrk="1"/>
+                      <a:r>
+                        <a:rPr lang="en-US" altLang="ko-KR" sz="600" smtClean="0">
+                          <a:solidFill>
+                            <a:schemeClr val="tx1"/>
+                          </a:solidFill>
+                        </a:rPr>
+                        <a:t>2</a:t>
+                      </a:r>
+                      <a:endParaRPr lang="ko-KR" altLang="en-US" sz="600">
+                        <a:solidFill>
+                          <a:schemeClr val="tx1"/>
+                        </a:solidFill>
+                      </a:endParaRPr>
+                    </a:p>
+                  </a:txBody>
+                  <a:tcPr>
+                    <a:noFill/>
+                  </a:tcPr>
+                </a:tc>
+                <a:tc>
+                  <a:txBody>
+                    <a:bodyPr/>
+                    <a:lstStyle/>
+                    <a:p>
+                      <a:pPr latinLnBrk="1"/>
+                      <a:r>
+                        <a:rPr lang="en-US" altLang="ko-KR" sz="600" smtClean="0">
+                          <a:solidFill>
+                            <a:schemeClr val="tx1"/>
+                          </a:solidFill>
+                        </a:rPr>
+                        <a:t>A</a:t>
+                      </a:r>
+                      <a:endParaRPr lang="ko-KR" altLang="en-US" sz="600">
+                        <a:solidFill>
+                          <a:schemeClr val="tx1"/>
+                        </a:solidFill>
+                      </a:endParaRPr>
+                    </a:p>
+                  </a:txBody>
+                  <a:tcPr>
+                    <a:noFill/>
+                  </a:tcPr>
+                </a:tc>
+                <a:tc>
+                  <a:txBody>
+                    <a:bodyPr/>
+                    <a:lstStyle/>
+                    <a:p>
+                      <a:pPr latinLnBrk="1"/>
+                      <a:r>
+                        <a:rPr lang="en-US" altLang="ko-KR" sz="600" smtClean="0">
+                          <a:solidFill>
+                            <a:schemeClr val="tx1"/>
+                          </a:solidFill>
+                        </a:rPr>
+                        <a:t>B</a:t>
+                      </a:r>
+                      <a:endParaRPr lang="ko-KR" altLang="en-US" sz="600">
+                        <a:solidFill>
+                          <a:schemeClr val="tx1"/>
+                        </a:solidFill>
+                      </a:endParaRPr>
+                    </a:p>
+                  </a:txBody>
+                  <a:tcPr>
+                    <a:noFill/>
+                  </a:tcPr>
+                </a:tc>
+                <a:tc>
+                  <a:txBody>
+                    <a:bodyPr/>
+                    <a:lstStyle/>
+                    <a:p>
+                      <a:pPr latinLnBrk="1"/>
+                      <a:r>
+                        <a:rPr lang="en-US" altLang="ko-KR" sz="600" smtClean="0">
+                          <a:solidFill>
+                            <a:schemeClr val="tx1"/>
+                          </a:solidFill>
+                        </a:rPr>
+                        <a:t>C</a:t>
+                      </a:r>
+                      <a:endParaRPr lang="ko-KR" altLang="en-US" sz="600">
+                        <a:solidFill>
+                          <a:schemeClr val="tx1"/>
+                        </a:solidFill>
+                      </a:endParaRPr>
+                    </a:p>
+                  </a:txBody>
+                  <a:tcPr>
+                    <a:noFill/>
+                  </a:tcPr>
+                </a:tc>
+                <a:tc>
+                  <a:txBody>
+                    <a:bodyPr/>
+                    <a:lstStyle/>
+                    <a:p>
+                      <a:pPr latinLnBrk="1"/>
+                      <a:r>
+                        <a:rPr lang="en-US" altLang="ko-KR" sz="600" smtClean="0">
+                          <a:solidFill>
+                            <a:schemeClr val="tx1"/>
+                          </a:solidFill>
+                        </a:rPr>
+                        <a:t>D</a:t>
+                      </a:r>
+                      <a:endParaRPr lang="ko-KR" altLang="en-US" sz="600">
+                        <a:solidFill>
+                          <a:schemeClr val="tx1"/>
+                        </a:solidFill>
+                      </a:endParaRPr>
+                    </a:p>
+                  </a:txBody>
+                  <a:tcPr>
+                    <a:noFill/>
+                  </a:tcPr>
                 </a:tc>
                 <a:extLst>
                   <a:ext uri="{0D108BD9-81ED-4DB2-BD59-A6C34878D82A}">
-                    <a16:rowId xmlns:a16="http://schemas.microsoft.com/office/drawing/2014/main" val="2223729978"/>
+                    <a16:rowId xmlns:a16="http://schemas.microsoft.com/office/drawing/2014/main" val="631812962"/>
                   </a:ext>
                 </a:extLst>
               </a:tr>
-              <a:tr h="370840">
-                <a:tc>
-                  <a:txBody>
-                    <a:bodyPr/>
-                    <a:lstStyle/>
-                    <a:p>
-                      <a:pPr latinLnBrk="1"/>
-                      <a:r>
-                        <a:rPr lang="en-US" altLang="ko-KR" sz="1600" smtClean="0"/>
-                        <a:t>6</a:t>
-                      </a:r>
-                      <a:endParaRPr lang="ko-KR" altLang="en-US" sz="1600"/>
-                    </a:p>
-                  </a:txBody>
-                  <a:tcPr/>
-                </a:tc>
-                <a:tc vMerge="1">
-                  <a:txBody>
-                    <a:bodyPr/>
-                    <a:lstStyle/>
-                    <a:p>
-                      <a:pPr latinLnBrk="1"/>
-                      <a:endParaRPr lang="ko-KR" altLang="en-US"/>
-                    </a:p>
-                  </a:txBody>
-                  <a:tcPr/>
-                </a:tc>
-                <a:tc>
-                  <a:txBody>
-                    <a:bodyPr/>
-                    <a:lstStyle/>
-                    <a:p>
-                      <a:pPr latinLnBrk="1"/>
-                      <a:r>
-                        <a:rPr lang="en-US" altLang="ko-KR" sz="1600" smtClean="0"/>
-                        <a:t>Kafka Connect OGG</a:t>
-                      </a:r>
-                      <a:endParaRPr lang="ko-KR" altLang="en-US" sz="1600"/>
-                    </a:p>
-                  </a:txBody>
-                  <a:tcPr/>
-                </a:tc>
-                <a:tc>
-                  <a:txBody>
-                    <a:bodyPr/>
-                    <a:lstStyle/>
-                    <a:p>
-                      <a:pPr algn="ctr" latinLnBrk="1"/>
-                      <a:r>
-                        <a:rPr lang="en-US" altLang="ko-KR" sz="1600" smtClean="0"/>
-                        <a:t>X</a:t>
-                      </a:r>
-                      <a:endParaRPr lang="ko-KR" altLang="en-US" sz="1600"/>
-                    </a:p>
-                  </a:txBody>
-                  <a:tcPr/>
-                </a:tc>
-                <a:tc>
-                  <a:txBody>
-                    <a:bodyPr/>
-                    <a:lstStyle/>
-                    <a:p>
-                      <a:pPr latinLnBrk="1"/>
-                      <a:r>
-                        <a:rPr lang="en-US" altLang="ko-KR" sz="1600" smtClean="0"/>
-                        <a:t>Json</a:t>
-                      </a:r>
-                      <a:r>
-                        <a:rPr lang="ko-KR" altLang="en-US" sz="1600" baseline="0" smtClean="0"/>
-                        <a:t> </a:t>
-                      </a:r>
-                      <a:r>
-                        <a:rPr lang="en-US" altLang="ko-KR" sz="1600" baseline="0" smtClean="0"/>
-                        <a:t>data </a:t>
-                      </a:r>
-                      <a:r>
-                        <a:rPr lang="ko-KR" altLang="en-US" sz="1600" baseline="0" smtClean="0"/>
-                        <a:t>형식을 </a:t>
-                      </a:r>
-                      <a:r>
-                        <a:rPr lang="en-US" altLang="ko-KR" sz="1600" baseline="0" smtClean="0"/>
-                        <a:t>OGG </a:t>
-                      </a:r>
-                      <a:r>
-                        <a:rPr lang="ko-KR" altLang="en-US" sz="1600" baseline="0" smtClean="0"/>
-                        <a:t>에서 사용할 수 있을까</a:t>
-                      </a:r>
-                      <a:r>
-                        <a:rPr lang="en-US" altLang="ko-KR" sz="1600" baseline="0" smtClean="0"/>
-                        <a:t>?</a:t>
-                      </a:r>
-                      <a:endParaRPr lang="ko-KR" altLang="en-US" sz="1600"/>
-                    </a:p>
-                  </a:txBody>
-                  <a:tcPr/>
+              <a:tr h="0">
+                <a:tc>
+                  <a:txBody>
+                    <a:bodyPr/>
+                    <a:lstStyle/>
+                    <a:p>
+                      <a:pPr latinLnBrk="1"/>
+                      <a:r>
+                        <a:rPr lang="en-US" altLang="ko-KR" sz="600" smtClean="0">
+                          <a:solidFill>
+                            <a:schemeClr val="tx1"/>
+                          </a:solidFill>
+                        </a:rPr>
+                        <a:t>3</a:t>
+                      </a:r>
+                      <a:endParaRPr lang="ko-KR" altLang="en-US" sz="600">
+                        <a:solidFill>
+                          <a:schemeClr val="tx1"/>
+                        </a:solidFill>
+                      </a:endParaRPr>
+                    </a:p>
+                  </a:txBody>
+                  <a:tcPr>
+                    <a:noFill/>
+                  </a:tcPr>
+                </a:tc>
+                <a:tc>
+                  <a:txBody>
+                    <a:bodyPr/>
+                    <a:lstStyle/>
+                    <a:p>
+                      <a:pPr latinLnBrk="1"/>
+                      <a:r>
+                        <a:rPr lang="en-US" altLang="ko-KR" sz="600" smtClean="0">
+                          <a:solidFill>
+                            <a:schemeClr val="tx1"/>
+                          </a:solidFill>
+                        </a:rPr>
+                        <a:t>A</a:t>
+                      </a:r>
+                      <a:endParaRPr lang="ko-KR" altLang="en-US" sz="600">
+                        <a:solidFill>
+                          <a:schemeClr val="tx1"/>
+                        </a:solidFill>
+                      </a:endParaRPr>
+                    </a:p>
+                  </a:txBody>
+                  <a:tcPr>
+                    <a:noFill/>
+                  </a:tcPr>
+                </a:tc>
+                <a:tc>
+                  <a:txBody>
+                    <a:bodyPr/>
+                    <a:lstStyle/>
+                    <a:p>
+                      <a:pPr latinLnBrk="1"/>
+                      <a:r>
+                        <a:rPr lang="en-US" altLang="ko-KR" sz="600" smtClean="0">
+                          <a:solidFill>
+                            <a:schemeClr val="tx1"/>
+                          </a:solidFill>
+                        </a:rPr>
+                        <a:t>B</a:t>
+                      </a:r>
+                      <a:endParaRPr lang="ko-KR" altLang="en-US" sz="600">
+                        <a:solidFill>
+                          <a:schemeClr val="tx1"/>
+                        </a:solidFill>
+                      </a:endParaRPr>
+                    </a:p>
+                  </a:txBody>
+                  <a:tcPr>
+                    <a:noFill/>
+                  </a:tcPr>
+                </a:tc>
+                <a:tc>
+                  <a:txBody>
+                    <a:bodyPr/>
+                    <a:lstStyle/>
+                    <a:p>
+                      <a:pPr latinLnBrk="1"/>
+                      <a:r>
+                        <a:rPr lang="en-US" altLang="ko-KR" sz="600" smtClean="0">
+                          <a:solidFill>
+                            <a:schemeClr val="tx1"/>
+                          </a:solidFill>
+                        </a:rPr>
+                        <a:t>C</a:t>
+                      </a:r>
+                      <a:endParaRPr lang="ko-KR" altLang="en-US" sz="600">
+                        <a:solidFill>
+                          <a:schemeClr val="tx1"/>
+                        </a:solidFill>
+                      </a:endParaRPr>
+                    </a:p>
+                  </a:txBody>
+                  <a:tcPr>
+                    <a:noFill/>
+                  </a:tcPr>
+                </a:tc>
+                <a:tc>
+                  <a:txBody>
+                    <a:bodyPr/>
+                    <a:lstStyle/>
+                    <a:p>
+                      <a:pPr latinLnBrk="1"/>
+                      <a:r>
+                        <a:rPr lang="en-US" altLang="ko-KR" sz="600" smtClean="0">
+                          <a:solidFill>
+                            <a:schemeClr val="tx1"/>
+                          </a:solidFill>
+                        </a:rPr>
+                        <a:t>D</a:t>
+                      </a:r>
+                      <a:endParaRPr lang="ko-KR" altLang="en-US" sz="600">
+                        <a:solidFill>
+                          <a:schemeClr val="tx1"/>
+                        </a:solidFill>
+                      </a:endParaRPr>
+                    </a:p>
+                  </a:txBody>
+                  <a:tcPr>
+                    <a:noFill/>
+                  </a:tcPr>
                 </a:tc>
                 <a:extLst>
                   <a:ext uri="{0D108BD9-81ED-4DB2-BD59-A6C34878D82A}">
-                    <a16:rowId xmlns:a16="http://schemas.microsoft.com/office/drawing/2014/main" val="1194807113"/>
+                    <a16:rowId xmlns:a16="http://schemas.microsoft.com/office/drawing/2014/main" val="2857282674"/>
                   </a:ext>
                 </a:extLst>
               </a:tr>
-              <a:tr h="370840">
-                <a:tc>
-                  <a:txBody>
-                    <a:bodyPr/>
-                    <a:lstStyle/>
-                    <a:p>
-                      <a:pPr latinLnBrk="1"/>
-                      <a:r>
-                        <a:rPr lang="en-US" altLang="ko-KR" sz="1600" smtClean="0"/>
-                        <a:t>7</a:t>
-                      </a:r>
-                      <a:endParaRPr lang="ko-KR" altLang="en-US" sz="1600"/>
-                    </a:p>
-                  </a:txBody>
-                  <a:tcPr/>
-                </a:tc>
-                <a:tc rowSpan="3">
-                  <a:txBody>
-                    <a:bodyPr/>
-                    <a:lstStyle/>
-                    <a:p>
-                      <a:pPr latinLnBrk="1"/>
-                      <a:r>
-                        <a:rPr lang="en-US" altLang="ko-KR" sz="1600" smtClean="0"/>
-                        <a:t>Kafka Connect OGG</a:t>
-                      </a:r>
-                      <a:endParaRPr lang="ko-KR" altLang="en-US" sz="1600"/>
-                    </a:p>
-                  </a:txBody>
-                  <a:tcPr anchor="ctr"/>
-                </a:tc>
-                <a:tc>
-                  <a:txBody>
-                    <a:bodyPr/>
-                    <a:lstStyle/>
-                    <a:p>
-                      <a:pPr latinLnBrk="1"/>
-                      <a:r>
-                        <a:rPr lang="en-US" altLang="ko-KR" sz="1600" smtClean="0"/>
-                        <a:t>NiFi JDBC</a:t>
-                      </a:r>
-                      <a:endParaRPr lang="ko-KR" altLang="en-US" sz="1600"/>
-                    </a:p>
-                  </a:txBody>
-                  <a:tcPr/>
-                </a:tc>
-                <a:tc>
-                  <a:txBody>
-                    <a:bodyPr/>
-                    <a:lstStyle/>
-                    <a:p>
-                      <a:pPr algn="ctr" latinLnBrk="1"/>
-                      <a:r>
-                        <a:rPr lang="en-US" altLang="ko-KR" sz="1600" smtClean="0"/>
-                        <a:t>??</a:t>
-                      </a:r>
-                      <a:endParaRPr lang="ko-KR" altLang="en-US" sz="1600"/>
-                    </a:p>
-                  </a:txBody>
-                  <a:tcPr/>
-                </a:tc>
-                <a:tc>
-                  <a:txBody>
-                    <a:bodyPr/>
-                    <a:lstStyle/>
-                    <a:p>
-                      <a:pPr latinLnBrk="1"/>
-                      <a:r>
-                        <a:rPr lang="en-US" altLang="ko-KR" sz="1600" smtClean="0"/>
-                        <a:t>OGG</a:t>
-                      </a:r>
-                      <a:r>
-                        <a:rPr lang="en-US" altLang="ko-KR" sz="1600" baseline="0" smtClean="0"/>
-                        <a:t> data </a:t>
-                      </a:r>
-                      <a:r>
-                        <a:rPr lang="ko-KR" altLang="en-US" sz="1600" baseline="0" smtClean="0"/>
-                        <a:t>형식을 </a:t>
-                      </a:r>
-                      <a:r>
-                        <a:rPr lang="en-US" altLang="ko-KR" sz="1600" baseline="0" smtClean="0"/>
-                        <a:t>jdbc </a:t>
-                      </a:r>
-                      <a:r>
-                        <a:rPr lang="ko-KR" altLang="en-US" sz="1600" baseline="0" smtClean="0"/>
-                        <a:t>에서 사용할 수 있을까</a:t>
-                      </a:r>
-                      <a:r>
-                        <a:rPr lang="en-US" altLang="ko-KR" sz="1600" baseline="0" smtClean="0"/>
-                        <a:t>?</a:t>
-                      </a:r>
-                      <a:endParaRPr lang="ko-KR" altLang="en-US" sz="1600"/>
-                    </a:p>
-                  </a:txBody>
-                  <a:tcPr/>
+              <a:tr h="0">
+                <a:tc>
+                  <a:txBody>
+                    <a:bodyPr/>
+                    <a:lstStyle/>
+                    <a:p>
+                      <a:pPr latinLnBrk="1"/>
+                      <a:r>
+                        <a:rPr lang="en-US" altLang="ko-KR" sz="600" smtClean="0">
+                          <a:solidFill>
+                            <a:schemeClr val="tx1"/>
+                          </a:solidFill>
+                        </a:rPr>
+                        <a:t>4</a:t>
+                      </a:r>
+                      <a:endParaRPr lang="ko-KR" altLang="en-US" sz="600">
+                        <a:solidFill>
+                          <a:schemeClr val="tx1"/>
+                        </a:solidFill>
+                      </a:endParaRPr>
+                    </a:p>
+                  </a:txBody>
+                  <a:tcPr>
+                    <a:noFill/>
+                  </a:tcPr>
+                </a:tc>
+                <a:tc>
+                  <a:txBody>
+                    <a:bodyPr/>
+                    <a:lstStyle/>
+                    <a:p>
+                      <a:pPr latinLnBrk="1"/>
+                      <a:r>
+                        <a:rPr lang="en-US" altLang="ko-KR" sz="600" smtClean="0">
+                          <a:solidFill>
+                            <a:schemeClr val="tx1"/>
+                          </a:solidFill>
+                        </a:rPr>
+                        <a:t>A</a:t>
+                      </a:r>
+                      <a:endParaRPr lang="ko-KR" altLang="en-US" sz="600">
+                        <a:solidFill>
+                          <a:schemeClr val="tx1"/>
+                        </a:solidFill>
+                      </a:endParaRPr>
+                    </a:p>
+                  </a:txBody>
+                  <a:tcPr>
+                    <a:noFill/>
+                  </a:tcPr>
+                </a:tc>
+                <a:tc>
+                  <a:txBody>
+                    <a:bodyPr/>
+                    <a:lstStyle/>
+                    <a:p>
+                      <a:pPr latinLnBrk="1"/>
+                      <a:r>
+                        <a:rPr lang="en-US" altLang="ko-KR" sz="600" smtClean="0">
+                          <a:solidFill>
+                            <a:schemeClr val="tx1"/>
+                          </a:solidFill>
+                        </a:rPr>
+                        <a:t>B</a:t>
+                      </a:r>
+                      <a:endParaRPr lang="ko-KR" altLang="en-US" sz="600">
+                        <a:solidFill>
+                          <a:schemeClr val="tx1"/>
+                        </a:solidFill>
+                      </a:endParaRPr>
+                    </a:p>
+                  </a:txBody>
+                  <a:tcPr>
+                    <a:noFill/>
+                  </a:tcPr>
+                </a:tc>
+                <a:tc>
+                  <a:txBody>
+                    <a:bodyPr/>
+                    <a:lstStyle/>
+                    <a:p>
+                      <a:pPr latinLnBrk="1"/>
+                      <a:r>
+                        <a:rPr lang="en-US" altLang="ko-KR" sz="600" smtClean="0">
+                          <a:solidFill>
+                            <a:schemeClr val="tx1"/>
+                          </a:solidFill>
+                        </a:rPr>
+                        <a:t>C</a:t>
+                      </a:r>
+                      <a:endParaRPr lang="ko-KR" altLang="en-US" sz="600">
+                        <a:solidFill>
+                          <a:schemeClr val="tx1"/>
+                        </a:solidFill>
+                      </a:endParaRPr>
+                    </a:p>
+                  </a:txBody>
+                  <a:tcPr>
+                    <a:noFill/>
+                  </a:tcPr>
+                </a:tc>
+                <a:tc>
+                  <a:txBody>
+                    <a:bodyPr/>
+                    <a:lstStyle/>
+                    <a:p>
+                      <a:pPr latinLnBrk="1"/>
+                      <a:r>
+                        <a:rPr lang="en-US" altLang="ko-KR" sz="600" smtClean="0">
+                          <a:solidFill>
+                            <a:schemeClr val="tx1"/>
+                          </a:solidFill>
+                        </a:rPr>
+                        <a:t>D</a:t>
+                      </a:r>
+                      <a:endParaRPr lang="ko-KR" altLang="en-US" sz="600">
+                        <a:solidFill>
+                          <a:schemeClr val="tx1"/>
+                        </a:solidFill>
+                      </a:endParaRPr>
+                    </a:p>
+                  </a:txBody>
+                  <a:tcPr>
+                    <a:noFill/>
+                  </a:tcPr>
                 </a:tc>
                 <a:extLst>
                   <a:ext uri="{0D108BD9-81ED-4DB2-BD59-A6C34878D82A}">
-                    <a16:rowId xmlns:a16="http://schemas.microsoft.com/office/drawing/2014/main" val="3244959890"/>
+                    <a16:rowId xmlns:a16="http://schemas.microsoft.com/office/drawing/2014/main" val="4132135972"/>
                   </a:ext>
                 </a:extLst>
               </a:tr>
-              <a:tr h="370840">
-                <a:tc>
-                  <a:txBody>
-                    <a:bodyPr/>
-                    <a:lstStyle/>
-                    <a:p>
-                      <a:pPr latinLnBrk="1"/>
-                      <a:r>
-                        <a:rPr lang="en-US" altLang="ko-KR" sz="1600" smtClean="0"/>
-                        <a:t>8</a:t>
-                      </a:r>
-                      <a:endParaRPr lang="ko-KR" altLang="en-US" sz="1600"/>
-                    </a:p>
-                  </a:txBody>
-                  <a:tcPr/>
-                </a:tc>
-                <a:tc vMerge="1">
-                  <a:txBody>
-                    <a:bodyPr/>
-                    <a:lstStyle/>
-                    <a:p>
-                      <a:pPr latinLnBrk="1"/>
-                      <a:endParaRPr lang="ko-KR" altLang="en-US"/>
-                    </a:p>
-                  </a:txBody>
-                  <a:tcPr/>
-                </a:tc>
-                <a:tc>
-                  <a:txBody>
-                    <a:bodyPr/>
-                    <a:lstStyle/>
-                    <a:p>
-                      <a:pPr latinLnBrk="1"/>
-                      <a:r>
-                        <a:rPr lang="en-US" altLang="ko-KR" sz="1600" smtClean="0"/>
-                        <a:t>Kafka Connect JDBC</a:t>
-                      </a:r>
-                      <a:endParaRPr lang="ko-KR" altLang="en-US" sz="1600"/>
-                    </a:p>
-                  </a:txBody>
-                  <a:tcPr/>
-                </a:tc>
-                <a:tc>
-                  <a:txBody>
-                    <a:bodyPr/>
-                    <a:lstStyle/>
-                    <a:p>
-                      <a:pPr algn="ctr" latinLnBrk="1"/>
-                      <a:r>
-                        <a:rPr lang="en-US" altLang="ko-KR" sz="1600" smtClean="0"/>
-                        <a:t>??</a:t>
-                      </a:r>
-                      <a:endParaRPr lang="ko-KR" altLang="en-US" sz="1600"/>
-                    </a:p>
-                  </a:txBody>
-                  <a:tcPr/>
-                </a:tc>
-                <a:tc>
-                  <a:txBody>
-                    <a:bodyPr/>
-                    <a:lstStyle/>
-                    <a:p>
-                      <a:pPr latinLnBrk="1"/>
-                      <a:r>
-                        <a:rPr lang="en-US" altLang="ko-KR" sz="1600" smtClean="0"/>
-                        <a:t>OGG</a:t>
-                      </a:r>
-                      <a:r>
-                        <a:rPr lang="en-US" altLang="ko-KR" sz="1600" baseline="0" smtClean="0"/>
-                        <a:t> data </a:t>
-                      </a:r>
-                      <a:r>
-                        <a:rPr lang="ko-KR" altLang="en-US" sz="1600" baseline="0" smtClean="0"/>
-                        <a:t>형식을 </a:t>
-                      </a:r>
-                      <a:r>
-                        <a:rPr lang="en-US" altLang="ko-KR" sz="1600" baseline="0" smtClean="0"/>
-                        <a:t>jdbc </a:t>
-                      </a:r>
-                      <a:r>
-                        <a:rPr lang="ko-KR" altLang="en-US" sz="1600" baseline="0" smtClean="0"/>
-                        <a:t>에서 사용할 수 있을까</a:t>
-                      </a:r>
-                      <a:endParaRPr lang="ko-KR" altLang="en-US" sz="1600"/>
-                    </a:p>
-                  </a:txBody>
-                  <a:tcPr/>
+            </a:tbl>
+          </a:graphicData>
+        </a:graphic>
+      </p:graphicFrame>
+      <p:graphicFrame>
+        <p:nvGraphicFramePr>
+          <p:cNvPr id="143" name="표 142"/>
+          <p:cNvGraphicFramePr>
+            <a:graphicFrameLocks noGrp="1"/>
+          </p:cNvGraphicFramePr>
+          <p:nvPr>
+            <p:extLst>
+              <p:ext uri="{D42A27DB-BD31-4B8C-83A1-F6EECF244321}">
+                <p14:modId xmlns:p14="http://schemas.microsoft.com/office/powerpoint/2010/main" val="215573189"/>
+              </p:ext>
+            </p:extLst>
+          </p:nvPr>
+        </p:nvGraphicFramePr>
+        <p:xfrm>
+          <a:off x="10480037" y="4066026"/>
+          <a:ext cx="1249680" cy="731520"/>
+        </p:xfrm>
+        <a:graphic>
+          <a:graphicData uri="http://schemas.openxmlformats.org/drawingml/2006/table">
+            <a:tbl>
+              <a:tblPr firstRow="1" bandRow="1">
+                <a:effectLst>
+                  <a:outerShdw blurRad="50800" dist="38100" dir="2700000" algn="tl" rotWithShape="0">
+                    <a:prstClr val="black">
+                      <a:alpha val="40000"/>
+                    </a:prstClr>
+                  </a:outerShdw>
+                </a:effectLst>
+                <a:tableStyleId>{073A0DAA-6AF3-43AB-8588-CEC1D06C72B9}</a:tableStyleId>
+              </a:tblPr>
+              <a:tblGrid>
+                <a:gridCol w="208280">
+                  <a:extLst>
+                    <a:ext uri="{9D8B030D-6E8A-4147-A177-3AD203B41FA5}">
+                      <a16:colId xmlns:a16="http://schemas.microsoft.com/office/drawing/2014/main" val="3628683353"/>
+                    </a:ext>
+                  </a:extLst>
+                </a:gridCol>
+                <a:gridCol w="208280">
+                  <a:extLst>
+                    <a:ext uri="{9D8B030D-6E8A-4147-A177-3AD203B41FA5}">
+                      <a16:colId xmlns:a16="http://schemas.microsoft.com/office/drawing/2014/main" val="1048975651"/>
+                    </a:ext>
+                  </a:extLst>
+                </a:gridCol>
+                <a:gridCol w="208280">
+                  <a:extLst>
+                    <a:ext uri="{9D8B030D-6E8A-4147-A177-3AD203B41FA5}">
+                      <a16:colId xmlns:a16="http://schemas.microsoft.com/office/drawing/2014/main" val="2701534729"/>
+                    </a:ext>
+                  </a:extLst>
+                </a:gridCol>
+                <a:gridCol w="208280">
+                  <a:extLst>
+                    <a:ext uri="{9D8B030D-6E8A-4147-A177-3AD203B41FA5}">
+                      <a16:colId xmlns:a16="http://schemas.microsoft.com/office/drawing/2014/main" val="1726509296"/>
+                    </a:ext>
+                  </a:extLst>
+                </a:gridCol>
+                <a:gridCol w="208280">
+                  <a:extLst>
+                    <a:ext uri="{9D8B030D-6E8A-4147-A177-3AD203B41FA5}">
+                      <a16:colId xmlns:a16="http://schemas.microsoft.com/office/drawing/2014/main" val="985858210"/>
+                    </a:ext>
+                  </a:extLst>
+                </a:gridCol>
+                <a:gridCol w="208280">
+                  <a:extLst>
+                    <a:ext uri="{9D8B030D-6E8A-4147-A177-3AD203B41FA5}">
+                      <a16:colId xmlns:a16="http://schemas.microsoft.com/office/drawing/2014/main" val="3348388809"/>
+                    </a:ext>
+                  </a:extLst>
+                </a:gridCol>
+              </a:tblGrid>
+              <a:tr h="0">
+                <a:tc>
+                  <a:txBody>
+                    <a:bodyPr/>
+                    <a:lstStyle/>
+                    <a:p>
+                      <a:pPr latinLnBrk="1"/>
+                      <a:r>
+                        <a:rPr lang="en-US" altLang="ko-KR" sz="600" smtClean="0">
+                          <a:solidFill>
+                            <a:schemeClr val="tx1"/>
+                          </a:solidFill>
+                        </a:rPr>
+                        <a:t>1</a:t>
+                      </a:r>
+                      <a:endParaRPr lang="ko-KR" altLang="en-US" sz="600">
+                        <a:solidFill>
+                          <a:schemeClr val="tx1"/>
+                        </a:solidFill>
+                      </a:endParaRPr>
+                    </a:p>
+                  </a:txBody>
+                  <a:tcPr>
+                    <a:noFill/>
+                  </a:tcPr>
+                </a:tc>
+                <a:tc>
+                  <a:txBody>
+                    <a:bodyPr/>
+                    <a:lstStyle/>
+                    <a:p>
+                      <a:pPr latinLnBrk="1"/>
+                      <a:r>
+                        <a:rPr lang="en-US" altLang="ko-KR" sz="600" smtClean="0">
+                          <a:solidFill>
+                            <a:schemeClr val="tx1"/>
+                          </a:solidFill>
+                        </a:rPr>
+                        <a:t>E</a:t>
+                      </a:r>
+                      <a:endParaRPr lang="ko-KR" altLang="en-US" sz="600">
+                        <a:solidFill>
+                          <a:schemeClr val="tx1"/>
+                        </a:solidFill>
+                      </a:endParaRPr>
+                    </a:p>
+                  </a:txBody>
+                  <a:tcPr>
+                    <a:noFill/>
+                  </a:tcPr>
+                </a:tc>
+                <a:tc>
+                  <a:txBody>
+                    <a:bodyPr/>
+                    <a:lstStyle/>
+                    <a:p>
+                      <a:pPr latinLnBrk="1"/>
+                      <a:r>
+                        <a:rPr lang="en-US" altLang="ko-KR" sz="600" smtClean="0">
+                          <a:solidFill>
+                            <a:schemeClr val="tx1"/>
+                          </a:solidFill>
+                        </a:rPr>
+                        <a:t>F</a:t>
+                      </a:r>
+                      <a:endParaRPr lang="ko-KR" altLang="en-US" sz="600">
+                        <a:solidFill>
+                          <a:schemeClr val="tx1"/>
+                        </a:solidFill>
+                      </a:endParaRPr>
+                    </a:p>
+                  </a:txBody>
+                  <a:tcPr>
+                    <a:noFill/>
+                  </a:tcPr>
+                </a:tc>
+                <a:tc>
+                  <a:txBody>
+                    <a:bodyPr/>
+                    <a:lstStyle/>
+                    <a:p>
+                      <a:pPr latinLnBrk="1"/>
+                      <a:r>
+                        <a:rPr lang="en-US" altLang="ko-KR" sz="600" smtClean="0">
+                          <a:solidFill>
+                            <a:schemeClr val="tx1"/>
+                          </a:solidFill>
+                        </a:rPr>
+                        <a:t>G</a:t>
+                      </a:r>
+                      <a:endParaRPr lang="ko-KR" altLang="en-US" sz="600">
+                        <a:solidFill>
+                          <a:schemeClr val="tx1"/>
+                        </a:solidFill>
+                      </a:endParaRPr>
+                    </a:p>
+                  </a:txBody>
+                  <a:tcPr>
+                    <a:noFill/>
+                  </a:tcPr>
+                </a:tc>
+                <a:tc>
+                  <a:txBody>
+                    <a:bodyPr/>
+                    <a:lstStyle/>
+                    <a:p>
+                      <a:pPr latinLnBrk="1"/>
+                      <a:r>
+                        <a:rPr lang="en-US" altLang="ko-KR" sz="600" smtClean="0">
+                          <a:solidFill>
+                            <a:schemeClr val="tx1"/>
+                          </a:solidFill>
+                        </a:rPr>
+                        <a:t>H</a:t>
+                      </a:r>
+                      <a:endParaRPr lang="ko-KR" altLang="en-US" sz="600">
+                        <a:solidFill>
+                          <a:schemeClr val="tx1"/>
+                        </a:solidFill>
+                      </a:endParaRPr>
+                    </a:p>
+                  </a:txBody>
+                  <a:tcPr>
+                    <a:noFill/>
+                  </a:tcPr>
+                </a:tc>
+                <a:tc>
+                  <a:txBody>
+                    <a:bodyPr/>
+                    <a:lstStyle/>
+                    <a:p>
+                      <a:pPr latinLnBrk="1"/>
+                      <a:r>
+                        <a:rPr lang="en-US" altLang="ko-KR" sz="600" smtClean="0">
+                          <a:solidFill>
+                            <a:schemeClr val="tx1"/>
+                          </a:solidFill>
+                        </a:rPr>
+                        <a:t>I</a:t>
+                      </a:r>
+                      <a:endParaRPr lang="ko-KR" altLang="en-US" sz="600">
+                        <a:solidFill>
+                          <a:schemeClr val="tx1"/>
+                        </a:solidFill>
+                      </a:endParaRPr>
+                    </a:p>
+                  </a:txBody>
+                  <a:tcPr>
+                    <a:noFill/>
+                  </a:tcPr>
                 </a:tc>
                 <a:extLst>
                   <a:ext uri="{0D108BD9-81ED-4DB2-BD59-A6C34878D82A}">
-                    <a16:rowId xmlns:a16="http://schemas.microsoft.com/office/drawing/2014/main" val="2952549331"/>
+                    <a16:rowId xmlns:a16="http://schemas.microsoft.com/office/drawing/2014/main" val="41161225"/>
                   </a:ext>
                 </a:extLst>
               </a:tr>
-              <a:tr h="370840">
-                <a:tc>
-                  <a:txBody>
-                    <a:bodyPr/>
-                    <a:lstStyle/>
-                    <a:p>
-                      <a:pPr latinLnBrk="1"/>
-                      <a:r>
-                        <a:rPr lang="en-US" altLang="ko-KR" sz="1600" smtClean="0"/>
-                        <a:t>9</a:t>
-                      </a:r>
-                      <a:endParaRPr lang="ko-KR" altLang="en-US" sz="1600"/>
-                    </a:p>
-                  </a:txBody>
-                  <a:tcPr/>
-                </a:tc>
-                <a:tc vMerge="1">
-                  <a:txBody>
-                    <a:bodyPr/>
-                    <a:lstStyle/>
-                    <a:p>
-                      <a:pPr latinLnBrk="1"/>
-                      <a:endParaRPr lang="ko-KR" altLang="en-US"/>
-                    </a:p>
-                  </a:txBody>
-                  <a:tcPr/>
-                </a:tc>
-                <a:tc>
-                  <a:txBody>
-                    <a:bodyPr/>
-                    <a:lstStyle/>
-                    <a:p>
-                      <a:pPr latinLnBrk="1"/>
-                      <a:r>
-                        <a:rPr lang="en-US" altLang="ko-KR" sz="1600" smtClean="0"/>
-                        <a:t>Kafka Connect OGG</a:t>
-                      </a:r>
-                      <a:endParaRPr lang="ko-KR" altLang="en-US" sz="1600"/>
-                    </a:p>
-                  </a:txBody>
-                  <a:tcPr/>
-                </a:tc>
-                <a:tc>
-                  <a:txBody>
-                    <a:bodyPr/>
-                    <a:lstStyle/>
-                    <a:p>
-                      <a:pPr algn="ctr" latinLnBrk="1"/>
-                      <a:r>
-                        <a:rPr lang="en-US" altLang="ko-KR" sz="1600" smtClean="0"/>
-                        <a:t>O</a:t>
-                      </a:r>
-                      <a:endParaRPr lang="ko-KR" altLang="en-US" sz="1600"/>
-                    </a:p>
-                  </a:txBody>
-                  <a:tcPr/>
-                </a:tc>
-                <a:tc>
-                  <a:txBody>
-                    <a:bodyPr/>
-                    <a:lstStyle/>
-                    <a:p>
-                      <a:pPr latinLnBrk="1"/>
-                      <a:endParaRPr lang="ko-KR" altLang="en-US" sz="1600"/>
-                    </a:p>
-                  </a:txBody>
-                  <a:tcPr/>
+              <a:tr h="0">
+                <a:tc>
+                  <a:txBody>
+                    <a:bodyPr/>
+                    <a:lstStyle/>
+                    <a:p>
+                      <a:pPr latinLnBrk="1"/>
+                      <a:r>
+                        <a:rPr lang="en-US" altLang="ko-KR" sz="600" smtClean="0">
+                          <a:solidFill>
+                            <a:schemeClr val="tx1"/>
+                          </a:solidFill>
+                        </a:rPr>
+                        <a:t>2</a:t>
+                      </a:r>
+                      <a:endParaRPr lang="ko-KR" altLang="en-US" sz="600">
+                        <a:solidFill>
+                          <a:schemeClr val="tx1"/>
+                        </a:solidFill>
+                      </a:endParaRPr>
+                    </a:p>
+                  </a:txBody>
+                  <a:tcPr>
+                    <a:noFill/>
+                  </a:tcPr>
+                </a:tc>
+                <a:tc>
+                  <a:txBody>
+                    <a:bodyPr/>
+                    <a:lstStyle/>
+                    <a:p>
+                      <a:pPr latinLnBrk="1"/>
+                      <a:r>
+                        <a:rPr lang="en-US" altLang="ko-KR" sz="600" smtClean="0">
+                          <a:solidFill>
+                            <a:schemeClr val="tx1"/>
+                          </a:solidFill>
+                        </a:rPr>
+                        <a:t>E</a:t>
+                      </a:r>
+                      <a:endParaRPr lang="ko-KR" altLang="en-US" sz="600">
+                        <a:solidFill>
+                          <a:schemeClr val="tx1"/>
+                        </a:solidFill>
+                      </a:endParaRPr>
+                    </a:p>
+                  </a:txBody>
+                  <a:tcPr>
+                    <a:noFill/>
+                  </a:tcPr>
+                </a:tc>
+                <a:tc>
+                  <a:txBody>
+                    <a:bodyPr/>
+                    <a:lstStyle/>
+                    <a:p>
+                      <a:pPr latinLnBrk="1"/>
+                      <a:r>
+                        <a:rPr lang="en-US" altLang="ko-KR" sz="600" smtClean="0">
+                          <a:solidFill>
+                            <a:schemeClr val="tx1"/>
+                          </a:solidFill>
+                        </a:rPr>
+                        <a:t>F</a:t>
+                      </a:r>
+                      <a:endParaRPr lang="ko-KR" altLang="en-US" sz="600">
+                        <a:solidFill>
+                          <a:schemeClr val="tx1"/>
+                        </a:solidFill>
+                      </a:endParaRPr>
+                    </a:p>
+                  </a:txBody>
+                  <a:tcPr>
+                    <a:noFill/>
+                  </a:tcPr>
+                </a:tc>
+                <a:tc>
+                  <a:txBody>
+                    <a:bodyPr/>
+                    <a:lstStyle/>
+                    <a:p>
+                      <a:pPr latinLnBrk="1"/>
+                      <a:r>
+                        <a:rPr lang="en-US" altLang="ko-KR" sz="600" smtClean="0">
+                          <a:solidFill>
+                            <a:schemeClr val="tx1"/>
+                          </a:solidFill>
+                        </a:rPr>
+                        <a:t>G</a:t>
+                      </a:r>
+                      <a:endParaRPr lang="ko-KR" altLang="en-US" sz="600">
+                        <a:solidFill>
+                          <a:schemeClr val="tx1"/>
+                        </a:solidFill>
+                      </a:endParaRPr>
+                    </a:p>
+                  </a:txBody>
+                  <a:tcPr>
+                    <a:noFill/>
+                  </a:tcPr>
+                </a:tc>
+                <a:tc>
+                  <a:txBody>
+                    <a:bodyPr/>
+                    <a:lstStyle/>
+                    <a:p>
+                      <a:pPr latinLnBrk="1"/>
+                      <a:r>
+                        <a:rPr lang="en-US" altLang="ko-KR" sz="600" smtClean="0">
+                          <a:solidFill>
+                            <a:schemeClr val="tx1"/>
+                          </a:solidFill>
+                        </a:rPr>
+                        <a:t>H</a:t>
+                      </a:r>
+                      <a:endParaRPr lang="ko-KR" altLang="en-US" sz="600">
+                        <a:solidFill>
+                          <a:schemeClr val="tx1"/>
+                        </a:solidFill>
+                      </a:endParaRPr>
+                    </a:p>
+                  </a:txBody>
+                  <a:tcPr>
+                    <a:noFill/>
+                  </a:tcPr>
+                </a:tc>
+                <a:tc>
+                  <a:txBody>
+                    <a:bodyPr/>
+                    <a:lstStyle/>
+                    <a:p>
+                      <a:pPr latinLnBrk="1"/>
+                      <a:r>
+                        <a:rPr lang="en-US" altLang="ko-KR" sz="600" smtClean="0">
+                          <a:solidFill>
+                            <a:schemeClr val="tx1"/>
+                          </a:solidFill>
+                        </a:rPr>
+                        <a:t>I</a:t>
+                      </a:r>
+                      <a:endParaRPr lang="ko-KR" altLang="en-US" sz="600">
+                        <a:solidFill>
+                          <a:schemeClr val="tx1"/>
+                        </a:solidFill>
+                      </a:endParaRPr>
+                    </a:p>
+                  </a:txBody>
+                  <a:tcPr>
+                    <a:noFill/>
+                  </a:tcPr>
                 </a:tc>
                 <a:extLst>
                   <a:ext uri="{0D108BD9-81ED-4DB2-BD59-A6C34878D82A}">
-                    <a16:rowId xmlns:a16="http://schemas.microsoft.com/office/drawing/2014/main" val="1696937111"/>
+                    <a16:rowId xmlns:a16="http://schemas.microsoft.com/office/drawing/2014/main" val="631812962"/>
+                  </a:ext>
+                </a:extLst>
+              </a:tr>
+              <a:tr h="0">
+                <a:tc>
+                  <a:txBody>
+                    <a:bodyPr/>
+                    <a:lstStyle/>
+                    <a:p>
+                      <a:pPr latinLnBrk="1"/>
+                      <a:r>
+                        <a:rPr lang="en-US" altLang="ko-KR" sz="600" smtClean="0">
+                          <a:solidFill>
+                            <a:schemeClr val="tx1"/>
+                          </a:solidFill>
+                        </a:rPr>
+                        <a:t>3</a:t>
+                      </a:r>
+                      <a:endParaRPr lang="ko-KR" altLang="en-US" sz="600">
+                        <a:solidFill>
+                          <a:schemeClr val="tx1"/>
+                        </a:solidFill>
+                      </a:endParaRPr>
+                    </a:p>
+                  </a:txBody>
+                  <a:tcPr>
+                    <a:noFill/>
+                  </a:tcPr>
+                </a:tc>
+                <a:tc>
+                  <a:txBody>
+                    <a:bodyPr/>
+                    <a:lstStyle/>
+                    <a:p>
+                      <a:pPr latinLnBrk="1"/>
+                      <a:r>
+                        <a:rPr lang="en-US" altLang="ko-KR" sz="600" smtClean="0">
+                          <a:solidFill>
+                            <a:schemeClr val="tx1"/>
+                          </a:solidFill>
+                        </a:rPr>
+                        <a:t>E</a:t>
+                      </a:r>
+                      <a:endParaRPr lang="ko-KR" altLang="en-US" sz="600">
+                        <a:solidFill>
+                          <a:schemeClr val="tx1"/>
+                        </a:solidFill>
+                      </a:endParaRPr>
+                    </a:p>
+                  </a:txBody>
+                  <a:tcPr>
+                    <a:noFill/>
+                  </a:tcPr>
+                </a:tc>
+                <a:tc>
+                  <a:txBody>
+                    <a:bodyPr/>
+                    <a:lstStyle/>
+                    <a:p>
+                      <a:pPr latinLnBrk="1"/>
+                      <a:r>
+                        <a:rPr lang="en-US" altLang="ko-KR" sz="600" smtClean="0">
+                          <a:solidFill>
+                            <a:schemeClr val="tx1"/>
+                          </a:solidFill>
+                        </a:rPr>
+                        <a:t>F</a:t>
+                      </a:r>
+                      <a:endParaRPr lang="ko-KR" altLang="en-US" sz="600">
+                        <a:solidFill>
+                          <a:schemeClr val="tx1"/>
+                        </a:solidFill>
+                      </a:endParaRPr>
+                    </a:p>
+                  </a:txBody>
+                  <a:tcPr>
+                    <a:noFill/>
+                  </a:tcPr>
+                </a:tc>
+                <a:tc>
+                  <a:txBody>
+                    <a:bodyPr/>
+                    <a:lstStyle/>
+                    <a:p>
+                      <a:pPr latinLnBrk="1"/>
+                      <a:r>
+                        <a:rPr lang="en-US" altLang="ko-KR" sz="600" smtClean="0">
+                          <a:solidFill>
+                            <a:schemeClr val="tx1"/>
+                          </a:solidFill>
+                        </a:rPr>
+                        <a:t>G</a:t>
+                      </a:r>
+                      <a:endParaRPr lang="ko-KR" altLang="en-US" sz="600">
+                        <a:solidFill>
+                          <a:schemeClr val="tx1"/>
+                        </a:solidFill>
+                      </a:endParaRPr>
+                    </a:p>
+                  </a:txBody>
+                  <a:tcPr>
+                    <a:noFill/>
+                  </a:tcPr>
+                </a:tc>
+                <a:tc>
+                  <a:txBody>
+                    <a:bodyPr/>
+                    <a:lstStyle/>
+                    <a:p>
+                      <a:pPr latinLnBrk="1"/>
+                      <a:r>
+                        <a:rPr lang="en-US" altLang="ko-KR" sz="600" smtClean="0">
+                          <a:solidFill>
+                            <a:schemeClr val="tx1"/>
+                          </a:solidFill>
+                        </a:rPr>
+                        <a:t>H</a:t>
+                      </a:r>
+                      <a:endParaRPr lang="ko-KR" altLang="en-US" sz="600">
+                        <a:solidFill>
+                          <a:schemeClr val="tx1"/>
+                        </a:solidFill>
+                      </a:endParaRPr>
+                    </a:p>
+                  </a:txBody>
+                  <a:tcPr>
+                    <a:noFill/>
+                  </a:tcPr>
+                </a:tc>
+                <a:tc>
+                  <a:txBody>
+                    <a:bodyPr/>
+                    <a:lstStyle/>
+                    <a:p>
+                      <a:pPr latinLnBrk="1"/>
+                      <a:r>
+                        <a:rPr lang="en-US" altLang="ko-KR" sz="600" smtClean="0">
+                          <a:solidFill>
+                            <a:schemeClr val="tx1"/>
+                          </a:solidFill>
+                        </a:rPr>
+                        <a:t>I</a:t>
+                      </a:r>
+                      <a:endParaRPr lang="ko-KR" altLang="en-US" sz="600">
+                        <a:solidFill>
+                          <a:schemeClr val="tx1"/>
+                        </a:solidFill>
+                      </a:endParaRPr>
+                    </a:p>
+                  </a:txBody>
+                  <a:tcPr>
+                    <a:noFill/>
+                  </a:tcPr>
+                </a:tc>
+                <a:extLst>
+                  <a:ext uri="{0D108BD9-81ED-4DB2-BD59-A6C34878D82A}">
+                    <a16:rowId xmlns:a16="http://schemas.microsoft.com/office/drawing/2014/main" val="2857282674"/>
+                  </a:ext>
+                </a:extLst>
+              </a:tr>
+              <a:tr h="0">
+                <a:tc>
+                  <a:txBody>
+                    <a:bodyPr/>
+                    <a:lstStyle/>
+                    <a:p>
+                      <a:pPr latinLnBrk="1"/>
+                      <a:r>
+                        <a:rPr lang="en-US" altLang="ko-KR" sz="600" smtClean="0">
+                          <a:solidFill>
+                            <a:schemeClr val="tx1"/>
+                          </a:solidFill>
+                        </a:rPr>
+                        <a:t>4</a:t>
+                      </a:r>
+                      <a:endParaRPr lang="ko-KR" altLang="en-US" sz="600">
+                        <a:solidFill>
+                          <a:schemeClr val="tx1"/>
+                        </a:solidFill>
+                      </a:endParaRPr>
+                    </a:p>
+                  </a:txBody>
+                  <a:tcPr>
+                    <a:noFill/>
+                  </a:tcPr>
+                </a:tc>
+                <a:tc>
+                  <a:txBody>
+                    <a:bodyPr/>
+                    <a:lstStyle/>
+                    <a:p>
+                      <a:pPr latinLnBrk="1"/>
+                      <a:r>
+                        <a:rPr lang="en-US" altLang="ko-KR" sz="600" smtClean="0">
+                          <a:solidFill>
+                            <a:schemeClr val="tx1"/>
+                          </a:solidFill>
+                        </a:rPr>
+                        <a:t>E</a:t>
+                      </a:r>
+                      <a:endParaRPr lang="ko-KR" altLang="en-US" sz="600">
+                        <a:solidFill>
+                          <a:schemeClr val="tx1"/>
+                        </a:solidFill>
+                      </a:endParaRPr>
+                    </a:p>
+                  </a:txBody>
+                  <a:tcPr>
+                    <a:noFill/>
+                  </a:tcPr>
+                </a:tc>
+                <a:tc>
+                  <a:txBody>
+                    <a:bodyPr/>
+                    <a:lstStyle/>
+                    <a:p>
+                      <a:pPr latinLnBrk="1"/>
+                      <a:r>
+                        <a:rPr lang="en-US" altLang="ko-KR" sz="600" smtClean="0">
+                          <a:solidFill>
+                            <a:schemeClr val="tx1"/>
+                          </a:solidFill>
+                        </a:rPr>
+                        <a:t>F</a:t>
+                      </a:r>
+                      <a:endParaRPr lang="ko-KR" altLang="en-US" sz="600">
+                        <a:solidFill>
+                          <a:schemeClr val="tx1"/>
+                        </a:solidFill>
+                      </a:endParaRPr>
+                    </a:p>
+                  </a:txBody>
+                  <a:tcPr>
+                    <a:noFill/>
+                  </a:tcPr>
+                </a:tc>
+                <a:tc>
+                  <a:txBody>
+                    <a:bodyPr/>
+                    <a:lstStyle/>
+                    <a:p>
+                      <a:pPr latinLnBrk="1"/>
+                      <a:r>
+                        <a:rPr lang="en-US" altLang="ko-KR" sz="600" smtClean="0">
+                          <a:solidFill>
+                            <a:schemeClr val="tx1"/>
+                          </a:solidFill>
+                        </a:rPr>
+                        <a:t>G</a:t>
+                      </a:r>
+                      <a:endParaRPr lang="ko-KR" altLang="en-US" sz="600">
+                        <a:solidFill>
+                          <a:schemeClr val="tx1"/>
+                        </a:solidFill>
+                      </a:endParaRPr>
+                    </a:p>
+                  </a:txBody>
+                  <a:tcPr>
+                    <a:noFill/>
+                  </a:tcPr>
+                </a:tc>
+                <a:tc>
+                  <a:txBody>
+                    <a:bodyPr/>
+                    <a:lstStyle/>
+                    <a:p>
+                      <a:pPr latinLnBrk="1"/>
+                      <a:r>
+                        <a:rPr lang="en-US" altLang="ko-KR" sz="600" smtClean="0">
+                          <a:solidFill>
+                            <a:schemeClr val="tx1"/>
+                          </a:solidFill>
+                        </a:rPr>
+                        <a:t>H</a:t>
+                      </a:r>
+                      <a:endParaRPr lang="ko-KR" altLang="en-US" sz="600">
+                        <a:solidFill>
+                          <a:schemeClr val="tx1"/>
+                        </a:solidFill>
+                      </a:endParaRPr>
+                    </a:p>
+                  </a:txBody>
+                  <a:tcPr>
+                    <a:noFill/>
+                  </a:tcPr>
+                </a:tc>
+                <a:tc>
+                  <a:txBody>
+                    <a:bodyPr/>
+                    <a:lstStyle/>
+                    <a:p>
+                      <a:pPr latinLnBrk="1"/>
+                      <a:r>
+                        <a:rPr lang="en-US" altLang="ko-KR" sz="600" smtClean="0">
+                          <a:solidFill>
+                            <a:schemeClr val="tx1"/>
+                          </a:solidFill>
+                        </a:rPr>
+                        <a:t>I</a:t>
+                      </a:r>
+                      <a:endParaRPr lang="ko-KR" altLang="en-US" sz="600">
+                        <a:solidFill>
+                          <a:schemeClr val="tx1"/>
+                        </a:solidFill>
+                      </a:endParaRPr>
+                    </a:p>
+                  </a:txBody>
+                  <a:tcPr>
+                    <a:noFill/>
+                  </a:tcPr>
+                </a:tc>
+                <a:extLst>
+                  <a:ext uri="{0D108BD9-81ED-4DB2-BD59-A6C34878D82A}">
+                    <a16:rowId xmlns:a16="http://schemas.microsoft.com/office/drawing/2014/main" val="4132135972"/>
                   </a:ext>
                 </a:extLst>
               </a:tr>
@@ -4907,7 +7420,7 @@
     </p:spTree>
     <p:extLst>
       <p:ext uri="{BB962C8B-B14F-4D97-AF65-F5344CB8AC3E}">
-        <p14:creationId xmlns:p14="http://schemas.microsoft.com/office/powerpoint/2010/main" val="2036201384"/>
+        <p14:creationId xmlns:p14="http://schemas.microsoft.com/office/powerpoint/2010/main" val="134034574"/>
       </p:ext>
     </p:extLst>
   </p:cSld>
@@ -4951,252 +7464,197 @@
           <a:p>
             <a:r>
               <a:rPr lang="en-US" altLang="ko-KR" smtClean="0"/>
-              <a:t>Nifi </a:t>
-            </a:r>
-            <a:r>
-              <a:rPr lang="ko-KR" altLang="en-US" smtClean="0"/>
-              <a:t>사용 </a:t>
-            </a:r>
-            <a:r>
-              <a:rPr lang="en-US" altLang="ko-KR" smtClean="0"/>
-              <a:t>Architecture</a:t>
+              <a:t>NiFi </a:t>
+            </a:r>
+            <a:r>
+              <a:rPr lang="ko-KR" altLang="en-US" smtClean="0"/>
+              <a:t>환경 구성</a:t>
             </a:r>
             <a:endParaRPr lang="ko-KR" altLang="en-US"/>
           </a:p>
         </p:txBody>
       </p:sp>
-      <p:sp>
-        <p:nvSpPr>
-          <p:cNvPr id="73" name="모서리가 둥근 직사각형 72"/>
-          <p:cNvSpPr/>
-          <p:nvPr/>
-        </p:nvSpPr>
+      <p:pic>
+        <p:nvPicPr>
+          <p:cNvPr id="8" name="내용 개체 틀 7"/>
+          <p:cNvPicPr>
+            <a:picLocks noGrp="1" noChangeAspect="1"/>
+          </p:cNvPicPr>
+          <p:nvPr>
+            <p:ph idx="4294967295"/>
+          </p:nvPr>
+        </p:nvPicPr>
+        <p:blipFill>
+          <a:blip r:embed="rId3"/>
+          <a:stretch>
+            <a:fillRect/>
+          </a:stretch>
+        </p:blipFill>
         <p:spPr>
           <a:xfrm>
-            <a:off x="7173403" y="1715104"/>
-            <a:ext cx="4353185" cy="4450701"/>
-          </a:xfrm>
-          <a:prstGeom prst="roundRect">
-            <a:avLst/>
-          </a:prstGeom>
-          <a:solidFill>
-            <a:srgbClr val="00B0F0">
-              <a:alpha val="41000"/>
-            </a:srgbClr>
-          </a:solidFill>
-        </p:spPr>
-        <p:style>
-          <a:lnRef idx="2">
-            <a:schemeClr val="accent1">
-              <a:shade val="50000"/>
-            </a:schemeClr>
-          </a:lnRef>
-          <a:fillRef idx="1">
-            <a:schemeClr val="accent1"/>
-          </a:fillRef>
-          <a:effectRef idx="0">
-            <a:schemeClr val="accent1"/>
-          </a:effectRef>
-          <a:fontRef idx="minor">
-            <a:schemeClr val="lt1"/>
-          </a:fontRef>
-        </p:style>
-        <p:txBody>
-          <a:bodyPr rtlCol="0" anchor="ctr"/>
-          <a:lstStyle/>
-          <a:p>
-            <a:pPr algn="ctr"/>
-            <a:endParaRPr lang="ko-KR" altLang="en-US"/>
-          </a:p>
-        </p:txBody>
-      </p:sp>
-      <p:sp>
-        <p:nvSpPr>
-          <p:cNvPr id="74" name="모서리가 둥근 직사각형 73"/>
-          <p:cNvSpPr/>
-          <p:nvPr/>
-        </p:nvSpPr>
-        <p:spPr>
-          <a:xfrm>
-            <a:off x="3076790" y="1715104"/>
-            <a:ext cx="2632781" cy="4450701"/>
-          </a:xfrm>
-          <a:prstGeom prst="roundRect">
-            <a:avLst/>
-          </a:prstGeom>
-          <a:solidFill>
-            <a:srgbClr val="FFC000">
-              <a:alpha val="41000"/>
-            </a:srgbClr>
-          </a:solidFill>
-        </p:spPr>
-        <p:style>
-          <a:lnRef idx="2">
-            <a:schemeClr val="accent1">
-              <a:shade val="50000"/>
-            </a:schemeClr>
-          </a:lnRef>
-          <a:fillRef idx="1">
-            <a:schemeClr val="accent1"/>
-          </a:fillRef>
-          <a:effectRef idx="0">
-            <a:schemeClr val="accent1"/>
-          </a:effectRef>
-          <a:fontRef idx="minor">
-            <a:schemeClr val="lt1"/>
-          </a:fontRef>
-        </p:style>
-        <p:txBody>
-          <a:bodyPr rtlCol="0" anchor="ctr"/>
-          <a:lstStyle/>
-          <a:p>
-            <a:pPr algn="ctr"/>
-            <a:endParaRPr lang="ko-KR" altLang="en-US"/>
-          </a:p>
-        </p:txBody>
-      </p:sp>
-      <p:sp>
-        <p:nvSpPr>
-          <p:cNvPr id="75" name="직사각형 74"/>
-          <p:cNvSpPr/>
-          <p:nvPr/>
-        </p:nvSpPr>
-        <p:spPr>
-          <a:xfrm>
-            <a:off x="3511594" y="1939040"/>
-            <a:ext cx="7636852" cy="1294918"/>
+            <a:off x="838200" y="1800225"/>
+            <a:ext cx="10515600" cy="4672013"/>
           </a:xfrm>
           <a:prstGeom prst="rect">
             <a:avLst/>
           </a:prstGeom>
         </p:spPr>
-        <p:style>
-          <a:lnRef idx="2">
-            <a:schemeClr val="accent1">
-              <a:shade val="50000"/>
+      </p:pic>
+      <p:sp>
+        <p:nvSpPr>
+          <p:cNvPr id="3" name="TextBox 2"/>
+          <p:cNvSpPr txBox="1">
+            <a:spLocks/>
+          </p:cNvSpPr>
+          <p:nvPr/>
+        </p:nvSpPr>
+        <p:spPr>
+          <a:xfrm>
+            <a:off x="3024137" y="1906386"/>
+            <a:ext cx="1072001" cy="333941"/>
+          </a:xfrm>
+          <a:prstGeom prst="rect">
+            <a:avLst/>
+          </a:prstGeom>
+          <a:solidFill>
+            <a:schemeClr val="accent5">
+              <a:lumMod val="75000"/>
             </a:schemeClr>
-          </a:lnRef>
-          <a:fillRef idx="1">
-            <a:schemeClr val="accent1"/>
-          </a:fillRef>
-          <a:effectRef idx="0">
-            <a:schemeClr val="accent1"/>
-          </a:effectRef>
-          <a:fontRef idx="minor">
-            <a:schemeClr val="lt1"/>
-          </a:fontRef>
-        </p:style>
+          </a:solidFill>
+          <a:ln w="28575">
+            <a:noFill/>
+          </a:ln>
+        </p:spPr>
         <p:txBody>
-          <a:bodyPr rtlCol="0" anchor="ctr"/>
-          <a:lstStyle/>
-          <a:p>
-            <a:pPr algn="ctr"/>
-            <a:r>
-              <a:rPr lang="en-US" altLang="ko-KR" smtClean="0"/>
-              <a:t>NIFI</a:t>
-            </a:r>
-          </a:p>
-          <a:p>
-            <a:pPr algn="ctr"/>
-            <a:r>
-              <a:rPr lang="en-US" altLang="ko-KR" smtClean="0"/>
-              <a:t>( Data flow control )</a:t>
-            </a:r>
-            <a:endParaRPr lang="ko-KR" altLang="en-US"/>
+          <a:bodyPr wrap="square" rtlCol="0" anchor="ctr">
+            <a:normAutofit fontScale="85000" lnSpcReduction="10000"/>
+          </a:bodyPr>
+          <a:lstStyle>
+            <a:defPPr>
+              <a:defRPr lang="ko-KR"/>
+            </a:defPPr>
+            <a:lvl1pPr algn="ctr">
+              <a:defRPr>
+                <a:solidFill>
+                  <a:schemeClr val="bg1"/>
+                </a:solidFill>
+              </a:defRPr>
+            </a:lvl1pPr>
+          </a:lstStyle>
+          <a:p>
+            <a:r>
+              <a:rPr lang="en-US" altLang="ko-KR"/>
+              <a:t>Data </a:t>
+            </a:r>
+            <a:r>
+              <a:rPr lang="ko-KR" altLang="en-US"/>
+              <a:t>수집</a:t>
+            </a:r>
           </a:p>
         </p:txBody>
       </p:sp>
       <p:sp>
         <p:nvSpPr>
-          <p:cNvPr id="76" name="직사각형 75"/>
-          <p:cNvSpPr/>
+          <p:cNvPr id="5" name="TextBox 4"/>
+          <p:cNvSpPr txBox="1">
+            <a:spLocks/>
+          </p:cNvSpPr>
           <p:nvPr/>
         </p:nvSpPr>
         <p:spPr>
           <a:xfrm>
-            <a:off x="5826346" y="4647120"/>
-            <a:ext cx="1230283" cy="1147158"/>
+            <a:off x="6933664" y="1880355"/>
+            <a:ext cx="1072001" cy="333941"/>
           </a:xfrm>
           <a:prstGeom prst="rect">
             <a:avLst/>
           </a:prstGeom>
+          <a:solidFill>
+            <a:schemeClr val="accent5">
+              <a:lumMod val="75000"/>
+            </a:schemeClr>
+          </a:solidFill>
+          <a:ln w="28575">
+            <a:noFill/>
+          </a:ln>
         </p:spPr>
-        <p:style>
-          <a:lnRef idx="2">
-            <a:schemeClr val="accent1">
-              <a:shade val="50000"/>
-            </a:schemeClr>
-          </a:lnRef>
-          <a:fillRef idx="1">
-            <a:schemeClr val="accent1"/>
-          </a:fillRef>
-          <a:effectRef idx="0">
-            <a:schemeClr val="accent1"/>
-          </a:effectRef>
-          <a:fontRef idx="minor">
-            <a:schemeClr val="lt1"/>
-          </a:fontRef>
-        </p:style>
         <p:txBody>
-          <a:bodyPr rtlCol="0" anchor="ctr"/>
-          <a:lstStyle/>
-          <a:p>
-            <a:pPr algn="ctr"/>
-            <a:r>
-              <a:rPr lang="en-US" altLang="ko-KR" smtClean="0"/>
-              <a:t>KAFKA</a:t>
-            </a:r>
-            <a:endParaRPr lang="ko-KR" altLang="en-US"/>
+          <a:bodyPr wrap="square" rtlCol="0" anchor="ctr">
+            <a:normAutofit fontScale="77500" lnSpcReduction="20000"/>
+          </a:bodyPr>
+          <a:lstStyle>
+            <a:defPPr>
+              <a:defRPr lang="ko-KR"/>
+            </a:defPPr>
+            <a:lvl1pPr algn="ctr">
+              <a:defRPr>
+                <a:solidFill>
+                  <a:schemeClr val="bg1"/>
+                </a:solidFill>
+              </a:defRPr>
+            </a:lvl1pPr>
+          </a:lstStyle>
+          <a:p>
+            <a:r>
+              <a:rPr lang="en-US" altLang="ko-KR"/>
+              <a:t>Kafka </a:t>
+            </a:r>
+            <a:r>
+              <a:rPr lang="ko-KR" altLang="en-US"/>
+              <a:t>구독</a:t>
+            </a:r>
           </a:p>
         </p:txBody>
       </p:sp>
       <p:sp>
         <p:nvSpPr>
-          <p:cNvPr id="77" name="원통 76"/>
-          <p:cNvSpPr/>
+          <p:cNvPr id="6" name="TextBox 5"/>
+          <p:cNvSpPr txBox="1">
+            <a:spLocks/>
+          </p:cNvSpPr>
           <p:nvPr/>
         </p:nvSpPr>
         <p:spPr>
           <a:xfrm>
-            <a:off x="3870652" y="4638808"/>
-            <a:ext cx="1313411" cy="1155470"/>
+            <a:off x="3024137" y="2932753"/>
+            <a:ext cx="1072001" cy="333941"/>
           </a:xfrm>
-          <a:prstGeom prst="can">
+          <a:prstGeom prst="rect">
             <a:avLst/>
           </a:prstGeom>
+          <a:solidFill>
+            <a:schemeClr val="accent5">
+              <a:lumMod val="75000"/>
+            </a:schemeClr>
+          </a:solidFill>
+          <a:ln w="28575">
+            <a:noFill/>
+          </a:ln>
         </p:spPr>
-        <p:style>
-          <a:lnRef idx="2">
-            <a:schemeClr val="accent1">
-              <a:shade val="50000"/>
-            </a:schemeClr>
-          </a:lnRef>
-          <a:fillRef idx="1">
-            <a:schemeClr val="accent1"/>
-          </a:fillRef>
-          <a:effectRef idx="0">
-            <a:schemeClr val="accent1"/>
-          </a:effectRef>
-          <a:fontRef idx="minor">
-            <a:schemeClr val="lt1"/>
-          </a:fontRef>
-        </p:style>
         <p:txBody>
-          <a:bodyPr rtlCol="0" anchor="ctr"/>
-          <a:lstStyle/>
-          <a:p>
-            <a:pPr algn="ctr"/>
-            <a:r>
-              <a:rPr lang="en-US" altLang="ko-KR" smtClean="0"/>
-              <a:t>SOURCE</a:t>
-            </a:r>
-            <a:r>
-              <a:rPr lang="ko-KR" altLang="en-US" smtClean="0"/>
-              <a:t> </a:t>
-            </a:r>
-            <a:r>
-              <a:rPr lang="en-US" altLang="ko-KR" smtClean="0"/>
-              <a:t>DB</a:t>
+          <a:bodyPr wrap="square" rtlCol="0" anchor="ctr">
+            <a:normAutofit fontScale="85000" lnSpcReduction="10000"/>
+          </a:bodyPr>
+          <a:lstStyle>
+            <a:defPPr>
+              <a:defRPr lang="ko-KR"/>
+            </a:defPPr>
+            <a:lvl1pPr algn="ctr">
+              <a:defRPr>
+                <a:solidFill>
+                  <a:schemeClr val="bg1"/>
+                </a:solidFill>
+              </a:defRPr>
+            </a:lvl1pPr>
+          </a:lstStyle>
+          <a:p>
+            <a:r>
+              <a:rPr lang="en-US" altLang="ko-KR"/>
+              <a:t>Data </a:t>
+            </a:r>
+            <a:r>
+              <a:rPr lang="ko-KR" altLang="en-US" smtClean="0"/>
+              <a:t>발행</a:t>
             </a:r>
             <a:endParaRPr lang="ko-KR" altLang="en-US"/>
           </a:p>
@@ -5204,617 +7662,343 @@
       </p:sp>
       <p:sp>
         <p:nvSpPr>
-          <p:cNvPr id="78" name="원통 77"/>
-          <p:cNvSpPr/>
+          <p:cNvPr id="7" name="TextBox 6"/>
+          <p:cNvSpPr txBox="1">
+            <a:spLocks/>
+          </p:cNvSpPr>
           <p:nvPr/>
         </p:nvSpPr>
         <p:spPr>
           <a:xfrm>
-            <a:off x="7864918" y="4647120"/>
-            <a:ext cx="1313411" cy="1155470"/>
+            <a:off x="6933664" y="3000028"/>
+            <a:ext cx="1072001" cy="333941"/>
           </a:xfrm>
-          <a:prstGeom prst="can">
+          <a:prstGeom prst="rect">
             <a:avLst/>
           </a:prstGeom>
+          <a:solidFill>
+            <a:schemeClr val="accent5">
+              <a:lumMod val="75000"/>
+            </a:schemeClr>
+          </a:solidFill>
+          <a:ln w="28575">
+            <a:noFill/>
+          </a:ln>
         </p:spPr>
-        <p:style>
-          <a:lnRef idx="2">
-            <a:schemeClr val="accent1">
-              <a:shade val="50000"/>
-            </a:schemeClr>
-          </a:lnRef>
-          <a:fillRef idx="1">
-            <a:schemeClr val="accent1"/>
-          </a:fillRef>
-          <a:effectRef idx="0">
-            <a:schemeClr val="accent1"/>
-          </a:effectRef>
-          <a:fontRef idx="minor">
-            <a:schemeClr val="lt1"/>
-          </a:fontRef>
-        </p:style>
         <p:txBody>
-          <a:bodyPr rtlCol="0" anchor="ctr"/>
+          <a:bodyPr wrap="square" rtlCol="0" anchor="ctr">
+            <a:normAutofit fontScale="85000" lnSpcReduction="10000"/>
+          </a:bodyPr>
           <a:lstStyle/>
           <a:p>
             <a:pPr algn="ctr"/>
             <a:r>
-              <a:rPr lang="en-US" altLang="ko-KR" smtClean="0"/>
-              <a:t>TARGET</a:t>
-            </a:r>
-            <a:r>
-              <a:rPr lang="ko-KR" altLang="en-US" smtClean="0"/>
-              <a:t> </a:t>
-            </a:r>
-            <a:r>
-              <a:rPr lang="en-US" altLang="ko-KR" smtClean="0"/>
-              <a:t>DB1</a:t>
-            </a:r>
-            <a:endParaRPr lang="ko-KR" altLang="en-US"/>
+              <a:rPr lang="en-US" altLang="ko-KR" smtClean="0">
+                <a:solidFill>
+                  <a:schemeClr val="bg1"/>
+                </a:solidFill>
+              </a:rPr>
+              <a:t>Data </a:t>
+            </a:r>
+            <a:r>
+              <a:rPr lang="ko-KR" altLang="en-US" smtClean="0">
+                <a:solidFill>
+                  <a:schemeClr val="bg1"/>
+                </a:solidFill>
+              </a:rPr>
+              <a:t>변환</a:t>
+            </a:r>
+            <a:endParaRPr lang="ko-KR" altLang="en-US">
+              <a:solidFill>
+                <a:schemeClr val="bg1"/>
+              </a:solidFill>
+            </a:endParaRPr>
           </a:p>
         </p:txBody>
       </p:sp>
       <p:sp>
         <p:nvSpPr>
-          <p:cNvPr id="79" name="원통 78"/>
-          <p:cNvSpPr/>
+          <p:cNvPr id="11" name="TextBox 10"/>
+          <p:cNvSpPr txBox="1">
+            <a:spLocks/>
+          </p:cNvSpPr>
           <p:nvPr/>
         </p:nvSpPr>
         <p:spPr>
           <a:xfrm>
-            <a:off x="9835035" y="4647120"/>
-            <a:ext cx="1313411" cy="1155470"/>
+            <a:off x="8557190" y="5453979"/>
+            <a:ext cx="1072001" cy="333941"/>
           </a:xfrm>
-          <a:prstGeom prst="can">
+          <a:prstGeom prst="rect">
             <a:avLst/>
           </a:prstGeom>
+          <a:solidFill>
+            <a:schemeClr val="accent5">
+              <a:lumMod val="75000"/>
+            </a:schemeClr>
+          </a:solidFill>
+          <a:ln w="28575">
+            <a:noFill/>
+          </a:ln>
         </p:spPr>
-        <p:style>
-          <a:lnRef idx="2">
-            <a:schemeClr val="accent1">
-              <a:shade val="50000"/>
-            </a:schemeClr>
-          </a:lnRef>
-          <a:fillRef idx="1">
-            <a:schemeClr val="accent1"/>
-          </a:fillRef>
-          <a:effectRef idx="0">
-            <a:schemeClr val="accent1"/>
-          </a:effectRef>
-          <a:fontRef idx="minor">
-            <a:schemeClr val="lt1"/>
-          </a:fontRef>
-        </p:style>
         <p:txBody>
-          <a:bodyPr rtlCol="0" anchor="ctr"/>
+          <a:bodyPr wrap="square" rtlCol="0" anchor="ctr">
+            <a:normAutofit fontScale="85000" lnSpcReduction="10000"/>
+          </a:bodyPr>
           <a:lstStyle/>
           <a:p>
             <a:pPr algn="ctr"/>
             <a:r>
-              <a:rPr lang="en-US" altLang="ko-KR" smtClean="0"/>
-              <a:t>TARGET</a:t>
-            </a:r>
-            <a:r>
-              <a:rPr lang="ko-KR" altLang="en-US" smtClean="0"/>
-              <a:t> </a:t>
-            </a:r>
-            <a:r>
-              <a:rPr lang="en-US" altLang="ko-KR" smtClean="0"/>
-              <a:t>DB2</a:t>
-            </a:r>
-            <a:endParaRPr lang="ko-KR" altLang="en-US"/>
+              <a:rPr lang="en-US" altLang="ko-KR" smtClean="0">
+                <a:solidFill>
+                  <a:schemeClr val="bg1"/>
+                </a:solidFill>
+              </a:rPr>
+              <a:t>Data </a:t>
+            </a:r>
+            <a:r>
+              <a:rPr lang="ko-KR" altLang="en-US" smtClean="0">
+                <a:solidFill>
+                  <a:schemeClr val="bg1"/>
+                </a:solidFill>
+              </a:rPr>
+              <a:t>저장</a:t>
+            </a:r>
+            <a:endParaRPr lang="ko-KR" altLang="en-US">
+              <a:solidFill>
+                <a:schemeClr val="bg1"/>
+              </a:solidFill>
+            </a:endParaRPr>
           </a:p>
         </p:txBody>
       </p:sp>
       <p:sp>
         <p:nvSpPr>
-          <p:cNvPr id="80" name="육각형 79"/>
-          <p:cNvSpPr/>
+          <p:cNvPr id="12" name="TextBox 11"/>
+          <p:cNvSpPr txBox="1">
+            <a:spLocks/>
+          </p:cNvSpPr>
           <p:nvPr/>
         </p:nvSpPr>
         <p:spPr>
           <a:xfrm>
-            <a:off x="607907" y="2248900"/>
-            <a:ext cx="2161309" cy="1105593"/>
+            <a:off x="5226161" y="5449550"/>
+            <a:ext cx="1072001" cy="333941"/>
           </a:xfrm>
-          <a:prstGeom prst="hexagon">
+          <a:prstGeom prst="rect">
             <a:avLst/>
           </a:prstGeom>
+          <a:solidFill>
+            <a:schemeClr val="accent5">
+              <a:lumMod val="75000"/>
+            </a:schemeClr>
+          </a:solidFill>
+          <a:ln w="28575">
+            <a:noFill/>
+          </a:ln>
         </p:spPr>
-        <p:style>
-          <a:lnRef idx="2">
-            <a:schemeClr val="accent1">
-              <a:shade val="50000"/>
-            </a:schemeClr>
-          </a:lnRef>
-          <a:fillRef idx="1">
-            <a:schemeClr val="accent1"/>
-          </a:fillRef>
-          <a:effectRef idx="0">
-            <a:schemeClr val="accent1"/>
-          </a:effectRef>
-          <a:fontRef idx="minor">
-            <a:schemeClr val="lt1"/>
-          </a:fontRef>
-        </p:style>
         <p:txBody>
-          <a:bodyPr rtlCol="0" anchor="ctr"/>
+          <a:bodyPr wrap="square" rtlCol="0" anchor="ctr">
+            <a:normAutofit fontScale="85000" lnSpcReduction="10000"/>
+          </a:bodyPr>
           <a:lstStyle/>
           <a:p>
             <a:pPr algn="ctr"/>
             <a:r>
-              <a:rPr lang="en-US" altLang="ko-KR" smtClean="0"/>
-              <a:t>Application</a:t>
-            </a:r>
-            <a:endParaRPr lang="ko-KR" altLang="en-US"/>
+              <a:rPr lang="en-US" altLang="ko-KR" smtClean="0">
+                <a:solidFill>
+                  <a:schemeClr val="bg1"/>
+                </a:solidFill>
+              </a:rPr>
+              <a:t>Data </a:t>
+            </a:r>
+            <a:r>
+              <a:rPr lang="ko-KR" altLang="en-US" smtClean="0">
+                <a:solidFill>
+                  <a:schemeClr val="bg1"/>
+                </a:solidFill>
+              </a:rPr>
+              <a:t>저장</a:t>
+            </a:r>
+            <a:endParaRPr lang="ko-KR" altLang="en-US">
+              <a:solidFill>
+                <a:schemeClr val="bg1"/>
+              </a:solidFill>
+            </a:endParaRPr>
           </a:p>
         </p:txBody>
       </p:sp>
-      <p:cxnSp>
-        <p:nvCxnSpPr>
-          <p:cNvPr id="81" name="꺾인 연결선 80"/>
-          <p:cNvCxnSpPr>
-            <a:stCxn id="80" idx="0"/>
-            <a:endCxn id="77" idx="2"/>
-          </p:cNvCxnSpPr>
-          <p:nvPr/>
-        </p:nvCxnSpPr>
-        <p:spPr>
-          <a:xfrm>
-            <a:off x="2769216" y="2801697"/>
-            <a:ext cx="1101436" cy="2414846"/>
-          </a:xfrm>
-          <a:prstGeom prst="bentConnector3">
-            <a:avLst>
-              <a:gd name="adj1" fmla="val 50000"/>
-            </a:avLst>
-          </a:prstGeom>
-          <a:ln w="57150">
-            <a:tailEnd type="triangle"/>
-          </a:ln>
-        </p:spPr>
-        <p:style>
-          <a:lnRef idx="1">
-            <a:schemeClr val="accent1"/>
-          </a:lnRef>
-          <a:fillRef idx="0">
-            <a:schemeClr val="accent1"/>
-          </a:fillRef>
-          <a:effectRef idx="0">
-            <a:schemeClr val="accent1"/>
-          </a:effectRef>
-          <a:fontRef idx="minor">
-            <a:schemeClr val="tx1"/>
-          </a:fontRef>
-        </p:style>
-      </p:cxnSp>
-      <p:cxnSp>
-        <p:nvCxnSpPr>
-          <p:cNvPr id="82" name="꺾인 연결선 81"/>
-          <p:cNvCxnSpPr>
-            <a:stCxn id="77" idx="1"/>
-            <a:endCxn id="87" idx="2"/>
-          </p:cNvCxnSpPr>
-          <p:nvPr/>
-        </p:nvCxnSpPr>
-        <p:spPr>
-          <a:xfrm rot="16200000" flipV="1">
-            <a:off x="3663168" y="3774617"/>
-            <a:ext cx="1400028" cy="328353"/>
-          </a:xfrm>
-          <a:prstGeom prst="bentConnector3">
-            <a:avLst>
-              <a:gd name="adj1" fmla="val 50000"/>
-            </a:avLst>
-          </a:prstGeom>
-          <a:ln w="57150">
-            <a:tailEnd type="triangle"/>
-          </a:ln>
-        </p:spPr>
-        <p:style>
-          <a:lnRef idx="1">
-            <a:schemeClr val="accent1"/>
-          </a:lnRef>
-          <a:fillRef idx="0">
-            <a:schemeClr val="accent1"/>
-          </a:fillRef>
-          <a:effectRef idx="0">
-            <a:schemeClr val="accent1"/>
-          </a:effectRef>
-          <a:fontRef idx="minor">
-            <a:schemeClr val="tx1"/>
-          </a:fontRef>
-        </p:style>
-      </p:cxnSp>
-      <p:cxnSp>
-        <p:nvCxnSpPr>
-          <p:cNvPr id="83" name="꺾인 연결선 82"/>
-          <p:cNvCxnSpPr>
-            <a:stCxn id="88" idx="2"/>
-          </p:cNvCxnSpPr>
-          <p:nvPr/>
-        </p:nvCxnSpPr>
-        <p:spPr>
-          <a:xfrm rot="16200000" flipH="1">
-            <a:off x="5021990" y="3473781"/>
-            <a:ext cx="1413166" cy="933512"/>
-          </a:xfrm>
-          <a:prstGeom prst="bentConnector3">
-            <a:avLst>
-              <a:gd name="adj1" fmla="val 50000"/>
-            </a:avLst>
-          </a:prstGeom>
-          <a:ln w="57150">
-            <a:tailEnd type="triangle"/>
-          </a:ln>
-        </p:spPr>
-        <p:style>
-          <a:lnRef idx="1">
-            <a:schemeClr val="accent1"/>
-          </a:lnRef>
-          <a:fillRef idx="0">
-            <a:schemeClr val="accent1"/>
-          </a:fillRef>
-          <a:effectRef idx="0">
-            <a:schemeClr val="accent1"/>
-          </a:effectRef>
-          <a:fontRef idx="minor">
-            <a:schemeClr val="tx1"/>
-          </a:fontRef>
-        </p:style>
-      </p:cxnSp>
-      <p:cxnSp>
-        <p:nvCxnSpPr>
-          <p:cNvPr id="84" name="꺾인 연결선 83"/>
-          <p:cNvCxnSpPr>
-            <a:endCxn id="89" idx="2"/>
-          </p:cNvCxnSpPr>
-          <p:nvPr/>
-        </p:nvCxnSpPr>
-        <p:spPr>
-          <a:xfrm rot="5400000" flipH="1" flipV="1">
-            <a:off x="6445258" y="3440138"/>
-            <a:ext cx="1413174" cy="1000790"/>
-          </a:xfrm>
-          <a:prstGeom prst="bentConnector3">
-            <a:avLst>
-              <a:gd name="adj1" fmla="val 50000"/>
-            </a:avLst>
-          </a:prstGeom>
-          <a:ln w="57150">
-            <a:tailEnd type="triangle"/>
-          </a:ln>
-        </p:spPr>
-        <p:style>
-          <a:lnRef idx="1">
-            <a:schemeClr val="accent1"/>
-          </a:lnRef>
-          <a:fillRef idx="0">
-            <a:schemeClr val="accent1"/>
-          </a:fillRef>
-          <a:effectRef idx="0">
-            <a:schemeClr val="accent1"/>
-          </a:effectRef>
-          <a:fontRef idx="minor">
-            <a:schemeClr val="tx1"/>
-          </a:fontRef>
-        </p:style>
-      </p:cxnSp>
-      <p:cxnSp>
-        <p:nvCxnSpPr>
-          <p:cNvPr id="85" name="꺾인 연결선 84"/>
-          <p:cNvCxnSpPr>
-            <a:stCxn id="90" idx="2"/>
-            <a:endCxn id="78" idx="1"/>
-          </p:cNvCxnSpPr>
-          <p:nvPr/>
-        </p:nvCxnSpPr>
-        <p:spPr>
-          <a:xfrm rot="5400000">
-            <a:off x="8054885" y="3700693"/>
-            <a:ext cx="1413166" cy="479688"/>
-          </a:xfrm>
-          <a:prstGeom prst="bentConnector3">
-            <a:avLst>
-              <a:gd name="adj1" fmla="val 50000"/>
-            </a:avLst>
-          </a:prstGeom>
-          <a:ln w="57150">
-            <a:tailEnd type="triangle"/>
-          </a:ln>
-        </p:spPr>
-        <p:style>
-          <a:lnRef idx="1">
-            <a:schemeClr val="accent1"/>
-          </a:lnRef>
-          <a:fillRef idx="0">
-            <a:schemeClr val="accent1"/>
-          </a:fillRef>
-          <a:effectRef idx="0">
-            <a:schemeClr val="accent1"/>
-          </a:effectRef>
-          <a:fontRef idx="minor">
-            <a:schemeClr val="tx1"/>
-          </a:fontRef>
-        </p:style>
-      </p:cxnSp>
-      <p:cxnSp>
-        <p:nvCxnSpPr>
-          <p:cNvPr id="86" name="꺾인 연결선 85"/>
-          <p:cNvCxnSpPr>
-            <a:stCxn id="91" idx="2"/>
-            <a:endCxn id="79" idx="1"/>
-          </p:cNvCxnSpPr>
-          <p:nvPr/>
-        </p:nvCxnSpPr>
-        <p:spPr>
-          <a:xfrm rot="16200000" flipH="1">
-            <a:off x="9594811" y="3750190"/>
-            <a:ext cx="1413166" cy="380693"/>
-          </a:xfrm>
-          <a:prstGeom prst="bentConnector3">
-            <a:avLst>
-              <a:gd name="adj1" fmla="val 50000"/>
-            </a:avLst>
-          </a:prstGeom>
-          <a:ln w="57150">
-            <a:tailEnd type="triangle"/>
-          </a:ln>
-        </p:spPr>
-        <p:style>
-          <a:lnRef idx="1">
-            <a:schemeClr val="accent1"/>
-          </a:lnRef>
-          <a:fillRef idx="0">
-            <a:schemeClr val="accent1"/>
-          </a:fillRef>
-          <a:effectRef idx="0">
-            <a:schemeClr val="accent1"/>
-          </a:effectRef>
-          <a:fontRef idx="minor">
-            <a:schemeClr val="tx1"/>
-          </a:fontRef>
-        </p:style>
-      </p:cxnSp>
+      <p:graphicFrame>
+        <p:nvGraphicFramePr>
+          <p:cNvPr id="4" name="개체 3"/>
+          <p:cNvGraphicFramePr>
+            <a:graphicFrameLocks noChangeAspect="1"/>
+          </p:cNvGraphicFramePr>
+          <p:nvPr>
+            <p:extLst>
+              <p:ext uri="{D42A27DB-BD31-4B8C-83A1-F6EECF244321}">
+                <p14:modId xmlns:p14="http://schemas.microsoft.com/office/powerpoint/2010/main" val="1551587409"/>
+              </p:ext>
+            </p:extLst>
+          </p:nvPr>
+        </p:nvGraphicFramePr>
+        <p:xfrm>
+          <a:off x="9427420" y="1218992"/>
+          <a:ext cx="1926380" cy="526464"/>
+        </p:xfrm>
+        <a:graphic>
+          <a:graphicData uri="http://schemas.openxmlformats.org/presentationml/2006/ole">
+            <mc:AlternateContent xmlns:mc="http://schemas.openxmlformats.org/markup-compatibility/2006">
+              <mc:Choice xmlns:v="urn:schemas-microsoft-com:vml" Requires="v">
+                <p:oleObj spid="_x0000_s2156" name="포장기 셸 개체" showAsIcon="1" r:id="rId4" imgW="1277280" imgH="349200" progId="Package">
+                  <p:embed/>
+                </p:oleObj>
+              </mc:Choice>
+              <mc:Fallback>
+                <p:oleObj name="포장기 셸 개체" showAsIcon="1" r:id="rId4" imgW="1277280" imgH="349200" progId="Package">
+                  <p:embed/>
+                  <p:pic>
+                    <p:nvPicPr>
+                      <p:cNvPr id="0" name=""/>
+                      <p:cNvPicPr/>
+                      <p:nvPr/>
+                    </p:nvPicPr>
+                    <p:blipFill>
+                      <a:blip r:embed="rId5"/>
+                      <a:stretch>
+                        <a:fillRect/>
+                      </a:stretch>
+                    </p:blipFill>
+                    <p:spPr>
+                      <a:xfrm>
+                        <a:off x="9427420" y="1218992"/>
+                        <a:ext cx="1926380" cy="526464"/>
+                      </a:xfrm>
+                      <a:prstGeom prst="rect">
+                        <a:avLst/>
+                      </a:prstGeom>
+                    </p:spPr>
+                  </p:pic>
+                </p:oleObj>
+              </mc:Fallback>
+            </mc:AlternateContent>
+          </a:graphicData>
+        </a:graphic>
+      </p:graphicFrame>
       <p:sp>
         <p:nvSpPr>
-          <p:cNvPr id="87" name="모서리가 둥근 직사각형 86"/>
-          <p:cNvSpPr/>
+          <p:cNvPr id="13" name="TextBox 12"/>
+          <p:cNvSpPr txBox="1"/>
           <p:nvPr/>
         </p:nvSpPr>
         <p:spPr>
           <a:xfrm>
-            <a:off x="3776941" y="2932906"/>
-            <a:ext cx="844127" cy="305874"/>
+            <a:off x="838200" y="1376125"/>
+            <a:ext cx="7910755" cy="369332"/>
           </a:xfrm>
-          <a:prstGeom prst="roundRect">
+          <a:prstGeom prst="rect">
             <a:avLst/>
           </a:prstGeom>
-          <a:solidFill>
-            <a:srgbClr val="92D050"/>
-          </a:solidFill>
+          <a:noFill/>
         </p:spPr>
-        <p:style>
-          <a:lnRef idx="2">
-            <a:schemeClr val="accent1">
-              <a:shade val="50000"/>
-            </a:schemeClr>
-          </a:lnRef>
-          <a:fillRef idx="1">
-            <a:schemeClr val="accent1"/>
-          </a:fillRef>
-          <a:effectRef idx="0">
-            <a:schemeClr val="accent1"/>
-          </a:effectRef>
-          <a:fontRef idx="minor">
-            <a:schemeClr val="lt1"/>
-          </a:fontRef>
-        </p:style>
         <p:txBody>
-          <a:bodyPr rtlCol="0" anchor="ctr"/>
+          <a:bodyPr wrap="none" rtlCol="0">
+            <a:spAutoFit/>
+          </a:bodyPr>
           <a:lstStyle/>
           <a:p>
-            <a:pPr algn="ctr"/>
-            <a:r>
-              <a:rPr lang="en-US" altLang="ko-KR" sz="1100" smtClean="0"/>
-              <a:t>controller</a:t>
-            </a:r>
-            <a:endParaRPr lang="ko-KR" altLang="en-US" sz="1100"/>
+            <a:r>
+              <a:rPr lang="ko-KR" altLang="en-US" smtClean="0"/>
+              <a:t>첨부한 </a:t>
+            </a:r>
+            <a:r>
+              <a:rPr lang="en-US" altLang="ko-KR" smtClean="0"/>
+              <a:t>NiFi Template </a:t>
+            </a:r>
+            <a:r>
+              <a:rPr lang="ko-KR" altLang="en-US" smtClean="0"/>
+              <a:t>파일을 </a:t>
+            </a:r>
+            <a:r>
+              <a:rPr lang="en-US" altLang="ko-KR" smtClean="0"/>
+              <a:t>NiFi </a:t>
+            </a:r>
+            <a:r>
+              <a:rPr lang="ko-KR" altLang="en-US" smtClean="0"/>
+              <a:t>에 로드하면 아래와 같은 구성이 가능함</a:t>
+            </a:r>
+            <a:r>
+              <a:rPr lang="en-US" altLang="ko-KR" smtClean="0"/>
+              <a:t>.</a:t>
+            </a:r>
+            <a:r>
+              <a:rPr lang="ko-KR" altLang="en-US" smtClean="0"/>
+              <a:t> </a:t>
+            </a:r>
+            <a:endParaRPr lang="ko-KR" altLang="en-US"/>
           </a:p>
         </p:txBody>
       </p:sp>
       <p:sp>
         <p:nvSpPr>
-          <p:cNvPr id="88" name="모서리가 둥근 직사각형 87"/>
-          <p:cNvSpPr/>
+          <p:cNvPr id="14" name="TextBox 13"/>
+          <p:cNvSpPr txBox="1">
+            <a:spLocks/>
+          </p:cNvSpPr>
           <p:nvPr/>
         </p:nvSpPr>
         <p:spPr>
           <a:xfrm>
-            <a:off x="4839753" y="2928080"/>
-            <a:ext cx="844127" cy="305874"/>
+            <a:off x="10134064" y="3541203"/>
+            <a:ext cx="1072001" cy="333941"/>
           </a:xfrm>
-          <a:prstGeom prst="roundRect">
+          <a:prstGeom prst="rect">
             <a:avLst/>
           </a:prstGeom>
           <a:solidFill>
-            <a:srgbClr val="92D050"/>
+            <a:schemeClr val="accent5">
+              <a:lumMod val="75000"/>
+            </a:schemeClr>
           </a:solidFill>
+          <a:ln w="28575">
+            <a:noFill/>
+          </a:ln>
         </p:spPr>
-        <p:style>
-          <a:lnRef idx="2">
-            <a:schemeClr val="accent1">
-              <a:shade val="50000"/>
-            </a:schemeClr>
-          </a:lnRef>
-          <a:fillRef idx="1">
-            <a:schemeClr val="accent1"/>
-          </a:fillRef>
-          <a:effectRef idx="0">
-            <a:schemeClr val="accent1"/>
-          </a:effectRef>
-          <a:fontRef idx="minor">
-            <a:schemeClr val="lt1"/>
-          </a:fontRef>
-        </p:style>
         <p:txBody>
-          <a:bodyPr rtlCol="0" anchor="ctr"/>
+          <a:bodyPr wrap="square" rtlCol="0" anchor="ctr">
+            <a:normAutofit fontScale="85000" lnSpcReduction="10000"/>
+          </a:bodyPr>
           <a:lstStyle/>
           <a:p>
             <a:pPr algn="ctr"/>
             <a:r>
-              <a:rPr lang="en-US" altLang="ko-KR" sz="1100" smtClean="0"/>
-              <a:t>controller</a:t>
-            </a:r>
-            <a:endParaRPr lang="ko-KR" altLang="en-US" sz="1100"/>
-          </a:p>
-        </p:txBody>
-      </p:sp>
-      <p:sp>
-        <p:nvSpPr>
-          <p:cNvPr id="89" name="모서리가 둥근 직사각형 88"/>
-          <p:cNvSpPr/>
-          <p:nvPr/>
-        </p:nvSpPr>
-        <p:spPr>
-          <a:xfrm>
-            <a:off x="7230176" y="2928072"/>
-            <a:ext cx="844127" cy="305874"/>
-          </a:xfrm>
-          <a:prstGeom prst="roundRect">
-            <a:avLst/>
-          </a:prstGeom>
-          <a:solidFill>
-            <a:srgbClr val="92D050"/>
-          </a:solidFill>
-        </p:spPr>
-        <p:style>
-          <a:lnRef idx="2">
-            <a:schemeClr val="accent1">
-              <a:shade val="50000"/>
-            </a:schemeClr>
-          </a:lnRef>
-          <a:fillRef idx="1">
-            <a:schemeClr val="accent1"/>
-          </a:fillRef>
-          <a:effectRef idx="0">
-            <a:schemeClr val="accent1"/>
-          </a:effectRef>
-          <a:fontRef idx="minor">
-            <a:schemeClr val="lt1"/>
-          </a:fontRef>
-        </p:style>
-        <p:txBody>
-          <a:bodyPr rtlCol="0" anchor="ctr"/>
-          <a:lstStyle/>
-          <a:p>
-            <a:pPr algn="ctr"/>
-            <a:r>
-              <a:rPr lang="en-US" altLang="ko-KR" sz="1100" smtClean="0"/>
-              <a:t>controller</a:t>
-            </a:r>
-            <a:endParaRPr lang="ko-KR" altLang="en-US" sz="1100"/>
-          </a:p>
-        </p:txBody>
-      </p:sp>
-      <p:sp>
-        <p:nvSpPr>
-          <p:cNvPr id="90" name="모서리가 둥근 직사각형 89"/>
-          <p:cNvSpPr/>
-          <p:nvPr/>
-        </p:nvSpPr>
-        <p:spPr>
-          <a:xfrm>
-            <a:off x="8579248" y="2928080"/>
-            <a:ext cx="844127" cy="305874"/>
-          </a:xfrm>
-          <a:prstGeom prst="roundRect">
-            <a:avLst/>
-          </a:prstGeom>
-          <a:solidFill>
-            <a:srgbClr val="92D050"/>
-          </a:solidFill>
-        </p:spPr>
-        <p:style>
-          <a:lnRef idx="2">
-            <a:schemeClr val="accent1">
-              <a:shade val="50000"/>
-            </a:schemeClr>
-          </a:lnRef>
-          <a:fillRef idx="1">
-            <a:schemeClr val="accent1"/>
-          </a:fillRef>
-          <a:effectRef idx="0">
-            <a:schemeClr val="accent1"/>
-          </a:effectRef>
-          <a:fontRef idx="minor">
-            <a:schemeClr val="lt1"/>
-          </a:fontRef>
-        </p:style>
-        <p:txBody>
-          <a:bodyPr rtlCol="0" anchor="ctr"/>
-          <a:lstStyle/>
-          <a:p>
-            <a:pPr algn="ctr"/>
-            <a:r>
-              <a:rPr lang="en-US" altLang="ko-KR" sz="1100" smtClean="0"/>
-              <a:t>controller</a:t>
-            </a:r>
-            <a:endParaRPr lang="ko-KR" altLang="en-US" sz="1100"/>
-          </a:p>
-        </p:txBody>
-      </p:sp>
-      <p:sp>
-        <p:nvSpPr>
-          <p:cNvPr id="91" name="모서리가 둥근 직사각형 90"/>
-          <p:cNvSpPr/>
-          <p:nvPr/>
-        </p:nvSpPr>
-        <p:spPr>
-          <a:xfrm>
-            <a:off x="9688984" y="2928080"/>
-            <a:ext cx="844127" cy="305874"/>
-          </a:xfrm>
-          <a:prstGeom prst="roundRect">
-            <a:avLst/>
-          </a:prstGeom>
-          <a:solidFill>
-            <a:srgbClr val="92D050"/>
-          </a:solidFill>
-        </p:spPr>
-        <p:style>
-          <a:lnRef idx="2">
-            <a:schemeClr val="accent1">
-              <a:shade val="50000"/>
-            </a:schemeClr>
-          </a:lnRef>
-          <a:fillRef idx="1">
-            <a:schemeClr val="accent1"/>
-          </a:fillRef>
-          <a:effectRef idx="0">
-            <a:schemeClr val="accent1"/>
-          </a:effectRef>
-          <a:fontRef idx="minor">
-            <a:schemeClr val="lt1"/>
-          </a:fontRef>
-        </p:style>
-        <p:txBody>
-          <a:bodyPr rtlCol="0" anchor="ctr"/>
-          <a:lstStyle/>
-          <a:p>
-            <a:pPr algn="ctr"/>
-            <a:r>
-              <a:rPr lang="en-US" altLang="ko-KR" sz="1100" smtClean="0"/>
-              <a:t>controller</a:t>
-            </a:r>
-            <a:endParaRPr lang="ko-KR" altLang="en-US" sz="1100"/>
+              <a:rPr lang="en-US" altLang="ko-KR" smtClean="0">
+                <a:solidFill>
+                  <a:schemeClr val="bg1"/>
+                </a:solidFill>
+              </a:rPr>
+              <a:t>Error </a:t>
+            </a:r>
+            <a:r>
+              <a:rPr lang="ko-KR" altLang="en-US" smtClean="0">
+                <a:solidFill>
+                  <a:schemeClr val="bg1"/>
+                </a:solidFill>
+              </a:rPr>
+              <a:t>처리</a:t>
+            </a:r>
+            <a:endParaRPr lang="ko-KR" altLang="en-US">
+              <a:solidFill>
+                <a:schemeClr val="bg1"/>
+              </a:solidFill>
+            </a:endParaRPr>
           </a:p>
         </p:txBody>
       </p:sp>
     </p:spTree>
     <p:extLst>
       <p:ext uri="{BB962C8B-B14F-4D97-AF65-F5344CB8AC3E}">
-        <p14:creationId xmlns:p14="http://schemas.microsoft.com/office/powerpoint/2010/main" val="1057034597"/>
+        <p14:creationId xmlns:p14="http://schemas.microsoft.com/office/powerpoint/2010/main" val="4238028998"/>
       </p:ext>
     </p:extLst>
   </p:cSld>
@@ -5864,62 +8048,374 @@
           <a:lstStyle/>
           <a:p>
             <a:r>
-              <a:rPr lang="en-US" altLang="ko-KR"/>
-              <a:t>NiFi </a:t>
-            </a:r>
-            <a:r>
               <a:rPr lang="en-US" altLang="ko-KR" smtClean="0"/>
-              <a:t>Architecture</a:t>
+              <a:t>Kafka Connect </a:t>
+            </a:r>
+            <a:r>
+              <a:rPr lang="ko-KR" altLang="en-US" smtClean="0"/>
+              <a:t>환경 구성</a:t>
             </a:r>
             <a:endParaRPr lang="ko-KR" altLang="en-US"/>
           </a:p>
         </p:txBody>
       </p:sp>
-      <p:pic>
-        <p:nvPicPr>
-          <p:cNvPr id="1026" name="Picture 2" descr="NiFi Architecture Diagram"/>
-          <p:cNvPicPr>
-            <a:picLocks noChangeAspect="1" noChangeArrowheads="1"/>
-          </p:cNvPicPr>
-          <p:nvPr/>
-        </p:nvPicPr>
-        <p:blipFill>
-          <a:blip r:embed="rId2">
-            <a:extLst>
-              <a:ext uri="{28A0092B-C50C-407E-A947-70E740481C1C}">
-                <a14:useLocalDpi xmlns:a14="http://schemas.microsoft.com/office/drawing/2010/main" val="0"/>
-              </a:ext>
-            </a:extLst>
-          </a:blip>
-          <a:srcRect/>
-          <a:stretch>
-            <a:fillRect/>
-          </a:stretch>
-        </p:blipFill>
-        <p:spPr bwMode="auto">
-          <a:xfrm>
-            <a:off x="1476375" y="1508789"/>
-            <a:ext cx="9239250" cy="4857751"/>
-          </a:xfrm>
-          <a:prstGeom prst="rect">
-            <a:avLst/>
-          </a:prstGeom>
-          <a:noFill/>
-          <a:extLst>
-            <a:ext uri="{909E8E84-426E-40DD-AFC4-6F175D3DCCD1}">
-              <a14:hiddenFill xmlns:a14="http://schemas.microsoft.com/office/drawing/2010/main">
-                <a:solidFill>
-                  <a:srgbClr val="FFFFFF"/>
-                </a:solidFill>
-              </a14:hiddenFill>
-            </a:ext>
-          </a:extLst>
-        </p:spPr>
-      </p:pic>
+      <p:sp>
+        <p:nvSpPr>
+          <p:cNvPr id="4" name="내용 개체 틀 3"/>
+          <p:cNvSpPr>
+            <a:spLocks noGrp="1"/>
+          </p:cNvSpPr>
+          <p:nvPr>
+            <p:ph idx="1"/>
+          </p:nvPr>
+        </p:nvSpPr>
+        <p:spPr/>
+        <p:txBody>
+          <a:bodyPr>
+            <a:normAutofit fontScale="85000" lnSpcReduction="20000"/>
+          </a:bodyPr>
+          <a:lstStyle/>
+          <a:p>
+            <a:r>
+              <a:rPr lang="ko-KR" altLang="en-US" smtClean="0"/>
+              <a:t>공통</a:t>
+            </a:r>
+            <a:endParaRPr lang="en-US" altLang="ko-KR" smtClean="0"/>
+          </a:p>
+          <a:p>
+            <a:pPr lvl="1"/>
+            <a:r>
+              <a:rPr lang="en-US" altLang="ko-KR" smtClean="0"/>
+              <a:t>Jdbc connector download</a:t>
+            </a:r>
+          </a:p>
+          <a:p>
+            <a:pPr lvl="1"/>
+            <a:r>
+              <a:rPr lang="en-US" altLang="ko-KR">
+                <a:hlinkClick r:id="rId3"/>
+              </a:rPr>
+              <a:t>https://www.confluent.io/hub/confluentinc/kafka-connect-jdbc</a:t>
+            </a:r>
+            <a:endParaRPr lang="en-US" altLang="ko-KR" smtClean="0"/>
+          </a:p>
+          <a:p>
+            <a:pPr lvl="1"/>
+            <a:r>
+              <a:rPr lang="en-US" altLang="ko-KR" smtClean="0">
+                <a:hlinkClick r:id="rId4"/>
+              </a:rPr>
+              <a:t>https</a:t>
+            </a:r>
+            <a:r>
+              <a:rPr lang="en-US" altLang="ko-KR">
+                <a:hlinkClick r:id="rId4"/>
+              </a:rPr>
+              <a:t>://</a:t>
+            </a:r>
+            <a:r>
+              <a:rPr lang="en-US" altLang="ko-KR" smtClean="0">
+                <a:hlinkClick r:id="rId4"/>
+              </a:rPr>
+              <a:t>docs.confluent.io/current/connect/kafka-connect-jdbc/index.html</a:t>
+            </a:r>
+            <a:r>
+              <a:rPr lang="en-US" altLang="ko-KR" smtClean="0"/>
+              <a:t/>
+            </a:r>
+            <a:br>
+              <a:rPr lang="en-US" altLang="ko-KR" smtClean="0"/>
+            </a:br>
+            <a:endParaRPr lang="en-US" altLang="ko-KR" smtClean="0"/>
+          </a:p>
+          <a:p>
+            <a:r>
+              <a:rPr lang="en-US" altLang="ko-KR" smtClean="0"/>
+              <a:t>Source Connect</a:t>
+            </a:r>
+          </a:p>
+          <a:p>
+            <a:pPr lvl="1"/>
+            <a:r>
+              <a:rPr lang="en-US" altLang="ko-KR">
+                <a:hlinkClick r:id="rId5"/>
+              </a:rPr>
+              <a:t>https</a:t>
+            </a:r>
+            <a:r>
+              <a:rPr lang="en-US" altLang="ko-KR">
+                <a:hlinkClick r:id="rId5"/>
+              </a:rPr>
+              <a:t>://</a:t>
+            </a:r>
+            <a:r>
+              <a:rPr lang="en-US" altLang="ko-KR" smtClean="0">
+                <a:hlinkClick r:id="rId5"/>
+              </a:rPr>
+              <a:t>docs.confluent.io/5.4.0/connect/kafka-connect-jdbc/source-connector/source_config_options.html</a:t>
+            </a:r>
+            <a:r>
+              <a:rPr lang="en-US" altLang="ko-KR" smtClean="0"/>
+              <a:t/>
+            </a:r>
+            <a:br>
+              <a:rPr lang="en-US" altLang="ko-KR" smtClean="0"/>
+            </a:br>
+            <a:endParaRPr lang="en-US" altLang="ko-KR" smtClean="0"/>
+          </a:p>
+          <a:p>
+            <a:r>
+              <a:rPr lang="en-US" altLang="ko-KR" smtClean="0"/>
+              <a:t>Sink Connect</a:t>
+            </a:r>
+          </a:p>
+          <a:p>
+            <a:pPr lvl="1"/>
+            <a:r>
+              <a:rPr lang="en-US" altLang="ko-KR">
+                <a:hlinkClick r:id="rId6"/>
+              </a:rPr>
+              <a:t>https</a:t>
+            </a:r>
+            <a:r>
+              <a:rPr lang="en-US" altLang="ko-KR">
+                <a:hlinkClick r:id="rId6"/>
+              </a:rPr>
+              <a:t>://</a:t>
+            </a:r>
+            <a:r>
+              <a:rPr lang="en-US" altLang="ko-KR" smtClean="0">
+                <a:hlinkClick r:id="rId6"/>
+              </a:rPr>
+              <a:t>docs.confluent.io/5.4.0/connect/kafka-connect-jdbc/sink-connector/sink_config_options.html</a:t>
+            </a:r>
+            <a:endParaRPr lang="en-US" altLang="ko-KR" smtClean="0"/>
+          </a:p>
+          <a:p>
+            <a:pPr lvl="1"/>
+            <a:r>
+              <a:rPr lang="ko-KR" altLang="en-US" smtClean="0"/>
+              <a:t>변환 </a:t>
+            </a:r>
+            <a:r>
+              <a:rPr lang="en-US" altLang="ko-KR" smtClean="0"/>
+              <a:t>: </a:t>
+            </a:r>
+            <a:r>
+              <a:rPr lang="en-US" altLang="ko-KR" smtClean="0">
+                <a:hlinkClick r:id="rId7"/>
+              </a:rPr>
+              <a:t>https</a:t>
+            </a:r>
+            <a:r>
+              <a:rPr lang="en-US" altLang="ko-KR">
+                <a:hlinkClick r:id="rId7"/>
+              </a:rPr>
+              <a:t>://</a:t>
+            </a:r>
+            <a:r>
+              <a:rPr lang="en-US" altLang="ko-KR" smtClean="0">
+                <a:hlinkClick r:id="rId7"/>
+              </a:rPr>
+              <a:t>docs.confluent.io/current/connect/transforms/index.html</a:t>
+            </a:r>
+            <a:endParaRPr lang="en-US" altLang="ko-KR" smtClean="0"/>
+          </a:p>
+          <a:p>
+            <a:pPr lvl="1"/>
+            <a:endParaRPr lang="en-US" altLang="ko-KR"/>
+          </a:p>
+          <a:p>
+            <a:pPr marL="0" indent="0">
+              <a:buNone/>
+            </a:pPr>
+            <a:r>
+              <a:rPr lang="en-US" altLang="ko-KR" smtClean="0"/>
+              <a:t># </a:t>
+            </a:r>
+            <a:r>
+              <a:rPr lang="ko-KR" altLang="en-US" smtClean="0"/>
+              <a:t>환경구성 파일 참고</a:t>
+            </a:r>
+            <a:endParaRPr lang="en-US" altLang="ko-KR" smtClean="0"/>
+          </a:p>
+        </p:txBody>
+      </p:sp>
+      <p:graphicFrame>
+        <p:nvGraphicFramePr>
+          <p:cNvPr id="5" name="개체 4"/>
+          <p:cNvGraphicFramePr>
+            <a:graphicFrameLocks noChangeAspect="1"/>
+          </p:cNvGraphicFramePr>
+          <p:nvPr>
+            <p:extLst>
+              <p:ext uri="{D42A27DB-BD31-4B8C-83A1-F6EECF244321}">
+                <p14:modId xmlns:p14="http://schemas.microsoft.com/office/powerpoint/2010/main" val="2196088976"/>
+              </p:ext>
+            </p:extLst>
+          </p:nvPr>
+        </p:nvGraphicFramePr>
+        <p:xfrm>
+          <a:off x="4030307" y="5747755"/>
+          <a:ext cx="1309688" cy="349250"/>
+        </p:xfrm>
+        <a:graphic>
+          <a:graphicData uri="http://schemas.openxmlformats.org/presentationml/2006/ole">
+            <mc:AlternateContent xmlns:mc="http://schemas.openxmlformats.org/markup-compatibility/2006">
+              <mc:Choice xmlns:v="urn:schemas-microsoft-com:vml" Requires="v">
+                <p:oleObj spid="_x0000_s3275" name="포장기 셸 개체" showAsIcon="1" r:id="rId8" imgW="1309320" imgH="349200" progId="Package">
+                  <p:embed/>
+                </p:oleObj>
+              </mc:Choice>
+              <mc:Fallback>
+                <p:oleObj name="포장기 셸 개체" showAsIcon="1" r:id="rId8" imgW="1309320" imgH="349200" progId="Package">
+                  <p:embed/>
+                  <p:pic>
+                    <p:nvPicPr>
+                      <p:cNvPr id="0" name=""/>
+                      <p:cNvPicPr/>
+                      <p:nvPr/>
+                    </p:nvPicPr>
+                    <p:blipFill>
+                      <a:blip r:embed="rId9"/>
+                      <a:stretch>
+                        <a:fillRect/>
+                      </a:stretch>
+                    </p:blipFill>
+                    <p:spPr>
+                      <a:xfrm>
+                        <a:off x="4030307" y="5747755"/>
+                        <a:ext cx="1309688" cy="349250"/>
+                      </a:xfrm>
+                      <a:prstGeom prst="rect">
+                        <a:avLst/>
+                      </a:prstGeom>
+                    </p:spPr>
+                  </p:pic>
+                </p:oleObj>
+              </mc:Fallback>
+            </mc:AlternateContent>
+          </a:graphicData>
+        </a:graphic>
+      </p:graphicFrame>
+      <p:graphicFrame>
+        <p:nvGraphicFramePr>
+          <p:cNvPr id="6" name="개체 5"/>
+          <p:cNvGraphicFramePr>
+            <a:graphicFrameLocks noChangeAspect="1"/>
+          </p:cNvGraphicFramePr>
+          <p:nvPr>
+            <p:extLst>
+              <p:ext uri="{D42A27DB-BD31-4B8C-83A1-F6EECF244321}">
+                <p14:modId xmlns:p14="http://schemas.microsoft.com/office/powerpoint/2010/main" val="236334086"/>
+              </p:ext>
+            </p:extLst>
+          </p:nvPr>
+        </p:nvGraphicFramePr>
+        <p:xfrm>
+          <a:off x="6655837" y="5747755"/>
+          <a:ext cx="922338" cy="349250"/>
+        </p:xfrm>
+        <a:graphic>
+          <a:graphicData uri="http://schemas.openxmlformats.org/presentationml/2006/ole">
+            <mc:AlternateContent xmlns:mc="http://schemas.openxmlformats.org/markup-compatibility/2006">
+              <mc:Choice xmlns:v="urn:schemas-microsoft-com:vml" Requires="v">
+                <p:oleObj spid="_x0000_s3276" name="포장기 셸 개체" showAsIcon="1" r:id="rId10" imgW="922320" imgH="349200" progId="Package">
+                  <p:embed/>
+                </p:oleObj>
+              </mc:Choice>
+              <mc:Fallback>
+                <p:oleObj name="포장기 셸 개체" showAsIcon="1" r:id="rId10" imgW="922320" imgH="349200" progId="Package">
+                  <p:embed/>
+                  <p:pic>
+                    <p:nvPicPr>
+                      <p:cNvPr id="0" name=""/>
+                      <p:cNvPicPr/>
+                      <p:nvPr/>
+                    </p:nvPicPr>
+                    <p:blipFill>
+                      <a:blip r:embed="rId11"/>
+                      <a:stretch>
+                        <a:fillRect/>
+                      </a:stretch>
+                    </p:blipFill>
+                    <p:spPr>
+                      <a:xfrm>
+                        <a:off x="6655837" y="5747755"/>
+                        <a:ext cx="922338" cy="349250"/>
+                      </a:xfrm>
+                      <a:prstGeom prst="rect">
+                        <a:avLst/>
+                      </a:prstGeom>
+                    </p:spPr>
+                  </p:pic>
+                </p:oleObj>
+              </mc:Fallback>
+            </mc:AlternateContent>
+          </a:graphicData>
+        </a:graphic>
+      </p:graphicFrame>
+      <p:graphicFrame>
+        <p:nvGraphicFramePr>
+          <p:cNvPr id="7" name="개체 6"/>
+          <p:cNvGraphicFramePr>
+            <a:graphicFrameLocks noChangeAspect="1"/>
+          </p:cNvGraphicFramePr>
+          <p:nvPr>
+            <p:extLst>
+              <p:ext uri="{D42A27DB-BD31-4B8C-83A1-F6EECF244321}">
+                <p14:modId xmlns:p14="http://schemas.microsoft.com/office/powerpoint/2010/main" val="3313564771"/>
+              </p:ext>
+            </p:extLst>
+          </p:nvPr>
+        </p:nvGraphicFramePr>
+        <p:xfrm>
+          <a:off x="5418106" y="5747755"/>
+          <a:ext cx="1038225" cy="349250"/>
+        </p:xfrm>
+        <a:graphic>
+          <a:graphicData uri="http://schemas.openxmlformats.org/presentationml/2006/ole">
+            <mc:AlternateContent xmlns:mc="http://schemas.openxmlformats.org/markup-compatibility/2006">
+              <mc:Choice xmlns:v="urn:schemas-microsoft-com:vml" Requires="v">
+                <p:oleObj spid="_x0000_s3277" name="포장기 셸 개체" showAsIcon="1" r:id="rId12" imgW="1038600" imgH="349200" progId="Package">
+                  <p:embed/>
+                </p:oleObj>
+              </mc:Choice>
+              <mc:Fallback>
+                <p:oleObj name="포장기 셸 개체" showAsIcon="1" r:id="rId12" imgW="1038600" imgH="349200" progId="Package">
+                  <p:embed/>
+                  <p:pic>
+                    <p:nvPicPr>
+                      <p:cNvPr id="0" name=""/>
+                      <p:cNvPicPr/>
+                      <p:nvPr/>
+                    </p:nvPicPr>
+                    <p:blipFill>
+                      <a:blip r:embed="rId13"/>
+                      <a:stretch>
+                        <a:fillRect/>
+                      </a:stretch>
+                    </p:blipFill>
+                    <p:spPr>
+                      <a:xfrm>
+                        <a:off x="5418106" y="5747755"/>
+                        <a:ext cx="1038225" cy="349250"/>
+                      </a:xfrm>
+                      <a:prstGeom prst="rect">
+                        <a:avLst/>
+                      </a:prstGeom>
+                    </p:spPr>
+                  </p:pic>
+                </p:oleObj>
+              </mc:Fallback>
+            </mc:AlternateContent>
+          </a:graphicData>
+        </a:graphic>
+      </p:graphicFrame>
     </p:spTree>
     <p:extLst>
       <p:ext uri="{BB962C8B-B14F-4D97-AF65-F5344CB8AC3E}">
-        <p14:creationId xmlns:p14="http://schemas.microsoft.com/office/powerpoint/2010/main" val="3892638181"/>
+        <p14:creationId xmlns:p14="http://schemas.microsoft.com/office/powerpoint/2010/main" val="1652703659"/>
       </p:ext>
     </p:extLst>
   </p:cSld>
@@ -5962,56 +8458,1031 @@
           <a:lstStyle/>
           <a:p>
             <a:r>
-              <a:rPr lang="en-US" altLang="ko-KR" smtClean="0"/>
-              <a:t>Nifi-template</a:t>
+              <a:rPr lang="ko-KR" altLang="en-US" smtClean="0"/>
+              <a:t>비교</a:t>
             </a:r>
             <a:endParaRPr lang="ko-KR" altLang="en-US"/>
           </a:p>
         </p:txBody>
       </p:sp>
-      <p:pic>
-        <p:nvPicPr>
-          <p:cNvPr id="8" name="내용 개체 틀 7"/>
-          <p:cNvPicPr>
-            <a:picLocks noGrp="1" noChangeAspect="1"/>
-          </p:cNvPicPr>
+      <p:graphicFrame>
+        <p:nvGraphicFramePr>
+          <p:cNvPr id="4" name="내용 개체 틀 3"/>
+          <p:cNvGraphicFramePr>
+            <a:graphicFrameLocks noGrp="1"/>
+          </p:cNvGraphicFramePr>
           <p:nvPr>
-            <p:ph idx="4294967295"/>
+            <p:ph idx="1"/>
+            <p:extLst>
+              <p:ext uri="{D42A27DB-BD31-4B8C-83A1-F6EECF244321}">
+                <p14:modId xmlns:p14="http://schemas.microsoft.com/office/powerpoint/2010/main" val="604353771"/>
+              </p:ext>
+            </p:extLst>
           </p:nvPr>
-        </p:nvPicPr>
-        <p:blipFill>
-          <a:blip r:embed="rId2"/>
-          <a:stretch>
-            <a:fillRect/>
-          </a:stretch>
-        </p:blipFill>
-        <p:spPr>
-          <a:xfrm>
-            <a:off x="838200" y="1800225"/>
-            <a:ext cx="10515600" cy="4672013"/>
-          </a:xfrm>
-          <a:prstGeom prst="rect">
-            <a:avLst/>
-          </a:prstGeom>
-        </p:spPr>
-      </p:pic>
+        </p:nvGraphicFramePr>
+        <p:xfrm>
+          <a:off x="838200" y="1825628"/>
+          <a:ext cx="10515600" cy="4800600"/>
+        </p:xfrm>
+        <a:graphic>
+          <a:graphicData uri="http://schemas.openxmlformats.org/drawingml/2006/table">
+            <a:tbl>
+              <a:tblPr firstRow="1" bandRow="1">
+                <a:tableStyleId>{073A0DAA-6AF3-43AB-8588-CEC1D06C72B9}</a:tableStyleId>
+              </a:tblPr>
+              <a:tblGrid>
+                <a:gridCol w="1597090">
+                  <a:extLst>
+                    <a:ext uri="{9D8B030D-6E8A-4147-A177-3AD203B41FA5}">
+                      <a16:colId xmlns:a16="http://schemas.microsoft.com/office/drawing/2014/main" val="159075305"/>
+                    </a:ext>
+                  </a:extLst>
+                </a:gridCol>
+                <a:gridCol w="2304661">
+                  <a:extLst>
+                    <a:ext uri="{9D8B030D-6E8A-4147-A177-3AD203B41FA5}">
+                      <a16:colId xmlns:a16="http://schemas.microsoft.com/office/drawing/2014/main" val="1202398688"/>
+                    </a:ext>
+                  </a:extLst>
+                </a:gridCol>
+                <a:gridCol w="2332653">
+                  <a:extLst>
+                    <a:ext uri="{9D8B030D-6E8A-4147-A177-3AD203B41FA5}">
+                      <a16:colId xmlns:a16="http://schemas.microsoft.com/office/drawing/2014/main" val="172003537"/>
+                    </a:ext>
+                  </a:extLst>
+                </a:gridCol>
+                <a:gridCol w="4281196">
+                  <a:extLst>
+                    <a:ext uri="{9D8B030D-6E8A-4147-A177-3AD203B41FA5}">
+                      <a16:colId xmlns:a16="http://schemas.microsoft.com/office/drawing/2014/main" val="3713625956"/>
+                    </a:ext>
+                  </a:extLst>
+                </a:gridCol>
+              </a:tblGrid>
+              <a:tr h="168162">
+                <a:tc>
+                  <a:txBody>
+                    <a:bodyPr/>
+                    <a:lstStyle/>
+                    <a:p>
+                      <a:pPr algn="ctr" latinLnBrk="1"/>
+                      <a:r>
+                        <a:rPr lang="ko-KR" altLang="en-US" sz="1500" smtClean="0"/>
+                        <a:t>항목</a:t>
+                      </a:r>
+                      <a:endParaRPr lang="ko-KR" altLang="en-US" sz="1500"/>
+                    </a:p>
+                  </a:txBody>
+                  <a:tcPr/>
+                </a:tc>
+                <a:tc>
+                  <a:txBody>
+                    <a:bodyPr/>
+                    <a:lstStyle/>
+                    <a:p>
+                      <a:pPr algn="ctr" latinLnBrk="1"/>
+                      <a:r>
+                        <a:rPr lang="en-US" altLang="ko-KR" sz="1500" smtClean="0"/>
+                        <a:t>Nifi</a:t>
+                      </a:r>
+                      <a:endParaRPr lang="ko-KR" altLang="en-US" sz="1500"/>
+                    </a:p>
+                  </a:txBody>
+                  <a:tcPr/>
+                </a:tc>
+                <a:tc>
+                  <a:txBody>
+                    <a:bodyPr/>
+                    <a:lstStyle/>
+                    <a:p>
+                      <a:pPr algn="ctr" latinLnBrk="1"/>
+                      <a:r>
+                        <a:rPr lang="en-US" altLang="ko-KR" sz="1500" smtClean="0"/>
+                        <a:t>JDBC Kafka Connect</a:t>
+                      </a:r>
+                      <a:endParaRPr lang="ko-KR" altLang="en-US" sz="1500"/>
+                    </a:p>
+                  </a:txBody>
+                  <a:tcPr/>
+                </a:tc>
+                <a:tc>
+                  <a:txBody>
+                    <a:bodyPr/>
+                    <a:lstStyle/>
+                    <a:p>
+                      <a:pPr algn="ctr" latinLnBrk="1"/>
+                      <a:r>
+                        <a:rPr lang="ko-KR" altLang="en-US" sz="1500" smtClean="0"/>
+                        <a:t>비고</a:t>
+                      </a:r>
+                      <a:endParaRPr lang="ko-KR" altLang="en-US" sz="1500"/>
+                    </a:p>
+                  </a:txBody>
+                  <a:tcPr/>
+                </a:tc>
+                <a:extLst>
+                  <a:ext uri="{0D108BD9-81ED-4DB2-BD59-A6C34878D82A}">
+                    <a16:rowId xmlns:a16="http://schemas.microsoft.com/office/drawing/2014/main" val="1109031070"/>
+                  </a:ext>
+                </a:extLst>
+              </a:tr>
+              <a:tr h="288279">
+                <a:tc>
+                  <a:txBody>
+                    <a:bodyPr/>
+                    <a:lstStyle/>
+                    <a:p>
+                      <a:pPr algn="ctr" latinLnBrk="1"/>
+                      <a:r>
+                        <a:rPr lang="ko-KR" altLang="en-US" sz="1500" smtClean="0"/>
+                        <a:t>성능 </a:t>
+                      </a:r>
+                      <a:r>
+                        <a:rPr lang="en-US" altLang="ko-KR" sz="1500" smtClean="0"/>
+                        <a:t>(TPS)</a:t>
+                      </a:r>
+                      <a:endParaRPr lang="ko-KR" altLang="en-US" sz="1500"/>
+                    </a:p>
+                  </a:txBody>
+                  <a:tcPr/>
+                </a:tc>
+                <a:tc>
+                  <a:txBody>
+                    <a:bodyPr/>
+                    <a:lstStyle/>
+                    <a:p>
+                      <a:pPr algn="ctr" latinLnBrk="1"/>
+                      <a:r>
+                        <a:rPr lang="en-US" altLang="ko-KR" sz="1500" smtClean="0"/>
+                        <a:t>150 ~ 200 tps</a:t>
+                      </a:r>
+                      <a:br>
+                        <a:rPr lang="en-US" altLang="ko-KR" sz="1500" smtClean="0"/>
+                      </a:br>
+                      <a:r>
+                        <a:rPr lang="en-US" altLang="ko-KR" sz="1200" smtClean="0"/>
+                        <a:t>(Controller</a:t>
+                      </a:r>
+                      <a:r>
+                        <a:rPr lang="en-US" altLang="ko-KR" sz="1200" baseline="0" smtClean="0"/>
+                        <a:t> </a:t>
+                      </a:r>
+                      <a:r>
+                        <a:rPr lang="ko-KR" altLang="en-US" sz="1200" baseline="0" smtClean="0"/>
+                        <a:t>당 </a:t>
+                      </a:r>
+                      <a:r>
+                        <a:rPr lang="en-US" altLang="ko-KR" sz="1200" baseline="0" smtClean="0"/>
+                        <a:t>Thread </a:t>
+                      </a:r>
+                      <a:r>
+                        <a:rPr lang="ko-KR" altLang="en-US" sz="1200" baseline="0" smtClean="0"/>
+                        <a:t>수 </a:t>
+                      </a:r>
+                      <a:r>
+                        <a:rPr lang="en-US" altLang="ko-KR" sz="1200" baseline="0" smtClean="0"/>
+                        <a:t>= 1)</a:t>
+                      </a:r>
+                      <a:endParaRPr lang="ko-KR" altLang="en-US" sz="1200"/>
+                    </a:p>
+                  </a:txBody>
+                  <a:tcPr/>
+                </a:tc>
+                <a:tc>
+                  <a:txBody>
+                    <a:bodyPr/>
+                    <a:lstStyle/>
+                    <a:p>
+                      <a:pPr algn="ctr" latinLnBrk="1"/>
+                      <a:r>
+                        <a:rPr lang="en-US" altLang="ko-KR" sz="1500" smtClean="0"/>
+                        <a:t>20,000 tps</a:t>
+                      </a:r>
+                      <a:endParaRPr lang="ko-KR" altLang="en-US" sz="1500"/>
+                    </a:p>
+                  </a:txBody>
+                  <a:tcPr/>
+                </a:tc>
+                <a:tc>
+                  <a:txBody>
+                    <a:bodyPr/>
+                    <a:lstStyle/>
+                    <a:p>
+                      <a:pPr latinLnBrk="1"/>
+                      <a:r>
+                        <a:rPr lang="en-US" altLang="ko-KR" sz="1500" smtClean="0"/>
+                        <a:t>NiFi</a:t>
+                      </a:r>
+                      <a:r>
+                        <a:rPr lang="en-US" altLang="ko-KR" sz="1500" baseline="0" smtClean="0"/>
+                        <a:t> </a:t>
+                      </a:r>
+                      <a:r>
+                        <a:rPr lang="ko-KR" altLang="en-US" sz="1500" baseline="0" smtClean="0"/>
+                        <a:t>는 성능 향상의 방안으로 </a:t>
+                      </a:r>
+                      <a:r>
+                        <a:rPr lang="en-US" altLang="ko-KR" sz="1500" baseline="0" smtClean="0"/>
+                        <a:t>Controller </a:t>
+                      </a:r>
+                      <a:r>
+                        <a:rPr lang="ko-KR" altLang="en-US" sz="1500" baseline="0" smtClean="0"/>
+                        <a:t>마다 </a:t>
+                      </a:r>
+                      <a:r>
+                        <a:rPr lang="en-US" altLang="ko-KR" sz="1500" baseline="0" smtClean="0"/>
+                        <a:t>Thread </a:t>
+                      </a:r>
+                      <a:r>
+                        <a:rPr lang="ko-KR" altLang="en-US" sz="1500" baseline="0" smtClean="0"/>
+                        <a:t>수를 조정 가능 함</a:t>
+                      </a:r>
+                      <a:r>
+                        <a:rPr lang="en-US" altLang="ko-KR" sz="1500" baseline="0" smtClean="0"/>
+                        <a:t>.</a:t>
+                      </a:r>
+                      <a:endParaRPr lang="ko-KR" altLang="en-US" sz="1500"/>
+                    </a:p>
+                  </a:txBody>
+                  <a:tcPr/>
+                </a:tc>
+                <a:extLst>
+                  <a:ext uri="{0D108BD9-81ED-4DB2-BD59-A6C34878D82A}">
+                    <a16:rowId xmlns:a16="http://schemas.microsoft.com/office/drawing/2014/main" val="2923637338"/>
+                  </a:ext>
+                </a:extLst>
+              </a:tr>
+              <a:tr h="288279">
+                <a:tc>
+                  <a:txBody>
+                    <a:bodyPr/>
+                    <a:lstStyle/>
+                    <a:p>
+                      <a:pPr algn="ctr" latinLnBrk="1"/>
+                      <a:r>
+                        <a:rPr lang="ko-KR" altLang="en-US" sz="1500" smtClean="0"/>
+                        <a:t>순서보장여부</a:t>
+                      </a:r>
+                      <a:endParaRPr lang="ko-KR" altLang="en-US" sz="1500"/>
+                    </a:p>
+                  </a:txBody>
+                  <a:tcPr/>
+                </a:tc>
+                <a:tc>
+                  <a:txBody>
+                    <a:bodyPr/>
+                    <a:lstStyle/>
+                    <a:p>
+                      <a:pPr algn="ctr" latinLnBrk="1"/>
+                      <a:r>
+                        <a:rPr lang="en-US" altLang="ko-KR" sz="1500" smtClean="0"/>
+                        <a:t>O</a:t>
+                      </a:r>
+                      <a:endParaRPr lang="ko-KR" altLang="en-US" sz="1500"/>
+                    </a:p>
+                  </a:txBody>
+                  <a:tcPr/>
+                </a:tc>
+                <a:tc>
+                  <a:txBody>
+                    <a:bodyPr/>
+                    <a:lstStyle/>
+                    <a:p>
+                      <a:pPr algn="ctr" latinLnBrk="1"/>
+                      <a:r>
+                        <a:rPr lang="en-US" altLang="ko-KR" sz="1500" smtClean="0"/>
+                        <a:t>O</a:t>
+                      </a:r>
+                      <a:endParaRPr lang="ko-KR" altLang="en-US" sz="1500"/>
+                    </a:p>
+                  </a:txBody>
+                  <a:tcPr/>
+                </a:tc>
+                <a:tc>
+                  <a:txBody>
+                    <a:bodyPr/>
+                    <a:lstStyle/>
+                    <a:p>
+                      <a:pPr latinLnBrk="1"/>
+                      <a:r>
+                        <a:rPr lang="en-US" altLang="ko-KR" sz="1500" smtClean="0"/>
+                        <a:t>Kafka</a:t>
+                      </a:r>
+                      <a:r>
+                        <a:rPr lang="ko-KR" altLang="en-US" sz="1500" smtClean="0"/>
+                        <a:t> </a:t>
+                      </a:r>
+                      <a:r>
+                        <a:rPr lang="en-US" altLang="ko-KR" sz="1500" smtClean="0"/>
+                        <a:t>topic</a:t>
+                      </a:r>
+                      <a:r>
+                        <a:rPr lang="ko-KR" altLang="en-US" sz="1500" smtClean="0"/>
+                        <a:t>의 </a:t>
+                      </a:r>
+                      <a:r>
+                        <a:rPr lang="en-US" altLang="ko-KR" sz="1500" smtClean="0"/>
+                        <a:t>partition</a:t>
+                      </a:r>
+                      <a:r>
+                        <a:rPr lang="en-US" altLang="ko-KR" sz="1500" baseline="0" smtClean="0"/>
+                        <a:t> </a:t>
+                      </a:r>
+                      <a:r>
+                        <a:rPr lang="ko-KR" altLang="en-US" sz="1500" baseline="0" smtClean="0"/>
+                        <a:t>은 </a:t>
+                      </a:r>
+                      <a:r>
+                        <a:rPr lang="en-US" altLang="ko-KR" sz="1500" baseline="0" smtClean="0"/>
+                        <a:t>1</a:t>
+                      </a:r>
+                      <a:r>
+                        <a:rPr lang="ko-KR" altLang="en-US" sz="1500" baseline="0" smtClean="0"/>
+                        <a:t>로 설정</a:t>
+                      </a:r>
+                      <a:r>
+                        <a:rPr lang="en-US" altLang="ko-KR" sz="1500" baseline="0" smtClean="0"/>
+                        <a:t>.</a:t>
+                      </a:r>
+                    </a:p>
+                    <a:p>
+                      <a:pPr latinLnBrk="1"/>
+                      <a:r>
+                        <a:rPr lang="en-US" altLang="ko-KR" sz="1500" baseline="0" smtClean="0"/>
+                        <a:t>NiFi </a:t>
+                      </a:r>
+                      <a:r>
+                        <a:rPr lang="ko-KR" altLang="en-US" sz="1500" baseline="0" smtClean="0"/>
+                        <a:t>는 </a:t>
+                      </a:r>
+                      <a:r>
+                        <a:rPr lang="en-US" altLang="ko-KR" sz="1500" baseline="0" smtClean="0"/>
+                        <a:t>Thread </a:t>
+                      </a:r>
+                      <a:r>
+                        <a:rPr lang="ko-KR" altLang="en-US" sz="1500" baseline="0" smtClean="0"/>
+                        <a:t>수를 </a:t>
+                      </a:r>
+                      <a:r>
+                        <a:rPr lang="en-US" altLang="ko-KR" sz="1500" baseline="0" smtClean="0"/>
+                        <a:t>1</a:t>
+                      </a:r>
+                      <a:r>
+                        <a:rPr lang="ko-KR" altLang="en-US" sz="1500" baseline="0" smtClean="0"/>
+                        <a:t>로 해야 함</a:t>
+                      </a:r>
+                      <a:r>
+                        <a:rPr lang="en-US" altLang="ko-KR" sz="1500" baseline="0" smtClean="0"/>
+                        <a:t>.</a:t>
+                      </a:r>
+                      <a:endParaRPr lang="ko-KR" altLang="en-US" sz="1500"/>
+                    </a:p>
+                  </a:txBody>
+                  <a:tcPr/>
+                </a:tc>
+                <a:extLst>
+                  <a:ext uri="{0D108BD9-81ED-4DB2-BD59-A6C34878D82A}">
+                    <a16:rowId xmlns:a16="http://schemas.microsoft.com/office/drawing/2014/main" val="2769693798"/>
+                  </a:ext>
+                </a:extLst>
+              </a:tr>
+              <a:tr h="168162">
+                <a:tc>
+                  <a:txBody>
+                    <a:bodyPr/>
+                    <a:lstStyle/>
+                    <a:p>
+                      <a:pPr algn="ctr" latinLnBrk="1"/>
+                      <a:r>
+                        <a:rPr lang="ko-KR" altLang="en-US" sz="1500" smtClean="0"/>
+                        <a:t>변환 </a:t>
+                      </a:r>
+                      <a:r>
+                        <a:rPr lang="en-US" altLang="ko-KR" sz="1500" smtClean="0"/>
+                        <a:t>(T-&gt;T)</a:t>
+                      </a:r>
+                      <a:endParaRPr lang="ko-KR" altLang="en-US" sz="1500"/>
+                    </a:p>
+                  </a:txBody>
+                  <a:tcPr/>
+                </a:tc>
+                <a:tc>
+                  <a:txBody>
+                    <a:bodyPr/>
+                    <a:lstStyle/>
+                    <a:p>
+                      <a:pPr algn="ctr" latinLnBrk="1"/>
+                      <a:r>
+                        <a:rPr lang="en-US" altLang="ko-KR" sz="1500" smtClean="0"/>
+                        <a:t>O</a:t>
+                      </a:r>
+                      <a:endParaRPr lang="ko-KR" altLang="en-US" sz="1500"/>
+                    </a:p>
+                  </a:txBody>
+                  <a:tcPr/>
+                </a:tc>
+                <a:tc>
+                  <a:txBody>
+                    <a:bodyPr/>
+                    <a:lstStyle/>
+                    <a:p>
+                      <a:pPr algn="ctr" latinLnBrk="1"/>
+                      <a:r>
+                        <a:rPr lang="en-US" altLang="ko-KR" sz="1500" smtClean="0"/>
+                        <a:t>O</a:t>
+                      </a:r>
+                      <a:endParaRPr lang="ko-KR" altLang="en-US" sz="1500"/>
+                    </a:p>
+                  </a:txBody>
+                  <a:tcPr/>
+                </a:tc>
+                <a:tc>
+                  <a:txBody>
+                    <a:bodyPr/>
+                    <a:lstStyle/>
+                    <a:p>
+                      <a:pPr latinLnBrk="1"/>
+                      <a:r>
+                        <a:rPr lang="ko-KR" altLang="en-US" sz="1500" smtClean="0"/>
+                        <a:t>테이블 복제</a:t>
+                      </a:r>
+                      <a:endParaRPr lang="ko-KR" altLang="en-US" sz="1500"/>
+                    </a:p>
+                  </a:txBody>
+                  <a:tcPr/>
+                </a:tc>
+                <a:extLst>
+                  <a:ext uri="{0D108BD9-81ED-4DB2-BD59-A6C34878D82A}">
+                    <a16:rowId xmlns:a16="http://schemas.microsoft.com/office/drawing/2014/main" val="2692350068"/>
+                  </a:ext>
+                </a:extLst>
+              </a:tr>
+              <a:tr h="168162">
+                <a:tc>
+                  <a:txBody>
+                    <a:bodyPr/>
+                    <a:lstStyle/>
+                    <a:p>
+                      <a:pPr algn="ctr" latinLnBrk="1"/>
+                      <a:r>
+                        <a:rPr lang="ko-KR" altLang="en-US" sz="1500" smtClean="0"/>
+                        <a:t>변환</a:t>
+                      </a:r>
+                      <a:r>
+                        <a:rPr lang="en-US" altLang="ko-KR" sz="1500" baseline="0" smtClean="0"/>
+                        <a:t> (T-&gt;t)</a:t>
+                      </a:r>
+                      <a:endParaRPr lang="ko-KR" altLang="en-US" sz="1500"/>
+                    </a:p>
+                  </a:txBody>
+                  <a:tcPr/>
+                </a:tc>
+                <a:tc>
+                  <a:txBody>
+                    <a:bodyPr/>
+                    <a:lstStyle/>
+                    <a:p>
+                      <a:pPr algn="ctr" latinLnBrk="1"/>
+                      <a:r>
+                        <a:rPr lang="en-US" altLang="ko-KR" sz="1500" smtClean="0"/>
+                        <a:t>O</a:t>
+                      </a:r>
+                      <a:endParaRPr lang="ko-KR" altLang="en-US" sz="1500"/>
+                    </a:p>
+                  </a:txBody>
+                  <a:tcPr/>
+                </a:tc>
+                <a:tc>
+                  <a:txBody>
+                    <a:bodyPr/>
+                    <a:lstStyle/>
+                    <a:p>
+                      <a:pPr algn="ctr" latinLnBrk="1"/>
+                      <a:r>
+                        <a:rPr lang="en-US" altLang="ko-KR" sz="1500" smtClean="0"/>
+                        <a:t>O</a:t>
+                      </a:r>
+                      <a:endParaRPr lang="ko-KR" altLang="en-US" sz="1500"/>
+                    </a:p>
+                  </a:txBody>
+                  <a:tcPr/>
+                </a:tc>
+                <a:tc>
+                  <a:txBody>
+                    <a:bodyPr/>
+                    <a:lstStyle/>
+                    <a:p>
+                      <a:pPr latinLnBrk="1"/>
+                      <a:r>
+                        <a:rPr lang="ko-KR" altLang="en-US" sz="1500" smtClean="0"/>
+                        <a:t>일부 테이블 복제</a:t>
+                      </a:r>
+                      <a:endParaRPr lang="en-US" altLang="ko-KR" sz="1500" smtClean="0"/>
+                    </a:p>
+                  </a:txBody>
+                  <a:tcPr/>
+                </a:tc>
+                <a:extLst>
+                  <a:ext uri="{0D108BD9-81ED-4DB2-BD59-A6C34878D82A}">
+                    <a16:rowId xmlns:a16="http://schemas.microsoft.com/office/drawing/2014/main" val="3034950544"/>
+                  </a:ext>
+                </a:extLst>
+              </a:tr>
+              <a:tr h="168162">
+                <a:tc>
+                  <a:txBody>
+                    <a:bodyPr/>
+                    <a:lstStyle/>
+                    <a:p>
+                      <a:pPr algn="ctr" latinLnBrk="1"/>
+                      <a:r>
+                        <a:rPr lang="ko-KR" altLang="en-US" sz="1500" smtClean="0"/>
+                        <a:t>변환 </a:t>
+                      </a:r>
+                      <a:r>
+                        <a:rPr lang="en-US" altLang="ko-KR" sz="1500" smtClean="0"/>
+                        <a:t>(T-&gt;T’)</a:t>
+                      </a:r>
+                      <a:endParaRPr lang="ko-KR" altLang="en-US" sz="1500"/>
+                    </a:p>
+                  </a:txBody>
+                  <a:tcPr/>
+                </a:tc>
+                <a:tc>
+                  <a:txBody>
+                    <a:bodyPr/>
+                    <a:lstStyle/>
+                    <a:p>
+                      <a:pPr algn="ctr" latinLnBrk="1"/>
+                      <a:r>
+                        <a:rPr lang="en-US" altLang="ko-KR" sz="1500" smtClean="0"/>
+                        <a:t>O</a:t>
+                      </a:r>
+                      <a:endParaRPr lang="ko-KR" altLang="en-US" sz="1500"/>
+                    </a:p>
+                  </a:txBody>
+                  <a:tcPr/>
+                </a:tc>
+                <a:tc>
+                  <a:txBody>
+                    <a:bodyPr/>
+                    <a:lstStyle/>
+                    <a:p>
+                      <a:pPr algn="ctr" latinLnBrk="1"/>
+                      <a:r>
+                        <a:rPr lang="en-US" altLang="ko-KR" sz="1500" smtClean="0"/>
+                        <a:t>O</a:t>
+                      </a:r>
+                      <a:endParaRPr lang="ko-KR" altLang="en-US" sz="1500"/>
+                    </a:p>
+                  </a:txBody>
+                  <a:tcPr/>
+                </a:tc>
+                <a:tc>
+                  <a:txBody>
+                    <a:bodyPr/>
+                    <a:lstStyle/>
+                    <a:p>
+                      <a:pPr latinLnBrk="1"/>
+                      <a:r>
+                        <a:rPr lang="ko-KR" altLang="en-US" sz="1500" smtClean="0"/>
+                        <a:t>테이블 컬럼 추가</a:t>
+                      </a:r>
+                      <a:endParaRPr lang="en-US" altLang="ko-KR" sz="1500" smtClean="0"/>
+                    </a:p>
+                  </a:txBody>
+                  <a:tcPr/>
+                </a:tc>
+                <a:extLst>
+                  <a:ext uri="{0D108BD9-81ED-4DB2-BD59-A6C34878D82A}">
+                    <a16:rowId xmlns:a16="http://schemas.microsoft.com/office/drawing/2014/main" val="750100188"/>
+                  </a:ext>
+                </a:extLst>
+              </a:tr>
+              <a:tr h="168162">
+                <a:tc>
+                  <a:txBody>
+                    <a:bodyPr/>
+                    <a:lstStyle/>
+                    <a:p>
+                      <a:pPr algn="ctr" latinLnBrk="1"/>
+                      <a:r>
+                        <a:rPr lang="ko-KR" altLang="en-US" sz="1500" smtClean="0"/>
+                        <a:t>변환 </a:t>
+                      </a:r>
+                      <a:r>
+                        <a:rPr lang="en-US" altLang="ko-KR" sz="1500" smtClean="0"/>
+                        <a:t>(T-</a:t>
+                      </a:r>
+                      <a:r>
+                        <a:rPr lang="en-US" altLang="ko-KR" sz="1500" smtClean="0"/>
+                        <a:t>&gt;X)</a:t>
+                      </a:r>
+                      <a:endParaRPr lang="ko-KR" altLang="en-US" sz="1500"/>
+                    </a:p>
+                  </a:txBody>
+                  <a:tcPr/>
+                </a:tc>
+                <a:tc>
+                  <a:txBody>
+                    <a:bodyPr/>
+                    <a:lstStyle/>
+                    <a:p>
+                      <a:pPr algn="ctr" latinLnBrk="1"/>
+                      <a:r>
+                        <a:rPr lang="en-US" altLang="ko-KR" sz="1500" smtClean="0"/>
+                        <a:t>O</a:t>
+                      </a:r>
+                      <a:endParaRPr lang="ko-KR" altLang="en-US" sz="1500"/>
+                    </a:p>
+                  </a:txBody>
+                  <a:tcPr/>
+                </a:tc>
+                <a:tc>
+                  <a:txBody>
+                    <a:bodyPr/>
+                    <a:lstStyle/>
+                    <a:p>
+                      <a:pPr algn="ctr" latinLnBrk="1"/>
+                      <a:r>
+                        <a:rPr lang="en-US" altLang="ko-KR" sz="1500" smtClean="0"/>
+                        <a:t>O</a:t>
+                      </a:r>
+                      <a:endParaRPr lang="ko-KR" altLang="en-US" sz="1500"/>
+                    </a:p>
+                  </a:txBody>
+                  <a:tcPr/>
+                </a:tc>
+                <a:tc>
+                  <a:txBody>
+                    <a:bodyPr/>
+                    <a:lstStyle/>
+                    <a:p>
+                      <a:pPr latinLnBrk="1"/>
+                      <a:r>
+                        <a:rPr lang="ko-KR" altLang="en-US" sz="1500" smtClean="0"/>
+                        <a:t>테이블</a:t>
+                      </a:r>
+                      <a:r>
+                        <a:rPr lang="ko-KR" altLang="en-US" sz="1500" baseline="0" smtClean="0"/>
+                        <a:t> 치환</a:t>
+                      </a:r>
+                      <a:endParaRPr lang="en-US" altLang="ko-KR" sz="1500" smtClean="0"/>
+                    </a:p>
+                  </a:txBody>
+                  <a:tcPr/>
+                </a:tc>
+                <a:extLst>
+                  <a:ext uri="{0D108BD9-81ED-4DB2-BD59-A6C34878D82A}">
+                    <a16:rowId xmlns:a16="http://schemas.microsoft.com/office/drawing/2014/main" val="1698211121"/>
+                  </a:ext>
+                </a:extLst>
+              </a:tr>
+              <a:tr h="408395">
+                <a:tc>
+                  <a:txBody>
+                    <a:bodyPr/>
+                    <a:lstStyle/>
+                    <a:p>
+                      <a:pPr algn="ctr" latinLnBrk="1"/>
+                      <a:r>
+                        <a:rPr lang="ko-KR" altLang="en-US" sz="1500" smtClean="0"/>
+                        <a:t>변환 </a:t>
+                      </a:r>
+                      <a:r>
+                        <a:rPr lang="en-US" altLang="ko-KR" sz="1500" smtClean="0"/>
+                        <a:t>(T-</a:t>
+                      </a:r>
+                      <a:r>
+                        <a:rPr lang="en-US" altLang="ko-KR" sz="1500" smtClean="0"/>
+                        <a:t>&gt;T,t…)</a:t>
+                      </a:r>
+                      <a:endParaRPr lang="ko-KR" altLang="en-US" sz="1500"/>
+                    </a:p>
+                  </a:txBody>
+                  <a:tcPr/>
+                </a:tc>
+                <a:tc>
+                  <a:txBody>
+                    <a:bodyPr/>
+                    <a:lstStyle/>
+                    <a:p>
+                      <a:pPr algn="ctr" latinLnBrk="1"/>
+                      <a:r>
+                        <a:rPr lang="en-US" altLang="ko-KR" sz="1500" smtClean="0"/>
+                        <a:t>O</a:t>
+                      </a:r>
+                      <a:endParaRPr lang="ko-KR" altLang="en-US" sz="1500"/>
+                    </a:p>
+                  </a:txBody>
+                  <a:tcPr/>
+                </a:tc>
+                <a:tc>
+                  <a:txBody>
+                    <a:bodyPr/>
+                    <a:lstStyle/>
+                    <a:p>
+                      <a:pPr algn="ctr" latinLnBrk="1"/>
+                      <a:r>
+                        <a:rPr lang="ko-KR" altLang="en-US" sz="1500" smtClean="0"/>
+                        <a:t>△</a:t>
+                      </a:r>
+                      <a:endParaRPr lang="ko-KR" altLang="en-US" sz="1500"/>
+                    </a:p>
+                  </a:txBody>
+                  <a:tcPr/>
+                </a:tc>
+                <a:tc>
+                  <a:txBody>
+                    <a:bodyPr/>
+                    <a:lstStyle/>
+                    <a:p>
+                      <a:pPr latinLnBrk="1"/>
+                      <a:r>
+                        <a:rPr lang="en-US" altLang="ko-KR" sz="1500" smtClean="0"/>
+                        <a:t>Kafka Connect </a:t>
+                      </a:r>
+                      <a:r>
+                        <a:rPr lang="ko-KR" altLang="en-US" sz="1500" smtClean="0"/>
+                        <a:t>는 </a:t>
+                      </a:r>
+                      <a:r>
+                        <a:rPr lang="en-US" altLang="ko-KR" sz="1500" baseline="0" smtClean="0"/>
+                        <a:t>process </a:t>
+                      </a:r>
+                      <a:r>
+                        <a:rPr lang="ko-KR" altLang="en-US" sz="1500" baseline="0" smtClean="0"/>
+                        <a:t>당 하나의 </a:t>
+                      </a:r>
+                      <a:r>
+                        <a:rPr lang="en-US" altLang="ko-KR" sz="1500" baseline="0" smtClean="0"/>
+                        <a:t>DB</a:t>
+                      </a:r>
+                      <a:r>
+                        <a:rPr lang="ko-KR" altLang="en-US" sz="1500" baseline="0" smtClean="0"/>
+                        <a:t> </a:t>
+                      </a:r>
+                      <a:r>
+                        <a:rPr lang="ko-KR" altLang="en-US" sz="1500" smtClean="0"/>
+                        <a:t>설정</a:t>
+                      </a:r>
+                      <a:r>
+                        <a:rPr lang="en-US" altLang="ko-KR" sz="1500" smtClean="0"/>
+                        <a:t>. (</a:t>
+                      </a:r>
+                      <a:r>
+                        <a:rPr lang="ko-KR" altLang="en-US" sz="1500" smtClean="0"/>
+                        <a:t>여러 </a:t>
+                      </a:r>
+                      <a:r>
+                        <a:rPr lang="en-US" altLang="ko-KR" sz="1500" smtClean="0"/>
+                        <a:t>process</a:t>
+                      </a:r>
+                      <a:r>
+                        <a:rPr lang="en-US" altLang="ko-KR" sz="1500" baseline="0" smtClean="0"/>
+                        <a:t> </a:t>
+                      </a:r>
+                      <a:r>
+                        <a:rPr lang="ko-KR" altLang="en-US" sz="1500" baseline="0" smtClean="0"/>
+                        <a:t>를 실행하면 가능</a:t>
+                      </a:r>
+                      <a:r>
+                        <a:rPr lang="en-US" altLang="ko-KR" sz="1500" baseline="0" smtClean="0"/>
+                        <a:t>)</a:t>
+                      </a:r>
+                      <a:endParaRPr lang="en-US" altLang="ko-KR" sz="1500" smtClean="0"/>
+                    </a:p>
+                    <a:p>
+                      <a:pPr latinLnBrk="1"/>
+                      <a:r>
+                        <a:rPr lang="en-US" altLang="ko-KR" sz="1500" smtClean="0"/>
+                        <a:t>NiFi </a:t>
+                      </a:r>
+                      <a:r>
+                        <a:rPr lang="ko-KR" altLang="en-US" sz="1500" smtClean="0"/>
+                        <a:t>는</a:t>
+                      </a:r>
+                      <a:r>
+                        <a:rPr lang="ko-KR" altLang="en-US" sz="1500" baseline="0" smtClean="0"/>
+                        <a:t> </a:t>
+                      </a:r>
+                      <a:r>
+                        <a:rPr lang="en-US" altLang="ko-KR" sz="1500" baseline="0" smtClean="0"/>
+                        <a:t>Controller </a:t>
+                      </a:r>
+                      <a:r>
+                        <a:rPr lang="ko-KR" altLang="en-US" sz="1500" baseline="0" smtClean="0"/>
+                        <a:t>마다 </a:t>
+                      </a:r>
+                      <a:r>
+                        <a:rPr lang="en-US" altLang="ko-KR" sz="1500" baseline="0" smtClean="0"/>
+                        <a:t>DB</a:t>
+                      </a:r>
+                      <a:r>
+                        <a:rPr lang="ko-KR" altLang="en-US" sz="1500" baseline="0" smtClean="0"/>
+                        <a:t>를 설정</a:t>
+                      </a:r>
+                      <a:r>
+                        <a:rPr lang="en-US" altLang="ko-KR" sz="1500" baseline="0" smtClean="0"/>
+                        <a:t>.</a:t>
+                      </a:r>
+                      <a:endParaRPr lang="en-US" altLang="ko-KR" sz="1500" smtClean="0"/>
+                    </a:p>
+                  </a:txBody>
+                  <a:tcPr/>
+                </a:tc>
+                <a:extLst>
+                  <a:ext uri="{0D108BD9-81ED-4DB2-BD59-A6C34878D82A}">
+                    <a16:rowId xmlns:a16="http://schemas.microsoft.com/office/drawing/2014/main" val="1522134059"/>
+                  </a:ext>
+                </a:extLst>
+              </a:tr>
+              <a:tr h="288279">
+                <a:tc>
+                  <a:txBody>
+                    <a:bodyPr/>
+                    <a:lstStyle/>
+                    <a:p>
+                      <a:pPr algn="ctr" latinLnBrk="1"/>
+                      <a:r>
+                        <a:rPr lang="en-US" altLang="ko-KR" sz="1500" smtClean="0"/>
+                        <a:t>License</a:t>
+                      </a:r>
+                      <a:endParaRPr lang="ko-KR" altLang="en-US" sz="1500"/>
+                    </a:p>
+                  </a:txBody>
+                  <a:tcPr/>
+                </a:tc>
+                <a:tc>
+                  <a:txBody>
+                    <a:bodyPr/>
+                    <a:lstStyle/>
+                    <a:p>
+                      <a:pPr latinLnBrk="1"/>
+                      <a:r>
+                        <a:rPr lang="en-US" altLang="ko-KR" sz="1500" smtClean="0"/>
+                        <a:t>APACHE LICENSE V2.0</a:t>
+                      </a:r>
+                      <a:endParaRPr lang="ko-KR" altLang="en-US" sz="1500"/>
+                    </a:p>
+                  </a:txBody>
+                  <a:tcPr/>
+                </a:tc>
+                <a:tc>
+                  <a:txBody>
+                    <a:bodyPr/>
+                    <a:lstStyle/>
+                    <a:p>
+                      <a:pPr latinLnBrk="1"/>
+                      <a:r>
+                        <a:rPr lang="en-US" altLang="ko-KR" sz="1500" smtClean="0"/>
+                        <a:t>Confluent Community License</a:t>
+                      </a:r>
+                      <a:endParaRPr lang="ko-KR" altLang="en-US" sz="1500"/>
+                    </a:p>
+                  </a:txBody>
+                  <a:tcPr/>
+                </a:tc>
+                <a:tc>
+                  <a:txBody>
+                    <a:bodyPr/>
+                    <a:lstStyle/>
+                    <a:p>
+                      <a:pPr latinLnBrk="1"/>
+                      <a:endParaRPr lang="ko-KR" altLang="en-US" sz="1500"/>
+                    </a:p>
+                  </a:txBody>
+                  <a:tcPr/>
+                </a:tc>
+                <a:extLst>
+                  <a:ext uri="{0D108BD9-81ED-4DB2-BD59-A6C34878D82A}">
+                    <a16:rowId xmlns:a16="http://schemas.microsoft.com/office/drawing/2014/main" val="3083237374"/>
+                  </a:ext>
+                </a:extLst>
+              </a:tr>
+              <a:tr h="408395">
+                <a:tc>
+                  <a:txBody>
+                    <a:bodyPr/>
+                    <a:lstStyle/>
+                    <a:p>
+                      <a:pPr algn="ctr" latinLnBrk="1"/>
+                      <a:r>
+                        <a:rPr lang="ko-KR" altLang="en-US" sz="1500" smtClean="0"/>
+                        <a:t>특징</a:t>
+                      </a:r>
+                      <a:endParaRPr lang="ko-KR" altLang="en-US" sz="1500"/>
+                    </a:p>
+                  </a:txBody>
+                  <a:tcPr/>
+                </a:tc>
+                <a:tc>
+                  <a:txBody>
+                    <a:bodyPr/>
+                    <a:lstStyle/>
+                    <a:p>
+                      <a:pPr latinLnBrk="1"/>
+                      <a:r>
+                        <a:rPr lang="en-US" altLang="ko-KR" sz="1500" smtClean="0"/>
+                        <a:t>GUI </a:t>
+                      </a:r>
+                      <a:r>
+                        <a:rPr lang="ko-KR" altLang="en-US" sz="1500" smtClean="0"/>
+                        <a:t>환경</a:t>
+                      </a:r>
+                      <a:endParaRPr lang="en-US" altLang="ko-KR" sz="1500" smtClean="0"/>
+                    </a:p>
+                    <a:p>
+                      <a:pPr latinLnBrk="1"/>
+                      <a:r>
+                        <a:rPr lang="ko-KR" altLang="en-US" sz="1500" smtClean="0"/>
+                        <a:t>데이터 흐름 확인</a:t>
+                      </a:r>
+                      <a:r>
+                        <a:rPr lang="en-US" altLang="ko-KR" sz="1500" smtClean="0"/>
+                        <a:t>.</a:t>
+                      </a:r>
+                    </a:p>
+                    <a:p>
+                      <a:pPr latinLnBrk="1"/>
+                      <a:r>
+                        <a:rPr lang="ko-KR" altLang="en-US" sz="1500" smtClean="0"/>
+                        <a:t>장애 처리 가능</a:t>
+                      </a:r>
+                      <a:r>
+                        <a:rPr lang="en-US" altLang="ko-KR" sz="1500" smtClean="0"/>
+                        <a:t>.</a:t>
+                      </a:r>
+                      <a:endParaRPr lang="ko-KR" altLang="en-US" sz="1500"/>
+                    </a:p>
+                  </a:txBody>
+                  <a:tcPr/>
+                </a:tc>
+                <a:tc>
+                  <a:txBody>
+                    <a:bodyPr/>
+                    <a:lstStyle/>
+                    <a:p>
+                      <a:pPr latinLnBrk="1"/>
+                      <a:r>
+                        <a:rPr lang="en-US" altLang="ko-KR" sz="1500" smtClean="0"/>
+                        <a:t>Shell </a:t>
+                      </a:r>
+                      <a:r>
+                        <a:rPr lang="ko-KR" altLang="en-US" sz="1500" smtClean="0"/>
+                        <a:t>을 통한 데몬실행</a:t>
+                      </a:r>
+                      <a:r>
+                        <a:rPr lang="en-US" altLang="ko-KR" sz="1500" smtClean="0"/>
+                        <a:t>.</a:t>
+                      </a:r>
+                    </a:p>
+                    <a:p>
+                      <a:pPr latinLnBrk="1"/>
+                      <a:r>
+                        <a:rPr lang="ko-KR" altLang="en-US" sz="1500" smtClean="0"/>
+                        <a:t>탁월한 성능</a:t>
+                      </a:r>
+                      <a:r>
+                        <a:rPr lang="en-US" altLang="ko-KR" sz="1500" smtClean="0"/>
+                        <a:t>.</a:t>
+                      </a:r>
+                    </a:p>
+                  </a:txBody>
+                  <a:tcPr/>
+                </a:tc>
+                <a:tc>
+                  <a:txBody>
+                    <a:bodyPr/>
+                    <a:lstStyle/>
+                    <a:p>
+                      <a:pPr latinLnBrk="1"/>
+                      <a:endParaRPr lang="ko-KR" altLang="en-US" sz="1500"/>
+                    </a:p>
+                  </a:txBody>
+                  <a:tcPr/>
+                </a:tc>
+                <a:extLst>
+                  <a:ext uri="{0D108BD9-81ED-4DB2-BD59-A6C34878D82A}">
+                    <a16:rowId xmlns:a16="http://schemas.microsoft.com/office/drawing/2014/main" val="2472091161"/>
+                  </a:ext>
+                </a:extLst>
+              </a:tr>
+            </a:tbl>
+          </a:graphicData>
+        </a:graphic>
+      </p:graphicFrame>
     </p:spTree>
     <p:extLst>
       <p:ext uri="{BB962C8B-B14F-4D97-AF65-F5344CB8AC3E}">
-        <p14:creationId xmlns:p14="http://schemas.microsoft.com/office/powerpoint/2010/main" val="4238028998"/>
+        <p14:creationId xmlns:p14="http://schemas.microsoft.com/office/powerpoint/2010/main" val="699184079"/>
       </p:ext>
     </p:extLst>
   </p:cSld>
   <p:clrMapOvr>
     <a:masterClrMapping/>
   </p:clrMapOvr>
-  <p:timing>
-    <p:tnLst>
-      <p:par>
-        <p:cTn id="1" dur="indefinite" restart="never" nodeType="tmRoot"/>
-      </p:par>
-    </p:tnLst>
-  </p:timing>
 </p:sld>
 </file>
 
@@ -6049,7 +9520,7 @@
           <a:p>
             <a:r>
               <a:rPr lang="ko-KR" altLang="en-US" smtClean="0"/>
-              <a:t>테스트 환경</a:t>
+              <a:t>결론</a:t>
             </a:r>
             <a:endParaRPr lang="ko-KR" altLang="en-US"/>
           </a:p>
@@ -6067,156 +9538,89 @@
         </p:nvSpPr>
         <p:spPr/>
         <p:txBody>
-          <a:bodyPr>
-            <a:normAutofit fontScale="77500" lnSpcReduction="20000"/>
-          </a:bodyPr>
+          <a:bodyPr/>
           <a:lstStyle/>
           <a:p>
             <a:r>
               <a:rPr lang="en-US" altLang="ko-KR" smtClean="0"/>
-              <a:t>Source</a:t>
-            </a:r>
+              <a:t>NiFi </a:t>
+            </a:r>
+            <a:r>
+              <a:rPr lang="ko-KR" altLang="en-US" smtClean="0"/>
+              <a:t>와 </a:t>
+            </a:r>
+            <a:r>
+              <a:rPr lang="en-US" altLang="ko-KR" smtClean="0"/>
+              <a:t>Kafka Connect </a:t>
+            </a:r>
+            <a:r>
+              <a:rPr lang="ko-KR" altLang="en-US" smtClean="0"/>
+              <a:t>는 </a:t>
+            </a:r>
+            <a:r>
+              <a:rPr lang="en-US" altLang="ko-KR" smtClean="0"/>
+              <a:t>ETL</a:t>
+            </a:r>
+            <a:r>
+              <a:rPr lang="ko-KR" altLang="en-US" smtClean="0"/>
+              <a:t>관점에서 기능은 큰 차이가 없으나 성능 및 사용성의 관점에서 특징이 뚜렸하므로 요건의 우선순위에 따라 방식을 고려해야함</a:t>
+            </a:r>
+            <a:r>
+              <a:rPr lang="en-US" altLang="ko-KR" smtClean="0"/>
+              <a:t>.</a:t>
+            </a:r>
+          </a:p>
+          <a:p>
+            <a:endParaRPr lang="en-US" altLang="ko-KR" smtClean="0"/>
+          </a:p>
+          <a:p>
+            <a:r>
+              <a:rPr lang="ko-KR" altLang="en-US" smtClean="0"/>
+              <a:t>성능을 우선하는 경우</a:t>
+            </a:r>
+            <a:endParaRPr lang="en-US" altLang="ko-KR" smtClean="0"/>
           </a:p>
           <a:p>
             <a:pPr lvl="1"/>
             <a:r>
               <a:rPr lang="en-US" altLang="ko-KR" smtClean="0"/>
-              <a:t>DB : Mysql</a:t>
-            </a:r>
+              <a:t>Kafka Connect </a:t>
+            </a:r>
+            <a:r>
+              <a:rPr lang="ko-KR" altLang="en-US" smtClean="0"/>
+              <a:t>선택</a:t>
+            </a:r>
+            <a:endParaRPr lang="en-US" altLang="ko-KR" smtClean="0"/>
           </a:p>
           <a:p>
             <a:pPr lvl="1"/>
+            <a:endParaRPr lang="en-US" altLang="ko-KR"/>
+          </a:p>
+          <a:p>
+            <a:r>
+              <a:rPr lang="ko-KR" altLang="en-US" smtClean="0"/>
+              <a:t>관리 등 데이터 흐름제어를 우선하는 경우</a:t>
+            </a:r>
+            <a:endParaRPr lang="en-US" altLang="ko-KR" smtClean="0"/>
+          </a:p>
+          <a:p>
+            <a:pPr lvl="1"/>
             <a:r>
               <a:rPr lang="en-US" altLang="ko-KR" smtClean="0"/>
-              <a:t>Flow</a:t>
-            </a:r>
-          </a:p>
-          <a:p>
-            <a:pPr lvl="2"/>
-            <a:r>
-              <a:rPr lang="en-US" altLang="ko-KR" smtClean="0"/>
-              <a:t>Jdbc(select) polling -&gt; kafka</a:t>
-            </a:r>
-          </a:p>
-          <a:p>
-            <a:r>
-              <a:rPr lang="en-US" altLang="ko-KR" smtClean="0"/>
-              <a:t>Target</a:t>
-            </a:r>
-          </a:p>
-          <a:p>
-            <a:pPr lvl="1"/>
-            <a:r>
-              <a:rPr lang="en-US" altLang="ko-KR" smtClean="0"/>
-              <a:t>A type</a:t>
-            </a:r>
-          </a:p>
-          <a:p>
-            <a:pPr lvl="2"/>
-            <a:r>
-              <a:rPr lang="ko-KR" altLang="en-US" smtClean="0"/>
-              <a:t>설명 </a:t>
-            </a:r>
-            <a:r>
-              <a:rPr lang="en-US" altLang="ko-KR" smtClean="0"/>
-              <a:t>: Table Layout </a:t>
-            </a:r>
-            <a:r>
-              <a:rPr lang="ko-KR" altLang="en-US" smtClean="0"/>
-              <a:t>동일한 경우</a:t>
-            </a:r>
-            <a:endParaRPr lang="en-US" altLang="ko-KR" smtClean="0"/>
-          </a:p>
-          <a:p>
-            <a:pPr lvl="2"/>
-            <a:r>
-              <a:rPr lang="en-US" altLang="ko-KR" smtClean="0"/>
-              <a:t>DB : Mysql</a:t>
-            </a:r>
-          </a:p>
-          <a:p>
-            <a:pPr lvl="2"/>
-            <a:r>
-              <a:rPr lang="en-US" altLang="ko-KR" smtClean="0"/>
-              <a:t>Flow</a:t>
-            </a:r>
-          </a:p>
-          <a:p>
-            <a:pPr lvl="3"/>
-            <a:r>
-              <a:rPr lang="en-US" altLang="ko-KR" smtClean="0"/>
-              <a:t>Kafka -&gt; AvroToJson -&gt; JsonToSql -&gt; Jdbc Insert</a:t>
-            </a:r>
-          </a:p>
-          <a:p>
-            <a:pPr lvl="1"/>
-            <a:r>
-              <a:rPr lang="en-US" altLang="ko-KR" smtClean="0"/>
-              <a:t>B type</a:t>
-            </a:r>
-          </a:p>
-          <a:p>
-            <a:pPr lvl="2"/>
-            <a:r>
-              <a:rPr lang="ko-KR" altLang="en-US"/>
-              <a:t>설명 </a:t>
-            </a:r>
-            <a:r>
-              <a:rPr lang="en-US" altLang="ko-KR"/>
-              <a:t>: Table Layout </a:t>
-            </a:r>
-            <a:r>
-              <a:rPr lang="en-US" altLang="ko-KR" smtClean="0"/>
-              <a:t>subset</a:t>
-            </a:r>
-            <a:r>
-              <a:rPr lang="ko-KR" altLang="en-US" smtClean="0"/>
-              <a:t> 경우</a:t>
-            </a:r>
-            <a:endParaRPr lang="en-US" altLang="ko-KR" smtClean="0"/>
-          </a:p>
-          <a:p>
-            <a:pPr lvl="2"/>
-            <a:r>
-              <a:rPr lang="en-US" altLang="ko-KR"/>
-              <a:t>DB : Mysql</a:t>
-            </a:r>
-          </a:p>
-          <a:p>
-            <a:pPr lvl="2"/>
-            <a:r>
-              <a:rPr lang="en-US" altLang="ko-KR"/>
-              <a:t>Flow</a:t>
-            </a:r>
-          </a:p>
-          <a:p>
-            <a:pPr lvl="3"/>
-            <a:r>
-              <a:rPr lang="en-US" altLang="ko-KR"/>
-              <a:t>Kafka -&gt; AvroToJson -&gt; JsonToSql -&gt; Jdbc Insert</a:t>
-            </a:r>
-          </a:p>
-          <a:p>
-            <a:pPr lvl="1"/>
-            <a:r>
-              <a:rPr lang="en-US" altLang="ko-KR" smtClean="0"/>
-              <a:t>C type</a:t>
-            </a:r>
-          </a:p>
-          <a:p>
-            <a:pPr lvl="2"/>
-            <a:r>
-              <a:rPr lang="ko-KR" altLang="en-US" smtClean="0"/>
-              <a:t>ㄹㅇㅁㄴ</a:t>
-            </a:r>
-            <a:endParaRPr lang="en-US" altLang="ko-KR" smtClean="0"/>
+              <a:t>NiFi </a:t>
+            </a:r>
+            <a:r>
+              <a:rPr lang="ko-KR" altLang="en-US" smtClean="0"/>
+              <a:t>선택</a:t>
+            </a:r>
+            <a:endParaRPr lang="ko-KR" altLang="en-US"/>
           </a:p>
         </p:txBody>
       </p:sp>
     </p:spTree>
     <p:extLst>
       <p:ext uri="{BB962C8B-B14F-4D97-AF65-F5344CB8AC3E}">
-        <p14:creationId xmlns:p14="http://schemas.microsoft.com/office/powerpoint/2010/main" val="3947474349"/>
+        <p14:creationId xmlns:p14="http://schemas.microsoft.com/office/powerpoint/2010/main" val="1060095572"/>
       </p:ext>
     </p:extLst>
   </p:cSld>
